--- a/[报告] Text Emotion Detection.pptx
+++ b/[报告] Text Emotion Detection.pptx
@@ -5,7 +5,7 @@
     <p:sldMasterId id="2147483660" r:id="rId1"/>
   </p:sldMasterIdLst>
   <p:notesMasterIdLst>
-    <p:notesMasterId r:id="rId12"/>
+    <p:notesMasterId r:id="rId13"/>
   </p:notesMasterIdLst>
   <p:sldIdLst>
     <p:sldId id="256" r:id="rId2"/>
@@ -18,6 +18,7 @@
     <p:sldId id="263" r:id="rId9"/>
     <p:sldId id="264" r:id="rId10"/>
     <p:sldId id="265" r:id="rId11"/>
+    <p:sldId id="266" r:id="rId12"/>
   </p:sldIdLst>
   <p:sldSz cx="12192000" cy="6858000"/>
   <p:notesSz cx="6858000" cy="9144000"/>
@@ -4704,6 +4705,296 @@
     <p:extLst>
       <p:ext uri="{BB962C8B-B14F-4D97-AF65-F5344CB8AC3E}">
         <p14:creationId xmlns:p14="http://schemas.microsoft.com/office/powerpoint/2010/main" val="1516367863"/>
+      </p:ext>
+    </p:extLst>
+  </p:cSld>
+  <p:clrMapOvr>
+    <a:masterClrMapping/>
+  </p:clrMapOvr>
+</p:sld>
+</file>
+
+<file path=ppt/slides/slide11.xml><?xml version="1.0" encoding="utf-8"?>
+<p:sld xmlns:a="http://schemas.openxmlformats.org/drawingml/2006/main" xmlns:r="http://schemas.openxmlformats.org/officeDocument/2006/relationships" xmlns:p="http://schemas.openxmlformats.org/presentationml/2006/main">
+  <p:cSld>
+    <p:spTree>
+      <p:nvGrpSpPr>
+        <p:cNvPr id="1" name=""/>
+        <p:cNvGrpSpPr/>
+        <p:nvPr/>
+      </p:nvGrpSpPr>
+      <p:grpSpPr>
+        <a:xfrm>
+          <a:off x="0" y="0"/>
+          <a:ext cx="0" cy="0"/>
+          <a:chOff x="0" y="0"/>
+          <a:chExt cx="0" cy="0"/>
+        </a:xfrm>
+      </p:grpSpPr>
+      <p:sp>
+        <p:nvSpPr>
+          <p:cNvPr id="2" name="标题 1"/>
+          <p:cNvSpPr>
+            <a:spLocks noGrp="1"/>
+          </p:cNvSpPr>
+          <p:nvPr>
+            <p:ph type="title"/>
+          </p:nvPr>
+        </p:nvSpPr>
+        <p:spPr/>
+        <p:txBody>
+          <a:bodyPr>
+            <a:normAutofit/>
+          </a:bodyPr>
+          <a:lstStyle/>
+          <a:p>
+            <a:r>
+              <a:rPr kumimoji="1" lang="en-US" altLang="zh-CN" sz="4000" dirty="0"/>
+              <a:t>Deep Learning Approach for Sentiment Analysis of Short Texts </a:t>
+            </a:r>
+            <a:r>
+              <a:rPr kumimoji="1" lang="en-US" altLang="zh-CN" sz="4000" dirty="0" smtClean="0"/>
+              <a:t>(2017)</a:t>
+            </a:r>
+            <a:endParaRPr kumimoji="1" lang="zh-CN" altLang="en-US" sz="4000" dirty="0"/>
+          </a:p>
+        </p:txBody>
+      </p:sp>
+      <p:sp>
+        <p:nvSpPr>
+          <p:cNvPr id="3" name="内容占位符 2"/>
+          <p:cNvSpPr>
+            <a:spLocks noGrp="1"/>
+          </p:cNvSpPr>
+          <p:nvPr>
+            <p:ph idx="1"/>
+          </p:nvPr>
+        </p:nvSpPr>
+        <p:spPr/>
+        <p:txBody>
+          <a:bodyPr>
+            <a:normAutofit/>
+          </a:bodyPr>
+          <a:lstStyle/>
+          <a:p>
+            <a:r>
+              <a:rPr kumimoji="1" lang="en-US" altLang="zh-CN" dirty="0" smtClean="0"/>
+              <a:t>Abstract</a:t>
+            </a:r>
+          </a:p>
+          <a:p>
+            <a:pPr lvl="1"/>
+            <a:r>
+              <a:rPr kumimoji="1" lang="en-US" altLang="zh-CN" dirty="0" smtClean="0"/>
+              <a:t>Learning </a:t>
+            </a:r>
+            <a:r>
+              <a:rPr kumimoji="1" lang="en-US" altLang="zh-CN" b="1" dirty="0">
+                <a:solidFill>
+                  <a:srgbClr val="FF0000"/>
+                </a:solidFill>
+              </a:rPr>
+              <a:t>long-term dependencies </a:t>
+            </a:r>
+            <a:r>
+              <a:rPr kumimoji="1" lang="en-US" altLang="zh-CN" dirty="0"/>
+              <a:t>with gradient descent is difficult in neural network language model because of the </a:t>
+            </a:r>
+            <a:r>
+              <a:rPr kumimoji="1" lang="en-US" altLang="zh-CN" b="1" dirty="0">
+                <a:solidFill>
+                  <a:srgbClr val="FF0000"/>
+                </a:solidFill>
+              </a:rPr>
+              <a:t>vanishing gradients problem</a:t>
+            </a:r>
+            <a:r>
+              <a:rPr kumimoji="1" lang="en-US" altLang="zh-CN" dirty="0" smtClean="0"/>
+              <a:t>.</a:t>
+            </a:r>
+          </a:p>
+          <a:p>
+            <a:pPr lvl="1"/>
+            <a:r>
+              <a:rPr kumimoji="1" lang="en-US" altLang="zh-CN" dirty="0" smtClean="0"/>
+              <a:t>In </a:t>
+            </a:r>
+            <a:r>
+              <a:rPr kumimoji="1" lang="en-US" altLang="zh-CN" dirty="0"/>
+              <a:t>this paper, we propose </a:t>
+            </a:r>
+            <a:r>
+              <a:rPr kumimoji="1" lang="en-US" altLang="zh-CN" b="1" dirty="0" err="1">
+                <a:solidFill>
+                  <a:srgbClr val="FF0000"/>
+                </a:solidFill>
+              </a:rPr>
+              <a:t>ConvLstm</a:t>
+            </a:r>
+            <a:r>
+              <a:rPr kumimoji="1" lang="en-US" altLang="zh-CN" dirty="0"/>
+              <a:t>, neural network architecture that employs Convolutional Neural Network (CNN) and Long Short-Term Memory (LSTM) on top of pre-trained word vectors</a:t>
+            </a:r>
+            <a:r>
+              <a:rPr kumimoji="1" lang="en-US" altLang="zh-CN" dirty="0" smtClean="0"/>
+              <a:t>.</a:t>
+            </a:r>
+          </a:p>
+          <a:p>
+            <a:pPr lvl="1"/>
+            <a:r>
+              <a:rPr kumimoji="1" lang="en-US" altLang="zh-CN" dirty="0" smtClean="0"/>
+              <a:t>In </a:t>
+            </a:r>
+            <a:r>
+              <a:rPr kumimoji="1" lang="en-US" altLang="zh-CN" dirty="0"/>
+              <a:t>our experiments, </a:t>
+            </a:r>
+            <a:r>
+              <a:rPr kumimoji="1" lang="en-US" altLang="zh-CN" dirty="0" err="1"/>
+              <a:t>ConvLstm</a:t>
+            </a:r>
+            <a:r>
+              <a:rPr kumimoji="1" lang="en-US" altLang="zh-CN" dirty="0"/>
+              <a:t> exploit </a:t>
+            </a:r>
+            <a:r>
+              <a:rPr kumimoji="1" lang="en-US" altLang="zh-CN" b="1" dirty="0">
+                <a:solidFill>
+                  <a:srgbClr val="FF0000"/>
+                </a:solidFill>
+              </a:rPr>
+              <a:t>LSTM </a:t>
+            </a:r>
+            <a:r>
+              <a:rPr kumimoji="1" lang="en-US" altLang="zh-CN" dirty="0">
+                <a:solidFill>
+                  <a:srgbClr val="3C4040"/>
+                </a:solidFill>
+              </a:rPr>
+              <a:t>as a </a:t>
+            </a:r>
+            <a:r>
+              <a:rPr kumimoji="1" lang="en-US" altLang="zh-CN" b="1" dirty="0">
+                <a:solidFill>
+                  <a:srgbClr val="FF0000"/>
+                </a:solidFill>
+              </a:rPr>
+              <a:t>substitute </a:t>
+            </a:r>
+            <a:r>
+              <a:rPr kumimoji="1" lang="en-US" altLang="zh-CN" dirty="0"/>
+              <a:t>of </a:t>
+            </a:r>
+            <a:r>
+              <a:rPr kumimoji="1" lang="en-US" altLang="zh-CN" b="1" dirty="0">
+                <a:solidFill>
+                  <a:srgbClr val="FF0000"/>
+                </a:solidFill>
+              </a:rPr>
+              <a:t>pooling layer </a:t>
+            </a:r>
+            <a:r>
+              <a:rPr kumimoji="1" lang="en-US" altLang="zh-CN" dirty="0"/>
+              <a:t>in CNN to </a:t>
+            </a:r>
+            <a:r>
+              <a:rPr kumimoji="1" lang="en-US" altLang="zh-CN" b="1" dirty="0">
+                <a:solidFill>
+                  <a:srgbClr val="FF0000"/>
+                </a:solidFill>
+              </a:rPr>
+              <a:t>reduce the loss of detailed local information </a:t>
+            </a:r>
+            <a:r>
+              <a:rPr kumimoji="1" lang="en-US" altLang="zh-CN" dirty="0"/>
+              <a:t>and </a:t>
+            </a:r>
+            <a:r>
+              <a:rPr kumimoji="1" lang="en-US" altLang="zh-CN" b="1" dirty="0">
+                <a:solidFill>
+                  <a:srgbClr val="FF0000"/>
+                </a:solidFill>
+              </a:rPr>
+              <a:t>capture long term dependencies </a:t>
+            </a:r>
+            <a:r>
+              <a:rPr kumimoji="1" lang="en-US" altLang="zh-CN" dirty="0"/>
+              <a:t>in sequence of sentences</a:t>
+            </a:r>
+            <a:r>
+              <a:rPr kumimoji="1" lang="en-US" altLang="zh-CN" dirty="0" smtClean="0"/>
+              <a:t>.</a:t>
+            </a:r>
+            <a:endParaRPr kumimoji="1" lang="zh-CN" altLang="en-US" dirty="0"/>
+          </a:p>
+        </p:txBody>
+      </p:sp>
+      <p:sp>
+        <p:nvSpPr>
+          <p:cNvPr id="4" name="矩形 3"/>
+          <p:cNvSpPr/>
+          <p:nvPr/>
+        </p:nvSpPr>
+        <p:spPr>
+          <a:xfrm>
+            <a:off x="1097280" y="6488668"/>
+            <a:ext cx="3555973" cy="369332"/>
+          </a:xfrm>
+          <a:prstGeom prst="rect">
+            <a:avLst/>
+          </a:prstGeom>
+        </p:spPr>
+        <p:txBody>
+          <a:bodyPr wrap="none">
+            <a:spAutoFit/>
+          </a:bodyPr>
+          <a:lstStyle/>
+          <a:p>
+            <a:r>
+              <a:rPr kumimoji="1" lang="en-US" altLang="zh-CN" dirty="0" err="1">
+                <a:solidFill>
+                  <a:schemeClr val="bg1"/>
+                </a:solidFill>
+              </a:rPr>
+              <a:t>Abdalraouf</a:t>
+            </a:r>
+            <a:r>
+              <a:rPr kumimoji="1" lang="en-US" altLang="zh-CN" dirty="0">
+                <a:solidFill>
+                  <a:schemeClr val="bg1"/>
+                </a:solidFill>
+              </a:rPr>
+              <a:t> Hassan, </a:t>
+            </a:r>
+            <a:r>
+              <a:rPr kumimoji="1" lang="en-US" altLang="zh-CN" dirty="0" err="1">
+                <a:solidFill>
+                  <a:schemeClr val="bg1"/>
+                </a:solidFill>
+              </a:rPr>
+              <a:t>Ausif</a:t>
+            </a:r>
+            <a:r>
+              <a:rPr kumimoji="1" lang="en-US" altLang="zh-CN" dirty="0">
+                <a:solidFill>
+                  <a:schemeClr val="bg1"/>
+                </a:solidFill>
+              </a:rPr>
+              <a:t> Mahmood</a:t>
+            </a:r>
+            <a:endParaRPr lang="zh-CN" altLang="en-US" dirty="0">
+              <a:solidFill>
+                <a:schemeClr val="bg1"/>
+              </a:solidFill>
+            </a:endParaRPr>
+          </a:p>
+        </p:txBody>
+      </p:sp>
+    </p:spTree>
+    <p:extLst>
+      <p:ext uri="{BB962C8B-B14F-4D97-AF65-F5344CB8AC3E}">
+        <p14:creationId xmlns:p14="http://schemas.microsoft.com/office/powerpoint/2010/main" val="2005330213"/>
       </p:ext>
     </p:extLst>
   </p:cSld>

--- a/[报告] Text Emotion Detection.pptx
+++ b/[报告] Text Emotion Detection.pptx
@@ -5,7 +5,7 @@
     <p:sldMasterId id="2147483660" r:id="rId1"/>
   </p:sldMasterIdLst>
   <p:notesMasterIdLst>
-    <p:notesMasterId r:id="rId13"/>
+    <p:notesMasterId r:id="rId14"/>
   </p:notesMasterIdLst>
   <p:sldIdLst>
     <p:sldId id="256" r:id="rId2"/>
@@ -19,6 +19,7 @@
     <p:sldId id="264" r:id="rId10"/>
     <p:sldId id="265" r:id="rId11"/>
     <p:sldId id="266" r:id="rId12"/>
+    <p:sldId id="267" r:id="rId13"/>
   </p:sldIdLst>
   <p:sldSz cx="12192000" cy="6858000"/>
   <p:notesSz cx="6858000" cy="9144000"/>
@@ -207,7 +208,7 @@
           <a:p>
             <a:fld id="{983043E2-39BC-0A48-8C2E-4FD7A4F1E838}" type="datetimeFigureOut">
               <a:rPr kumimoji="1" lang="zh-CN" altLang="en-US" smtClean="0"/>
-              <a:t>2018/12/6</a:t>
+              <a:t>2018/12/7</a:t>
             </a:fld>
             <a:endParaRPr kumimoji="1" lang="zh-CN" altLang="en-US"/>
           </a:p>
@@ -643,6 +644,90 @@
 </p:notes>
 </file>
 
+<file path=ppt/notesSlides/notesSlide3.xml><?xml version="1.0" encoding="utf-8"?>
+<p:notes xmlns:a="http://schemas.openxmlformats.org/drawingml/2006/main" xmlns:r="http://schemas.openxmlformats.org/officeDocument/2006/relationships" xmlns:p="http://schemas.openxmlformats.org/presentationml/2006/main">
+  <p:cSld>
+    <p:spTree>
+      <p:nvGrpSpPr>
+        <p:cNvPr id="1" name=""/>
+        <p:cNvGrpSpPr/>
+        <p:nvPr/>
+      </p:nvGrpSpPr>
+      <p:grpSpPr>
+        <a:xfrm>
+          <a:off x="0" y="0"/>
+          <a:ext cx="0" cy="0"/>
+          <a:chOff x="0" y="0"/>
+          <a:chExt cx="0" cy="0"/>
+        </a:xfrm>
+      </p:grpSpPr>
+      <p:sp>
+        <p:nvSpPr>
+          <p:cNvPr id="2" name="幻灯片图像占位符 1"/>
+          <p:cNvSpPr>
+            <a:spLocks noGrp="1" noRot="1" noChangeAspect="1"/>
+          </p:cNvSpPr>
+          <p:nvPr>
+            <p:ph type="sldImg"/>
+          </p:nvPr>
+        </p:nvSpPr>
+        <p:spPr/>
+      </p:sp>
+      <p:sp>
+        <p:nvSpPr>
+          <p:cNvPr id="3" name="备注占位符 2"/>
+          <p:cNvSpPr>
+            <a:spLocks noGrp="1"/>
+          </p:cNvSpPr>
+          <p:nvPr>
+            <p:ph type="body" idx="1"/>
+          </p:nvPr>
+        </p:nvSpPr>
+        <p:spPr/>
+        <p:txBody>
+          <a:bodyPr/>
+          <a:lstStyle/>
+          <a:p>
+            <a:endParaRPr kumimoji="1" lang="zh-CN" altLang="en-US" dirty="0"/>
+          </a:p>
+        </p:txBody>
+      </p:sp>
+      <p:sp>
+        <p:nvSpPr>
+          <p:cNvPr id="4" name="幻灯片编号占位符 3"/>
+          <p:cNvSpPr>
+            <a:spLocks noGrp="1"/>
+          </p:cNvSpPr>
+          <p:nvPr>
+            <p:ph type="sldNum" sz="quarter" idx="10"/>
+          </p:nvPr>
+        </p:nvSpPr>
+        <p:spPr/>
+        <p:txBody>
+          <a:bodyPr/>
+          <a:lstStyle/>
+          <a:p>
+            <a:fld id="{CF7B931C-FECA-CD4F-B96B-EBB6545EB884}" type="slidenum">
+              <a:rPr kumimoji="1" lang="zh-CN" altLang="en-US" smtClean="0"/>
+              <a:t>11</a:t>
+            </a:fld>
+            <a:endParaRPr kumimoji="1" lang="zh-CN" altLang="en-US"/>
+          </a:p>
+        </p:txBody>
+      </p:sp>
+    </p:spTree>
+    <p:extLst>
+      <p:ext uri="{BB962C8B-B14F-4D97-AF65-F5344CB8AC3E}">
+        <p14:creationId xmlns:p14="http://schemas.microsoft.com/office/powerpoint/2010/main" val="1887217652"/>
+      </p:ext>
+    </p:extLst>
+  </p:cSld>
+  <p:clrMapOvr>
+    <a:masterClrMapping/>
+  </p:clrMapOvr>
+</p:notes>
+</file>
+
 <file path=ppt/slideLayouts/slideLayout1.xml><?xml version="1.0" encoding="utf-8"?>
 <p:sldLayout xmlns:a="http://schemas.openxmlformats.org/drawingml/2006/main" xmlns:r="http://schemas.openxmlformats.org/officeDocument/2006/relationships" xmlns:p="http://schemas.openxmlformats.org/presentationml/2006/main" showMasterSp="0" type="title" preserve="1">
   <p:cSld name="标题幻灯片">
@@ -869,7 +954,7 @@
           <a:p>
             <a:fld id="{E23D9A72-93E2-EA46-BADF-AE74A1DEC3F4}" type="datetimeFigureOut">
               <a:rPr kumimoji="1" lang="zh-CN" altLang="en-US" smtClean="0"/>
-              <a:t>2018/12/6</a:t>
+              <a:t>2018/12/7</a:t>
             </a:fld>
             <a:endParaRPr kumimoji="1" lang="zh-CN" altLang="en-US"/>
           </a:p>
@@ -1077,7 +1162,7 @@
           <a:p>
             <a:fld id="{E23D9A72-93E2-EA46-BADF-AE74A1DEC3F4}" type="datetimeFigureOut">
               <a:rPr kumimoji="1" lang="zh-CN" altLang="en-US" smtClean="0"/>
-              <a:t>2018/12/6</a:t>
+              <a:t>2018/12/7</a:t>
             </a:fld>
             <a:endParaRPr kumimoji="1" lang="zh-CN" altLang="en-US"/>
           </a:p>
@@ -1333,7 +1418,7 @@
           <a:p>
             <a:fld id="{E23D9A72-93E2-EA46-BADF-AE74A1DEC3F4}" type="datetimeFigureOut">
               <a:rPr kumimoji="1" lang="zh-CN" altLang="en-US" smtClean="0"/>
-              <a:t>2018/12/6</a:t>
+              <a:t>2018/12/7</a:t>
             </a:fld>
             <a:endParaRPr kumimoji="1" lang="zh-CN" altLang="en-US"/>
           </a:p>
@@ -1507,7 +1592,7 @@
           <a:p>
             <a:fld id="{E23D9A72-93E2-EA46-BADF-AE74A1DEC3F4}" type="datetimeFigureOut">
               <a:rPr kumimoji="1" lang="zh-CN" altLang="en-US" smtClean="0"/>
-              <a:t>2018/12/6</a:t>
+              <a:t>2018/12/7</a:t>
             </a:fld>
             <a:endParaRPr kumimoji="1" lang="zh-CN" altLang="en-US"/>
           </a:p>
@@ -1850,7 +1935,7 @@
           <a:p>
             <a:fld id="{E23D9A72-93E2-EA46-BADF-AE74A1DEC3F4}" type="datetimeFigureOut">
               <a:rPr kumimoji="1" lang="zh-CN" altLang="en-US" smtClean="0"/>
-              <a:t>2018/12/6</a:t>
+              <a:t>2018/12/7</a:t>
             </a:fld>
             <a:endParaRPr kumimoji="1" lang="zh-CN" altLang="en-US"/>
           </a:p>
@@ -2125,7 +2210,7 @@
           <a:p>
             <a:fld id="{E23D9A72-93E2-EA46-BADF-AE74A1DEC3F4}" type="datetimeFigureOut">
               <a:rPr kumimoji="1" lang="zh-CN" altLang="en-US" smtClean="0"/>
-              <a:t>2018/12/6</a:t>
+              <a:t>2018/12/7</a:t>
             </a:fld>
             <a:endParaRPr kumimoji="1" lang="zh-CN" altLang="en-US"/>
           </a:p>
@@ -2504,7 +2589,7 @@
           <a:p>
             <a:fld id="{E23D9A72-93E2-EA46-BADF-AE74A1DEC3F4}" type="datetimeFigureOut">
               <a:rPr kumimoji="1" lang="zh-CN" altLang="en-US" smtClean="0"/>
-              <a:t>2018/12/6</a:t>
+              <a:t>2018/12/7</a:t>
             </a:fld>
             <a:endParaRPr kumimoji="1" lang="zh-CN" altLang="en-US"/>
           </a:p>
@@ -2622,7 +2707,7 @@
           <a:p>
             <a:fld id="{E23D9A72-93E2-EA46-BADF-AE74A1DEC3F4}" type="datetimeFigureOut">
               <a:rPr kumimoji="1" lang="zh-CN" altLang="en-US" smtClean="0"/>
-              <a:t>2018/12/6</a:t>
+              <a:t>2018/12/7</a:t>
             </a:fld>
             <a:endParaRPr kumimoji="1" lang="zh-CN" altLang="en-US"/>
           </a:p>
@@ -2793,7 +2878,7 @@
           <a:p>
             <a:fld id="{E23D9A72-93E2-EA46-BADF-AE74A1DEC3F4}" type="datetimeFigureOut">
               <a:rPr kumimoji="1" lang="zh-CN" altLang="en-US" smtClean="0"/>
-              <a:t>2018/12/6</a:t>
+              <a:t>2018/12/7</a:t>
             </a:fld>
             <a:endParaRPr kumimoji="1" lang="zh-CN" altLang="en-US"/>
           </a:p>
@@ -3147,7 +3232,7 @@
           <a:p>
             <a:fld id="{E23D9A72-93E2-EA46-BADF-AE74A1DEC3F4}" type="datetimeFigureOut">
               <a:rPr kumimoji="1" lang="zh-CN" altLang="en-US" smtClean="0"/>
-              <a:t>2018/12/6</a:t>
+              <a:t>2018/12/7</a:t>
             </a:fld>
             <a:endParaRPr kumimoji="1" lang="zh-CN" altLang="en-US"/>
           </a:p>
@@ -3529,7 +3614,7 @@
           <a:p>
             <a:fld id="{E23D9A72-93E2-EA46-BADF-AE74A1DEC3F4}" type="datetimeFigureOut">
               <a:rPr kumimoji="1" lang="zh-CN" altLang="en-US" smtClean="0"/>
-              <a:t>2018/12/6</a:t>
+              <a:t>2018/12/7</a:t>
             </a:fld>
             <a:endParaRPr kumimoji="1" lang="zh-CN" altLang="en-US"/>
           </a:p>
@@ -3816,7 +3901,7 @@
           <a:p>
             <a:fld id="{E23D9A72-93E2-EA46-BADF-AE74A1DEC3F4}" type="datetimeFigureOut">
               <a:rPr kumimoji="1" lang="zh-CN" altLang="en-US" smtClean="0"/>
-              <a:t>2018/12/6</a:t>
+              <a:t>2018/12/7</a:t>
             </a:fld>
             <a:endParaRPr kumimoji="1" lang="zh-CN" altLang="en-US"/>
           </a:p>
@@ -5004,6 +5089,282 @@
 </p:sld>
 </file>
 
+<file path=ppt/slides/slide12.xml><?xml version="1.0" encoding="utf-8"?>
+<p:sld xmlns:a="http://schemas.openxmlformats.org/drawingml/2006/main" xmlns:r="http://schemas.openxmlformats.org/officeDocument/2006/relationships" xmlns:p="http://schemas.openxmlformats.org/presentationml/2006/main">
+  <p:cSld>
+    <p:spTree>
+      <p:nvGrpSpPr>
+        <p:cNvPr id="1" name=""/>
+        <p:cNvGrpSpPr/>
+        <p:nvPr/>
+      </p:nvGrpSpPr>
+      <p:grpSpPr>
+        <a:xfrm>
+          <a:off x="0" y="0"/>
+          <a:ext cx="0" cy="0"/>
+          <a:chOff x="0" y="0"/>
+          <a:chExt cx="0" cy="0"/>
+        </a:xfrm>
+      </p:grpSpPr>
+      <p:sp>
+        <p:nvSpPr>
+          <p:cNvPr id="2" name="标题 1"/>
+          <p:cNvSpPr>
+            <a:spLocks noGrp="1"/>
+          </p:cNvSpPr>
+          <p:nvPr>
+            <p:ph type="title"/>
+          </p:nvPr>
+        </p:nvSpPr>
+        <p:spPr/>
+        <p:txBody>
+          <a:bodyPr>
+            <a:noAutofit/>
+          </a:bodyPr>
+          <a:lstStyle/>
+          <a:p>
+            <a:r>
+              <a:rPr kumimoji="1" lang="en-US" altLang="zh-CN" sz="2800" dirty="0"/>
+              <a:t>Sentiment Classification with Word Attention based </a:t>
+            </a:r>
+            <a:r>
+              <a:rPr kumimoji="1" lang="en-US" altLang="zh-CN" sz="2800" dirty="0" smtClean="0"/>
+              <a:t>on Weakly </a:t>
+            </a:r>
+            <a:r>
+              <a:rPr kumimoji="1" lang="en-US" altLang="zh-CN" sz="2800" dirty="0"/>
+              <a:t>Supervised Learning with a Convolutional Neural </a:t>
+            </a:r>
+            <a:r>
+              <a:rPr kumimoji="1" lang="en-US" altLang="zh-CN" sz="2800" dirty="0" smtClean="0"/>
+              <a:t>Network (2017)</a:t>
+            </a:r>
+            <a:endParaRPr kumimoji="1" lang="zh-CN" altLang="en-US" sz="2800" dirty="0"/>
+          </a:p>
+        </p:txBody>
+      </p:sp>
+      <p:sp>
+        <p:nvSpPr>
+          <p:cNvPr id="3" name="内容占位符 2"/>
+          <p:cNvSpPr>
+            <a:spLocks noGrp="1"/>
+          </p:cNvSpPr>
+          <p:nvPr>
+            <p:ph idx="1"/>
+          </p:nvPr>
+        </p:nvSpPr>
+        <p:spPr>
+          <a:xfrm>
+            <a:off x="1097280" y="1845734"/>
+            <a:ext cx="4956048" cy="4023360"/>
+          </a:xfrm>
+        </p:spPr>
+        <p:txBody>
+          <a:bodyPr>
+            <a:normAutofit fontScale="92500" lnSpcReduction="20000"/>
+          </a:bodyPr>
+          <a:lstStyle/>
+          <a:p>
+            <a:r>
+              <a:rPr kumimoji="1" lang="en-US" altLang="zh-CN" dirty="0" smtClean="0"/>
+              <a:t>Abstract</a:t>
+            </a:r>
+          </a:p>
+          <a:p>
+            <a:pPr lvl="1"/>
+            <a:r>
+              <a:rPr kumimoji="1" lang="en-US" altLang="zh-CN" dirty="0"/>
+              <a:t>In this paper, we propose a method for </a:t>
+            </a:r>
+            <a:r>
+              <a:rPr kumimoji="1" lang="en-US" altLang="zh-CN" b="1" dirty="0">
+                <a:solidFill>
+                  <a:srgbClr val="FF0000"/>
+                </a:solidFill>
+              </a:rPr>
+              <a:t>identifying key </a:t>
+            </a:r>
+            <a:r>
+              <a:rPr kumimoji="1" lang="en-US" altLang="zh-CN" dirty="0"/>
+              <a:t>words </a:t>
+            </a:r>
+            <a:r>
+              <a:rPr kumimoji="1" lang="en-US" altLang="zh-CN" b="1" dirty="0">
+                <a:solidFill>
+                  <a:srgbClr val="FF0000"/>
+                </a:solidFill>
+              </a:rPr>
+              <a:t>discriminating positive and negative </a:t>
+            </a:r>
+            <a:r>
+              <a:rPr kumimoji="1" lang="en-US" altLang="zh-CN" dirty="0"/>
+              <a:t>sentences by using a weakly supervised learning method based on a convolutional neural network (CNN</a:t>
+            </a:r>
+            <a:r>
+              <a:rPr kumimoji="1" lang="en-US" altLang="zh-CN" dirty="0" smtClean="0"/>
+              <a:t>).</a:t>
+            </a:r>
+          </a:p>
+          <a:p>
+            <a:pPr lvl="1"/>
+            <a:r>
+              <a:rPr kumimoji="1" lang="en-US" altLang="zh-CN" dirty="0" smtClean="0"/>
+              <a:t>In </a:t>
+            </a:r>
+            <a:r>
+              <a:rPr kumimoji="1" lang="en-US" altLang="zh-CN" dirty="0"/>
+              <a:t>our model, each word is represented as a continuous-valued vector and each sentence is represented as a matrix whose rows correspond to the word vector used in the </a:t>
+            </a:r>
+            <a:r>
+              <a:rPr kumimoji="1" lang="en-US" altLang="zh-CN" dirty="0" smtClean="0"/>
+              <a:t>sentence. Then</a:t>
+            </a:r>
+            <a:r>
+              <a:rPr kumimoji="1" lang="en-US" altLang="zh-CN" dirty="0"/>
+              <a:t>, the CNN model is trained using these </a:t>
+            </a:r>
+            <a:r>
+              <a:rPr kumimoji="1" lang="en-US" altLang="zh-CN" b="1" dirty="0" smtClean="0">
+                <a:solidFill>
+                  <a:srgbClr val="FF0000"/>
+                </a:solidFill>
+              </a:rPr>
+              <a:t>sentence matrices </a:t>
+            </a:r>
+            <a:r>
+              <a:rPr kumimoji="1" lang="en-US" altLang="zh-CN" dirty="0"/>
+              <a:t>as inputs and the </a:t>
+            </a:r>
+            <a:r>
+              <a:rPr kumimoji="1" lang="en-US" altLang="zh-CN" b="1" dirty="0">
+                <a:solidFill>
+                  <a:srgbClr val="FF0000"/>
+                </a:solidFill>
+              </a:rPr>
+              <a:t>sentiment labels </a:t>
+            </a:r>
+            <a:r>
+              <a:rPr kumimoji="1" lang="en-US" altLang="zh-CN" dirty="0"/>
+              <a:t>as </a:t>
+            </a:r>
+            <a:r>
+              <a:rPr kumimoji="1" lang="en-US" altLang="zh-CN" dirty="0" smtClean="0"/>
+              <a:t>the </a:t>
+            </a:r>
+            <a:r>
+              <a:rPr kumimoji="1" lang="en-US" altLang="zh-CN" dirty="0"/>
+              <a:t>output</a:t>
+            </a:r>
+            <a:r>
+              <a:rPr kumimoji="1" lang="en-US" altLang="zh-CN" dirty="0" smtClean="0"/>
+              <a:t>.</a:t>
+            </a:r>
+          </a:p>
+          <a:p>
+            <a:pPr lvl="1"/>
+            <a:r>
+              <a:rPr kumimoji="1" lang="en-US" altLang="zh-CN" dirty="0" smtClean="0"/>
+              <a:t>Once </a:t>
+            </a:r>
+            <a:r>
+              <a:rPr kumimoji="1" lang="en-US" altLang="zh-CN" dirty="0"/>
+              <a:t>the CNN model is trained, we implement the </a:t>
+            </a:r>
+            <a:r>
+              <a:rPr kumimoji="1" lang="en-US" altLang="zh-CN" b="1" dirty="0">
+                <a:solidFill>
+                  <a:srgbClr val="FF0000"/>
+                </a:solidFill>
+              </a:rPr>
+              <a:t>word attention mechanism </a:t>
+            </a:r>
+            <a:r>
+              <a:rPr kumimoji="1" lang="en-US" altLang="zh-CN" dirty="0"/>
+              <a:t>that identifies high-contributing words to classification results with a class activation map, using the weights from the fully connected layer at the end of the learned CNN model</a:t>
+            </a:r>
+            <a:r>
+              <a:rPr kumimoji="1" lang="en-US" altLang="zh-CN" dirty="0" smtClean="0"/>
+              <a:t>.</a:t>
+            </a:r>
+            <a:endParaRPr kumimoji="1" lang="zh-CN" altLang="en-US" dirty="0"/>
+          </a:p>
+        </p:txBody>
+      </p:sp>
+      <p:sp>
+        <p:nvSpPr>
+          <p:cNvPr id="4" name="矩形 3"/>
+          <p:cNvSpPr/>
+          <p:nvPr/>
+        </p:nvSpPr>
+        <p:spPr>
+          <a:xfrm>
+            <a:off x="1097280" y="6488668"/>
+            <a:ext cx="7668768" cy="369332"/>
+          </a:xfrm>
+          <a:prstGeom prst="rect">
+            <a:avLst/>
+          </a:prstGeom>
+        </p:spPr>
+        <p:txBody>
+          <a:bodyPr wrap="square">
+            <a:spAutoFit/>
+          </a:bodyPr>
+          <a:lstStyle/>
+          <a:p>
+            <a:r>
+              <a:rPr lang="zh-CN" altLang="en-US">
+                <a:solidFill>
+                  <a:schemeClr val="bg1"/>
+                </a:solidFill>
+              </a:rPr>
+              <a:t>Gichang Lee, Jaeyun Jeong, Seungwan Seo, CzangYeob Kim, Pilsung Kang</a:t>
+            </a:r>
+          </a:p>
+        </p:txBody>
+      </p:sp>
+      <p:pic>
+        <p:nvPicPr>
+          <p:cNvPr id="5" name="图片 4"/>
+          <p:cNvPicPr>
+            <a:picLocks noChangeAspect="1"/>
+          </p:cNvPicPr>
+          <p:nvPr/>
+        </p:nvPicPr>
+        <p:blipFill>
+          <a:blip r:embed="rId2">
+            <a:extLst>
+              <a:ext uri="{28A0092B-C50C-407E-A947-70E740481C1C}">
+                <a14:useLocalDpi xmlns:a14="http://schemas.microsoft.com/office/drawing/2010/main" val="0"/>
+              </a:ext>
+            </a:extLst>
+          </a:blip>
+          <a:stretch>
+            <a:fillRect/>
+          </a:stretch>
+        </p:blipFill>
+        <p:spPr>
+          <a:xfrm>
+            <a:off x="6321127" y="2070655"/>
+            <a:ext cx="4542370" cy="3573518"/>
+          </a:xfrm>
+          <a:prstGeom prst="rect">
+            <a:avLst/>
+          </a:prstGeom>
+        </p:spPr>
+      </p:pic>
+    </p:spTree>
+    <p:extLst>
+      <p:ext uri="{BB962C8B-B14F-4D97-AF65-F5344CB8AC3E}">
+        <p14:creationId xmlns:p14="http://schemas.microsoft.com/office/powerpoint/2010/main" val="1945749964"/>
+      </p:ext>
+    </p:extLst>
+  </p:cSld>
+  <p:clrMapOvr>
+    <a:masterClrMapping/>
+  </p:clrMapOvr>
+</p:sld>
+</file>
+
 <file path=ppt/slides/slide2.xml><?xml version="1.0" encoding="utf-8"?>
 <p:sld xmlns:a="http://schemas.openxmlformats.org/drawingml/2006/main" xmlns:r="http://schemas.openxmlformats.org/officeDocument/2006/relationships" xmlns:p="http://schemas.openxmlformats.org/presentationml/2006/main">
   <p:cSld>
@@ -5636,6 +5997,30 @@
               <a:t>under-sampling</a:t>
             </a:r>
             <a:r>
+              <a:rPr kumimoji="1" lang="en-US" altLang="zh-CN" sz="1500" dirty="0" smtClean="0">
+                <a:solidFill>
+                  <a:srgbClr val="3C4040"/>
+                </a:solidFill>
+              </a:rPr>
+              <a:t> (</a:t>
+            </a:r>
+            <a:r>
+              <a:rPr kumimoji="1" lang="zh-CN" altLang="en-US" sz="1500" dirty="0">
+                <a:solidFill>
+                  <a:srgbClr val="3C4040"/>
+                </a:solidFill>
+              </a:rPr>
+              <a:t>欠采样</a:t>
+            </a:r>
+            <a:r>
+              <a:rPr kumimoji="1" lang="en-US" altLang="zh-CN" sz="1500" dirty="0" smtClean="0">
+                <a:solidFill>
+                  <a:srgbClr val="3C4040"/>
+                </a:solidFill>
+              </a:rPr>
+              <a:t>)</a:t>
+            </a:r>
+            <a:r>
               <a:rPr kumimoji="1" lang="en-US" altLang="zh-CN" dirty="0" smtClean="0">
                 <a:solidFill>
                   <a:srgbClr val="FF0000"/>
@@ -5756,7 +6141,15 @@
           <a:p>
             <a:r>
               <a:rPr kumimoji="1" lang="en-US" altLang="zh-CN" dirty="0" smtClean="0"/>
-              <a:t>Data Normalization</a:t>
+              <a:t>Data </a:t>
+            </a:r>
+            <a:r>
+              <a:rPr kumimoji="1" lang="en-US" altLang="zh-CN" b="1" dirty="0" smtClean="0">
+                <a:solidFill>
+                  <a:srgbClr val="FF0000"/>
+                </a:solidFill>
+              </a:rPr>
+              <a:t>Normalization</a:t>
             </a:r>
           </a:p>
           <a:p>
@@ -5982,7 +6375,50 @@
             </a:r>
             <a:r>
               <a:rPr kumimoji="1" lang="en-US" altLang="zh-CN" dirty="0" smtClean="0"/>
-              <a:t>that may determine satisfaction in customer service operations. We utilized more than 170,000 online chat sessions between customers and agents to identify characteristics of chat sessions that incurred dissatisfying experience.</a:t>
+              <a:t>that may determine </a:t>
+            </a:r>
+            <a:r>
+              <a:rPr kumimoji="1" lang="en-US" altLang="zh-CN" b="1" dirty="0" smtClean="0">
+                <a:solidFill>
+                  <a:srgbClr val="FF0000"/>
+                </a:solidFill>
+              </a:rPr>
+              <a:t>satisfaction</a:t>
+            </a:r>
+            <a:r>
+              <a:rPr kumimoji="1" lang="en-US" altLang="zh-CN" dirty="0" smtClean="0"/>
+              <a:t> in </a:t>
+            </a:r>
+            <a:r>
+              <a:rPr kumimoji="1" lang="en-US" altLang="zh-CN" b="1" dirty="0" smtClean="0">
+                <a:solidFill>
+                  <a:srgbClr val="FF0000"/>
+                </a:solidFill>
+              </a:rPr>
+              <a:t>customer service </a:t>
+            </a:r>
+            <a:r>
+              <a:rPr kumimoji="1" lang="en-US" altLang="zh-CN" dirty="0" smtClean="0"/>
+              <a:t>operations.</a:t>
+            </a:r>
+          </a:p>
+          <a:p>
+            <a:pPr lvl="1"/>
+            <a:r>
+              <a:rPr kumimoji="1" lang="en-US" altLang="zh-CN" dirty="0" smtClean="0"/>
+              <a:t>We utilized more than 170,000 online chat sessions between </a:t>
+            </a:r>
+            <a:r>
+              <a:rPr kumimoji="1" lang="en-US" altLang="zh-CN" b="1" dirty="0" smtClean="0">
+                <a:solidFill>
+                  <a:srgbClr val="FF0000"/>
+                </a:solidFill>
+              </a:rPr>
+              <a:t>customers and agents </a:t>
+            </a:r>
+            <a:r>
+              <a:rPr kumimoji="1" lang="en-US" altLang="zh-CN" dirty="0" smtClean="0"/>
+              <a:t>to identify characteristics of chat sessions that incurred dissatisfying experience.</a:t>
             </a:r>
           </a:p>
           <a:p>
@@ -6487,7 +6923,11 @@
           </a:p>
           <a:p>
             <a:r>
-              <a:rPr kumimoji="1" lang="en-US" altLang="zh-CN" dirty="0" smtClean="0"/>
+              <a:rPr kumimoji="1" lang="en-US" altLang="zh-CN" b="1" dirty="0" smtClean="0">
+                <a:solidFill>
+                  <a:srgbClr val="FF0000"/>
+                </a:solidFill>
+              </a:rPr>
               <a:t>Text Expansion</a:t>
             </a:r>
           </a:p>

--- a/[报告] Text Emotion Detection.pptx
+++ b/[报告] Text Emotion Detection.pptx
@@ -5,7 +5,7 @@
     <p:sldMasterId id="2147483660" r:id="rId1"/>
   </p:sldMasterIdLst>
   <p:notesMasterIdLst>
-    <p:notesMasterId r:id="rId14"/>
+    <p:notesMasterId r:id="rId17"/>
   </p:notesMasterIdLst>
   <p:sldIdLst>
     <p:sldId id="256" r:id="rId2"/>
@@ -20,6 +20,9 @@
     <p:sldId id="265" r:id="rId11"/>
     <p:sldId id="266" r:id="rId12"/>
     <p:sldId id="267" r:id="rId13"/>
+    <p:sldId id="268" r:id="rId14"/>
+    <p:sldId id="269" r:id="rId15"/>
+    <p:sldId id="270" r:id="rId16"/>
   </p:sldIdLst>
   <p:sldSz cx="12192000" cy="6858000"/>
   <p:notesSz cx="6858000" cy="9144000"/>
@@ -208,7 +211,7 @@
           <a:p>
             <a:fld id="{983043E2-39BC-0A48-8C2E-4FD7A4F1E838}" type="datetimeFigureOut">
               <a:rPr kumimoji="1" lang="zh-CN" altLang="en-US" smtClean="0"/>
-              <a:t>2018/12/7</a:t>
+              <a:t>2018/12/11</a:t>
             </a:fld>
             <a:endParaRPr kumimoji="1" lang="zh-CN" altLang="en-US"/>
           </a:p>
@@ -709,6 +712,90 @@
           <a:p>
             <a:fld id="{CF7B931C-FECA-CD4F-B96B-EBB6545EB884}" type="slidenum">
               <a:rPr kumimoji="1" lang="zh-CN" altLang="en-US" smtClean="0"/>
+              <a:t>7</a:t>
+            </a:fld>
+            <a:endParaRPr kumimoji="1" lang="zh-CN" altLang="en-US"/>
+          </a:p>
+        </p:txBody>
+      </p:sp>
+    </p:spTree>
+    <p:extLst>
+      <p:ext uri="{BB962C8B-B14F-4D97-AF65-F5344CB8AC3E}">
+        <p14:creationId xmlns:p14="http://schemas.microsoft.com/office/powerpoint/2010/main" val="703081600"/>
+      </p:ext>
+    </p:extLst>
+  </p:cSld>
+  <p:clrMapOvr>
+    <a:masterClrMapping/>
+  </p:clrMapOvr>
+</p:notes>
+</file>
+
+<file path=ppt/notesSlides/notesSlide4.xml><?xml version="1.0" encoding="utf-8"?>
+<p:notes xmlns:a="http://schemas.openxmlformats.org/drawingml/2006/main" xmlns:r="http://schemas.openxmlformats.org/officeDocument/2006/relationships" xmlns:p="http://schemas.openxmlformats.org/presentationml/2006/main">
+  <p:cSld>
+    <p:spTree>
+      <p:nvGrpSpPr>
+        <p:cNvPr id="1" name=""/>
+        <p:cNvGrpSpPr/>
+        <p:nvPr/>
+      </p:nvGrpSpPr>
+      <p:grpSpPr>
+        <a:xfrm>
+          <a:off x="0" y="0"/>
+          <a:ext cx="0" cy="0"/>
+          <a:chOff x="0" y="0"/>
+          <a:chExt cx="0" cy="0"/>
+        </a:xfrm>
+      </p:grpSpPr>
+      <p:sp>
+        <p:nvSpPr>
+          <p:cNvPr id="2" name="幻灯片图像占位符 1"/>
+          <p:cNvSpPr>
+            <a:spLocks noGrp="1" noRot="1" noChangeAspect="1"/>
+          </p:cNvSpPr>
+          <p:nvPr>
+            <p:ph type="sldImg"/>
+          </p:nvPr>
+        </p:nvSpPr>
+        <p:spPr/>
+      </p:sp>
+      <p:sp>
+        <p:nvSpPr>
+          <p:cNvPr id="3" name="备注占位符 2"/>
+          <p:cNvSpPr>
+            <a:spLocks noGrp="1"/>
+          </p:cNvSpPr>
+          <p:nvPr>
+            <p:ph type="body" idx="1"/>
+          </p:nvPr>
+        </p:nvSpPr>
+        <p:spPr/>
+        <p:txBody>
+          <a:bodyPr/>
+          <a:lstStyle/>
+          <a:p>
+            <a:endParaRPr kumimoji="1" lang="zh-CN" altLang="en-US" dirty="0"/>
+          </a:p>
+        </p:txBody>
+      </p:sp>
+      <p:sp>
+        <p:nvSpPr>
+          <p:cNvPr id="4" name="幻灯片编号占位符 3"/>
+          <p:cNvSpPr>
+            <a:spLocks noGrp="1"/>
+          </p:cNvSpPr>
+          <p:nvPr>
+            <p:ph type="sldNum" sz="quarter" idx="10"/>
+          </p:nvPr>
+        </p:nvSpPr>
+        <p:spPr/>
+        <p:txBody>
+          <a:bodyPr/>
+          <a:lstStyle/>
+          <a:p>
+            <a:fld id="{CF7B931C-FECA-CD4F-B96B-EBB6545EB884}" type="slidenum">
+              <a:rPr kumimoji="1" lang="zh-CN" altLang="en-US" smtClean="0"/>
               <a:t>11</a:t>
             </a:fld>
             <a:endParaRPr kumimoji="1" lang="zh-CN" altLang="en-US"/>
@@ -954,7 +1041,7 @@
           <a:p>
             <a:fld id="{E23D9A72-93E2-EA46-BADF-AE74A1DEC3F4}" type="datetimeFigureOut">
               <a:rPr kumimoji="1" lang="zh-CN" altLang="en-US" smtClean="0"/>
-              <a:t>2018/12/7</a:t>
+              <a:t>2018/12/11</a:t>
             </a:fld>
             <a:endParaRPr kumimoji="1" lang="zh-CN" altLang="en-US"/>
           </a:p>
@@ -1162,7 +1249,7 @@
           <a:p>
             <a:fld id="{E23D9A72-93E2-EA46-BADF-AE74A1DEC3F4}" type="datetimeFigureOut">
               <a:rPr kumimoji="1" lang="zh-CN" altLang="en-US" smtClean="0"/>
-              <a:t>2018/12/7</a:t>
+              <a:t>2018/12/11</a:t>
             </a:fld>
             <a:endParaRPr kumimoji="1" lang="zh-CN" altLang="en-US"/>
           </a:p>
@@ -1418,7 +1505,7 @@
           <a:p>
             <a:fld id="{E23D9A72-93E2-EA46-BADF-AE74A1DEC3F4}" type="datetimeFigureOut">
               <a:rPr kumimoji="1" lang="zh-CN" altLang="en-US" smtClean="0"/>
-              <a:t>2018/12/7</a:t>
+              <a:t>2018/12/11</a:t>
             </a:fld>
             <a:endParaRPr kumimoji="1" lang="zh-CN" altLang="en-US"/>
           </a:p>
@@ -1592,7 +1679,7 @@
           <a:p>
             <a:fld id="{E23D9A72-93E2-EA46-BADF-AE74A1DEC3F4}" type="datetimeFigureOut">
               <a:rPr kumimoji="1" lang="zh-CN" altLang="en-US" smtClean="0"/>
-              <a:t>2018/12/7</a:t>
+              <a:t>2018/12/11</a:t>
             </a:fld>
             <a:endParaRPr kumimoji="1" lang="zh-CN" altLang="en-US"/>
           </a:p>
@@ -1935,7 +2022,7 @@
           <a:p>
             <a:fld id="{E23D9A72-93E2-EA46-BADF-AE74A1DEC3F4}" type="datetimeFigureOut">
               <a:rPr kumimoji="1" lang="zh-CN" altLang="en-US" smtClean="0"/>
-              <a:t>2018/12/7</a:t>
+              <a:t>2018/12/11</a:t>
             </a:fld>
             <a:endParaRPr kumimoji="1" lang="zh-CN" altLang="en-US"/>
           </a:p>
@@ -2210,7 +2297,7 @@
           <a:p>
             <a:fld id="{E23D9A72-93E2-EA46-BADF-AE74A1DEC3F4}" type="datetimeFigureOut">
               <a:rPr kumimoji="1" lang="zh-CN" altLang="en-US" smtClean="0"/>
-              <a:t>2018/12/7</a:t>
+              <a:t>2018/12/11</a:t>
             </a:fld>
             <a:endParaRPr kumimoji="1" lang="zh-CN" altLang="en-US"/>
           </a:p>
@@ -2589,7 +2676,7 @@
           <a:p>
             <a:fld id="{E23D9A72-93E2-EA46-BADF-AE74A1DEC3F4}" type="datetimeFigureOut">
               <a:rPr kumimoji="1" lang="zh-CN" altLang="en-US" smtClean="0"/>
-              <a:t>2018/12/7</a:t>
+              <a:t>2018/12/11</a:t>
             </a:fld>
             <a:endParaRPr kumimoji="1" lang="zh-CN" altLang="en-US"/>
           </a:p>
@@ -2707,7 +2794,7 @@
           <a:p>
             <a:fld id="{E23D9A72-93E2-EA46-BADF-AE74A1DEC3F4}" type="datetimeFigureOut">
               <a:rPr kumimoji="1" lang="zh-CN" altLang="en-US" smtClean="0"/>
-              <a:t>2018/12/7</a:t>
+              <a:t>2018/12/11</a:t>
             </a:fld>
             <a:endParaRPr kumimoji="1" lang="zh-CN" altLang="en-US"/>
           </a:p>
@@ -2878,7 +2965,7 @@
           <a:p>
             <a:fld id="{E23D9A72-93E2-EA46-BADF-AE74A1DEC3F4}" type="datetimeFigureOut">
               <a:rPr kumimoji="1" lang="zh-CN" altLang="en-US" smtClean="0"/>
-              <a:t>2018/12/7</a:t>
+              <a:t>2018/12/11</a:t>
             </a:fld>
             <a:endParaRPr kumimoji="1" lang="zh-CN" altLang="en-US"/>
           </a:p>
@@ -3232,7 +3319,7 @@
           <a:p>
             <a:fld id="{E23D9A72-93E2-EA46-BADF-AE74A1DEC3F4}" type="datetimeFigureOut">
               <a:rPr kumimoji="1" lang="zh-CN" altLang="en-US" smtClean="0"/>
-              <a:t>2018/12/7</a:t>
+              <a:t>2018/12/11</a:t>
             </a:fld>
             <a:endParaRPr kumimoji="1" lang="zh-CN" altLang="en-US"/>
           </a:p>
@@ -3614,7 +3701,7 @@
           <a:p>
             <a:fld id="{E23D9A72-93E2-EA46-BADF-AE74A1DEC3F4}" type="datetimeFigureOut">
               <a:rPr kumimoji="1" lang="zh-CN" altLang="en-US" smtClean="0"/>
-              <a:t>2018/12/7</a:t>
+              <a:t>2018/12/11</a:t>
             </a:fld>
             <a:endParaRPr kumimoji="1" lang="zh-CN" altLang="en-US"/>
           </a:p>
@@ -3901,7 +3988,7 @@
           <a:p>
             <a:fld id="{E23D9A72-93E2-EA46-BADF-AE74A1DEC3F4}" type="datetimeFigureOut">
               <a:rPr kumimoji="1" lang="zh-CN" altLang="en-US" smtClean="0"/>
-              <a:t>2018/12/7</a:t>
+              <a:t>2018/12/11</a:t>
             </a:fld>
             <a:endParaRPr kumimoji="1" lang="zh-CN" altLang="en-US"/>
           </a:p>
@@ -4442,7 +4529,7 @@
           <a:p>
             <a:r>
               <a:rPr kumimoji="1" lang="en-US" altLang="zh-CN" dirty="0" smtClean="0"/>
-              <a:t>Text Emotion Detection</a:t>
+              <a:t>Text Sentiment Analysis</a:t>
             </a:r>
             <a:endParaRPr kumimoji="1" lang="zh-CN" altLang="en-US" dirty="0"/>
           </a:p>
@@ -4489,6 +4576,13 @@
   <p:clrMapOvr>
     <a:masterClrMapping/>
   </p:clrMapOvr>
+  <p:timing>
+    <p:tnLst>
+      <p:par>
+        <p:cTn id="1" dur="indefinite" restart="never" nodeType="tmRoot"/>
+      </p:par>
+    </p:tnLst>
+  </p:timing>
 </p:sld>
 </file>
 
@@ -4703,7 +4797,7 @@
         <p:spPr>
           <a:xfrm>
             <a:off x="1097280" y="6417302"/>
-            <a:ext cx="5035033" cy="369332"/>
+            <a:ext cx="3405997" cy="461665"/>
           </a:xfrm>
           <a:prstGeom prst="rect">
             <a:avLst/>
@@ -4716,13 +4810,41 @@
           <a:lstStyle/>
           <a:p>
             <a:r>
-              <a:rPr lang="zh-CN" altLang="en-US" dirty="0">
+              <a:rPr lang="zh-CN" altLang="en-US" sz="1200" dirty="0">
                 <a:solidFill>
                   <a:schemeClr val="bg1"/>
                 </a:solidFill>
               </a:rPr>
-              <a:t>Xiaojie Sun, Menghao Du, Hua Shi, Wenming Huang</a:t>
-            </a:r>
+              <a:t>Xiaojie Sun, Menghao Du, Hua Shi, Wenming </a:t>
+            </a:r>
+            <a:r>
+              <a:rPr lang="zh-CN" altLang="en-US" sz="1200" dirty="0" smtClean="0">
+                <a:solidFill>
+                  <a:schemeClr val="bg1"/>
+                </a:solidFill>
+              </a:rPr>
+              <a:t>Huang</a:t>
+            </a:r>
+            <a:endParaRPr lang="en-US" altLang="zh-CN" sz="1200" dirty="0" smtClean="0">
+              <a:solidFill>
+                <a:schemeClr val="bg1"/>
+              </a:solidFill>
+            </a:endParaRPr>
+          </a:p>
+          <a:p>
+            <a:r>
+              <a:rPr lang="en-US" altLang="zh-CN" sz="1200" dirty="0">
+                <a:solidFill>
+                  <a:schemeClr val="bg1"/>
+                </a:solidFill>
+              </a:rPr>
+              <a:t>ICACS '18, July 27–29, 2018, Beijing, China</a:t>
+            </a:r>
+            <a:endParaRPr lang="zh-CN" altLang="en-US" sz="1200" dirty="0">
+              <a:solidFill>
+                <a:schemeClr val="bg1"/>
+              </a:solidFill>
+            </a:endParaRPr>
           </a:p>
         </p:txBody>
       </p:sp>
@@ -4796,6 +4918,13 @@
   <p:clrMapOvr>
     <a:masterClrMapping/>
   </p:clrMapOvr>
+  <p:timing>
+    <p:tnLst>
+      <p:par>
+        <p:cTn id="1" dur="indefinite" restart="never" nodeType="tmRoot"/>
+      </p:par>
+    </p:tnLst>
+  </p:timing>
 </p:sld>
 </file>
 
@@ -5023,8 +5152,8 @@
         </p:nvSpPr>
         <p:spPr>
           <a:xfrm>
-            <a:off x="1097280" y="6488668"/>
-            <a:ext cx="3555973" cy="369332"/>
+            <a:off x="1097280" y="6396335"/>
+            <a:ext cx="4688976" cy="461665"/>
           </a:xfrm>
           <a:prstGeom prst="rect">
             <a:avLst/>
@@ -5037,7 +5166,7 @@
           <a:lstStyle/>
           <a:p>
             <a:r>
-              <a:rPr kumimoji="1" lang="en-US" altLang="zh-CN" dirty="0" err="1">
+              <a:rPr kumimoji="1" lang="en-US" altLang="zh-CN" sz="1200" dirty="0" err="1">
                 <a:solidFill>
                   <a:schemeClr val="bg1"/>
                 </a:solidFill>
@@ -5045,7 +5174,7 @@
               <a:t>Abdalraouf</a:t>
             </a:r>
             <a:r>
-              <a:rPr kumimoji="1" lang="en-US" altLang="zh-CN" dirty="0">
+              <a:rPr kumimoji="1" lang="en-US" altLang="zh-CN" sz="1200" dirty="0">
                 <a:solidFill>
                   <a:schemeClr val="bg1"/>
                 </a:solidFill>
@@ -5053,7 +5182,7 @@
               <a:t> Hassan, </a:t>
             </a:r>
             <a:r>
-              <a:rPr kumimoji="1" lang="en-US" altLang="zh-CN" dirty="0" err="1">
+              <a:rPr kumimoji="1" lang="en-US" altLang="zh-CN" sz="1200" dirty="0" err="1">
                 <a:solidFill>
                   <a:schemeClr val="bg1"/>
                 </a:solidFill>
@@ -5061,14 +5190,32 @@
               <a:t>Ausif</a:t>
             </a:r>
             <a:r>
-              <a:rPr kumimoji="1" lang="en-US" altLang="zh-CN" dirty="0">
+              <a:rPr kumimoji="1" lang="en-US" altLang="zh-CN" sz="1200" dirty="0">
                 <a:solidFill>
                   <a:schemeClr val="bg1"/>
                 </a:solidFill>
               </a:rPr>
-              <a:t> Mahmood</a:t>
-            </a:r>
-            <a:endParaRPr lang="zh-CN" altLang="en-US" dirty="0">
+              <a:t> </a:t>
+            </a:r>
+            <a:r>
+              <a:rPr kumimoji="1" lang="en-US" altLang="zh-CN" sz="1200" dirty="0" smtClean="0">
+                <a:solidFill>
+                  <a:schemeClr val="bg1"/>
+                </a:solidFill>
+              </a:rPr>
+              <a:t>Mahmood</a:t>
+            </a:r>
+          </a:p>
+          <a:p>
+            <a:r>
+              <a:rPr lang="en-US" altLang="zh-CN" sz="1200" dirty="0">
+                <a:solidFill>
+                  <a:schemeClr val="bg1"/>
+                </a:solidFill>
+              </a:rPr>
+              <a:t>2017 3rd International Conference on Control, Automation and Robotics</a:t>
+            </a:r>
+            <a:endParaRPr lang="zh-CN" altLang="en-US" sz="1200" dirty="0">
               <a:solidFill>
                 <a:schemeClr val="bg1"/>
               </a:solidFill>
@@ -5086,6 +5233,13 @@
   <p:clrMapOvr>
     <a:masterClrMapping/>
   </p:clrMapOvr>
+  <p:timing>
+    <p:tnLst>
+      <p:par>
+        <p:cTn id="1" dur="indefinite" restart="never" nodeType="tmRoot"/>
+      </p:par>
+    </p:tnLst>
+  </p:timing>
 </p:sld>
 </file>
 
@@ -5298,8 +5452,8 @@
         </p:nvSpPr>
         <p:spPr>
           <a:xfrm>
-            <a:off x="1097280" y="6488668"/>
-            <a:ext cx="7668768" cy="369332"/>
+            <a:off x="1097280" y="6396335"/>
+            <a:ext cx="7668768" cy="461665"/>
           </a:xfrm>
           <a:prstGeom prst="rect">
             <a:avLst/>
@@ -5312,13 +5466,73 @@
           <a:lstStyle/>
           <a:p>
             <a:r>
-              <a:rPr lang="zh-CN" altLang="en-US">
+              <a:rPr lang="zh-CN" altLang="en-US" sz="1200" dirty="0">
                 <a:solidFill>
                   <a:schemeClr val="bg1"/>
                 </a:solidFill>
               </a:rPr>
-              <a:t>Gichang Lee, Jaeyun Jeong, Seungwan Seo, CzangYeob Kim, Pilsung Kang</a:t>
-            </a:r>
+              <a:t>Gichang Lee, Jaeyun Jeong, Seungwan Seo, CzangYeob Kim, Pilsung </a:t>
+            </a:r>
+            <a:r>
+              <a:rPr lang="zh-CN" altLang="en-US" sz="1200" dirty="0" smtClean="0">
+                <a:solidFill>
+                  <a:schemeClr val="bg1"/>
+                </a:solidFill>
+              </a:rPr>
+              <a:t>Kang</a:t>
+            </a:r>
+            <a:endParaRPr lang="en-US" altLang="zh-CN" sz="1200" dirty="0" smtClean="0">
+              <a:solidFill>
+                <a:schemeClr val="bg1"/>
+              </a:solidFill>
+            </a:endParaRPr>
+          </a:p>
+          <a:p>
+            <a:r>
+              <a:rPr lang="pt-BR" altLang="zh-CN" sz="1200" dirty="0">
+                <a:solidFill>
+                  <a:schemeClr val="bg1"/>
+                </a:solidFill>
+              </a:rPr>
+              <a:t>arXiv:1709.09885v2 [</a:t>
+            </a:r>
+            <a:r>
+              <a:rPr lang="pt-BR" altLang="zh-CN" sz="1200" dirty="0" err="1">
+                <a:solidFill>
+                  <a:schemeClr val="bg1"/>
+                </a:solidFill>
+              </a:rPr>
+              <a:t>cs.CL</a:t>
+            </a:r>
+            <a:r>
+              <a:rPr lang="pt-BR" altLang="zh-CN" sz="1200" dirty="0">
+                <a:solidFill>
+                  <a:schemeClr val="bg1"/>
+                </a:solidFill>
+              </a:rPr>
+              <a:t>] 29 </a:t>
+            </a:r>
+            <a:r>
+              <a:rPr lang="pt-BR" altLang="zh-CN" sz="1200" dirty="0" err="1">
+                <a:solidFill>
+                  <a:schemeClr val="bg1"/>
+                </a:solidFill>
+              </a:rPr>
+              <a:t>Sep</a:t>
+            </a:r>
+            <a:r>
+              <a:rPr lang="pt-BR" altLang="zh-CN" sz="1200" dirty="0">
+                <a:solidFill>
+                  <a:schemeClr val="bg1"/>
+                </a:solidFill>
+              </a:rPr>
+              <a:t> 2017</a:t>
+            </a:r>
+            <a:endParaRPr lang="zh-CN" altLang="en-US" sz="1200" dirty="0">
+              <a:solidFill>
+                <a:schemeClr val="bg1"/>
+              </a:solidFill>
+            </a:endParaRPr>
           </a:p>
         </p:txBody>
       </p:sp>
@@ -5362,6 +5576,643 @@
   <p:clrMapOvr>
     <a:masterClrMapping/>
   </p:clrMapOvr>
+  <p:timing>
+    <p:tnLst>
+      <p:par>
+        <p:cTn id="1" dur="indefinite" restart="never" nodeType="tmRoot"/>
+      </p:par>
+    </p:tnLst>
+  </p:timing>
+</p:sld>
+</file>
+
+<file path=ppt/slides/slide13.xml><?xml version="1.0" encoding="utf-8"?>
+<p:sld xmlns:a="http://schemas.openxmlformats.org/drawingml/2006/main" xmlns:r="http://schemas.openxmlformats.org/officeDocument/2006/relationships" xmlns:p="http://schemas.openxmlformats.org/presentationml/2006/main">
+  <p:cSld>
+    <p:spTree>
+      <p:nvGrpSpPr>
+        <p:cNvPr id="1" name=""/>
+        <p:cNvGrpSpPr/>
+        <p:nvPr/>
+      </p:nvGrpSpPr>
+      <p:grpSpPr>
+        <a:xfrm>
+          <a:off x="0" y="0"/>
+          <a:ext cx="0" cy="0"/>
+          <a:chOff x="0" y="0"/>
+          <a:chExt cx="0" cy="0"/>
+        </a:xfrm>
+      </p:grpSpPr>
+      <p:sp>
+        <p:nvSpPr>
+          <p:cNvPr id="2" name="标题 1"/>
+          <p:cNvSpPr>
+            <a:spLocks noGrp="1"/>
+          </p:cNvSpPr>
+          <p:nvPr>
+            <p:ph type="title"/>
+          </p:nvPr>
+        </p:nvSpPr>
+        <p:spPr/>
+        <p:txBody>
+          <a:bodyPr>
+            <a:normAutofit/>
+          </a:bodyPr>
+          <a:lstStyle/>
+          <a:p>
+            <a:r>
+              <a:rPr kumimoji="1" lang="en-US" altLang="zh-CN" dirty="0"/>
+              <a:t>Using Context Information for Dialog Act Classification in </a:t>
+            </a:r>
+            <a:r>
+              <a:rPr kumimoji="1" lang="en-US" altLang="zh-CN" dirty="0" smtClean="0"/>
+              <a:t>DNN Framework (2018)</a:t>
+            </a:r>
+            <a:endParaRPr kumimoji="1" lang="zh-CN" altLang="en-US" dirty="0"/>
+          </a:p>
+        </p:txBody>
+      </p:sp>
+      <p:sp>
+        <p:nvSpPr>
+          <p:cNvPr id="3" name="内容占位符 2"/>
+          <p:cNvSpPr>
+            <a:spLocks noGrp="1"/>
+          </p:cNvSpPr>
+          <p:nvPr>
+            <p:ph idx="1"/>
+          </p:nvPr>
+        </p:nvSpPr>
+        <p:spPr>
+          <a:xfrm>
+            <a:off x="1097280" y="1845734"/>
+            <a:ext cx="4052309" cy="4023360"/>
+          </a:xfrm>
+        </p:spPr>
+        <p:txBody>
+          <a:bodyPr>
+            <a:normAutofit/>
+          </a:bodyPr>
+          <a:lstStyle/>
+          <a:p>
+            <a:r>
+              <a:rPr kumimoji="1" lang="en-US" altLang="zh-CN" dirty="0" smtClean="0"/>
+              <a:t>Abstract</a:t>
+            </a:r>
+          </a:p>
+          <a:p>
+            <a:pPr lvl="1"/>
+            <a:r>
+              <a:rPr kumimoji="1" lang="en-US" altLang="zh-CN" dirty="0" smtClean="0"/>
+              <a:t>A </a:t>
+            </a:r>
+            <a:r>
+              <a:rPr kumimoji="1" lang="en-US" altLang="zh-CN" dirty="0"/>
+              <a:t>few recent studies explored using deep learning neural networks for DA classification, however, it is not clear yet what is the best method for </a:t>
+            </a:r>
+            <a:r>
+              <a:rPr kumimoji="1" lang="en-US" altLang="zh-CN" b="1" dirty="0">
+                <a:solidFill>
+                  <a:srgbClr val="FF0000"/>
+                </a:solidFill>
+              </a:rPr>
+              <a:t>using dialog context </a:t>
+            </a:r>
+            <a:r>
+              <a:rPr kumimoji="1" lang="en-US" altLang="zh-CN" dirty="0"/>
+              <a:t>or </a:t>
+            </a:r>
+            <a:r>
+              <a:rPr kumimoji="1" lang="en-US" altLang="zh-CN" b="1" dirty="0">
+                <a:solidFill>
+                  <a:srgbClr val="FF0000"/>
+                </a:solidFill>
+              </a:rPr>
+              <a:t>DA sequential information</a:t>
+            </a:r>
+            <a:r>
+              <a:rPr kumimoji="1" lang="en-US" altLang="zh-CN" dirty="0"/>
+              <a:t>, and how much gain it brings</a:t>
+            </a:r>
+            <a:r>
+              <a:rPr kumimoji="1" lang="en-US" altLang="zh-CN" dirty="0" smtClean="0"/>
+              <a:t>.</a:t>
+            </a:r>
+          </a:p>
+          <a:p>
+            <a:pPr lvl="1"/>
+            <a:r>
+              <a:rPr kumimoji="1" lang="en-US" altLang="zh-CN" dirty="0" smtClean="0"/>
+              <a:t>Our </a:t>
+            </a:r>
+            <a:r>
+              <a:rPr kumimoji="1" lang="en-US" altLang="zh-CN" b="1" dirty="0">
+                <a:solidFill>
+                  <a:srgbClr val="FF0000"/>
+                </a:solidFill>
+              </a:rPr>
+              <a:t>proposed methods </a:t>
+            </a:r>
+            <a:r>
+              <a:rPr kumimoji="1" lang="en-US" altLang="zh-CN" dirty="0"/>
+              <a:t>include using </a:t>
+            </a:r>
+            <a:r>
+              <a:rPr kumimoji="1" lang="en-US" altLang="zh-CN" b="1" dirty="0">
+                <a:solidFill>
+                  <a:srgbClr val="FF0000"/>
+                </a:solidFill>
+              </a:rPr>
+              <a:t>hierarchical models </a:t>
+            </a:r>
+            <a:r>
+              <a:rPr kumimoji="1" lang="en-US" altLang="zh-CN" dirty="0"/>
+              <a:t>(recurrent neural networks (RNN) or CNN) for DA sequence </a:t>
+            </a:r>
+            <a:r>
+              <a:rPr kumimoji="1" lang="en-US" altLang="zh-CN" dirty="0" smtClean="0"/>
+              <a:t>tagging</a:t>
+            </a:r>
+          </a:p>
+        </p:txBody>
+      </p:sp>
+      <p:sp>
+        <p:nvSpPr>
+          <p:cNvPr id="4" name="矩形 3"/>
+          <p:cNvSpPr/>
+          <p:nvPr/>
+        </p:nvSpPr>
+        <p:spPr>
+          <a:xfrm>
+            <a:off x="1097280" y="6388510"/>
+            <a:ext cx="5830635" cy="461665"/>
+          </a:xfrm>
+          <a:prstGeom prst="rect">
+            <a:avLst/>
+          </a:prstGeom>
+        </p:spPr>
+        <p:txBody>
+          <a:bodyPr wrap="none">
+            <a:spAutoFit/>
+          </a:bodyPr>
+          <a:lstStyle/>
+          <a:p>
+            <a:r>
+              <a:rPr kumimoji="1" lang="en-US" altLang="zh-CN" sz="1200" dirty="0">
+                <a:solidFill>
+                  <a:schemeClr val="bg1"/>
+                </a:solidFill>
+              </a:rPr>
+              <a:t>Yang </a:t>
+            </a:r>
+            <a:r>
+              <a:rPr kumimoji="1" lang="en-US" altLang="zh-CN" sz="1200" dirty="0" smtClean="0">
+                <a:solidFill>
+                  <a:schemeClr val="bg1"/>
+                </a:solidFill>
+              </a:rPr>
+              <a:t>Liu, Kun Han, </a:t>
+            </a:r>
+            <a:r>
+              <a:rPr kumimoji="1" lang="en-US" altLang="zh-CN" sz="1200" dirty="0">
+                <a:solidFill>
+                  <a:schemeClr val="bg1"/>
+                </a:solidFill>
+              </a:rPr>
+              <a:t>Zhao </a:t>
+            </a:r>
+            <a:r>
+              <a:rPr kumimoji="1" lang="en-US" altLang="zh-CN" sz="1200" dirty="0" smtClean="0">
+                <a:solidFill>
+                  <a:schemeClr val="bg1"/>
+                </a:solidFill>
+              </a:rPr>
+              <a:t>Tan, </a:t>
+            </a:r>
+            <a:r>
+              <a:rPr kumimoji="1" lang="en-US" altLang="zh-CN" sz="1200" dirty="0">
+                <a:solidFill>
+                  <a:schemeClr val="bg1"/>
+                </a:solidFill>
+              </a:rPr>
+              <a:t>Yun </a:t>
+            </a:r>
+            <a:r>
+              <a:rPr kumimoji="1" lang="en-US" altLang="zh-CN" sz="1200" dirty="0" smtClean="0">
+                <a:solidFill>
+                  <a:schemeClr val="bg1"/>
+                </a:solidFill>
+              </a:rPr>
+              <a:t>Lei</a:t>
+            </a:r>
+          </a:p>
+          <a:p>
+            <a:r>
+              <a:rPr lang="zh-CN" altLang="en-US" sz="1200" dirty="0">
+                <a:solidFill>
+                  <a:schemeClr val="bg1"/>
+                </a:solidFill>
+              </a:rPr>
+              <a:t>Proceedings of the 2017 Conference on Empirical Methods in Natural Language </a:t>
+            </a:r>
+            <a:r>
+              <a:rPr lang="zh-CN" altLang="en-US" sz="1200" dirty="0" smtClean="0">
+                <a:solidFill>
+                  <a:schemeClr val="bg1"/>
+                </a:solidFill>
+              </a:rPr>
+              <a:t>Processing</a:t>
+            </a:r>
+            <a:endParaRPr lang="zh-CN" altLang="en-US" sz="1200" dirty="0">
+              <a:solidFill>
+                <a:schemeClr val="bg1"/>
+              </a:solidFill>
+            </a:endParaRPr>
+          </a:p>
+        </p:txBody>
+      </p:sp>
+      <p:pic>
+        <p:nvPicPr>
+          <p:cNvPr id="5" name="图片 4"/>
+          <p:cNvPicPr>
+            <a:picLocks noChangeAspect="1"/>
+          </p:cNvPicPr>
+          <p:nvPr/>
+        </p:nvPicPr>
+        <p:blipFill>
+          <a:blip r:embed="rId2">
+            <a:extLst>
+              <a:ext uri="{28A0092B-C50C-407E-A947-70E740481C1C}">
+                <a14:useLocalDpi xmlns:a14="http://schemas.microsoft.com/office/drawing/2010/main" val="0"/>
+              </a:ext>
+            </a:extLst>
+          </a:blip>
+          <a:stretch>
+            <a:fillRect/>
+          </a:stretch>
+        </p:blipFill>
+        <p:spPr>
+          <a:xfrm>
+            <a:off x="8628652" y="2527301"/>
+            <a:ext cx="3492417" cy="2610274"/>
+          </a:xfrm>
+          <a:prstGeom prst="rect">
+            <a:avLst/>
+          </a:prstGeom>
+        </p:spPr>
+      </p:pic>
+      <p:pic>
+        <p:nvPicPr>
+          <p:cNvPr id="8" name="图片 7"/>
+          <p:cNvPicPr>
+            <a:picLocks noChangeAspect="1"/>
+          </p:cNvPicPr>
+          <p:nvPr/>
+        </p:nvPicPr>
+        <p:blipFill>
+          <a:blip r:embed="rId3">
+            <a:extLst>
+              <a:ext uri="{28A0092B-C50C-407E-A947-70E740481C1C}">
+                <a14:useLocalDpi xmlns:a14="http://schemas.microsoft.com/office/drawing/2010/main" val="0"/>
+              </a:ext>
+            </a:extLst>
+          </a:blip>
+          <a:stretch>
+            <a:fillRect/>
+          </a:stretch>
+        </p:blipFill>
+        <p:spPr>
+          <a:xfrm>
+            <a:off x="5149589" y="2256776"/>
+            <a:ext cx="3535780" cy="2918899"/>
+          </a:xfrm>
+          <a:prstGeom prst="rect">
+            <a:avLst/>
+          </a:prstGeom>
+        </p:spPr>
+      </p:pic>
+    </p:spTree>
+    <p:extLst>
+      <p:ext uri="{BB962C8B-B14F-4D97-AF65-F5344CB8AC3E}">
+        <p14:creationId xmlns:p14="http://schemas.microsoft.com/office/powerpoint/2010/main" val="1932919672"/>
+      </p:ext>
+    </p:extLst>
+  </p:cSld>
+  <p:clrMapOvr>
+    <a:masterClrMapping/>
+  </p:clrMapOvr>
+</p:sld>
+</file>
+
+<file path=ppt/slides/slide14.xml><?xml version="1.0" encoding="utf-8"?>
+<p:sld xmlns:a="http://schemas.openxmlformats.org/drawingml/2006/main" xmlns:r="http://schemas.openxmlformats.org/officeDocument/2006/relationships" xmlns:p="http://schemas.openxmlformats.org/presentationml/2006/main">
+  <p:cSld>
+    <p:spTree>
+      <p:nvGrpSpPr>
+        <p:cNvPr id="1" name=""/>
+        <p:cNvGrpSpPr/>
+        <p:nvPr/>
+      </p:nvGrpSpPr>
+      <p:grpSpPr>
+        <a:xfrm>
+          <a:off x="0" y="0"/>
+          <a:ext cx="0" cy="0"/>
+          <a:chOff x="0" y="0"/>
+          <a:chExt cx="0" cy="0"/>
+        </a:xfrm>
+      </p:grpSpPr>
+      <p:sp>
+        <p:nvSpPr>
+          <p:cNvPr id="2" name="标题 1"/>
+          <p:cNvSpPr>
+            <a:spLocks noGrp="1"/>
+          </p:cNvSpPr>
+          <p:nvPr>
+            <p:ph type="title"/>
+          </p:nvPr>
+        </p:nvSpPr>
+        <p:spPr/>
+        <p:txBody>
+          <a:bodyPr>
+            <a:normAutofit fontScale="90000"/>
+          </a:bodyPr>
+          <a:lstStyle/>
+          <a:p>
+            <a:r>
+              <a:rPr kumimoji="1" lang="en-US" altLang="zh-CN" dirty="0"/>
+              <a:t>Neural-based Context Representation Learning for Dialog Act </a:t>
+            </a:r>
+            <a:r>
+              <a:rPr kumimoji="1" lang="en-US" altLang="zh-CN" dirty="0" smtClean="0"/>
+              <a:t>Classification</a:t>
+            </a:r>
+            <a:r>
+              <a:rPr kumimoji="1" lang="zh-TW" altLang="en-US" dirty="0" smtClean="0"/>
+              <a:t> </a:t>
+            </a:r>
+            <a:r>
+              <a:rPr kumimoji="1" lang="en-US" altLang="zh-TW" dirty="0" smtClean="0"/>
+              <a:t>(2017)</a:t>
+            </a:r>
+            <a:endParaRPr kumimoji="1" lang="zh-CN" altLang="en-US" dirty="0"/>
+          </a:p>
+        </p:txBody>
+      </p:sp>
+      <p:sp>
+        <p:nvSpPr>
+          <p:cNvPr id="3" name="内容占位符 2"/>
+          <p:cNvSpPr>
+            <a:spLocks noGrp="1"/>
+          </p:cNvSpPr>
+          <p:nvPr>
+            <p:ph idx="1"/>
+          </p:nvPr>
+        </p:nvSpPr>
+        <p:spPr>
+          <a:xfrm>
+            <a:off x="1097280" y="1845734"/>
+            <a:ext cx="10231120" cy="4023360"/>
+          </a:xfrm>
+        </p:spPr>
+        <p:txBody>
+          <a:bodyPr/>
+          <a:lstStyle/>
+          <a:p>
+            <a:r>
+              <a:rPr kumimoji="1" lang="en-US" altLang="zh-TW" dirty="0" smtClean="0"/>
+              <a:t>Abstract</a:t>
+            </a:r>
+          </a:p>
+          <a:p>
+            <a:pPr lvl="1"/>
+            <a:r>
+              <a:rPr kumimoji="1" lang="en-US" altLang="zh-CN" dirty="0" smtClean="0"/>
+              <a:t>We explore </a:t>
+            </a:r>
+            <a:r>
+              <a:rPr kumimoji="1" lang="en-US" altLang="zh-CN" b="1" dirty="0" smtClean="0">
+                <a:solidFill>
+                  <a:srgbClr val="FF0000"/>
+                </a:solidFill>
+              </a:rPr>
+              <a:t>context representation</a:t>
+            </a:r>
+            <a:r>
+              <a:rPr kumimoji="1" lang="en-US" altLang="zh-CN" dirty="0" smtClean="0"/>
+              <a:t> learning methods in neural-based models for dialog act classification.</a:t>
+            </a:r>
+          </a:p>
+          <a:p>
+            <a:pPr lvl="1"/>
+            <a:r>
+              <a:rPr kumimoji="1" lang="en-US" altLang="zh-CN" dirty="0" smtClean="0"/>
+              <a:t>We </a:t>
+            </a:r>
+            <a:r>
+              <a:rPr kumimoji="1" lang="en-US" altLang="zh-CN" dirty="0"/>
+              <a:t>propose and compare extensively different methods which combine </a:t>
+            </a:r>
+            <a:r>
+              <a:rPr kumimoji="1" lang="en-US" altLang="zh-CN" b="1" dirty="0">
+                <a:solidFill>
+                  <a:srgbClr val="FF0000"/>
+                </a:solidFill>
+              </a:rPr>
+              <a:t>recurrent neural network </a:t>
+            </a:r>
+            <a:r>
+              <a:rPr kumimoji="1" lang="en-US" altLang="zh-CN" dirty="0"/>
+              <a:t>architectures and </a:t>
+            </a:r>
+            <a:r>
+              <a:rPr kumimoji="1" lang="en-US" altLang="zh-CN" b="1" dirty="0">
+                <a:solidFill>
+                  <a:srgbClr val="FF0000"/>
+                </a:solidFill>
+              </a:rPr>
+              <a:t>attention mechanisms </a:t>
+            </a:r>
+            <a:r>
+              <a:rPr kumimoji="1" lang="en-US" altLang="zh-CN" dirty="0"/>
+              <a:t>(AMs) at different context levels</a:t>
+            </a:r>
+            <a:r>
+              <a:rPr kumimoji="1" lang="en-US" altLang="zh-CN" dirty="0" smtClean="0"/>
+              <a:t>.</a:t>
+            </a:r>
+          </a:p>
+        </p:txBody>
+      </p:sp>
+      <p:sp>
+        <p:nvSpPr>
+          <p:cNvPr id="4" name="矩形 3"/>
+          <p:cNvSpPr/>
+          <p:nvPr/>
+        </p:nvSpPr>
+        <p:spPr>
+          <a:xfrm>
+            <a:off x="1097280" y="6396335"/>
+            <a:ext cx="6096000" cy="461665"/>
+          </a:xfrm>
+          <a:prstGeom prst="rect">
+            <a:avLst/>
+          </a:prstGeom>
+        </p:spPr>
+        <p:txBody>
+          <a:bodyPr>
+            <a:spAutoFit/>
+          </a:bodyPr>
+          <a:lstStyle/>
+          <a:p>
+            <a:r>
+              <a:rPr lang="zh-CN" altLang="en-US" sz="1200" dirty="0">
+                <a:solidFill>
+                  <a:schemeClr val="bg1"/>
+                </a:solidFill>
+              </a:rPr>
+              <a:t>Daniel Ortega Ngoc Thang </a:t>
+            </a:r>
+            <a:r>
+              <a:rPr lang="zh-CN" altLang="en-US" sz="1200" dirty="0" smtClean="0">
+                <a:solidFill>
+                  <a:schemeClr val="bg1"/>
+                </a:solidFill>
+              </a:rPr>
+              <a:t>Vu</a:t>
+            </a:r>
+            <a:endParaRPr lang="en-US" altLang="zh-CN" sz="1200" dirty="0" smtClean="0">
+              <a:solidFill>
+                <a:schemeClr val="bg1"/>
+              </a:solidFill>
+            </a:endParaRPr>
+          </a:p>
+          <a:p>
+            <a:r>
+              <a:rPr lang="zh-CN" altLang="en-US" sz="1200" dirty="0" smtClean="0">
+                <a:solidFill>
+                  <a:schemeClr val="bg1"/>
+                </a:solidFill>
+              </a:rPr>
+              <a:t>arXiv</a:t>
+            </a:r>
+            <a:r>
+              <a:rPr lang="zh-CN" altLang="en-US" sz="1200" dirty="0">
+                <a:solidFill>
+                  <a:schemeClr val="bg1"/>
+                </a:solidFill>
+              </a:rPr>
+              <a:t>:1708.02561v1 [cs.CL] 8 Aug 2017</a:t>
+            </a:r>
+          </a:p>
+        </p:txBody>
+      </p:sp>
+      <p:pic>
+        <p:nvPicPr>
+          <p:cNvPr id="5" name="图片 4"/>
+          <p:cNvPicPr>
+            <a:picLocks noChangeAspect="1"/>
+          </p:cNvPicPr>
+          <p:nvPr/>
+        </p:nvPicPr>
+        <p:blipFill>
+          <a:blip r:embed="rId2">
+            <a:extLst>
+              <a:ext uri="{28A0092B-C50C-407E-A947-70E740481C1C}">
+                <a14:useLocalDpi xmlns:a14="http://schemas.microsoft.com/office/drawing/2010/main" val="0"/>
+              </a:ext>
+            </a:extLst>
+          </a:blip>
+          <a:stretch>
+            <a:fillRect/>
+          </a:stretch>
+        </p:blipFill>
+        <p:spPr>
+          <a:xfrm>
+            <a:off x="2570480" y="3121285"/>
+            <a:ext cx="6916420" cy="3076412"/>
+          </a:xfrm>
+          <a:prstGeom prst="rect">
+            <a:avLst/>
+          </a:prstGeom>
+        </p:spPr>
+      </p:pic>
+    </p:spTree>
+    <p:extLst>
+      <p:ext uri="{BB962C8B-B14F-4D97-AF65-F5344CB8AC3E}">
+        <p14:creationId xmlns:p14="http://schemas.microsoft.com/office/powerpoint/2010/main" val="1386374316"/>
+      </p:ext>
+    </p:extLst>
+  </p:cSld>
+  <p:clrMapOvr>
+    <a:masterClrMapping/>
+  </p:clrMapOvr>
+</p:sld>
+</file>
+
+<file path=ppt/slides/slide15.xml><?xml version="1.0" encoding="utf-8"?>
+<p:sld xmlns:a="http://schemas.openxmlformats.org/drawingml/2006/main" xmlns:r="http://schemas.openxmlformats.org/officeDocument/2006/relationships" xmlns:p="http://schemas.openxmlformats.org/presentationml/2006/main">
+  <p:cSld>
+    <p:spTree>
+      <p:nvGrpSpPr>
+        <p:cNvPr id="1" name=""/>
+        <p:cNvGrpSpPr/>
+        <p:nvPr/>
+      </p:nvGrpSpPr>
+      <p:grpSpPr>
+        <a:xfrm>
+          <a:off x="0" y="0"/>
+          <a:ext cx="0" cy="0"/>
+          <a:chOff x="0" y="0"/>
+          <a:chExt cx="0" cy="0"/>
+        </a:xfrm>
+      </p:grpSpPr>
+      <p:sp>
+        <p:nvSpPr>
+          <p:cNvPr id="2" name="标题 1"/>
+          <p:cNvSpPr>
+            <a:spLocks noGrp="1"/>
+          </p:cNvSpPr>
+          <p:nvPr>
+            <p:ph type="title"/>
+          </p:nvPr>
+        </p:nvSpPr>
+        <p:spPr/>
+        <p:txBody>
+          <a:bodyPr/>
+          <a:lstStyle/>
+          <a:p>
+            <a:endParaRPr kumimoji="1" lang="zh-CN" altLang="en-US"/>
+          </a:p>
+        </p:txBody>
+      </p:sp>
+      <p:sp>
+        <p:nvSpPr>
+          <p:cNvPr id="3" name="内容占位符 2"/>
+          <p:cNvSpPr>
+            <a:spLocks noGrp="1"/>
+          </p:cNvSpPr>
+          <p:nvPr>
+            <p:ph idx="1"/>
+          </p:nvPr>
+        </p:nvSpPr>
+        <p:spPr/>
+        <p:txBody>
+          <a:bodyPr/>
+          <a:lstStyle/>
+          <a:p>
+            <a:endParaRPr kumimoji="1" lang="zh-CN" altLang="en-US"/>
+          </a:p>
+        </p:txBody>
+      </p:sp>
+    </p:spTree>
+    <p:extLst>
+      <p:ext uri="{BB962C8B-B14F-4D97-AF65-F5344CB8AC3E}">
+        <p14:creationId xmlns:p14="http://schemas.microsoft.com/office/powerpoint/2010/main" val="122725175"/>
+      </p:ext>
+    </p:extLst>
+  </p:cSld>
+  <p:clrMapOvr>
+    <a:masterClrMapping/>
+  </p:clrMapOvr>
 </p:sld>
 </file>
 
@@ -5768,8 +6619,8 @@
         </p:nvSpPr>
         <p:spPr>
           <a:xfrm>
-            <a:off x="1097280" y="6488668"/>
-            <a:ext cx="5707845" cy="369332"/>
+            <a:off x="1097280" y="6396335"/>
+            <a:ext cx="5405582" cy="461665"/>
           </a:xfrm>
           <a:prstGeom prst="rect">
             <a:avLst/>
@@ -5782,7 +6633,7 @@
           <a:lstStyle/>
           <a:p>
             <a:r>
-              <a:rPr kumimoji="1" lang="en-US" altLang="zh-CN" dirty="0" smtClean="0">
+              <a:rPr kumimoji="1" lang="en-US" altLang="zh-CN" sz="1200" dirty="0" smtClean="0">
                 <a:solidFill>
                   <a:schemeClr val="bg1"/>
                 </a:solidFill>
@@ -5790,7 +6641,7 @@
               <a:t>Author: Toru Shimizu, </a:t>
             </a:r>
             <a:r>
-              <a:rPr kumimoji="1" lang="en-US" altLang="zh-CN" dirty="0" err="1" smtClean="0">
+              <a:rPr kumimoji="1" lang="en-US" altLang="zh-CN" sz="1200" dirty="0" err="1" smtClean="0">
                 <a:solidFill>
                   <a:schemeClr val="bg1"/>
                 </a:solidFill>
@@ -5798,13 +6649,36 @@
               <a:t>Hayato</a:t>
             </a:r>
             <a:r>
-              <a:rPr kumimoji="1" lang="en-US" altLang="zh-CN" dirty="0" smtClean="0">
+              <a:rPr kumimoji="1" lang="en-US" altLang="zh-CN" sz="1200" dirty="0" smtClean="0">
                 <a:solidFill>
                   <a:schemeClr val="bg1"/>
                 </a:solidFill>
               </a:rPr>
-              <a:t> Kobayashi, Nobuyuki Shimizu</a:t>
-            </a:r>
+              <a:t> Kobayashi, Nobuyuki </a:t>
+            </a:r>
+            <a:r>
+              <a:rPr kumimoji="1" lang="en-US" altLang="zh-CN" sz="1200" dirty="0" smtClean="0">
+                <a:solidFill>
+                  <a:schemeClr val="bg1"/>
+                </a:solidFill>
+              </a:rPr>
+              <a:t>Shimizu</a:t>
+            </a:r>
+          </a:p>
+          <a:p>
+            <a:r>
+              <a:rPr kumimoji="1" lang="en-US" altLang="zh-CN" sz="1200" dirty="0">
+                <a:solidFill>
+                  <a:schemeClr val="bg1"/>
+                </a:solidFill>
+              </a:rPr>
+              <a:t>The 32nd Annual Conference of the Japanese Society for Artificial Intelligence, 2018</a:t>
+            </a:r>
+            <a:endParaRPr kumimoji="1" lang="en-US" altLang="zh-CN" sz="1200" dirty="0" smtClean="0">
+              <a:solidFill>
+                <a:schemeClr val="bg1"/>
+              </a:solidFill>
+            </a:endParaRPr>
           </a:p>
         </p:txBody>
       </p:sp>
@@ -5818,6 +6692,13 @@
   <p:clrMapOvr>
     <a:masterClrMapping/>
   </p:clrMapOvr>
+  <p:timing>
+    <p:tnLst>
+      <p:par>
+        <p:cTn id="1" dur="indefinite" restart="never" nodeType="tmRoot"/>
+      </p:par>
+    </p:tnLst>
+  </p:timing>
 </p:sld>
 </file>
 
@@ -6221,8 +7102,8 @@
         </p:nvSpPr>
         <p:spPr>
           <a:xfrm>
-            <a:off x="1097280" y="6488668"/>
-            <a:ext cx="9039225" cy="369332"/>
+            <a:off x="1097280" y="6396335"/>
+            <a:ext cx="9039225" cy="461665"/>
           </a:xfrm>
           <a:prstGeom prst="rect">
             <a:avLst/>
@@ -6235,7 +7116,7 @@
           <a:lstStyle/>
           <a:p>
             <a:r>
-              <a:rPr kumimoji="1" lang="en-US" altLang="zh-CN" dirty="0" smtClean="0">
+              <a:rPr kumimoji="1" lang="en-US" altLang="zh-CN" sz="1200" dirty="0" smtClean="0">
                 <a:solidFill>
                   <a:schemeClr val="bg1"/>
                 </a:solidFill>
@@ -6243,7 +7124,7 @@
               <a:t>Author: </a:t>
             </a:r>
             <a:r>
-              <a:rPr lang="en-US" altLang="zh-CN" dirty="0">
+              <a:rPr lang="en-US" altLang="zh-CN" sz="1200" dirty="0">
                 <a:solidFill>
                   <a:schemeClr val="bg1"/>
                 </a:solidFill>
@@ -6251,7 +7132,7 @@
               <a:t>Shashank and </a:t>
             </a:r>
             <a:r>
-              <a:rPr lang="en-US" altLang="zh-CN" dirty="0" err="1">
+              <a:rPr lang="en-US" altLang="zh-CN" sz="1200" dirty="0" err="1">
                 <a:solidFill>
                   <a:schemeClr val="bg1"/>
                 </a:solidFill>
@@ -6259,14 +7140,32 @@
               <a:t>Pushpak</a:t>
             </a:r>
             <a:r>
-              <a:rPr lang="en-US" altLang="zh-CN" dirty="0">
+              <a:rPr lang="en-US" altLang="zh-CN" sz="1200" dirty="0">
                 <a:solidFill>
                   <a:schemeClr val="bg1"/>
                 </a:solidFill>
               </a:rPr>
-              <a:t> Bhattacharyya</a:t>
-            </a:r>
-            <a:endParaRPr kumimoji="1" lang="en-US" altLang="zh-CN" dirty="0" smtClean="0">
+              <a:t> </a:t>
+            </a:r>
+            <a:r>
+              <a:rPr lang="en-US" altLang="zh-CN" sz="1200" dirty="0" smtClean="0">
+                <a:solidFill>
+                  <a:schemeClr val="bg1"/>
+                </a:solidFill>
+              </a:rPr>
+              <a:t>Bhattacharyya</a:t>
+            </a:r>
+          </a:p>
+          <a:p>
+            <a:r>
+              <a:rPr kumimoji="1" lang="en-US" altLang="zh-CN" sz="1200" dirty="0">
+                <a:solidFill>
+                  <a:schemeClr val="bg1"/>
+                </a:solidFill>
+              </a:rPr>
+              <a:t>Proceedings of ICON-2008: 6th International Conference on Natural Language Processing</a:t>
+            </a:r>
+            <a:endParaRPr kumimoji="1" lang="en-US" altLang="zh-CN" sz="1200" dirty="0" smtClean="0">
               <a:solidFill>
                 <a:schemeClr val="bg1"/>
               </a:solidFill>
@@ -6605,8 +7504,8 @@
         </p:nvSpPr>
         <p:spPr>
           <a:xfrm>
-            <a:off x="1097280" y="6488668"/>
-            <a:ext cx="5287666" cy="369332"/>
+            <a:off x="1097280" y="6396335"/>
+            <a:ext cx="3750963" cy="461665"/>
           </a:xfrm>
           <a:prstGeom prst="rect">
             <a:avLst/>
@@ -6619,14 +7518,37 @@
           <a:lstStyle/>
           <a:p>
             <a:r>
-              <a:rPr lang="zh-CN" altLang="en-US" dirty="0" smtClean="0">
+              <a:rPr lang="zh-CN" altLang="en-US" sz="1200" dirty="0" smtClean="0">
                 <a:solidFill>
                   <a:schemeClr val="bg1"/>
                 </a:solidFill>
               </a:rPr>
-              <a:t>Kunwoo Park, Jaewoo Kim, Jaram Park, Meeyoung Cha</a:t>
-            </a:r>
-            <a:endParaRPr lang="zh-CN" altLang="en-US" dirty="0">
+              <a:t>Kunwoo Park, Jaewoo Kim, Jaram Park, Meeyoung </a:t>
+            </a:r>
+            <a:r>
+              <a:rPr lang="zh-CN" altLang="en-US" sz="1200" dirty="0" smtClean="0">
+                <a:solidFill>
+                  <a:schemeClr val="bg1"/>
+                </a:solidFill>
+              </a:rPr>
+              <a:t>Cha</a:t>
+            </a:r>
+            <a:endParaRPr lang="en-US" altLang="zh-CN" sz="1200" dirty="0" smtClean="0">
+              <a:solidFill>
+                <a:schemeClr val="bg1"/>
+              </a:solidFill>
+            </a:endParaRPr>
+          </a:p>
+          <a:p>
+            <a:r>
+              <a:rPr lang="en-US" altLang="zh-CN" sz="1200" dirty="0">
+                <a:solidFill>
+                  <a:schemeClr val="bg1"/>
+                </a:solidFill>
+              </a:rPr>
+              <a:t>CIKM’15, October 19-23, 2015, Melbourne, VIC, Australia</a:t>
+            </a:r>
+            <a:endParaRPr lang="zh-CN" altLang="en-US" sz="1200" dirty="0">
               <a:solidFill>
                 <a:schemeClr val="bg1"/>
               </a:solidFill>
@@ -6644,6 +7566,13 @@
   <p:clrMapOvr>
     <a:masterClrMapping/>
   </p:clrMapOvr>
+  <p:timing>
+    <p:tnLst>
+      <p:par>
+        <p:cTn id="1" dur="indefinite" restart="never" nodeType="tmRoot"/>
+      </p:par>
+    </p:tnLst>
+  </p:timing>
 </p:sld>
 </file>
 
@@ -6968,8 +7897,8 @@
         </p:nvSpPr>
         <p:spPr>
           <a:xfrm>
-            <a:off x="1097280" y="6488668"/>
-            <a:ext cx="7188200" cy="369332"/>
+            <a:off x="1097280" y="6396335"/>
+            <a:ext cx="7188200" cy="461665"/>
           </a:xfrm>
           <a:prstGeom prst="rect">
             <a:avLst/>
@@ -6982,14 +7911,61 @@
           <a:lstStyle/>
           <a:p>
             <a:r>
-              <a:rPr lang="zh-CN" altLang="en-US" dirty="0" smtClean="0">
+              <a:rPr lang="zh-CN" altLang="en-US" sz="1200" dirty="0" smtClean="0">
                 <a:solidFill>
                   <a:schemeClr val="bg1"/>
                 </a:solidFill>
               </a:rPr>
-              <a:t>Rodrigo Rodrigues do Carmo, Anísio Mendes Lacerda, Daniel Hasan Dalip</a:t>
-            </a:r>
-            <a:endParaRPr lang="zh-CN" altLang="en-US" dirty="0">
+              <a:t>Rodrigo Rodrigues do Carmo, Anísio Mendes Lacerda, Daniel Hasan </a:t>
+            </a:r>
+            <a:r>
+              <a:rPr lang="zh-CN" altLang="en-US" sz="1200" dirty="0" smtClean="0">
+                <a:solidFill>
+                  <a:schemeClr val="bg1"/>
+                </a:solidFill>
+              </a:rPr>
+              <a:t>Dalip</a:t>
+            </a:r>
+            <a:endParaRPr lang="en-US" altLang="zh-CN" sz="1200" dirty="0" smtClean="0">
+              <a:solidFill>
+                <a:schemeClr val="bg1"/>
+              </a:solidFill>
+            </a:endParaRPr>
+          </a:p>
+          <a:p>
+            <a:r>
+              <a:rPr lang="en-US" altLang="zh-CN" sz="1200" dirty="0" err="1">
+                <a:solidFill>
+                  <a:schemeClr val="bg1"/>
+                </a:solidFill>
+              </a:rPr>
+              <a:t>WebMedia</a:t>
+            </a:r>
+            <a:r>
+              <a:rPr lang="en-US" altLang="zh-CN" sz="1200" dirty="0">
+                <a:solidFill>
+                  <a:schemeClr val="bg1"/>
+                </a:solidFill>
+              </a:rPr>
+              <a:t> ’17, October 17–20, 2017, </a:t>
+            </a:r>
+            <a:r>
+              <a:rPr lang="en-US" altLang="zh-CN" sz="1200" dirty="0" err="1">
+                <a:solidFill>
+                  <a:schemeClr val="bg1"/>
+                </a:solidFill>
+              </a:rPr>
+              <a:t>Gramado</a:t>
+            </a:r>
+            <a:r>
+              <a:rPr lang="en-US" altLang="zh-CN" sz="1200" dirty="0">
+                <a:solidFill>
+                  <a:schemeClr val="bg1"/>
+                </a:solidFill>
+              </a:rPr>
+              <a:t>, Brazil</a:t>
+            </a:r>
+            <a:endParaRPr lang="zh-CN" altLang="en-US" sz="1200" dirty="0">
               <a:solidFill>
                 <a:schemeClr val="bg1"/>
               </a:solidFill>
@@ -7278,8 +8254,8 @@
         </p:nvSpPr>
         <p:spPr>
           <a:xfrm>
-            <a:off x="1097280" y="6488668"/>
-            <a:ext cx="1904817" cy="369332"/>
+            <a:off x="1097280" y="6396335"/>
+            <a:ext cx="3224024" cy="461665"/>
           </a:xfrm>
           <a:prstGeom prst="rect">
             <a:avLst/>
@@ -7292,7 +8268,7 @@
           <a:lstStyle/>
           <a:p>
             <a:r>
-              <a:rPr kumimoji="1" lang="en-US" altLang="zh-CN" dirty="0" err="1">
+              <a:rPr kumimoji="1" lang="en-US" altLang="zh-CN" sz="1200" dirty="0" err="1">
                 <a:solidFill>
                   <a:schemeClr val="bg1"/>
                 </a:solidFill>
@@ -7300,14 +8276,32 @@
               <a:t>Guoxiu</a:t>
             </a:r>
             <a:r>
-              <a:rPr kumimoji="1" lang="en-US" altLang="zh-CN" dirty="0">
+              <a:rPr kumimoji="1" lang="en-US" altLang="zh-CN" sz="1200" dirty="0">
                 <a:solidFill>
                   <a:schemeClr val="bg1"/>
                 </a:solidFill>
               </a:rPr>
-              <a:t> He, Wei Lu</a:t>
-            </a:r>
-            <a:endParaRPr kumimoji="1" lang="zh-CN" altLang="en-US" dirty="0">
+              <a:t> He, Wei </a:t>
+            </a:r>
+            <a:r>
+              <a:rPr kumimoji="1" lang="en-US" altLang="zh-CN" sz="1200" dirty="0" smtClean="0">
+                <a:solidFill>
+                  <a:schemeClr val="bg1"/>
+                </a:solidFill>
+              </a:rPr>
+              <a:t>Lu</a:t>
+            </a:r>
+          </a:p>
+          <a:p>
+            <a:r>
+              <a:rPr kumimoji="1" lang="en-US" altLang="zh-CN" sz="1200" dirty="0">
+                <a:solidFill>
+                  <a:schemeClr val="bg1"/>
+                </a:solidFill>
+              </a:rPr>
+              <a:t>ICTIR ’18, September 14–17, 2018, Tianjin, China</a:t>
+            </a:r>
+            <a:endParaRPr kumimoji="1" lang="zh-CN" altLang="en-US" sz="1200" dirty="0">
               <a:solidFill>
                 <a:schemeClr val="bg1"/>
               </a:solidFill>
@@ -7385,6 +8379,13 @@
   <p:clrMapOvr>
     <a:masterClrMapping/>
   </p:clrMapOvr>
+  <p:timing>
+    <p:tnLst>
+      <p:par>
+        <p:cTn id="1" dur="indefinite" restart="never" nodeType="tmRoot"/>
+      </p:par>
+    </p:tnLst>
+  </p:timing>
 </p:sld>
 </file>
 
@@ -7655,7 +8656,7 @@
           <p:nvPr/>
         </p:nvPicPr>
         <p:blipFill>
-          <a:blip r:embed="rId2">
+          <a:blip r:embed="rId3">
             <a:extLst>
               <a:ext uri="{28A0092B-C50C-407E-A947-70E740481C1C}">
                 <a14:useLocalDpi xmlns:a14="http://schemas.microsoft.com/office/drawing/2010/main" val="0"/>
@@ -7684,8 +8685,8 @@
         </p:nvSpPr>
         <p:spPr>
           <a:xfrm>
-            <a:off x="1097280" y="6488668"/>
-            <a:ext cx="7576820" cy="369332"/>
+            <a:off x="1097280" y="6396335"/>
+            <a:ext cx="7576820" cy="461665"/>
           </a:xfrm>
           <a:prstGeom prst="rect">
             <a:avLst/>
@@ -7698,13 +8699,49 @@
           <a:lstStyle/>
           <a:p>
             <a:r>
-              <a:rPr lang="zh-CN" altLang="en-US" dirty="0">
+              <a:rPr lang="zh-CN" altLang="en-US" sz="1200" dirty="0">
                 <a:solidFill>
                   <a:schemeClr val="bg1"/>
                 </a:solidFill>
               </a:rPr>
-              <a:t>Umang Gupta, Ankush Chatterjee, Radhakrishnan Srikanth, Puneet Agrawal</a:t>
-            </a:r>
+              <a:t>Umang Gupta, Ankush Chatterjee, Radhakrishnan Srikanth, Puneet </a:t>
+            </a:r>
+            <a:r>
+              <a:rPr lang="zh-CN" altLang="en-US" sz="1200" dirty="0" smtClean="0">
+                <a:solidFill>
+                  <a:schemeClr val="bg1"/>
+                </a:solidFill>
+              </a:rPr>
+              <a:t>Agrawal</a:t>
+            </a:r>
+            <a:endParaRPr lang="en-US" altLang="zh-CN" sz="1200" dirty="0" smtClean="0">
+              <a:solidFill>
+                <a:schemeClr val="bg1"/>
+              </a:solidFill>
+            </a:endParaRPr>
+          </a:p>
+          <a:p>
+            <a:r>
+              <a:rPr lang="en-US" altLang="zh-CN" sz="1200" dirty="0" err="1">
+                <a:solidFill>
+                  <a:schemeClr val="bg1"/>
+                </a:solidFill>
+              </a:rPr>
+              <a:t>Neu</a:t>
+            </a:r>
+            <a:r>
+              <a:rPr lang="en-US" altLang="zh-CN" sz="1200" dirty="0">
+                <a:solidFill>
+                  <a:schemeClr val="bg1"/>
+                </a:solidFill>
+              </a:rPr>
+              <a:t>-IR ’17, August 11, 2017, Shinjuku, Tokyo, Japan</a:t>
+            </a:r>
+            <a:endParaRPr lang="zh-CN" altLang="en-US" sz="1200" dirty="0">
+              <a:solidFill>
+                <a:schemeClr val="bg1"/>
+              </a:solidFill>
+            </a:endParaRPr>
           </a:p>
         </p:txBody>
       </p:sp>
@@ -7718,6 +8755,13 @@
   <p:clrMapOvr>
     <a:masterClrMapping/>
   </p:clrMapOvr>
+  <p:timing>
+    <p:tnLst>
+      <p:par>
+        <p:cTn id="1" dur="indefinite" restart="never" nodeType="tmRoot"/>
+      </p:par>
+    </p:tnLst>
+  </p:timing>
 </p:sld>
 </file>
 
@@ -7992,8 +9036,8 @@
         </p:nvSpPr>
         <p:spPr>
           <a:xfrm>
-            <a:off x="1097280" y="6488668"/>
-            <a:ext cx="10345420" cy="369332"/>
+            <a:off x="1097280" y="6396335"/>
+            <a:ext cx="10345420" cy="461665"/>
           </a:xfrm>
           <a:prstGeom prst="rect">
             <a:avLst/>
@@ -8006,13 +9050,41 @@
           <a:lstStyle/>
           <a:p>
             <a:r>
-              <a:rPr lang="zh-CN" altLang="en-US" dirty="0">
+              <a:rPr lang="zh-CN" altLang="en-US" sz="1200" dirty="0">
                 <a:solidFill>
                   <a:schemeClr val="bg1"/>
                 </a:solidFill>
               </a:rPr>
-              <a:t>Devamanyu Hazarika, Soujanya Poria, Amir Zadeh, Erik Cambria, Louis-Philippe Morency, Roger Zimmermann</a:t>
-            </a:r>
+              <a:t>Devamanyu Hazarika, Soujanya Poria, Amir Zadeh, Erik Cambria, Louis-Philippe Morency, Roger </a:t>
+            </a:r>
+            <a:r>
+              <a:rPr lang="zh-CN" altLang="en-US" sz="1200" dirty="0" smtClean="0">
+                <a:solidFill>
+                  <a:schemeClr val="bg1"/>
+                </a:solidFill>
+              </a:rPr>
+              <a:t>Zimmermann</a:t>
+            </a:r>
+            <a:endParaRPr lang="en-US" altLang="zh-CN" sz="1200" dirty="0" smtClean="0">
+              <a:solidFill>
+                <a:schemeClr val="bg1"/>
+              </a:solidFill>
+            </a:endParaRPr>
+          </a:p>
+          <a:p>
+            <a:r>
+              <a:rPr lang="en-US" altLang="zh-CN" sz="1200" dirty="0">
+                <a:solidFill>
+                  <a:schemeClr val="bg1"/>
+                </a:solidFill>
+              </a:rPr>
+              <a:t>Proceedings of NAACL-HLT 2018, pages 2122–2132</a:t>
+            </a:r>
+            <a:endParaRPr lang="zh-CN" altLang="en-US" sz="1200" dirty="0">
+              <a:solidFill>
+                <a:schemeClr val="bg1"/>
+              </a:solidFill>
+            </a:endParaRPr>
           </a:p>
         </p:txBody>
       </p:sp>
@@ -8278,8 +9350,8 @@
         </p:nvSpPr>
         <p:spPr>
           <a:xfrm>
-            <a:off x="1097280" y="6488668"/>
-            <a:ext cx="3049809" cy="369332"/>
+            <a:off x="1097280" y="6425627"/>
+            <a:ext cx="2685800" cy="461665"/>
           </a:xfrm>
           <a:prstGeom prst="rect">
             <a:avLst/>
@@ -8292,13 +9364,73 @@
           <a:lstStyle/>
           <a:p>
             <a:r>
-              <a:rPr lang="zh-CN" altLang="en-US" dirty="0">
+              <a:rPr lang="zh-CN" altLang="en-US" sz="1200" dirty="0">
                 <a:solidFill>
                   <a:schemeClr val="bg1"/>
                 </a:solidFill>
               </a:rPr>
-              <a:t>Sayyed M. Zahiri, Jinho D. Choi</a:t>
-            </a:r>
+              <a:t>Sayyed M. Zahiri, Jinho D. </a:t>
+            </a:r>
+            <a:r>
+              <a:rPr lang="zh-CN" altLang="en-US" sz="1200" dirty="0" smtClean="0">
+                <a:solidFill>
+                  <a:schemeClr val="bg1"/>
+                </a:solidFill>
+              </a:rPr>
+              <a:t>Choi</a:t>
+            </a:r>
+            <a:endParaRPr lang="en-US" altLang="zh-CN" sz="1200" dirty="0" smtClean="0">
+              <a:solidFill>
+                <a:schemeClr val="bg1"/>
+              </a:solidFill>
+            </a:endParaRPr>
+          </a:p>
+          <a:p>
+            <a:r>
+              <a:rPr lang="pt-BR" altLang="zh-CN" sz="1200" dirty="0">
+                <a:solidFill>
+                  <a:schemeClr val="bg1"/>
+                </a:solidFill>
+              </a:rPr>
+              <a:t>arXiv:1708.04299v1 [</a:t>
+            </a:r>
+            <a:r>
+              <a:rPr lang="pt-BR" altLang="zh-CN" sz="1200" dirty="0" err="1">
+                <a:solidFill>
+                  <a:schemeClr val="bg1"/>
+                </a:solidFill>
+              </a:rPr>
+              <a:t>cs.CL</a:t>
+            </a:r>
+            <a:r>
+              <a:rPr lang="pt-BR" altLang="zh-CN" sz="1200" dirty="0">
+                <a:solidFill>
+                  <a:schemeClr val="bg1"/>
+                </a:solidFill>
+              </a:rPr>
+              <a:t>] 14 </a:t>
+            </a:r>
+            <a:r>
+              <a:rPr lang="pt-BR" altLang="zh-CN" sz="1200" dirty="0" err="1">
+                <a:solidFill>
+                  <a:schemeClr val="bg1"/>
+                </a:solidFill>
+              </a:rPr>
+              <a:t>Aug</a:t>
+            </a:r>
+            <a:r>
+              <a:rPr lang="pt-BR" altLang="zh-CN" sz="1200" dirty="0">
+                <a:solidFill>
+                  <a:schemeClr val="bg1"/>
+                </a:solidFill>
+              </a:rPr>
+              <a:t> 2017</a:t>
+            </a:r>
+            <a:endParaRPr lang="zh-CN" altLang="en-US" sz="1200" dirty="0">
+              <a:solidFill>
+                <a:schemeClr val="bg1"/>
+              </a:solidFill>
+            </a:endParaRPr>
           </a:p>
         </p:txBody>
       </p:sp>
@@ -8402,6 +9534,13 @@
   <p:clrMapOvr>
     <a:masterClrMapping/>
   </p:clrMapOvr>
+  <p:timing>
+    <p:tnLst>
+      <p:par>
+        <p:cTn id="1" dur="indefinite" restart="never" nodeType="tmRoot"/>
+      </p:par>
+    </p:tnLst>
+  </p:timing>
 </p:sld>
 </file>
 

--- a/[报告] Text Emotion Detection.pptx
+++ b/[报告] Text Emotion Detection.pptx
@@ -5,7 +5,7 @@
     <p:sldMasterId id="2147483660" r:id="rId1"/>
   </p:sldMasterIdLst>
   <p:notesMasterIdLst>
-    <p:notesMasterId r:id="rId17"/>
+    <p:notesMasterId r:id="rId18"/>
   </p:notesMasterIdLst>
   <p:sldIdLst>
     <p:sldId id="256" r:id="rId2"/>
@@ -16,13 +16,14 @@
     <p:sldId id="261" r:id="rId7"/>
     <p:sldId id="262" r:id="rId8"/>
     <p:sldId id="263" r:id="rId9"/>
-    <p:sldId id="264" r:id="rId10"/>
-    <p:sldId id="265" r:id="rId11"/>
-    <p:sldId id="266" r:id="rId12"/>
-    <p:sldId id="267" r:id="rId13"/>
-    <p:sldId id="268" r:id="rId14"/>
-    <p:sldId id="269" r:id="rId15"/>
-    <p:sldId id="270" r:id="rId16"/>
+    <p:sldId id="271" r:id="rId10"/>
+    <p:sldId id="264" r:id="rId11"/>
+    <p:sldId id="265" r:id="rId12"/>
+    <p:sldId id="266" r:id="rId13"/>
+    <p:sldId id="267" r:id="rId14"/>
+    <p:sldId id="268" r:id="rId15"/>
+    <p:sldId id="269" r:id="rId16"/>
+    <p:sldId id="270" r:id="rId17"/>
   </p:sldIdLst>
   <p:sldSz cx="12192000" cy="6858000"/>
   <p:notesSz cx="6858000" cy="9144000"/>
@@ -211,7 +212,7 @@
           <a:p>
             <a:fld id="{983043E2-39BC-0A48-8C2E-4FD7A4F1E838}" type="datetimeFigureOut">
               <a:rPr kumimoji="1" lang="zh-CN" altLang="en-US" smtClean="0"/>
-              <a:t>2018/12/11</a:t>
+              <a:t>2018/12/12</a:t>
             </a:fld>
             <a:endParaRPr kumimoji="1" lang="zh-CN" altLang="en-US"/>
           </a:p>
@@ -796,7 +797,91 @@
           <a:p>
             <a:fld id="{CF7B931C-FECA-CD4F-B96B-EBB6545EB884}" type="slidenum">
               <a:rPr kumimoji="1" lang="zh-CN" altLang="en-US" smtClean="0"/>
-              <a:t>11</a:t>
+              <a:t>9</a:t>
+            </a:fld>
+            <a:endParaRPr kumimoji="1" lang="zh-CN" altLang="en-US"/>
+          </a:p>
+        </p:txBody>
+      </p:sp>
+    </p:spTree>
+    <p:extLst>
+      <p:ext uri="{BB962C8B-B14F-4D97-AF65-F5344CB8AC3E}">
+        <p14:creationId xmlns:p14="http://schemas.microsoft.com/office/powerpoint/2010/main" val="1505337187"/>
+      </p:ext>
+    </p:extLst>
+  </p:cSld>
+  <p:clrMapOvr>
+    <a:masterClrMapping/>
+  </p:clrMapOvr>
+</p:notes>
+</file>
+
+<file path=ppt/notesSlides/notesSlide5.xml><?xml version="1.0" encoding="utf-8"?>
+<p:notes xmlns:a="http://schemas.openxmlformats.org/drawingml/2006/main" xmlns:r="http://schemas.openxmlformats.org/officeDocument/2006/relationships" xmlns:p="http://schemas.openxmlformats.org/presentationml/2006/main">
+  <p:cSld>
+    <p:spTree>
+      <p:nvGrpSpPr>
+        <p:cNvPr id="1" name=""/>
+        <p:cNvGrpSpPr/>
+        <p:nvPr/>
+      </p:nvGrpSpPr>
+      <p:grpSpPr>
+        <a:xfrm>
+          <a:off x="0" y="0"/>
+          <a:ext cx="0" cy="0"/>
+          <a:chOff x="0" y="0"/>
+          <a:chExt cx="0" cy="0"/>
+        </a:xfrm>
+      </p:grpSpPr>
+      <p:sp>
+        <p:nvSpPr>
+          <p:cNvPr id="2" name="幻灯片图像占位符 1"/>
+          <p:cNvSpPr>
+            <a:spLocks noGrp="1" noRot="1" noChangeAspect="1"/>
+          </p:cNvSpPr>
+          <p:nvPr>
+            <p:ph type="sldImg"/>
+          </p:nvPr>
+        </p:nvSpPr>
+        <p:spPr/>
+      </p:sp>
+      <p:sp>
+        <p:nvSpPr>
+          <p:cNvPr id="3" name="备注占位符 2"/>
+          <p:cNvSpPr>
+            <a:spLocks noGrp="1"/>
+          </p:cNvSpPr>
+          <p:nvPr>
+            <p:ph type="body" idx="1"/>
+          </p:nvPr>
+        </p:nvSpPr>
+        <p:spPr/>
+        <p:txBody>
+          <a:bodyPr/>
+          <a:lstStyle/>
+          <a:p>
+            <a:endParaRPr kumimoji="1" lang="zh-CN" altLang="en-US" dirty="0"/>
+          </a:p>
+        </p:txBody>
+      </p:sp>
+      <p:sp>
+        <p:nvSpPr>
+          <p:cNvPr id="4" name="幻灯片编号占位符 3"/>
+          <p:cNvSpPr>
+            <a:spLocks noGrp="1"/>
+          </p:cNvSpPr>
+          <p:nvPr>
+            <p:ph type="sldNum" sz="quarter" idx="10"/>
+          </p:nvPr>
+        </p:nvSpPr>
+        <p:spPr/>
+        <p:txBody>
+          <a:bodyPr/>
+          <a:lstStyle/>
+          <a:p>
+            <a:fld id="{CF7B931C-FECA-CD4F-B96B-EBB6545EB884}" type="slidenum">
+              <a:rPr kumimoji="1" lang="zh-CN" altLang="en-US" smtClean="0"/>
+              <a:t>12</a:t>
             </a:fld>
             <a:endParaRPr kumimoji="1" lang="zh-CN" altLang="en-US"/>
           </a:p>
@@ -1041,7 +1126,7 @@
           <a:p>
             <a:fld id="{E23D9A72-93E2-EA46-BADF-AE74A1DEC3F4}" type="datetimeFigureOut">
               <a:rPr kumimoji="1" lang="zh-CN" altLang="en-US" smtClean="0"/>
-              <a:t>2018/12/11</a:t>
+              <a:t>2018/12/12</a:t>
             </a:fld>
             <a:endParaRPr kumimoji="1" lang="zh-CN" altLang="en-US"/>
           </a:p>
@@ -1249,7 +1334,7 @@
           <a:p>
             <a:fld id="{E23D9A72-93E2-EA46-BADF-AE74A1DEC3F4}" type="datetimeFigureOut">
               <a:rPr kumimoji="1" lang="zh-CN" altLang="en-US" smtClean="0"/>
-              <a:t>2018/12/11</a:t>
+              <a:t>2018/12/12</a:t>
             </a:fld>
             <a:endParaRPr kumimoji="1" lang="zh-CN" altLang="en-US"/>
           </a:p>
@@ -1505,7 +1590,7 @@
           <a:p>
             <a:fld id="{E23D9A72-93E2-EA46-BADF-AE74A1DEC3F4}" type="datetimeFigureOut">
               <a:rPr kumimoji="1" lang="zh-CN" altLang="en-US" smtClean="0"/>
-              <a:t>2018/12/11</a:t>
+              <a:t>2018/12/12</a:t>
             </a:fld>
             <a:endParaRPr kumimoji="1" lang="zh-CN" altLang="en-US"/>
           </a:p>
@@ -1679,7 +1764,7 @@
           <a:p>
             <a:fld id="{E23D9A72-93E2-EA46-BADF-AE74A1DEC3F4}" type="datetimeFigureOut">
               <a:rPr kumimoji="1" lang="zh-CN" altLang="en-US" smtClean="0"/>
-              <a:t>2018/12/11</a:t>
+              <a:t>2018/12/12</a:t>
             </a:fld>
             <a:endParaRPr kumimoji="1" lang="zh-CN" altLang="en-US"/>
           </a:p>
@@ -2022,7 +2107,7 @@
           <a:p>
             <a:fld id="{E23D9A72-93E2-EA46-BADF-AE74A1DEC3F4}" type="datetimeFigureOut">
               <a:rPr kumimoji="1" lang="zh-CN" altLang="en-US" smtClean="0"/>
-              <a:t>2018/12/11</a:t>
+              <a:t>2018/12/12</a:t>
             </a:fld>
             <a:endParaRPr kumimoji="1" lang="zh-CN" altLang="en-US"/>
           </a:p>
@@ -2297,7 +2382,7 @@
           <a:p>
             <a:fld id="{E23D9A72-93E2-EA46-BADF-AE74A1DEC3F4}" type="datetimeFigureOut">
               <a:rPr kumimoji="1" lang="zh-CN" altLang="en-US" smtClean="0"/>
-              <a:t>2018/12/11</a:t>
+              <a:t>2018/12/12</a:t>
             </a:fld>
             <a:endParaRPr kumimoji="1" lang="zh-CN" altLang="en-US"/>
           </a:p>
@@ -2676,7 +2761,7 @@
           <a:p>
             <a:fld id="{E23D9A72-93E2-EA46-BADF-AE74A1DEC3F4}" type="datetimeFigureOut">
               <a:rPr kumimoji="1" lang="zh-CN" altLang="en-US" smtClean="0"/>
-              <a:t>2018/12/11</a:t>
+              <a:t>2018/12/12</a:t>
             </a:fld>
             <a:endParaRPr kumimoji="1" lang="zh-CN" altLang="en-US"/>
           </a:p>
@@ -2794,7 +2879,7 @@
           <a:p>
             <a:fld id="{E23D9A72-93E2-EA46-BADF-AE74A1DEC3F4}" type="datetimeFigureOut">
               <a:rPr kumimoji="1" lang="zh-CN" altLang="en-US" smtClean="0"/>
-              <a:t>2018/12/11</a:t>
+              <a:t>2018/12/12</a:t>
             </a:fld>
             <a:endParaRPr kumimoji="1" lang="zh-CN" altLang="en-US"/>
           </a:p>
@@ -2965,7 +3050,7 @@
           <a:p>
             <a:fld id="{E23D9A72-93E2-EA46-BADF-AE74A1DEC3F4}" type="datetimeFigureOut">
               <a:rPr kumimoji="1" lang="zh-CN" altLang="en-US" smtClean="0"/>
-              <a:t>2018/12/11</a:t>
+              <a:t>2018/12/12</a:t>
             </a:fld>
             <a:endParaRPr kumimoji="1" lang="zh-CN" altLang="en-US"/>
           </a:p>
@@ -3319,7 +3404,7 @@
           <a:p>
             <a:fld id="{E23D9A72-93E2-EA46-BADF-AE74A1DEC3F4}" type="datetimeFigureOut">
               <a:rPr kumimoji="1" lang="zh-CN" altLang="en-US" smtClean="0"/>
-              <a:t>2018/12/11</a:t>
+              <a:t>2018/12/12</a:t>
             </a:fld>
             <a:endParaRPr kumimoji="1" lang="zh-CN" altLang="en-US"/>
           </a:p>
@@ -3701,7 +3786,7 @@
           <a:p>
             <a:fld id="{E23D9A72-93E2-EA46-BADF-AE74A1DEC3F4}" type="datetimeFigureOut">
               <a:rPr kumimoji="1" lang="zh-CN" altLang="en-US" smtClean="0"/>
-              <a:t>2018/12/11</a:t>
+              <a:t>2018/12/12</a:t>
             </a:fld>
             <a:endParaRPr kumimoji="1" lang="zh-CN" altLang="en-US"/>
           </a:p>
@@ -3988,7 +4073,7 @@
           <a:p>
             <a:fld id="{E23D9A72-93E2-EA46-BADF-AE74A1DEC3F4}" type="datetimeFigureOut">
               <a:rPr kumimoji="1" lang="zh-CN" altLang="en-US" smtClean="0"/>
-              <a:t>2018/12/11</a:t>
+              <a:t>2018/12/12</a:t>
             </a:fld>
             <a:endParaRPr kumimoji="1" lang="zh-CN" altLang="en-US"/>
           </a:p>
@@ -4616,6 +4701,382 @@
         <p:spPr/>
         <p:txBody>
           <a:bodyPr>
+            <a:noAutofit/>
+          </a:bodyPr>
+          <a:lstStyle/>
+          <a:p>
+            <a:r>
+              <a:rPr kumimoji="1" lang="en-US" altLang="zh-CN" sz="3600" dirty="0"/>
+              <a:t>Emotion Detection on TV Show Transcripts </a:t>
+            </a:r>
+            <a:r>
+              <a:rPr kumimoji="1" lang="en-US" altLang="zh-CN" sz="3600" dirty="0" smtClean="0"/>
+              <a:t>with Sequence-based </a:t>
+            </a:r>
+            <a:r>
+              <a:rPr kumimoji="1" lang="en-US" altLang="zh-CN" sz="3600" dirty="0"/>
+              <a:t>Convolutional Neural </a:t>
+            </a:r>
+            <a:r>
+              <a:rPr kumimoji="1" lang="en-US" altLang="zh-CN" sz="3600" dirty="0" smtClean="0"/>
+              <a:t>Networks (2017)</a:t>
+            </a:r>
+            <a:endParaRPr kumimoji="1" lang="zh-CN" altLang="en-US" sz="3600" dirty="0"/>
+          </a:p>
+        </p:txBody>
+      </p:sp>
+      <p:sp>
+        <p:nvSpPr>
+          <p:cNvPr id="3" name="内容占位符 2"/>
+          <p:cNvSpPr>
+            <a:spLocks noGrp="1"/>
+          </p:cNvSpPr>
+          <p:nvPr>
+            <p:ph idx="1"/>
+          </p:nvPr>
+        </p:nvSpPr>
+        <p:spPr>
+          <a:xfrm>
+            <a:off x="1097280" y="1845734"/>
+            <a:ext cx="5431536" cy="4023360"/>
+          </a:xfrm>
+        </p:spPr>
+        <p:txBody>
+          <a:bodyPr>
+            <a:normAutofit/>
+          </a:bodyPr>
+          <a:lstStyle/>
+          <a:p>
+            <a:r>
+              <a:rPr kumimoji="1" lang="en-US" altLang="zh-CN" sz="1800" dirty="0" smtClean="0"/>
+              <a:t>Abstract</a:t>
+            </a:r>
+          </a:p>
+          <a:p>
+            <a:pPr lvl="1"/>
+            <a:r>
+              <a:rPr kumimoji="1" lang="en-US" altLang="zh-CN" sz="1600" dirty="0" smtClean="0"/>
+              <a:t>This </a:t>
+            </a:r>
+            <a:r>
+              <a:rPr kumimoji="1" lang="en-US" altLang="zh-CN" sz="1600" dirty="0"/>
+              <a:t>paper introduces a corpus for </a:t>
+            </a:r>
+            <a:r>
+              <a:rPr kumimoji="1" lang="en-US" altLang="zh-CN" sz="1600" b="1" dirty="0">
+                <a:solidFill>
+                  <a:srgbClr val="FF0000"/>
+                </a:solidFill>
+              </a:rPr>
+              <a:t>text-based</a:t>
+            </a:r>
+            <a:r>
+              <a:rPr kumimoji="1" lang="en-US" altLang="zh-CN" sz="1600" dirty="0"/>
+              <a:t> </a:t>
+            </a:r>
+            <a:r>
+              <a:rPr kumimoji="1" lang="en-US" altLang="zh-CN" sz="1600" b="1" dirty="0">
+                <a:solidFill>
+                  <a:srgbClr val="FF0000"/>
+                </a:solidFill>
+              </a:rPr>
+              <a:t>emotion detection </a:t>
+            </a:r>
+            <a:r>
+              <a:rPr kumimoji="1" lang="en-US" altLang="zh-CN" sz="1600" dirty="0"/>
+              <a:t>on </a:t>
+            </a:r>
+            <a:r>
+              <a:rPr kumimoji="1" lang="en-US" altLang="zh-CN" sz="1600" b="1" dirty="0">
+                <a:solidFill>
+                  <a:srgbClr val="FF0000"/>
+                </a:solidFill>
+              </a:rPr>
+              <a:t>multiparty dialogue </a:t>
+            </a:r>
+            <a:r>
+              <a:rPr kumimoji="1" lang="en-US" altLang="zh-CN" sz="1600" dirty="0"/>
+              <a:t>as well as deep neural models that outperform the existing approaches for document classification</a:t>
+            </a:r>
+            <a:r>
+              <a:rPr kumimoji="1" lang="en-US" altLang="zh-CN" sz="1600" dirty="0" smtClean="0"/>
+              <a:t>.</a:t>
+            </a:r>
+          </a:p>
+          <a:p>
+            <a:pPr lvl="1"/>
+            <a:r>
+              <a:rPr kumimoji="1" lang="en-US" altLang="zh-CN" sz="1600" dirty="0" smtClean="0"/>
+              <a:t>We </a:t>
+            </a:r>
+            <a:r>
+              <a:rPr kumimoji="1" lang="en-US" altLang="zh-CN" sz="1600" dirty="0"/>
+              <a:t>then suggest four types of </a:t>
+            </a:r>
+            <a:r>
+              <a:rPr kumimoji="1" lang="en-US" altLang="zh-CN" sz="1600" b="1" dirty="0">
+                <a:solidFill>
+                  <a:srgbClr val="FF0000"/>
+                </a:solidFill>
+              </a:rPr>
+              <a:t>sequence-based convolutional neural network </a:t>
+            </a:r>
+            <a:r>
+              <a:rPr kumimoji="1" lang="en-US" altLang="zh-CN" sz="1600" dirty="0"/>
+              <a:t>models with </a:t>
+            </a:r>
+            <a:r>
+              <a:rPr kumimoji="1" lang="en-US" altLang="zh-CN" sz="1600" b="1" dirty="0">
+                <a:solidFill>
+                  <a:srgbClr val="FF0000"/>
+                </a:solidFill>
+              </a:rPr>
+              <a:t>attention</a:t>
+            </a:r>
+            <a:r>
+              <a:rPr kumimoji="1" lang="en-US" altLang="zh-CN" sz="1600" dirty="0"/>
+              <a:t> that leverage the sequence information encapsulated in dialogue</a:t>
+            </a:r>
+            <a:r>
+              <a:rPr kumimoji="1" lang="en-US" altLang="zh-CN" sz="1600" dirty="0" smtClean="0"/>
+              <a:t>.</a:t>
+            </a:r>
+            <a:endParaRPr kumimoji="1" lang="zh-CN" altLang="en-US" sz="1600" dirty="0"/>
+          </a:p>
+        </p:txBody>
+      </p:sp>
+      <p:sp>
+        <p:nvSpPr>
+          <p:cNvPr id="4" name="矩形 3"/>
+          <p:cNvSpPr/>
+          <p:nvPr/>
+        </p:nvSpPr>
+        <p:spPr>
+          <a:xfrm>
+            <a:off x="1097280" y="6425627"/>
+            <a:ext cx="2685800" cy="461665"/>
+          </a:xfrm>
+          <a:prstGeom prst="rect">
+            <a:avLst/>
+          </a:prstGeom>
+        </p:spPr>
+        <p:txBody>
+          <a:bodyPr wrap="none">
+            <a:spAutoFit/>
+          </a:bodyPr>
+          <a:lstStyle/>
+          <a:p>
+            <a:r>
+              <a:rPr lang="zh-CN" altLang="en-US" sz="1200" dirty="0">
+                <a:solidFill>
+                  <a:schemeClr val="bg1"/>
+                </a:solidFill>
+              </a:rPr>
+              <a:t>Sayyed M. Zahiri, Jinho D. </a:t>
+            </a:r>
+            <a:r>
+              <a:rPr lang="zh-CN" altLang="en-US" sz="1200" dirty="0" smtClean="0">
+                <a:solidFill>
+                  <a:schemeClr val="bg1"/>
+                </a:solidFill>
+              </a:rPr>
+              <a:t>Choi</a:t>
+            </a:r>
+            <a:endParaRPr lang="en-US" altLang="zh-CN" sz="1200" dirty="0" smtClean="0">
+              <a:solidFill>
+                <a:schemeClr val="bg1"/>
+              </a:solidFill>
+            </a:endParaRPr>
+          </a:p>
+          <a:p>
+            <a:r>
+              <a:rPr lang="pt-BR" altLang="zh-CN" sz="1200" dirty="0">
+                <a:solidFill>
+                  <a:schemeClr val="bg1"/>
+                </a:solidFill>
+              </a:rPr>
+              <a:t>arXiv:1708.04299v1 [</a:t>
+            </a:r>
+            <a:r>
+              <a:rPr lang="pt-BR" altLang="zh-CN" sz="1200" dirty="0" err="1">
+                <a:solidFill>
+                  <a:schemeClr val="bg1"/>
+                </a:solidFill>
+              </a:rPr>
+              <a:t>cs.CL</a:t>
+            </a:r>
+            <a:r>
+              <a:rPr lang="pt-BR" altLang="zh-CN" sz="1200" dirty="0">
+                <a:solidFill>
+                  <a:schemeClr val="bg1"/>
+                </a:solidFill>
+              </a:rPr>
+              <a:t>] 14 </a:t>
+            </a:r>
+            <a:r>
+              <a:rPr lang="pt-BR" altLang="zh-CN" sz="1200" dirty="0" err="1">
+                <a:solidFill>
+                  <a:schemeClr val="bg1"/>
+                </a:solidFill>
+              </a:rPr>
+              <a:t>Aug</a:t>
+            </a:r>
+            <a:r>
+              <a:rPr lang="pt-BR" altLang="zh-CN" sz="1200" dirty="0">
+                <a:solidFill>
+                  <a:schemeClr val="bg1"/>
+                </a:solidFill>
+              </a:rPr>
+              <a:t> 2017</a:t>
+            </a:r>
+            <a:endParaRPr lang="zh-CN" altLang="en-US" sz="1200" dirty="0">
+              <a:solidFill>
+                <a:schemeClr val="bg1"/>
+              </a:solidFill>
+            </a:endParaRPr>
+          </a:p>
+        </p:txBody>
+      </p:sp>
+      <p:pic>
+        <p:nvPicPr>
+          <p:cNvPr id="5" name="图片 4"/>
+          <p:cNvPicPr>
+            <a:picLocks noChangeAspect="1"/>
+          </p:cNvPicPr>
+          <p:nvPr/>
+        </p:nvPicPr>
+        <p:blipFill>
+          <a:blip r:embed="rId2">
+            <a:extLst>
+              <a:ext uri="{28A0092B-C50C-407E-A947-70E740481C1C}">
+                <a14:useLocalDpi xmlns:a14="http://schemas.microsoft.com/office/drawing/2010/main" val="0"/>
+              </a:ext>
+            </a:extLst>
+          </a:blip>
+          <a:stretch>
+            <a:fillRect/>
+          </a:stretch>
+        </p:blipFill>
+        <p:spPr>
+          <a:xfrm>
+            <a:off x="7199523" y="1950284"/>
+            <a:ext cx="3956157" cy="1836787"/>
+          </a:xfrm>
+          <a:prstGeom prst="rect">
+            <a:avLst/>
+          </a:prstGeom>
+        </p:spPr>
+      </p:pic>
+      <p:pic>
+        <p:nvPicPr>
+          <p:cNvPr id="6" name="图片 5"/>
+          <p:cNvPicPr>
+            <a:picLocks noChangeAspect="1"/>
+          </p:cNvPicPr>
+          <p:nvPr/>
+        </p:nvPicPr>
+        <p:blipFill>
+          <a:blip r:embed="rId3">
+            <a:extLst>
+              <a:ext uri="{28A0092B-C50C-407E-A947-70E740481C1C}">
+                <a14:useLocalDpi xmlns:a14="http://schemas.microsoft.com/office/drawing/2010/main" val="0"/>
+              </a:ext>
+            </a:extLst>
+          </a:blip>
+          <a:stretch>
+            <a:fillRect/>
+          </a:stretch>
+        </p:blipFill>
+        <p:spPr>
+          <a:xfrm>
+            <a:off x="2880106" y="4423491"/>
+            <a:ext cx="5888050" cy="1861073"/>
+          </a:xfrm>
+          <a:prstGeom prst="rect">
+            <a:avLst/>
+          </a:prstGeom>
+        </p:spPr>
+      </p:pic>
+      <p:pic>
+        <p:nvPicPr>
+          <p:cNvPr id="7" name="图片 6"/>
+          <p:cNvPicPr>
+            <a:picLocks noChangeAspect="1"/>
+          </p:cNvPicPr>
+          <p:nvPr/>
+        </p:nvPicPr>
+        <p:blipFill>
+          <a:blip r:embed="rId4">
+            <a:extLst>
+              <a:ext uri="{28A0092B-C50C-407E-A947-70E740481C1C}">
+                <a14:useLocalDpi xmlns:a14="http://schemas.microsoft.com/office/drawing/2010/main" val="0"/>
+              </a:ext>
+            </a:extLst>
+          </a:blip>
+          <a:stretch>
+            <a:fillRect/>
+          </a:stretch>
+        </p:blipFill>
+        <p:spPr>
+          <a:xfrm>
+            <a:off x="8964997" y="3999995"/>
+            <a:ext cx="2190683" cy="2284569"/>
+          </a:xfrm>
+          <a:prstGeom prst="rect">
+            <a:avLst/>
+          </a:prstGeom>
+        </p:spPr>
+      </p:pic>
+    </p:spTree>
+    <p:extLst>
+      <p:ext uri="{BB962C8B-B14F-4D97-AF65-F5344CB8AC3E}">
+        <p14:creationId xmlns:p14="http://schemas.microsoft.com/office/powerpoint/2010/main" val="1269598243"/>
+      </p:ext>
+    </p:extLst>
+  </p:cSld>
+  <p:clrMapOvr>
+    <a:masterClrMapping/>
+  </p:clrMapOvr>
+  <p:timing>
+    <p:tnLst>
+      <p:par>
+        <p:cTn id="1" dur="indefinite" restart="never" nodeType="tmRoot"/>
+      </p:par>
+    </p:tnLst>
+  </p:timing>
+</p:sld>
+</file>
+
+<file path=ppt/slides/slide11.xml><?xml version="1.0" encoding="utf-8"?>
+<p:sld xmlns:a="http://schemas.openxmlformats.org/drawingml/2006/main" xmlns:r="http://schemas.openxmlformats.org/officeDocument/2006/relationships" xmlns:p="http://schemas.openxmlformats.org/presentationml/2006/main">
+  <p:cSld>
+    <p:spTree>
+      <p:nvGrpSpPr>
+        <p:cNvPr id="1" name=""/>
+        <p:cNvGrpSpPr/>
+        <p:nvPr/>
+      </p:nvGrpSpPr>
+      <p:grpSpPr>
+        <a:xfrm>
+          <a:off x="0" y="0"/>
+          <a:ext cx="0" cy="0"/>
+          <a:chOff x="0" y="0"/>
+          <a:chExt cx="0" cy="0"/>
+        </a:xfrm>
+      </p:grpSpPr>
+      <p:sp>
+        <p:nvSpPr>
+          <p:cNvPr id="2" name="标题 1"/>
+          <p:cNvSpPr>
+            <a:spLocks noGrp="1"/>
+          </p:cNvSpPr>
+          <p:nvPr>
+            <p:ph type="title"/>
+          </p:nvPr>
+        </p:nvSpPr>
+        <p:spPr/>
+        <p:txBody>
+          <a:bodyPr>
             <a:normAutofit/>
           </a:bodyPr>
           <a:lstStyle/>
@@ -4928,7 +5389,7 @@
 </p:sld>
 </file>
 
-<file path=ppt/slides/slide11.xml><?xml version="1.0" encoding="utf-8"?>
+<file path=ppt/slides/slide12.xml><?xml version="1.0" encoding="utf-8"?>
 <p:sld xmlns:a="http://schemas.openxmlformats.org/drawingml/2006/main" xmlns:r="http://schemas.openxmlformats.org/officeDocument/2006/relationships" xmlns:p="http://schemas.openxmlformats.org/presentationml/2006/main">
   <p:cSld>
     <p:spTree>
@@ -5243,7 +5704,7 @@
 </p:sld>
 </file>
 
-<file path=ppt/slides/slide12.xml><?xml version="1.0" encoding="utf-8"?>
+<file path=ppt/slides/slide13.xml><?xml version="1.0" encoding="utf-8"?>
 <p:sld xmlns:a="http://schemas.openxmlformats.org/drawingml/2006/main" xmlns:r="http://schemas.openxmlformats.org/officeDocument/2006/relationships" xmlns:p="http://schemas.openxmlformats.org/presentationml/2006/main">
   <p:cSld>
     <p:spTree>
@@ -5586,7 +6047,7 @@
 </p:sld>
 </file>
 
-<file path=ppt/slides/slide13.xml><?xml version="1.0" encoding="utf-8"?>
+<file path=ppt/slides/slide14.xml><?xml version="1.0" encoding="utf-8"?>
 <p:sld xmlns:a="http://schemas.openxmlformats.org/drawingml/2006/main" xmlns:r="http://schemas.openxmlformats.org/officeDocument/2006/relationships" xmlns:p="http://schemas.openxmlformats.org/presentationml/2006/main">
   <p:cSld>
     <p:spTree>
@@ -5621,14 +6082,14 @@
           <a:lstStyle/>
           <a:p>
             <a:r>
-              <a:rPr kumimoji="1" lang="en-US" altLang="zh-CN" dirty="0"/>
+              <a:rPr kumimoji="1" lang="en-US" altLang="zh-CN" sz="4000" dirty="0"/>
               <a:t>Using Context Information for Dialog Act Classification in </a:t>
             </a:r>
             <a:r>
-              <a:rPr kumimoji="1" lang="en-US" altLang="zh-CN" dirty="0" smtClean="0"/>
+              <a:rPr kumimoji="1" lang="en-US" altLang="zh-CN" sz="4000" dirty="0" smtClean="0"/>
               <a:t>DNN Framework (2018)</a:t>
             </a:r>
-            <a:endParaRPr kumimoji="1" lang="zh-CN" altLang="en-US" dirty="0"/>
+            <a:endParaRPr kumimoji="1" lang="zh-CN" altLang="en-US" sz="4000" dirty="0"/>
           </a:p>
         </p:txBody>
       </p:sp>
@@ -5903,7 +6364,7 @@
 </p:sld>
 </file>
 
-<file path=ppt/slides/slide14.xml><?xml version="1.0" encoding="utf-8"?>
+<file path=ppt/slides/slide15.xml><?xml version="1.0" encoding="utf-8"?>
 <p:sld xmlns:a="http://schemas.openxmlformats.org/drawingml/2006/main" xmlns:r="http://schemas.openxmlformats.org/officeDocument/2006/relationships" xmlns:p="http://schemas.openxmlformats.org/presentationml/2006/main">
   <p:cSld>
     <p:spTree>
@@ -5933,27 +6394,27 @@
         <p:spPr/>
         <p:txBody>
           <a:bodyPr>
-            <a:normAutofit fontScale="90000"/>
+            <a:normAutofit/>
           </a:bodyPr>
           <a:lstStyle/>
           <a:p>
             <a:r>
-              <a:rPr kumimoji="1" lang="en-US" altLang="zh-CN" dirty="0"/>
+              <a:rPr kumimoji="1" lang="en-US" altLang="zh-CN" sz="4000" dirty="0"/>
               <a:t>Neural-based Context Representation Learning for Dialog Act </a:t>
             </a:r>
             <a:r>
-              <a:rPr kumimoji="1" lang="en-US" altLang="zh-CN" dirty="0" smtClean="0"/>
+              <a:rPr kumimoji="1" lang="en-US" altLang="zh-CN" sz="4000" dirty="0" smtClean="0"/>
               <a:t>Classification</a:t>
             </a:r>
             <a:r>
-              <a:rPr kumimoji="1" lang="zh-TW" altLang="en-US" dirty="0" smtClean="0"/>
+              <a:rPr kumimoji="1" lang="zh-TW" altLang="en-US" sz="4000" dirty="0" smtClean="0"/>
               <a:t> </a:t>
             </a:r>
             <a:r>
-              <a:rPr kumimoji="1" lang="en-US" altLang="zh-TW" dirty="0" smtClean="0"/>
+              <a:rPr kumimoji="1" lang="en-US" altLang="zh-TW" sz="4000" dirty="0" smtClean="0"/>
               <a:t>(2017)</a:t>
             </a:r>
-            <a:endParaRPr kumimoji="1" lang="zh-CN" altLang="en-US" dirty="0"/>
+            <a:endParaRPr kumimoji="1" lang="zh-CN" altLang="en-US" sz="4000" dirty="0"/>
           </a:p>
         </p:txBody>
       </p:sp>
@@ -6148,7 +6609,7 @@
 </p:sld>
 </file>
 
-<file path=ppt/slides/slide15.xml><?xml version="1.0" encoding="utf-8"?>
+<file path=ppt/slides/slide16.xml><?xml version="1.0" encoding="utf-8"?>
 <p:sld xmlns:a="http://schemas.openxmlformats.org/drawingml/2006/main" xmlns:r="http://schemas.openxmlformats.org/officeDocument/2006/relationships" xmlns:p="http://schemas.openxmlformats.org/presentationml/2006/main">
   <p:cSld>
     <p:spTree>
@@ -6177,32 +6638,685 @@
         </p:nvSpPr>
         <p:spPr/>
         <p:txBody>
-          <a:bodyPr/>
+          <a:bodyPr>
+            <a:noAutofit/>
+          </a:bodyPr>
           <a:lstStyle/>
           <a:p>
-            <a:endParaRPr kumimoji="1" lang="zh-CN" altLang="en-US"/>
+            <a:r>
+              <a:rPr lang="en-US" altLang="zh-CN" sz="3600" dirty="0"/>
+              <a:t>ICON: Interactive Conversational Memory Network for Multimodal Emotion </a:t>
+            </a:r>
+            <a:r>
+              <a:rPr lang="en-US" altLang="zh-CN" sz="3600" dirty="0" smtClean="0"/>
+              <a:t>Detection (2018)</a:t>
+            </a:r>
+            <a:endParaRPr kumimoji="1" lang="zh-CN" altLang="en-US" sz="3600" dirty="0"/>
           </a:p>
         </p:txBody>
       </p:sp>
-      <p:sp>
-        <p:nvSpPr>
-          <p:cNvPr id="3" name="内容占位符 2"/>
-          <p:cNvSpPr>
-            <a:spLocks noGrp="1"/>
-          </p:cNvSpPr>
-          <p:nvPr>
-            <p:ph idx="1"/>
-          </p:nvPr>
-        </p:nvSpPr>
-        <p:spPr/>
+      <mc:AlternateContent xmlns:mc="http://schemas.openxmlformats.org/markup-compatibility/2006" xmlns:a14="http://schemas.microsoft.com/office/drawing/2010/main">
+        <mc:Choice Requires="a14">
+          <p:sp>
+            <p:nvSpPr>
+              <p:cNvPr id="3" name="内容占位符 2"/>
+              <p:cNvSpPr>
+                <a:spLocks noGrp="1"/>
+              </p:cNvSpPr>
+              <p:nvPr>
+                <p:ph idx="1"/>
+              </p:nvPr>
+            </p:nvSpPr>
+            <p:spPr>
+              <a:xfrm>
+                <a:off x="1097280" y="1845734"/>
+                <a:ext cx="7014333" cy="4023360"/>
+              </a:xfrm>
+            </p:spPr>
+            <p:txBody>
+              <a:bodyPr/>
+              <a:lstStyle/>
+              <a:p>
+                <a:r>
+                  <a:rPr kumimoji="1" lang="en-US" altLang="zh-CN" dirty="0" smtClean="0"/>
+                  <a:t>Abstract</a:t>
+                </a:r>
+              </a:p>
+              <a:p>
+                <a:pPr lvl="1"/>
+                <a:r>
+                  <a:rPr lang="en-US" altLang="zh-CN" dirty="0" smtClean="0"/>
+                  <a:t>We </a:t>
+                </a:r>
+                <a:r>
+                  <a:rPr lang="en-US" altLang="zh-CN" dirty="0"/>
+                  <a:t>propose Interactive </a:t>
+                </a:r>
+                <a:r>
+                  <a:rPr lang="en-US" altLang="zh-CN" dirty="0" err="1"/>
+                  <a:t>COnversational</a:t>
+                </a:r>
+                <a:r>
+                  <a:rPr lang="en-US" altLang="zh-CN" dirty="0"/>
+                  <a:t> memory Network (ICON), a </a:t>
+                </a:r>
+                <a:r>
+                  <a:rPr lang="en-US" altLang="zh-CN" b="1" dirty="0">
+                    <a:solidFill>
+                      <a:srgbClr val="FF0000"/>
+                    </a:solidFill>
+                  </a:rPr>
+                  <a:t>multimodal emotion detection framework </a:t>
+                </a:r>
+                <a:r>
+                  <a:rPr lang="en-US" altLang="zh-CN" dirty="0"/>
+                  <a:t>that extracts multimodal features from </a:t>
+                </a:r>
+                <a:r>
+                  <a:rPr lang="en-US" altLang="zh-CN" b="1" dirty="0">
+                    <a:solidFill>
+                      <a:srgbClr val="FF0000"/>
+                    </a:solidFill>
+                  </a:rPr>
+                  <a:t>conversational videos </a:t>
+                </a:r>
+                <a:r>
+                  <a:rPr lang="en-US" altLang="zh-CN" dirty="0"/>
+                  <a:t>and hierarchically models the </a:t>
+                </a:r>
+                <a:r>
+                  <a:rPr lang="en-US" altLang="zh-CN" b="1" dirty="0">
+                    <a:solidFill>
+                      <a:srgbClr val="FF0000"/>
+                    </a:solidFill>
+                  </a:rPr>
+                  <a:t>self-</a:t>
+                </a:r>
+                <a:r>
+                  <a:rPr lang="en-US" altLang="zh-CN" dirty="0"/>
+                  <a:t> and </a:t>
+                </a:r>
+                <a:r>
+                  <a:rPr lang="en-US" altLang="zh-CN" b="1" dirty="0">
+                    <a:solidFill>
+                      <a:srgbClr val="FF0000"/>
+                    </a:solidFill>
+                  </a:rPr>
+                  <a:t>interspeaker emotional influences </a:t>
+                </a:r>
+                <a:r>
+                  <a:rPr lang="en-US" altLang="zh-CN" dirty="0"/>
+                  <a:t>into </a:t>
+                </a:r>
+                <a:r>
+                  <a:rPr lang="en-US" altLang="zh-CN" b="1" dirty="0">
+                    <a:solidFill>
+                      <a:srgbClr val="FF0000"/>
+                    </a:solidFill>
+                  </a:rPr>
+                  <a:t>global memories</a:t>
+                </a:r>
+                <a:r>
+                  <a:rPr lang="en-US" altLang="zh-CN" dirty="0" smtClean="0"/>
+                  <a:t>.</a:t>
+                </a:r>
+              </a:p>
+              <a:p>
+                <a:pPr lvl="1"/>
+                <a:r>
+                  <a:rPr lang="en-US" altLang="zh-CN" dirty="0" smtClean="0"/>
+                  <a:t>Such </a:t>
+                </a:r>
+                <a:r>
+                  <a:rPr lang="en-US" altLang="zh-CN" dirty="0"/>
+                  <a:t>memories generate contextual summaries which aid in predicting the </a:t>
+                </a:r>
+                <a:r>
+                  <a:rPr lang="en-US" altLang="zh-CN" dirty="0" smtClean="0"/>
+                  <a:t>emotional </a:t>
+                </a:r>
+                <a:r>
+                  <a:rPr lang="en-US" altLang="zh-CN" dirty="0"/>
+                  <a:t>orientation of utterance-videos</a:t>
+                </a:r>
+                <a:r>
+                  <a:rPr lang="en-US" altLang="zh-CN" dirty="0" smtClean="0"/>
+                  <a:t>.</a:t>
+                </a:r>
+              </a:p>
+              <a:p>
+                <a:r>
+                  <a:rPr kumimoji="1" lang="en-US" altLang="zh-CN" dirty="0" smtClean="0"/>
+                  <a:t>Problem Setting</a:t>
+                </a:r>
+              </a:p>
+              <a:p>
+                <a:pPr lvl="1"/>
+                <a:r>
+                  <a:rPr kumimoji="1" lang="en-US" altLang="zh-CN" dirty="0" smtClean="0"/>
+                  <a:t>Context-window of size K</a:t>
+                </a:r>
+              </a:p>
+              <a:p>
+                <a:pPr lvl="2"/>
+                <a14:m>
+                  <m:oMath xmlns:m="http://schemas.openxmlformats.org/officeDocument/2006/math">
+                    <m:sSub>
+                      <m:sSubPr>
+                        <m:ctrlPr>
+                          <a:rPr kumimoji="1" lang="en-US" altLang="zh-CN" b="0" i="1" smtClean="0">
+                            <a:latin typeface="Cambria Math" charset="0"/>
+                          </a:rPr>
+                        </m:ctrlPr>
+                      </m:sSubPr>
+                      <m:e>
+                        <m:r>
+                          <a:rPr kumimoji="1" lang="en-US" altLang="zh-CN" b="0" i="1" smtClean="0">
+                            <a:latin typeface="Cambria Math" charset="0"/>
+                          </a:rPr>
+                          <m:t>𝐻</m:t>
+                        </m:r>
+                      </m:e>
+                      <m:sub>
+                        <m:r>
+                          <a:rPr kumimoji="1" lang="en-US" altLang="zh-CN" b="0" i="1" smtClean="0">
+                            <a:latin typeface="Cambria Math" charset="0"/>
+                            <a:ea typeface="Cambria Math" charset="0"/>
+                            <a:cs typeface="Cambria Math" charset="0"/>
+                          </a:rPr>
+                          <m:t>𝜆</m:t>
+                        </m:r>
+                      </m:sub>
+                    </m:sSub>
+                    <m:r>
+                      <a:rPr kumimoji="1" lang="en-US" altLang="zh-CN" b="0" i="1" smtClean="0">
+                        <a:latin typeface="Cambria Math" charset="0"/>
+                        <a:ea typeface="Cambria Math" charset="0"/>
+                        <a:cs typeface="Cambria Math" charset="0"/>
+                      </a:rPr>
+                      <m:t>=</m:t>
+                    </m:r>
+                    <m:d>
+                      <m:dPr>
+                        <m:begChr m:val="{"/>
+                        <m:endChr m:val="|"/>
+                        <m:ctrlPr>
+                          <a:rPr kumimoji="1" lang="en-US" altLang="zh-CN" b="0" i="1" smtClean="0">
+                            <a:latin typeface="Cambria Math" charset="0"/>
+                            <a:ea typeface="Cambria Math" charset="0"/>
+                            <a:cs typeface="Cambria Math" charset="0"/>
+                          </a:rPr>
+                        </m:ctrlPr>
+                      </m:dPr>
+                      <m:e>
+                        <m:sSub>
+                          <m:sSubPr>
+                            <m:ctrlPr>
+                              <a:rPr kumimoji="1" lang="en-US" altLang="zh-CN" b="0" i="1" smtClean="0">
+                                <a:latin typeface="Cambria Math" charset="0"/>
+                                <a:ea typeface="Cambria Math" charset="0"/>
+                                <a:cs typeface="Cambria Math" charset="0"/>
+                              </a:rPr>
+                            </m:ctrlPr>
+                          </m:sSubPr>
+                          <m:e>
+                            <m:r>
+                              <a:rPr kumimoji="1" lang="en-US" altLang="zh-CN" b="0" i="1" smtClean="0">
+                                <a:latin typeface="Cambria Math" charset="0"/>
+                                <a:ea typeface="Cambria Math" charset="0"/>
+                                <a:cs typeface="Cambria Math" charset="0"/>
+                              </a:rPr>
+                              <m:t>𝑢</m:t>
+                            </m:r>
+                          </m:e>
+                          <m:sub>
+                            <m:r>
+                              <a:rPr kumimoji="1" lang="en-US" altLang="zh-CN" b="0" i="1" smtClean="0">
+                                <a:latin typeface="Cambria Math" charset="0"/>
+                                <a:ea typeface="Cambria Math" charset="0"/>
+                                <a:cs typeface="Cambria Math" charset="0"/>
+                              </a:rPr>
+                              <m:t>𝑖</m:t>
+                            </m:r>
+                          </m:sub>
+                        </m:sSub>
+                      </m:e>
+                    </m:d>
+                    <m:r>
+                      <a:rPr kumimoji="1" lang="en-US" altLang="zh-CN" b="0" i="1" smtClean="0">
+                        <a:latin typeface="Cambria Math" charset="0"/>
+                        <a:ea typeface="Cambria Math" charset="0"/>
+                        <a:cs typeface="Cambria Math" charset="0"/>
+                      </a:rPr>
+                      <m:t>𝑖</m:t>
+                    </m:r>
+                    <m:r>
+                      <a:rPr kumimoji="1" lang="en-US" altLang="zh-CN" b="0" i="1" smtClean="0">
+                        <a:latin typeface="Cambria Math" charset="0"/>
+                        <a:ea typeface="Cambria Math" charset="0"/>
+                        <a:cs typeface="Cambria Math" charset="0"/>
+                      </a:rPr>
+                      <m:t>∈</m:t>
+                    </m:r>
+                    <m:d>
+                      <m:dPr>
+                        <m:begChr m:val="["/>
+                        <m:endChr m:val="]"/>
+                        <m:ctrlPr>
+                          <a:rPr kumimoji="1" lang="en-US" altLang="zh-CN" b="0" i="1" smtClean="0">
+                            <a:latin typeface="Cambria Math" charset="0"/>
+                            <a:ea typeface="Cambria Math" charset="0"/>
+                            <a:cs typeface="Cambria Math" charset="0"/>
+                          </a:rPr>
+                        </m:ctrlPr>
+                      </m:dPr>
+                      <m:e>
+                        <m:r>
+                          <a:rPr kumimoji="1" lang="en-US" altLang="zh-CN" b="0" i="1" smtClean="0">
+                            <a:latin typeface="Cambria Math" charset="0"/>
+                            <a:ea typeface="Cambria Math" charset="0"/>
+                            <a:cs typeface="Cambria Math" charset="0"/>
+                          </a:rPr>
+                          <m:t>𝑡</m:t>
+                        </m:r>
+                        <m:r>
+                          <a:rPr kumimoji="1" lang="en-US" altLang="zh-CN" b="0" i="1" smtClean="0">
+                            <a:latin typeface="Cambria Math" charset="0"/>
+                            <a:ea typeface="Cambria Math" charset="0"/>
+                            <a:cs typeface="Cambria Math" charset="0"/>
+                          </a:rPr>
+                          <m:t>−</m:t>
+                        </m:r>
+                        <m:r>
+                          <a:rPr kumimoji="1" lang="en-US" altLang="zh-CN" b="0" i="1" smtClean="0">
+                            <a:latin typeface="Cambria Math" charset="0"/>
+                            <a:ea typeface="Cambria Math" charset="0"/>
+                            <a:cs typeface="Cambria Math" charset="0"/>
+                          </a:rPr>
+                          <m:t>𝐾</m:t>
+                        </m:r>
+                        <m:r>
+                          <a:rPr kumimoji="1" lang="en-US" altLang="zh-CN" b="0" i="1" smtClean="0">
+                            <a:latin typeface="Cambria Math" charset="0"/>
+                            <a:ea typeface="Cambria Math" charset="0"/>
+                            <a:cs typeface="Cambria Math" charset="0"/>
+                          </a:rPr>
+                          <m:t>, </m:t>
+                        </m:r>
+                        <m:r>
+                          <a:rPr kumimoji="1" lang="en-US" altLang="zh-CN" b="0" i="1" smtClean="0">
+                            <a:latin typeface="Cambria Math" charset="0"/>
+                            <a:ea typeface="Cambria Math" charset="0"/>
+                            <a:cs typeface="Cambria Math" charset="0"/>
+                          </a:rPr>
+                          <m:t>𝑡</m:t>
+                        </m:r>
+                        <m:r>
+                          <a:rPr kumimoji="1" lang="en-US" altLang="zh-CN" b="0" i="1" smtClean="0">
+                            <a:latin typeface="Cambria Math" charset="0"/>
+                            <a:ea typeface="Cambria Math" charset="0"/>
+                            <a:cs typeface="Cambria Math" charset="0"/>
+                          </a:rPr>
+                          <m:t>−1</m:t>
+                        </m:r>
+                      </m:e>
+                    </m:d>
+                    <m:r>
+                      <a:rPr kumimoji="1" lang="en-US" altLang="zh-CN" b="0" i="1" smtClean="0">
+                        <a:latin typeface="Cambria Math" charset="0"/>
+                        <a:ea typeface="Cambria Math" charset="0"/>
+                        <a:cs typeface="Cambria Math" charset="0"/>
+                      </a:rPr>
+                      <m:t>, </m:t>
+                    </m:r>
+                    <m:sSub>
+                      <m:sSubPr>
+                        <m:ctrlPr>
+                          <a:rPr kumimoji="1" lang="en-US" altLang="zh-CN" b="0" i="1" smtClean="0">
+                            <a:latin typeface="Cambria Math" charset="0"/>
+                            <a:ea typeface="Cambria Math" charset="0"/>
+                            <a:cs typeface="Cambria Math" charset="0"/>
+                          </a:rPr>
+                        </m:ctrlPr>
+                      </m:sSubPr>
+                      <m:e>
+                        <m:r>
+                          <a:rPr kumimoji="1" lang="en-US" altLang="zh-CN" b="0" i="1" smtClean="0">
+                            <a:latin typeface="Cambria Math" charset="0"/>
+                            <a:ea typeface="Cambria Math" charset="0"/>
+                            <a:cs typeface="Cambria Math" charset="0"/>
+                          </a:rPr>
+                          <m:t>𝑢</m:t>
+                        </m:r>
+                      </m:e>
+                      <m:sub>
+                        <m:r>
+                          <a:rPr kumimoji="1" lang="en-US" altLang="zh-CN" b="0" i="1" smtClean="0">
+                            <a:latin typeface="Cambria Math" charset="0"/>
+                            <a:ea typeface="Cambria Math" charset="0"/>
+                            <a:cs typeface="Cambria Math" charset="0"/>
+                          </a:rPr>
+                          <m:t>𝑖</m:t>
+                        </m:r>
+                      </m:sub>
+                    </m:sSub>
+                    <m:r>
+                      <a:rPr kumimoji="1" lang="en-US" altLang="zh-CN" b="0" i="1" smtClean="0">
+                        <a:latin typeface="Cambria Math" charset="0"/>
+                        <a:ea typeface="Cambria Math" charset="0"/>
+                        <a:cs typeface="Cambria Math" charset="0"/>
+                      </a:rPr>
+                      <m:t>∈</m:t>
+                    </m:r>
+                    <m:sSub>
+                      <m:sSubPr>
+                        <m:ctrlPr>
+                          <a:rPr kumimoji="1" lang="en-US" altLang="zh-CN" b="0" i="1" smtClean="0">
+                            <a:latin typeface="Cambria Math" charset="0"/>
+                            <a:ea typeface="Cambria Math" charset="0"/>
+                            <a:cs typeface="Cambria Math" charset="0"/>
+                          </a:rPr>
+                        </m:ctrlPr>
+                      </m:sSubPr>
+                      <m:e>
+                        <m:r>
+                          <a:rPr kumimoji="1" lang="en-US" altLang="zh-CN" b="0" i="1" smtClean="0">
+                            <a:latin typeface="Cambria Math" charset="0"/>
+                            <a:ea typeface="Cambria Math" charset="0"/>
+                            <a:cs typeface="Cambria Math" charset="0"/>
+                          </a:rPr>
+                          <m:t>𝑈</m:t>
+                        </m:r>
+                      </m:e>
+                      <m:sub>
+                        <m:r>
+                          <a:rPr kumimoji="1" lang="en-US" altLang="zh-CN" b="0" i="1" smtClean="0">
+                            <a:latin typeface="Cambria Math" charset="0"/>
+                            <a:ea typeface="Cambria Math" charset="0"/>
+                            <a:cs typeface="Cambria Math" charset="0"/>
+                          </a:rPr>
+                          <m:t>𝜆</m:t>
+                        </m:r>
+                      </m:sub>
+                    </m:sSub>
+                    <m:r>
+                      <a:rPr kumimoji="1" lang="en-US" altLang="zh-CN" b="0" i="1" smtClean="0">
+                        <a:latin typeface="Cambria Math" charset="0"/>
+                        <a:ea typeface="Cambria Math" charset="0"/>
+                        <a:cs typeface="Cambria Math" charset="0"/>
+                      </a:rPr>
+                      <m:t>}</m:t>
+                    </m:r>
+                  </m:oMath>
+                </a14:m>
+                <a:endParaRPr kumimoji="1" lang="en-US" altLang="zh-CN" b="0" dirty="0" smtClean="0">
+                  <a:ea typeface="Cambria Math" charset="0"/>
+                  <a:cs typeface="Cambria Math" charset="0"/>
+                </a:endParaRPr>
+              </a:p>
+              <a:p>
+                <a:pPr lvl="2"/>
+                <a14:m>
+                  <m:oMath xmlns:m="http://schemas.openxmlformats.org/officeDocument/2006/math">
+                    <m:d>
+                      <m:dPr>
+                        <m:begChr m:val="|"/>
+                        <m:endChr m:val="|"/>
+                        <m:ctrlPr>
+                          <a:rPr kumimoji="1" lang="en-US" altLang="zh-CN" b="0" i="1" smtClean="0">
+                            <a:latin typeface="Cambria Math" charset="0"/>
+                          </a:rPr>
+                        </m:ctrlPr>
+                      </m:dPr>
+                      <m:e>
+                        <m:sSub>
+                          <m:sSubPr>
+                            <m:ctrlPr>
+                              <a:rPr kumimoji="1" lang="en-US" altLang="zh-CN" b="0" i="1" smtClean="0">
+                                <a:latin typeface="Cambria Math" charset="0"/>
+                              </a:rPr>
+                            </m:ctrlPr>
+                          </m:sSubPr>
+                          <m:e>
+                            <m:r>
+                              <a:rPr kumimoji="1" lang="en-US" altLang="zh-CN" b="0" i="1" smtClean="0">
+                                <a:latin typeface="Cambria Math" charset="0"/>
+                              </a:rPr>
+                              <m:t>𝐻</m:t>
+                            </m:r>
+                          </m:e>
+                          <m:sub>
+                            <m:r>
+                              <a:rPr kumimoji="1" lang="en-US" altLang="zh-CN" b="0" i="1" smtClean="0">
+                                <a:latin typeface="Cambria Math" charset="0"/>
+                              </a:rPr>
+                              <m:t>𝑎</m:t>
+                            </m:r>
+                          </m:sub>
+                        </m:sSub>
+                      </m:e>
+                    </m:d>
+                    <m:r>
+                      <a:rPr kumimoji="1" lang="en-US" altLang="zh-CN" b="0" i="1" smtClean="0">
+                        <a:latin typeface="Cambria Math" charset="0"/>
+                      </a:rPr>
+                      <m:t>+</m:t>
+                    </m:r>
+                    <m:d>
+                      <m:dPr>
+                        <m:begChr m:val="|"/>
+                        <m:endChr m:val="|"/>
+                        <m:ctrlPr>
+                          <a:rPr kumimoji="1" lang="en-US" altLang="zh-CN" b="0" i="1" smtClean="0">
+                            <a:latin typeface="Cambria Math" charset="0"/>
+                          </a:rPr>
+                        </m:ctrlPr>
+                      </m:dPr>
+                      <m:e>
+                        <m:sSub>
+                          <m:sSubPr>
+                            <m:ctrlPr>
+                              <a:rPr kumimoji="1" lang="en-US" altLang="zh-CN" b="0" i="1" smtClean="0">
+                                <a:latin typeface="Cambria Math" charset="0"/>
+                              </a:rPr>
+                            </m:ctrlPr>
+                          </m:sSubPr>
+                          <m:e>
+                            <m:r>
+                              <a:rPr kumimoji="1" lang="en-US" altLang="zh-CN" b="0" i="1" smtClean="0">
+                                <a:latin typeface="Cambria Math" charset="0"/>
+                              </a:rPr>
+                              <m:t>𝐻</m:t>
+                            </m:r>
+                          </m:e>
+                          <m:sub>
+                            <m:r>
+                              <a:rPr kumimoji="1" lang="en-US" altLang="zh-CN" b="0" i="1" smtClean="0">
+                                <a:latin typeface="Cambria Math" charset="0"/>
+                              </a:rPr>
+                              <m:t>𝑏</m:t>
+                            </m:r>
+                          </m:sub>
+                        </m:sSub>
+                      </m:e>
+                    </m:d>
+                    <m:r>
+                      <a:rPr kumimoji="1" lang="en-US" altLang="zh-CN" b="0" i="1" smtClean="0">
+                        <a:latin typeface="Cambria Math" charset="0"/>
+                      </a:rPr>
+                      <m:t>≤</m:t>
+                    </m:r>
+                    <m:r>
+                      <a:rPr kumimoji="1" lang="en-US" altLang="zh-CN" b="0" i="1" smtClean="0">
+                        <a:latin typeface="Cambria Math" charset="0"/>
+                      </a:rPr>
+                      <m:t>𝐾</m:t>
+                    </m:r>
+                  </m:oMath>
+                </a14:m>
+                <a:endParaRPr kumimoji="1" lang="en-US" altLang="zh-CN" dirty="0" smtClean="0"/>
+              </a:p>
+            </p:txBody>
+          </p:sp>
+        </mc:Choice>
+        <mc:Fallback xmlns="">
+          <p:sp>
+            <p:nvSpPr>
+              <p:cNvPr id="3" name="内容占位符 2"/>
+              <p:cNvSpPr>
+                <a:spLocks noGrp="1" noRot="1" noChangeAspect="1" noMove="1" noResize="1" noEditPoints="1" noAdjustHandles="1" noChangeArrowheads="1" noChangeShapeType="1" noTextEdit="1"/>
+              </p:cNvSpPr>
+              <p:nvPr>
+                <p:ph idx="1"/>
+              </p:nvPr>
+            </p:nvSpPr>
+            <p:spPr>
+              <a:xfrm>
+                <a:off x="1097280" y="1845734"/>
+                <a:ext cx="7014333" cy="4023360"/>
+              </a:xfrm>
+              <a:blipFill rotWithShape="0">
+                <a:blip r:embed="rId2"/>
+                <a:stretch>
+                  <a:fillRect l="-869" t="-1667" r="-1825"/>
+                </a:stretch>
+              </a:blipFill>
+            </p:spPr>
+            <p:txBody>
+              <a:bodyPr/>
+              <a:lstStyle/>
+              <a:p>
+                <a:r>
+                  <a:rPr lang="zh-CN" altLang="en-US">
+                    <a:noFill/>
+                  </a:rPr>
+                  <a:t> </a:t>
+                </a:r>
+              </a:p>
+            </p:txBody>
+          </p:sp>
+        </mc:Fallback>
+      </mc:AlternateContent>
+      <p:sp>
+        <p:nvSpPr>
+          <p:cNvPr id="4" name="矩形 3"/>
+          <p:cNvSpPr/>
+          <p:nvPr/>
+        </p:nvSpPr>
+        <p:spPr>
+          <a:xfrm>
+            <a:off x="1097280" y="6396335"/>
+            <a:ext cx="8426245" cy="461665"/>
+          </a:xfrm>
+          <a:prstGeom prst="rect">
+            <a:avLst/>
+          </a:prstGeom>
+        </p:spPr>
         <p:txBody>
-          <a:bodyPr/>
+          <a:bodyPr wrap="square">
+            <a:spAutoFit/>
+          </a:bodyPr>
           <a:lstStyle/>
           <a:p>
-            <a:endParaRPr kumimoji="1" lang="zh-CN" altLang="en-US"/>
+            <a:r>
+              <a:rPr lang="zh-CN" altLang="en-US" sz="1200" dirty="0">
+                <a:solidFill>
+                  <a:schemeClr val="bg1"/>
+                </a:solidFill>
+              </a:rPr>
+              <a:t>Devamanyu Hazarika, Soujanya Poria, Rada Mihalcea, Erik Cambria and Roger </a:t>
+            </a:r>
+            <a:r>
+              <a:rPr lang="zh-CN" altLang="en-US" sz="1200" dirty="0" smtClean="0">
+                <a:solidFill>
+                  <a:schemeClr val="bg1"/>
+                </a:solidFill>
+              </a:rPr>
+              <a:t>Zimmermann</a:t>
+            </a:r>
+            <a:endParaRPr lang="en-US" altLang="zh-CN" sz="1200" dirty="0" smtClean="0">
+              <a:solidFill>
+                <a:schemeClr val="bg1"/>
+              </a:solidFill>
+            </a:endParaRPr>
+          </a:p>
+          <a:p>
+            <a:r>
+              <a:rPr lang="en-US" altLang="zh-CN" sz="1200" dirty="0">
+                <a:solidFill>
+                  <a:schemeClr val="bg1"/>
+                </a:solidFill>
+              </a:rPr>
+              <a:t>Proceedings of the 2018 Conference on Empirical Methods in Natural Language Processing, pages 2594–2604</a:t>
+            </a:r>
+            <a:endParaRPr lang="zh-CN" altLang="en-US" sz="1200" dirty="0">
+              <a:solidFill>
+                <a:schemeClr val="bg1"/>
+              </a:solidFill>
+            </a:endParaRPr>
           </a:p>
         </p:txBody>
       </p:sp>
+      <p:pic>
+        <p:nvPicPr>
+          <p:cNvPr id="5" name="图片 4"/>
+          <p:cNvPicPr>
+            <a:picLocks noChangeAspect="1"/>
+          </p:cNvPicPr>
+          <p:nvPr/>
+        </p:nvPicPr>
+        <p:blipFill>
+          <a:blip r:embed="rId3">
+            <a:extLst>
+              <a:ext uri="{28A0092B-C50C-407E-A947-70E740481C1C}">
+                <a14:useLocalDpi xmlns:a14="http://schemas.microsoft.com/office/drawing/2010/main" val="0"/>
+              </a:ext>
+            </a:extLst>
+          </a:blip>
+          <a:stretch>
+            <a:fillRect/>
+          </a:stretch>
+        </p:blipFill>
+        <p:spPr>
+          <a:xfrm>
+            <a:off x="6064199" y="4141376"/>
+            <a:ext cx="2047414" cy="1727718"/>
+          </a:xfrm>
+          <a:prstGeom prst="rect">
+            <a:avLst/>
+          </a:prstGeom>
+        </p:spPr>
+      </p:pic>
+      <p:pic>
+        <p:nvPicPr>
+          <p:cNvPr id="8" name="图片 7"/>
+          <p:cNvPicPr>
+            <a:picLocks noChangeAspect="1"/>
+          </p:cNvPicPr>
+          <p:nvPr/>
+        </p:nvPicPr>
+        <p:blipFill>
+          <a:blip r:embed="rId4">
+            <a:extLst>
+              <a:ext uri="{28A0092B-C50C-407E-A947-70E740481C1C}">
+                <a14:useLocalDpi xmlns:a14="http://schemas.microsoft.com/office/drawing/2010/main" val="0"/>
+              </a:ext>
+            </a:extLst>
+          </a:blip>
+          <a:stretch>
+            <a:fillRect/>
+          </a:stretch>
+        </p:blipFill>
+        <p:spPr>
+          <a:xfrm>
+            <a:off x="8297197" y="1845734"/>
+            <a:ext cx="2735005" cy="4490202"/>
+          </a:xfrm>
+          <a:prstGeom prst="rect">
+            <a:avLst/>
+          </a:prstGeom>
+        </p:spPr>
+      </p:pic>
     </p:spTree>
     <p:extLst>
       <p:ext uri="{BB962C8B-B14F-4D97-AF65-F5344CB8AC3E}">
@@ -6654,15 +7768,7 @@
                   <a:schemeClr val="bg1"/>
                 </a:solidFill>
               </a:rPr>
-              <a:t> Kobayashi, Nobuyuki </a:t>
-            </a:r>
-            <a:r>
-              <a:rPr kumimoji="1" lang="en-US" altLang="zh-CN" sz="1200" dirty="0" smtClean="0">
-                <a:solidFill>
-                  <a:schemeClr val="bg1"/>
-                </a:solidFill>
-              </a:rPr>
-              <a:t>Shimizu</a:t>
+              <a:t> Kobayashi, Nobuyuki Shimizu</a:t>
             </a:r>
           </a:p>
           <a:p>
@@ -7523,15 +8629,7 @@
                   <a:schemeClr val="bg1"/>
                 </a:solidFill>
               </a:rPr>
-              <a:t>Kunwoo Park, Jaewoo Kim, Jaram Park, Meeyoung </a:t>
-            </a:r>
-            <a:r>
-              <a:rPr lang="zh-CN" altLang="en-US" sz="1200" dirty="0" smtClean="0">
-                <a:solidFill>
-                  <a:schemeClr val="bg1"/>
-                </a:solidFill>
-              </a:rPr>
-              <a:t>Cha</a:t>
+              <a:t>Kunwoo Park, Jaewoo Kim, Jaram Park, Meeyoung Cha</a:t>
             </a:r>
             <a:endParaRPr lang="en-US" altLang="zh-CN" sz="1200" dirty="0" smtClean="0">
               <a:solidFill>
@@ -7916,15 +9014,7 @@
                   <a:schemeClr val="bg1"/>
                 </a:solidFill>
               </a:rPr>
-              <a:t>Rodrigo Rodrigues do Carmo, Anísio Mendes Lacerda, Daniel Hasan </a:t>
-            </a:r>
-            <a:r>
-              <a:rPr lang="zh-CN" altLang="en-US" sz="1200" dirty="0" smtClean="0">
-                <a:solidFill>
-                  <a:schemeClr val="bg1"/>
-                </a:solidFill>
-              </a:rPr>
-              <a:t>Dalip</a:t>
+              <a:t>Rodrigo Rodrigues do Carmo, Anísio Mendes Lacerda, Daniel Hasan Dalip</a:t>
             </a:r>
             <a:endParaRPr lang="en-US" altLang="zh-CN" sz="1200" dirty="0" smtClean="0">
               <a:solidFill>
@@ -9198,349 +10288,1598 @@
         <p:spPr/>
         <p:txBody>
           <a:bodyPr>
-            <a:noAutofit/>
-          </a:bodyPr>
-          <a:lstStyle/>
-          <a:p>
-            <a:r>
-              <a:rPr kumimoji="1" lang="en-US" altLang="zh-CN" sz="3600" dirty="0"/>
-              <a:t>Emotion Detection on TV Show Transcripts </a:t>
-            </a:r>
-            <a:r>
-              <a:rPr kumimoji="1" lang="en-US" altLang="zh-CN" sz="3600" dirty="0" smtClean="0"/>
-              <a:t>with Sequence-based </a:t>
-            </a:r>
-            <a:r>
-              <a:rPr kumimoji="1" lang="en-US" altLang="zh-CN" sz="3600" dirty="0"/>
-              <a:t>Convolutional Neural </a:t>
-            </a:r>
-            <a:r>
-              <a:rPr kumimoji="1" lang="en-US" altLang="zh-CN" sz="3600" dirty="0" smtClean="0"/>
-              <a:t>Networks (2017)</a:t>
-            </a:r>
-            <a:endParaRPr kumimoji="1" lang="zh-CN" altLang="en-US" sz="3600" dirty="0"/>
-          </a:p>
-        </p:txBody>
-      </p:sp>
-      <p:sp>
-        <p:nvSpPr>
-          <p:cNvPr id="3" name="内容占位符 2"/>
-          <p:cNvSpPr>
-            <a:spLocks noGrp="1"/>
-          </p:cNvSpPr>
-          <p:nvPr>
-            <p:ph idx="1"/>
-          </p:nvPr>
-        </p:nvSpPr>
-        <p:spPr>
-          <a:xfrm>
-            <a:off x="1097280" y="1845734"/>
-            <a:ext cx="5431536" cy="4023360"/>
-          </a:xfrm>
-        </p:spPr>
-        <p:txBody>
-          <a:bodyPr>
             <a:normAutofit/>
           </a:bodyPr>
           <a:lstStyle/>
           <a:p>
             <a:r>
-              <a:rPr kumimoji="1" lang="en-US" altLang="zh-CN" sz="1800" dirty="0" smtClean="0"/>
-              <a:t>Abstract</a:t>
-            </a:r>
-          </a:p>
-          <a:p>
-            <a:pPr lvl="1"/>
-            <a:r>
-              <a:rPr kumimoji="1" lang="en-US" altLang="zh-CN" sz="1600" dirty="0" smtClean="0"/>
-              <a:t>This </a:t>
-            </a:r>
-            <a:r>
-              <a:rPr kumimoji="1" lang="en-US" altLang="zh-CN" sz="1600" dirty="0"/>
-              <a:t>paper introduces a corpus for </a:t>
-            </a:r>
-            <a:r>
-              <a:rPr kumimoji="1" lang="en-US" altLang="zh-CN" sz="1600" b="1" dirty="0">
-                <a:solidFill>
-                  <a:srgbClr val="FF0000"/>
-                </a:solidFill>
-              </a:rPr>
-              <a:t>text-based</a:t>
-            </a:r>
-            <a:r>
-              <a:rPr kumimoji="1" lang="en-US" altLang="zh-CN" sz="1600" dirty="0"/>
-              <a:t> </a:t>
-            </a:r>
-            <a:r>
-              <a:rPr kumimoji="1" lang="en-US" altLang="zh-CN" sz="1600" b="1" dirty="0">
-                <a:solidFill>
-                  <a:srgbClr val="FF0000"/>
-                </a:solidFill>
-              </a:rPr>
-              <a:t>emotion detection </a:t>
-            </a:r>
-            <a:r>
-              <a:rPr kumimoji="1" lang="en-US" altLang="zh-CN" sz="1600" dirty="0"/>
-              <a:t>on </a:t>
-            </a:r>
-            <a:r>
-              <a:rPr kumimoji="1" lang="en-US" altLang="zh-CN" sz="1600" b="1" dirty="0">
-                <a:solidFill>
-                  <a:srgbClr val="FF0000"/>
-                </a:solidFill>
-              </a:rPr>
-              <a:t>multiparty dialogue </a:t>
-            </a:r>
-            <a:r>
-              <a:rPr kumimoji="1" lang="en-US" altLang="zh-CN" sz="1600" dirty="0"/>
-              <a:t>as well as deep neural models that outperform the existing approaches for document classification</a:t>
-            </a:r>
-            <a:r>
-              <a:rPr kumimoji="1" lang="en-US" altLang="zh-CN" sz="1600" dirty="0" smtClean="0"/>
-              <a:t>.</a:t>
-            </a:r>
-          </a:p>
-          <a:p>
-            <a:pPr lvl="1"/>
-            <a:r>
-              <a:rPr kumimoji="1" lang="en-US" altLang="zh-CN" sz="1600" dirty="0" smtClean="0"/>
-              <a:t>We </a:t>
-            </a:r>
-            <a:r>
-              <a:rPr kumimoji="1" lang="en-US" altLang="zh-CN" sz="1600" dirty="0"/>
-              <a:t>then suggest four types of </a:t>
-            </a:r>
-            <a:r>
-              <a:rPr kumimoji="1" lang="en-US" altLang="zh-CN" sz="1600" b="1" dirty="0">
-                <a:solidFill>
-                  <a:srgbClr val="FF0000"/>
-                </a:solidFill>
-              </a:rPr>
-              <a:t>sequence-based convolutional neural network </a:t>
-            </a:r>
-            <a:r>
-              <a:rPr kumimoji="1" lang="en-US" altLang="zh-CN" sz="1600" dirty="0"/>
-              <a:t>models with </a:t>
-            </a:r>
-            <a:r>
-              <a:rPr kumimoji="1" lang="en-US" altLang="zh-CN" sz="1600" b="1" dirty="0">
-                <a:solidFill>
-                  <a:srgbClr val="FF0000"/>
-                </a:solidFill>
-              </a:rPr>
-              <a:t>attention</a:t>
-            </a:r>
-            <a:r>
-              <a:rPr kumimoji="1" lang="en-US" altLang="zh-CN" sz="1600" dirty="0"/>
-              <a:t> that leverage the sequence information encapsulated in dialogue</a:t>
-            </a:r>
-            <a:r>
-              <a:rPr kumimoji="1" lang="en-US" altLang="zh-CN" sz="1600" dirty="0" smtClean="0"/>
-              <a:t>.</a:t>
-            </a:r>
-            <a:endParaRPr kumimoji="1" lang="zh-CN" altLang="en-US" sz="1600" dirty="0"/>
+              <a:rPr kumimoji="1" lang="en-US" altLang="zh-CN" sz="3600" dirty="0"/>
+              <a:t>Conversational Memory Network for Emotion Recognition in Dyadic Dialogue Videos (2018)</a:t>
+            </a:r>
+            <a:endParaRPr kumimoji="1" lang="zh-CN" altLang="en-US" sz="3600" dirty="0"/>
           </a:p>
         </p:txBody>
       </p:sp>
-      <p:sp>
-        <p:nvSpPr>
-          <p:cNvPr id="4" name="矩形 3"/>
-          <p:cNvSpPr/>
-          <p:nvPr/>
-        </p:nvSpPr>
-        <p:spPr>
-          <a:xfrm>
-            <a:off x="1097280" y="6425627"/>
-            <a:ext cx="2685800" cy="461665"/>
-          </a:xfrm>
-          <a:prstGeom prst="rect">
-            <a:avLst/>
-          </a:prstGeom>
-        </p:spPr>
-        <p:txBody>
-          <a:bodyPr wrap="none">
-            <a:spAutoFit/>
-          </a:bodyPr>
-          <a:lstStyle/>
-          <a:p>
-            <a:r>
-              <a:rPr lang="zh-CN" altLang="en-US" sz="1200" dirty="0">
-                <a:solidFill>
-                  <a:schemeClr val="bg1"/>
-                </a:solidFill>
-              </a:rPr>
-              <a:t>Sayyed M. Zahiri, Jinho D. </a:t>
-            </a:r>
-            <a:r>
-              <a:rPr lang="zh-CN" altLang="en-US" sz="1200" dirty="0" smtClean="0">
-                <a:solidFill>
-                  <a:schemeClr val="bg1"/>
-                </a:solidFill>
-              </a:rPr>
-              <a:t>Choi</a:t>
-            </a:r>
-            <a:endParaRPr lang="en-US" altLang="zh-CN" sz="1200" dirty="0" smtClean="0">
-              <a:solidFill>
-                <a:schemeClr val="bg1"/>
-              </a:solidFill>
-            </a:endParaRPr>
-          </a:p>
-          <a:p>
-            <a:r>
-              <a:rPr lang="pt-BR" altLang="zh-CN" sz="1200" dirty="0">
-                <a:solidFill>
-                  <a:schemeClr val="bg1"/>
-                </a:solidFill>
-              </a:rPr>
-              <a:t>arXiv:1708.04299v1 [</a:t>
-            </a:r>
-            <a:r>
-              <a:rPr lang="pt-BR" altLang="zh-CN" sz="1200" dirty="0" err="1">
-                <a:solidFill>
-                  <a:schemeClr val="bg1"/>
-                </a:solidFill>
-              </a:rPr>
-              <a:t>cs.CL</a:t>
-            </a:r>
-            <a:r>
-              <a:rPr lang="pt-BR" altLang="zh-CN" sz="1200" dirty="0">
-                <a:solidFill>
-                  <a:schemeClr val="bg1"/>
-                </a:solidFill>
-              </a:rPr>
-              <a:t>] 14 </a:t>
-            </a:r>
-            <a:r>
-              <a:rPr lang="pt-BR" altLang="zh-CN" sz="1200" dirty="0" err="1">
-                <a:solidFill>
-                  <a:schemeClr val="bg1"/>
-                </a:solidFill>
-              </a:rPr>
-              <a:t>Aug</a:t>
-            </a:r>
-            <a:r>
-              <a:rPr lang="pt-BR" altLang="zh-CN" sz="1200" dirty="0">
-                <a:solidFill>
-                  <a:schemeClr val="bg1"/>
-                </a:solidFill>
-              </a:rPr>
-              <a:t> 2017</a:t>
-            </a:r>
-            <a:endParaRPr lang="zh-CN" altLang="en-US" sz="1200" dirty="0">
-              <a:solidFill>
-                <a:schemeClr val="bg1"/>
-              </a:solidFill>
-            </a:endParaRPr>
-          </a:p>
-        </p:txBody>
-      </p:sp>
-      <p:pic>
-        <p:nvPicPr>
-          <p:cNvPr id="5" name="图片 4"/>
-          <p:cNvPicPr>
-            <a:picLocks noChangeAspect="1"/>
-          </p:cNvPicPr>
-          <p:nvPr/>
-        </p:nvPicPr>
-        <p:blipFill>
-          <a:blip r:embed="rId2">
-            <a:extLst>
-              <a:ext uri="{28A0092B-C50C-407E-A947-70E740481C1C}">
-                <a14:useLocalDpi xmlns:a14="http://schemas.microsoft.com/office/drawing/2010/main" val="0"/>
-              </a:ext>
-            </a:extLst>
-          </a:blip>
-          <a:stretch>
-            <a:fillRect/>
-          </a:stretch>
-        </p:blipFill>
-        <p:spPr>
-          <a:xfrm>
-            <a:off x="7199523" y="1950284"/>
-            <a:ext cx="3956157" cy="1836787"/>
-          </a:xfrm>
-          <a:prstGeom prst="rect">
-            <a:avLst/>
-          </a:prstGeom>
-        </p:spPr>
-      </p:pic>
-      <p:pic>
-        <p:nvPicPr>
-          <p:cNvPr id="6" name="图片 5"/>
-          <p:cNvPicPr>
-            <a:picLocks noChangeAspect="1"/>
-          </p:cNvPicPr>
-          <p:nvPr/>
-        </p:nvPicPr>
-        <p:blipFill>
-          <a:blip r:embed="rId3">
-            <a:extLst>
-              <a:ext uri="{28A0092B-C50C-407E-A947-70E740481C1C}">
-                <a14:useLocalDpi xmlns:a14="http://schemas.microsoft.com/office/drawing/2010/main" val="0"/>
-              </a:ext>
-            </a:extLst>
-          </a:blip>
-          <a:stretch>
-            <a:fillRect/>
-          </a:stretch>
-        </p:blipFill>
-        <p:spPr>
-          <a:xfrm>
-            <a:off x="2880106" y="4406645"/>
-            <a:ext cx="5888050" cy="1861073"/>
-          </a:xfrm>
-          <a:prstGeom prst="rect">
-            <a:avLst/>
-          </a:prstGeom>
-        </p:spPr>
-      </p:pic>
-      <p:pic>
-        <p:nvPicPr>
-          <p:cNvPr id="7" name="图片 6"/>
-          <p:cNvPicPr>
-            <a:picLocks noChangeAspect="1"/>
-          </p:cNvPicPr>
-          <p:nvPr/>
-        </p:nvPicPr>
-        <p:blipFill>
-          <a:blip r:embed="rId4">
-            <a:extLst>
-              <a:ext uri="{28A0092B-C50C-407E-A947-70E740481C1C}">
-                <a14:useLocalDpi xmlns:a14="http://schemas.microsoft.com/office/drawing/2010/main" val="0"/>
-              </a:ext>
-            </a:extLst>
-          </a:blip>
-          <a:stretch>
-            <a:fillRect/>
-          </a:stretch>
-        </p:blipFill>
-        <p:spPr>
-          <a:xfrm>
-            <a:off x="8964997" y="3999995"/>
-            <a:ext cx="2190683" cy="2284569"/>
-          </a:xfrm>
-          <a:prstGeom prst="rect">
-            <a:avLst/>
-          </a:prstGeom>
-        </p:spPr>
-      </p:pic>
+      <mc:AlternateContent xmlns:mc="http://schemas.openxmlformats.org/markup-compatibility/2006" xmlns:a14="http://schemas.microsoft.com/office/drawing/2010/main">
+        <mc:Choice Requires="a14">
+          <p:sp>
+            <p:nvSpPr>
+              <p:cNvPr id="3" name="内容占位符 2"/>
+              <p:cNvSpPr>
+                <a:spLocks noGrp="1"/>
+              </p:cNvSpPr>
+              <p:nvPr>
+                <p:ph idx="1"/>
+              </p:nvPr>
+            </p:nvSpPr>
+            <p:spPr/>
+            <p:txBody>
+              <a:bodyPr>
+                <a:normAutofit/>
+              </a:bodyPr>
+              <a:lstStyle/>
+              <a:p>
+                <a:r>
+                  <a:rPr lang="en-US" altLang="zh-CN" dirty="0" smtClean="0"/>
+                  <a:t>Task Definition</a:t>
+                </a:r>
+              </a:p>
+              <a:p>
+                <a:pPr lvl="1"/>
+                <a:r>
+                  <a:rPr lang="en-US" altLang="zh-CN" dirty="0" smtClean="0"/>
+                  <a:t>Let us define</a:t>
+                </a:r>
+                <a:r>
+                  <a:rPr lang="en-US" altLang="zh-TW" dirty="0" smtClean="0"/>
+                  <a:t> </a:t>
+                </a:r>
+                <a:r>
+                  <a:rPr lang="en-US" altLang="zh-CN" dirty="0" smtClean="0"/>
+                  <a:t>a </a:t>
+                </a:r>
+                <a:r>
+                  <a:rPr lang="en-US" altLang="zh-CN" dirty="0"/>
+                  <a:t>dyadic conversation to be an </a:t>
+                </a:r>
+                <a:r>
+                  <a:rPr lang="en-US" altLang="zh-CN" b="1" dirty="0">
+                    <a:solidFill>
+                      <a:srgbClr val="FF0000"/>
+                    </a:solidFill>
+                  </a:rPr>
+                  <a:t>asynchronous </a:t>
+                </a:r>
+                <a:r>
+                  <a:rPr lang="en-US" altLang="zh-CN" b="1" dirty="0" smtClean="0">
+                    <a:solidFill>
+                      <a:srgbClr val="FF0000"/>
+                    </a:solidFill>
+                  </a:rPr>
+                  <a:t>exchange of </a:t>
+                </a:r>
+                <a:r>
+                  <a:rPr lang="en-US" altLang="zh-CN" b="1" dirty="0">
+                    <a:solidFill>
+                      <a:srgbClr val="FF0000"/>
+                    </a:solidFill>
+                  </a:rPr>
+                  <a:t>utterances </a:t>
+                </a:r>
+                <a:r>
+                  <a:rPr lang="en-US" altLang="zh-CN" dirty="0"/>
+                  <a:t>between two persons </a:t>
+                </a:r>
+                <a14:m>
+                  <m:oMath xmlns:m="http://schemas.openxmlformats.org/officeDocument/2006/math">
+                    <m:sSub>
+                      <m:sSubPr>
+                        <m:ctrlPr>
+                          <a:rPr lang="en-US" altLang="zh-CN" b="0" i="1" smtClean="0">
+                            <a:latin typeface="Cambria Math" charset="0"/>
+                          </a:rPr>
+                        </m:ctrlPr>
+                      </m:sSubPr>
+                      <m:e>
+                        <m:r>
+                          <a:rPr lang="en-US" altLang="zh-CN" i="1" smtClean="0">
+                            <a:latin typeface="Cambria Math" charset="0"/>
+                          </a:rPr>
+                          <m:t>𝑃</m:t>
+                        </m:r>
+                      </m:e>
+                      <m:sub>
+                        <m:r>
+                          <a:rPr lang="en-US" altLang="zh-CN" i="1" smtClean="0">
+                            <a:latin typeface="Cambria Math" charset="0"/>
+                          </a:rPr>
+                          <m:t>𝑎</m:t>
+                        </m:r>
+                      </m:sub>
+                    </m:sSub>
+                  </m:oMath>
+                </a14:m>
+                <a:r>
+                  <a:rPr lang="en-US" altLang="zh-CN" dirty="0" smtClean="0"/>
+                  <a:t> and</a:t>
+                </a:r>
+                <a:r>
+                  <a:rPr lang="en-US" altLang="zh-TW" dirty="0" smtClean="0"/>
+                  <a:t> </a:t>
+                </a:r>
+                <a14:m>
+                  <m:oMath xmlns:m="http://schemas.openxmlformats.org/officeDocument/2006/math">
+                    <m:sSub>
+                      <m:sSubPr>
+                        <m:ctrlPr>
+                          <a:rPr lang="en-US" altLang="zh-CN" b="0" i="1" smtClean="0">
+                            <a:latin typeface="Cambria Math" charset="0"/>
+                          </a:rPr>
+                        </m:ctrlPr>
+                      </m:sSubPr>
+                      <m:e>
+                        <m:r>
+                          <a:rPr lang="en-US" altLang="zh-CN" i="1" smtClean="0">
+                            <a:latin typeface="Cambria Math" charset="0"/>
+                          </a:rPr>
+                          <m:t>𝑃</m:t>
+                        </m:r>
+                      </m:e>
+                      <m:sub>
+                        <m:r>
+                          <a:rPr lang="en-US" altLang="zh-CN" i="1" smtClean="0">
+                            <a:latin typeface="Cambria Math" charset="0"/>
+                          </a:rPr>
+                          <m:t>𝑏</m:t>
+                        </m:r>
+                      </m:sub>
+                    </m:sSub>
+                  </m:oMath>
+                </a14:m>
+                <a:r>
+                  <a:rPr lang="en-US" altLang="zh-CN" dirty="0" smtClean="0"/>
+                  <a:t>.</a:t>
+                </a:r>
+              </a:p>
+              <a:p>
+                <a:pPr lvl="2"/>
+                <a:r>
+                  <a:rPr lang="en-US" altLang="zh-CN" dirty="0" smtClean="0"/>
+                  <a:t>Both </a:t>
+                </a:r>
+                <a:r>
+                  <a:rPr lang="en-US" altLang="zh-CN" dirty="0"/>
+                  <a:t>the speakers speak a </a:t>
+                </a:r>
+                <a:r>
+                  <a:rPr lang="en-US" altLang="zh-CN" b="1" dirty="0">
+                    <a:solidFill>
+                      <a:srgbClr val="FF0000"/>
+                    </a:solidFill>
+                  </a:rPr>
+                  <a:t>sequence of </a:t>
+                </a:r>
+                <a:r>
+                  <a:rPr lang="en-US" altLang="zh-CN" b="1" dirty="0" smtClean="0">
+                    <a:solidFill>
+                      <a:srgbClr val="FF0000"/>
+                    </a:solidFill>
+                  </a:rPr>
+                  <a:t>utterances </a:t>
+                </a:r>
+                <a14:m>
+                  <m:oMath xmlns:m="http://schemas.openxmlformats.org/officeDocument/2006/math">
+                    <m:sSub>
+                      <m:sSubPr>
+                        <m:ctrlPr>
+                          <a:rPr lang="en-US" altLang="zh-CN" b="0" i="1" smtClean="0">
+                            <a:latin typeface="Cambria Math" charset="0"/>
+                          </a:rPr>
+                        </m:ctrlPr>
+                      </m:sSubPr>
+                      <m:e>
+                        <m:r>
+                          <a:rPr lang="en-US" altLang="zh-CN" i="1" smtClean="0">
+                            <a:latin typeface="Cambria Math" charset="0"/>
+                          </a:rPr>
+                          <m:t>𝑈</m:t>
+                        </m:r>
+                      </m:e>
+                      <m:sub>
+                        <m:r>
+                          <a:rPr lang="en-US" altLang="zh-CN" i="1" smtClean="0">
+                            <a:latin typeface="Cambria Math" charset="0"/>
+                          </a:rPr>
+                          <m:t>𝑎</m:t>
+                        </m:r>
+                      </m:sub>
+                    </m:sSub>
+                  </m:oMath>
+                </a14:m>
+                <a:r>
+                  <a:rPr lang="en-US" altLang="zh-CN" dirty="0"/>
+                  <a:t> and </a:t>
+                </a:r>
+                <a14:m>
+                  <m:oMath xmlns:m="http://schemas.openxmlformats.org/officeDocument/2006/math">
+                    <m:sSub>
+                      <m:sSubPr>
+                        <m:ctrlPr>
+                          <a:rPr lang="en-US" altLang="zh-CN" b="0" i="1" smtClean="0">
+                            <a:latin typeface="Cambria Math" charset="0"/>
+                          </a:rPr>
+                        </m:ctrlPr>
+                      </m:sSubPr>
+                      <m:e>
+                        <m:r>
+                          <a:rPr lang="en-US" altLang="zh-CN" i="1" smtClean="0">
+                            <a:latin typeface="Cambria Math" charset="0"/>
+                          </a:rPr>
+                          <m:t>𝑈</m:t>
+                        </m:r>
+                      </m:e>
+                      <m:sub>
+                        <m:r>
+                          <a:rPr lang="en-US" altLang="zh-CN" i="1" smtClean="0">
+                            <a:latin typeface="Cambria Math" charset="0"/>
+                          </a:rPr>
+                          <m:t>𝑏</m:t>
+                        </m:r>
+                      </m:sub>
+                    </m:sSub>
+                  </m:oMath>
+                </a14:m>
+                <a:r>
+                  <a:rPr lang="en-US" altLang="zh-CN" dirty="0"/>
+                  <a:t>, respectively</a:t>
+                </a:r>
+                <a:r>
+                  <a:rPr lang="en-US" altLang="zh-CN" dirty="0" smtClean="0"/>
+                  <a:t>.</a:t>
+                </a:r>
+              </a:p>
+              <a:p>
+                <a:pPr lvl="2"/>
+                <a14:m>
+                  <m:oMath xmlns:m="http://schemas.openxmlformats.org/officeDocument/2006/math">
+                    <m:sSub>
+                      <m:sSubPr>
+                        <m:ctrlPr>
+                          <a:rPr lang="en-US" altLang="zh-CN" b="0" i="1" smtClean="0">
+                            <a:latin typeface="Cambria Math" charset="0"/>
+                          </a:rPr>
+                        </m:ctrlPr>
+                      </m:sSubPr>
+                      <m:e>
+                        <m:r>
+                          <a:rPr lang="en-US" altLang="zh-CN" i="1" smtClean="0">
+                            <a:latin typeface="Cambria Math" charset="0"/>
+                          </a:rPr>
+                          <m:t>𝑈</m:t>
+                        </m:r>
+                      </m:e>
+                      <m:sub>
+                        <m:r>
+                          <a:rPr lang="en-US" altLang="zh-CN" i="1" smtClean="0">
+                            <a:latin typeface="Cambria Math" charset="0"/>
+                            <a:ea typeface="Cambria Math" charset="0"/>
+                            <a:cs typeface="Cambria Math" charset="0"/>
+                          </a:rPr>
+                          <m:t>𝜆</m:t>
+                        </m:r>
+                      </m:sub>
+                    </m:sSub>
+                    <m:r>
+                      <a:rPr lang="en-US" altLang="zh-CN" i="1" smtClean="0">
+                        <a:latin typeface="Cambria Math" charset="0"/>
+                      </a:rPr>
+                      <m:t>=</m:t>
+                    </m:r>
+                    <m:r>
+                      <a:rPr lang="en-US" altLang="zh-TW" i="1" smtClean="0">
+                        <a:latin typeface="Cambria Math" charset="0"/>
+                      </a:rPr>
+                      <m:t> </m:t>
+                    </m:r>
+                    <m:r>
+                      <a:rPr lang="en-US" altLang="zh-CN" i="1" smtClean="0">
+                        <a:latin typeface="Cambria Math" charset="0"/>
+                      </a:rPr>
+                      <m:t>(</m:t>
+                    </m:r>
+                    <m:sSubSup>
+                      <m:sSubSupPr>
+                        <m:ctrlPr>
+                          <a:rPr lang="en-US" altLang="zh-CN" b="0" i="1" smtClean="0">
+                            <a:latin typeface="Cambria Math" charset="0"/>
+                          </a:rPr>
+                        </m:ctrlPr>
+                      </m:sSubSupPr>
+                      <m:e>
+                        <m:r>
+                          <a:rPr lang="en-US" altLang="zh-CN" i="1" smtClean="0">
+                            <a:latin typeface="Cambria Math" charset="0"/>
+                          </a:rPr>
+                          <m:t>𝑠</m:t>
+                        </m:r>
+                      </m:e>
+                      <m:sub>
+                        <m:r>
+                          <a:rPr lang="en-US" altLang="zh-CN" i="1">
+                            <a:latin typeface="Cambria Math" charset="0"/>
+                            <a:ea typeface="Cambria Math" charset="0"/>
+                            <a:cs typeface="Cambria Math" charset="0"/>
+                          </a:rPr>
+                          <m:t>𝜆</m:t>
+                        </m:r>
+                      </m:sub>
+                      <m:sup>
+                        <m:r>
+                          <a:rPr lang="en-US" altLang="zh-CN" i="1" smtClean="0">
+                            <a:latin typeface="Cambria Math" charset="0"/>
+                          </a:rPr>
+                          <m:t>1</m:t>
+                        </m:r>
+                      </m:sup>
+                    </m:sSubSup>
+                    <m:r>
+                      <a:rPr lang="en-US" altLang="zh-CN" i="1" smtClean="0">
+                        <a:latin typeface="Cambria Math" charset="0"/>
+                      </a:rPr>
+                      <m:t>, </m:t>
+                    </m:r>
+                    <m:sSubSup>
+                      <m:sSubSupPr>
+                        <m:ctrlPr>
+                          <a:rPr lang="en-US" altLang="zh-CN" b="0" i="1" smtClean="0">
+                            <a:latin typeface="Cambria Math" charset="0"/>
+                          </a:rPr>
+                        </m:ctrlPr>
+                      </m:sSubSupPr>
+                      <m:e>
+                        <m:r>
+                          <a:rPr lang="en-US" altLang="zh-CN" i="1" smtClean="0">
+                            <a:latin typeface="Cambria Math" charset="0"/>
+                          </a:rPr>
+                          <m:t>𝑠</m:t>
+                        </m:r>
+                      </m:e>
+                      <m:sub>
+                        <m:r>
+                          <a:rPr lang="en-US" altLang="zh-CN" i="1">
+                            <a:latin typeface="Cambria Math" charset="0"/>
+                            <a:ea typeface="Cambria Math" charset="0"/>
+                            <a:cs typeface="Cambria Math" charset="0"/>
+                          </a:rPr>
+                          <m:t>𝜆</m:t>
+                        </m:r>
+                      </m:sub>
+                      <m:sup>
+                        <m:r>
+                          <a:rPr lang="en-US" altLang="zh-CN" i="1" smtClean="0">
+                            <a:latin typeface="Cambria Math" charset="0"/>
+                          </a:rPr>
+                          <m:t>2</m:t>
+                        </m:r>
+                      </m:sup>
+                    </m:sSubSup>
+                    <m:r>
+                      <a:rPr lang="en-US" altLang="zh-CN" i="1" smtClean="0">
+                        <a:latin typeface="Cambria Math" charset="0"/>
+                      </a:rPr>
+                      <m:t>, </m:t>
+                    </m:r>
+                    <m:r>
+                      <a:rPr lang="en-US" altLang="zh-CN" i="1">
+                        <a:latin typeface="Cambria Math" charset="0"/>
+                      </a:rPr>
+                      <m:t>…, </m:t>
+                    </m:r>
+                    <m:sSubSup>
+                      <m:sSubSupPr>
+                        <m:ctrlPr>
+                          <a:rPr lang="en-US" altLang="zh-CN" b="0" i="1" smtClean="0">
+                            <a:latin typeface="Cambria Math" charset="0"/>
+                          </a:rPr>
+                        </m:ctrlPr>
+                      </m:sSubSupPr>
+                      <m:e>
+                        <m:r>
+                          <a:rPr lang="en-US" altLang="zh-CN" i="1" smtClean="0">
+                            <a:latin typeface="Cambria Math" charset="0"/>
+                          </a:rPr>
+                          <m:t>𝑠</m:t>
+                        </m:r>
+                      </m:e>
+                      <m:sub>
+                        <m:r>
+                          <a:rPr lang="en-US" altLang="zh-CN" i="1">
+                            <a:latin typeface="Cambria Math" charset="0"/>
+                            <a:ea typeface="Cambria Math" charset="0"/>
+                            <a:cs typeface="Cambria Math" charset="0"/>
+                          </a:rPr>
+                          <m:t>𝜆</m:t>
+                        </m:r>
+                      </m:sub>
+                      <m:sup>
+                        <m:sSub>
+                          <m:sSubPr>
+                            <m:ctrlPr>
+                              <a:rPr lang="en-US" altLang="zh-CN" b="0" i="1" smtClean="0">
+                                <a:latin typeface="Cambria Math" charset="0"/>
+                              </a:rPr>
+                            </m:ctrlPr>
+                          </m:sSubPr>
+                          <m:e>
+                            <m:r>
+                              <a:rPr lang="en-US" altLang="zh-CN" i="1" smtClean="0">
+                                <a:latin typeface="Cambria Math" charset="0"/>
+                              </a:rPr>
+                              <m:t>𝑙</m:t>
+                            </m:r>
+                          </m:e>
+                          <m:sub>
+                            <m:r>
+                              <a:rPr lang="en-US" altLang="zh-CN" i="1">
+                                <a:latin typeface="Cambria Math" charset="0"/>
+                                <a:ea typeface="Cambria Math" charset="0"/>
+                                <a:cs typeface="Cambria Math" charset="0"/>
+                              </a:rPr>
+                              <m:t>𝜆</m:t>
+                            </m:r>
+                          </m:sub>
+                        </m:sSub>
+                      </m:sup>
+                    </m:sSubSup>
+                    <m:r>
+                      <a:rPr lang="en-US" altLang="zh-CN" i="1" smtClean="0">
+                        <a:latin typeface="Cambria Math" charset="0"/>
+                      </a:rPr>
+                      <m:t>)</m:t>
+                    </m:r>
+                  </m:oMath>
+                </a14:m>
+                <a:r>
+                  <a:rPr lang="en-US" altLang="zh-CN" dirty="0" smtClean="0"/>
+                  <a:t> </a:t>
+                </a:r>
+                <a:r>
+                  <a:rPr lang="en-US" altLang="zh-CN" dirty="0"/>
+                  <a:t>is ordered </a:t>
+                </a:r>
+                <a:r>
+                  <a:rPr lang="en-US" altLang="zh-CN" dirty="0" smtClean="0"/>
+                  <a:t>temporally</a:t>
+                </a:r>
+              </a:p>
+              <a:p>
+                <a:pPr lvl="3"/>
+                <a14:m>
+                  <m:oMath xmlns:m="http://schemas.openxmlformats.org/officeDocument/2006/math">
+                    <m:sSubSup>
+                      <m:sSubSupPr>
+                        <m:ctrlPr>
+                          <a:rPr lang="en-US" altLang="zh-CN" b="0" i="1" smtClean="0">
+                            <a:latin typeface="Cambria Math" charset="0"/>
+                          </a:rPr>
+                        </m:ctrlPr>
+                      </m:sSubSupPr>
+                      <m:e>
+                        <m:r>
+                          <a:rPr lang="en-US" altLang="zh-CN" i="1" smtClean="0">
+                            <a:latin typeface="Cambria Math" charset="0"/>
+                          </a:rPr>
+                          <m:t>𝑠</m:t>
+                        </m:r>
+                      </m:e>
+                      <m:sub>
+                        <m:r>
+                          <a:rPr lang="en-US" altLang="zh-CN" i="1">
+                            <a:latin typeface="Cambria Math" charset="0"/>
+                            <a:ea typeface="Cambria Math" charset="0"/>
+                            <a:cs typeface="Cambria Math" charset="0"/>
+                          </a:rPr>
+                          <m:t>𝜆</m:t>
+                        </m:r>
+                      </m:sub>
+                      <m:sup>
+                        <m:r>
+                          <a:rPr lang="en-US" altLang="zh-CN" i="1" smtClean="0">
+                            <a:latin typeface="Cambria Math" charset="0"/>
+                          </a:rPr>
+                          <m:t>𝑖</m:t>
+                        </m:r>
+                      </m:sup>
+                    </m:sSubSup>
+                  </m:oMath>
+                </a14:m>
+                <a:r>
+                  <a:rPr lang="en-US" altLang="zh-CN" dirty="0" smtClean="0"/>
+                  <a:t> is </a:t>
+                </a:r>
+                <a:r>
+                  <a:rPr lang="en-US" altLang="zh-CN" dirty="0"/>
+                  <a:t>the </a:t>
+                </a:r>
+                <a14:m>
+                  <m:oMath xmlns:m="http://schemas.openxmlformats.org/officeDocument/2006/math">
+                    <m:sSup>
+                      <m:sSupPr>
+                        <m:ctrlPr>
+                          <a:rPr lang="en-US" altLang="zh-TW" b="0" i="1" dirty="0" smtClean="0">
+                            <a:latin typeface="Cambria Math" charset="0"/>
+                          </a:rPr>
+                        </m:ctrlPr>
+                      </m:sSupPr>
+                      <m:e>
+                        <m:r>
+                          <a:rPr lang="en-US" altLang="zh-CN" i="1" dirty="0" smtClean="0">
+                            <a:latin typeface="Cambria Math" charset="0"/>
+                          </a:rPr>
+                          <m:t>𝑖</m:t>
+                        </m:r>
+                      </m:e>
+                      <m:sup>
+                        <m:r>
+                          <a:rPr lang="en-US" altLang="zh-CN" b="0" i="1" dirty="0" smtClean="0">
+                            <a:latin typeface="Cambria Math" charset="0"/>
+                          </a:rPr>
+                          <m:t>𝑡h</m:t>
+                        </m:r>
+                      </m:sup>
+                    </m:sSup>
+                  </m:oMath>
+                </a14:m>
+                <a:r>
+                  <a:rPr lang="en-US" altLang="zh-CN" dirty="0" smtClean="0"/>
+                  <a:t> </a:t>
+                </a:r>
+                <a:r>
+                  <a:rPr lang="en-US" altLang="zh-CN" dirty="0"/>
+                  <a:t>utterance by </a:t>
+                </a:r>
+                <a14:m>
+                  <m:oMath xmlns:m="http://schemas.openxmlformats.org/officeDocument/2006/math">
+                    <m:sSub>
+                      <m:sSubPr>
+                        <m:ctrlPr>
+                          <a:rPr lang="en-US" altLang="zh-CN" b="0" i="1" smtClean="0">
+                            <a:latin typeface="Cambria Math" charset="0"/>
+                          </a:rPr>
+                        </m:ctrlPr>
+                      </m:sSubPr>
+                      <m:e>
+                        <m:r>
+                          <a:rPr lang="en-US" altLang="zh-CN" i="1" smtClean="0">
+                            <a:latin typeface="Cambria Math" charset="0"/>
+                          </a:rPr>
+                          <m:t>𝑃</m:t>
+                        </m:r>
+                      </m:e>
+                      <m:sub>
+                        <m:r>
+                          <a:rPr lang="en-US" altLang="zh-CN" i="1">
+                            <a:latin typeface="Cambria Math" charset="0"/>
+                            <a:ea typeface="Cambria Math" charset="0"/>
+                            <a:cs typeface="Cambria Math" charset="0"/>
+                          </a:rPr>
+                          <m:t>𝜆</m:t>
+                        </m:r>
+                      </m:sub>
+                    </m:sSub>
+                  </m:oMath>
+                </a14:m>
+                <a:endParaRPr lang="en-US" altLang="zh-CN" dirty="0" smtClean="0"/>
+              </a:p>
+              <a:p>
+                <a:pPr lvl="3"/>
+                <a14:m>
+                  <m:oMath xmlns:m="http://schemas.openxmlformats.org/officeDocument/2006/math">
+                    <m:sSub>
+                      <m:sSubPr>
+                        <m:ctrlPr>
+                          <a:rPr lang="en-US" altLang="zh-CN" b="0" i="1" smtClean="0">
+                            <a:latin typeface="Cambria Math" charset="0"/>
+                          </a:rPr>
+                        </m:ctrlPr>
+                      </m:sSubPr>
+                      <m:e>
+                        <m:r>
+                          <a:rPr lang="en-US" altLang="zh-CN" i="1" smtClean="0">
+                            <a:latin typeface="Cambria Math" charset="0"/>
+                          </a:rPr>
+                          <m:t>𝑙</m:t>
+                        </m:r>
+                      </m:e>
+                      <m:sub>
+                        <m:r>
+                          <a:rPr lang="en-US" altLang="zh-CN" i="1">
+                            <a:latin typeface="Cambria Math" charset="0"/>
+                            <a:ea typeface="Cambria Math" charset="0"/>
+                            <a:cs typeface="Cambria Math" charset="0"/>
+                          </a:rPr>
+                          <m:t>𝜆</m:t>
+                        </m:r>
+                      </m:sub>
+                    </m:sSub>
+                    <m:r>
+                      <a:rPr lang="en-US" altLang="zh-CN" b="0" i="1" smtClean="0">
+                        <a:latin typeface="Cambria Math" charset="0"/>
+                        <a:ea typeface="Cambria Math" charset="0"/>
+                        <a:cs typeface="Cambria Math" charset="0"/>
+                      </a:rPr>
+                      <m:t> </m:t>
+                    </m:r>
+                  </m:oMath>
+                </a14:m>
+                <a:r>
+                  <a:rPr lang="en-US" altLang="zh-CN" dirty="0"/>
+                  <a:t>is the total </a:t>
+                </a:r>
+                <a:r>
+                  <a:rPr lang="en-US" altLang="zh-CN" dirty="0" smtClean="0"/>
+                  <a:t>number</a:t>
+                </a:r>
+                <a:r>
+                  <a:rPr lang="en-US" altLang="zh-CN" dirty="0"/>
+                  <a:t> </a:t>
+                </a:r>
+                <a:r>
+                  <a:rPr lang="en-US" altLang="zh-CN" dirty="0" smtClean="0"/>
+                  <a:t>of </a:t>
+                </a:r>
+                <a:r>
+                  <a:rPr lang="en-US" altLang="zh-CN" dirty="0"/>
+                  <a:t>utterances spoken by person </a:t>
+                </a:r>
+                <a14:m>
+                  <m:oMath xmlns:m="http://schemas.openxmlformats.org/officeDocument/2006/math">
+                    <m:sSub>
+                      <m:sSubPr>
+                        <m:ctrlPr>
+                          <a:rPr lang="en-US" altLang="zh-CN" b="0" i="1" smtClean="0">
+                            <a:latin typeface="Cambria Math" charset="0"/>
+                          </a:rPr>
+                        </m:ctrlPr>
+                      </m:sSubPr>
+                      <m:e>
+                        <m:r>
+                          <a:rPr lang="en-US" altLang="zh-CN" i="1" smtClean="0">
+                            <a:latin typeface="Cambria Math" charset="0"/>
+                          </a:rPr>
+                          <m:t>𝑃</m:t>
+                        </m:r>
+                      </m:e>
+                      <m:sub>
+                        <m:r>
+                          <a:rPr lang="en-US" altLang="zh-CN" i="1">
+                            <a:latin typeface="Cambria Math" charset="0"/>
+                            <a:ea typeface="Cambria Math" charset="0"/>
+                            <a:cs typeface="Cambria Math" charset="0"/>
+                          </a:rPr>
+                          <m:t>𝜆</m:t>
+                        </m:r>
+                      </m:sub>
+                    </m:sSub>
+                  </m:oMath>
+                </a14:m>
+                <a:r>
+                  <a:rPr lang="en-US" altLang="zh-CN" dirty="0" smtClean="0"/>
+                  <a:t>, </a:t>
+                </a:r>
+                <a14:m>
+                  <m:oMath xmlns:m="http://schemas.openxmlformats.org/officeDocument/2006/math">
+                    <m:r>
+                      <a:rPr lang="en-US" altLang="zh-CN" i="1">
+                        <a:latin typeface="Cambria Math" charset="0"/>
+                        <a:ea typeface="Cambria Math" charset="0"/>
+                        <a:cs typeface="Cambria Math" charset="0"/>
+                      </a:rPr>
+                      <m:t>𝜆</m:t>
+                    </m:r>
+                    <m:r>
+                      <a:rPr lang="en-US" altLang="zh-CN" i="1">
+                        <a:latin typeface="Cambria Math" charset="0"/>
+                        <a:ea typeface="Cambria Math" charset="0"/>
+                        <a:cs typeface="Cambria Math" charset="0"/>
+                      </a:rPr>
+                      <m:t>∈{</m:t>
+                    </m:r>
+                    <m:r>
+                      <a:rPr lang="en-US" altLang="zh-CN" i="1">
+                        <a:latin typeface="Cambria Math" charset="0"/>
+                      </a:rPr>
+                      <m:t>𝑎</m:t>
+                    </m:r>
+                    <m:r>
+                      <a:rPr lang="en-US" altLang="zh-CN" i="1">
+                        <a:latin typeface="Cambria Math" charset="0"/>
+                      </a:rPr>
+                      <m:t>, </m:t>
+                    </m:r>
+                    <m:r>
+                      <a:rPr lang="en-US" altLang="zh-CN" i="1">
+                        <a:latin typeface="Cambria Math" charset="0"/>
+                      </a:rPr>
+                      <m:t>𝑏</m:t>
+                    </m:r>
+                    <m:r>
+                      <a:rPr lang="en-US" altLang="zh-CN" i="1">
+                        <a:latin typeface="Cambria Math" charset="0"/>
+                      </a:rPr>
+                      <m:t>}</m:t>
+                    </m:r>
+                  </m:oMath>
+                </a14:m>
+                <a:r>
+                  <a:rPr lang="en-US" altLang="zh-CN" dirty="0" smtClean="0"/>
+                  <a:t>.</a:t>
+                </a:r>
+                <a:endParaRPr lang="en-US" altLang="zh-CN" dirty="0"/>
+              </a:p>
+              <a:p>
+                <a:pPr lvl="2"/>
+                <a:r>
+                  <a:rPr lang="en-US" altLang="zh-CN" dirty="0" smtClean="0"/>
+                  <a:t>The utterances </a:t>
+                </a:r>
+                <a:r>
+                  <a:rPr lang="en-US" altLang="zh-CN" dirty="0"/>
+                  <a:t>by both speakers can </a:t>
+                </a:r>
+                <a:r>
+                  <a:rPr lang="en-US" altLang="zh-CN" dirty="0" smtClean="0"/>
+                  <a:t>be</a:t>
+                </a:r>
+                <a:r>
+                  <a:rPr lang="en-US" altLang="zh-CN" dirty="0"/>
+                  <a:t> </a:t>
+                </a:r>
+                <a:r>
+                  <a:rPr lang="en-US" altLang="zh-CN" dirty="0" smtClean="0"/>
+                  <a:t>linearly </a:t>
+                </a:r>
+                <a:r>
+                  <a:rPr lang="en-US" altLang="zh-CN" dirty="0"/>
+                  <a:t>ordered based on temporal </a:t>
+                </a:r>
+                <a:r>
+                  <a:rPr lang="en-US" altLang="zh-CN" dirty="0" smtClean="0"/>
+                  <a:t>occurrence</a:t>
+                </a:r>
+              </a:p>
+              <a:p>
+                <a:pPr lvl="3"/>
+                <a:r>
+                  <a:rPr lang="en-US" altLang="zh-CN" dirty="0" smtClean="0"/>
+                  <a:t>as </a:t>
+                </a:r>
+                <a14:m>
+                  <m:oMath xmlns:m="http://schemas.openxmlformats.org/officeDocument/2006/math">
+                    <m:r>
+                      <a:rPr lang="en-US" altLang="zh-CN" i="1" smtClean="0">
+                        <a:latin typeface="Cambria Math" charset="0"/>
+                      </a:rPr>
+                      <m:t>(</m:t>
+                    </m:r>
+                    <m:sSub>
+                      <m:sSubPr>
+                        <m:ctrlPr>
+                          <a:rPr lang="en-US" altLang="zh-CN" b="0" i="1" smtClean="0">
+                            <a:latin typeface="Cambria Math" charset="0"/>
+                          </a:rPr>
+                        </m:ctrlPr>
+                      </m:sSubPr>
+                      <m:e>
+                        <m:r>
+                          <a:rPr lang="en-US" altLang="zh-CN" i="1" smtClean="0">
+                            <a:latin typeface="Cambria Math" charset="0"/>
+                          </a:rPr>
+                          <m:t>𝑢</m:t>
+                        </m:r>
+                      </m:e>
+                      <m:sub>
+                        <m:r>
+                          <a:rPr lang="en-US" altLang="zh-CN" i="1" smtClean="0">
+                            <a:latin typeface="Cambria Math" charset="0"/>
+                          </a:rPr>
+                          <m:t>1</m:t>
+                        </m:r>
+                      </m:sub>
+                    </m:sSub>
+                    <m:r>
+                      <a:rPr lang="en-US" altLang="zh-CN" i="1" smtClean="0">
+                        <a:latin typeface="Cambria Math" charset="0"/>
+                      </a:rPr>
+                      <m:t>, </m:t>
+                    </m:r>
+                    <m:sSub>
+                      <m:sSubPr>
+                        <m:ctrlPr>
+                          <a:rPr lang="en-US" altLang="zh-CN" b="0" i="1" smtClean="0">
+                            <a:latin typeface="Cambria Math" charset="0"/>
+                          </a:rPr>
+                        </m:ctrlPr>
+                      </m:sSubPr>
+                      <m:e>
+                        <m:r>
+                          <a:rPr lang="en-US" altLang="zh-CN" i="1" smtClean="0">
+                            <a:latin typeface="Cambria Math" charset="0"/>
+                          </a:rPr>
+                          <m:t>𝑢</m:t>
+                        </m:r>
+                      </m:e>
+                      <m:sub>
+                        <m:r>
+                          <a:rPr lang="en-US" altLang="zh-CN" i="1" smtClean="0">
+                            <a:latin typeface="Cambria Math" charset="0"/>
+                          </a:rPr>
+                          <m:t>2</m:t>
+                        </m:r>
+                      </m:sub>
+                    </m:sSub>
+                    <m:r>
+                      <a:rPr lang="en-US" altLang="zh-CN" i="1" smtClean="0">
+                        <a:latin typeface="Cambria Math" charset="0"/>
+                      </a:rPr>
+                      <m:t>, …</m:t>
+                    </m:r>
+                    <m:sSub>
+                      <m:sSubPr>
+                        <m:ctrlPr>
+                          <a:rPr lang="en-US" altLang="zh-CN" b="0" i="1" smtClean="0">
+                            <a:latin typeface="Cambria Math" charset="0"/>
+                          </a:rPr>
+                        </m:ctrlPr>
+                      </m:sSubPr>
+                      <m:e>
+                        <m:r>
+                          <a:rPr lang="en-US" altLang="zh-CN" i="1">
+                            <a:latin typeface="Cambria Math" charset="0"/>
+                          </a:rPr>
+                          <m:t>𝑢</m:t>
+                        </m:r>
+                      </m:e>
+                      <m:sub>
+                        <m:sSub>
+                          <m:sSubPr>
+                            <m:ctrlPr>
+                              <a:rPr lang="en-US" altLang="zh-CN" b="0" i="1" smtClean="0">
+                                <a:latin typeface="Cambria Math" charset="0"/>
+                              </a:rPr>
+                            </m:ctrlPr>
+                          </m:sSubPr>
+                          <m:e>
+                            <m:r>
+                              <a:rPr lang="en-US" altLang="zh-CN" i="1">
+                                <a:latin typeface="Cambria Math" charset="0"/>
+                              </a:rPr>
+                              <m:t>𝑙</m:t>
+                            </m:r>
+                          </m:e>
+                          <m:sub>
+                            <m:r>
+                              <a:rPr lang="en-US" altLang="zh-CN" i="1">
+                                <a:latin typeface="Cambria Math" charset="0"/>
+                              </a:rPr>
+                              <m:t>𝑎</m:t>
+                            </m:r>
+                          </m:sub>
+                        </m:sSub>
+                        <m:r>
+                          <a:rPr lang="en-US" altLang="zh-CN" i="1">
+                            <a:latin typeface="Cambria Math" charset="0"/>
+                          </a:rPr>
+                          <m:t>+</m:t>
+                        </m:r>
+                        <m:sSub>
+                          <m:sSubPr>
+                            <m:ctrlPr>
+                              <a:rPr lang="en-US" altLang="zh-CN" b="0" i="1" smtClean="0">
+                                <a:latin typeface="Cambria Math" charset="0"/>
+                              </a:rPr>
+                            </m:ctrlPr>
+                          </m:sSubPr>
+                          <m:e>
+                            <m:r>
+                              <a:rPr lang="en-US" altLang="zh-CN" i="1">
+                                <a:latin typeface="Cambria Math" charset="0"/>
+                              </a:rPr>
+                              <m:t>𝑙</m:t>
+                            </m:r>
+                          </m:e>
+                          <m:sub>
+                            <m:r>
+                              <a:rPr lang="en-US" altLang="zh-CN" i="1">
+                                <a:latin typeface="Cambria Math" charset="0"/>
+                              </a:rPr>
+                              <m:t>𝑏</m:t>
+                            </m:r>
+                          </m:sub>
+                        </m:sSub>
+                      </m:sub>
+                    </m:sSub>
+                    <m:r>
+                      <a:rPr lang="en-US" altLang="zh-CN" i="1">
+                        <a:latin typeface="Cambria Math" charset="0"/>
+                      </a:rPr>
+                      <m:t>)</m:t>
+                    </m:r>
+                  </m:oMath>
+                </a14:m>
+                <a:r>
+                  <a:rPr lang="en-US" altLang="zh-CN" dirty="0"/>
+                  <a:t> , </a:t>
+                </a:r>
+                <a:r>
+                  <a:rPr lang="en-US" altLang="zh-CN" dirty="0" smtClean="0"/>
+                  <a:t>where, </a:t>
+                </a:r>
+                <a14:m>
+                  <m:oMath xmlns:m="http://schemas.openxmlformats.org/officeDocument/2006/math">
+                    <m:sSub>
+                      <m:sSubPr>
+                        <m:ctrlPr>
+                          <a:rPr lang="en-US" altLang="zh-CN" b="0" i="1" smtClean="0">
+                            <a:latin typeface="Cambria Math" charset="0"/>
+                          </a:rPr>
+                        </m:ctrlPr>
+                      </m:sSubPr>
+                      <m:e>
+                        <m:r>
+                          <a:rPr lang="en-US" altLang="zh-CN" i="1" smtClean="0">
+                            <a:latin typeface="Cambria Math" charset="0"/>
+                          </a:rPr>
+                          <m:t>𝑢</m:t>
+                        </m:r>
+                      </m:e>
+                      <m:sub>
+                        <m:r>
+                          <a:rPr lang="en-US" altLang="zh-CN" i="1" smtClean="0">
+                            <a:latin typeface="Cambria Math" charset="0"/>
+                          </a:rPr>
+                          <m:t>𝑗</m:t>
+                        </m:r>
+                      </m:sub>
+                    </m:sSub>
+                    <m:r>
+                      <a:rPr lang="en-US" altLang="zh-CN" i="1" smtClean="0">
+                        <a:latin typeface="Cambria Math" charset="0"/>
+                        <a:ea typeface="Cambria Math" charset="0"/>
+                        <a:cs typeface="Cambria Math" charset="0"/>
+                      </a:rPr>
+                      <m:t>∈</m:t>
+                    </m:r>
+                    <m:r>
+                      <a:rPr lang="en-US" altLang="zh-CN" i="1">
+                        <a:latin typeface="Cambria Math" charset="0"/>
+                      </a:rPr>
+                      <m:t> </m:t>
+                    </m:r>
+                    <m:sSub>
+                      <m:sSubPr>
+                        <m:ctrlPr>
+                          <a:rPr lang="en-US" altLang="zh-CN" b="0" i="1" smtClean="0">
+                            <a:latin typeface="Cambria Math" charset="0"/>
+                          </a:rPr>
+                        </m:ctrlPr>
+                      </m:sSubPr>
+                      <m:e>
+                        <m:r>
+                          <a:rPr lang="en-US" altLang="zh-CN" i="1">
+                            <a:latin typeface="Cambria Math" charset="0"/>
+                          </a:rPr>
+                          <m:t>𝑈</m:t>
+                        </m:r>
+                      </m:e>
+                      <m:sub>
+                        <m:r>
+                          <a:rPr lang="en-US" altLang="zh-CN" i="1">
+                            <a:latin typeface="Cambria Math" charset="0"/>
+                          </a:rPr>
+                          <m:t>𝑎</m:t>
+                        </m:r>
+                      </m:sub>
+                    </m:sSub>
+                    <m:r>
+                      <a:rPr lang="en-US" altLang="zh-CN" i="1">
+                        <a:latin typeface="Cambria Math" charset="0"/>
+                      </a:rPr>
+                      <m:t> </m:t>
+                    </m:r>
+                    <m:r>
+                      <a:rPr lang="en-US" altLang="zh-CN" i="1">
+                        <a:latin typeface="Cambria Math" charset="0"/>
+                      </a:rPr>
+                      <m:t>𝑜𝑟</m:t>
+                    </m:r>
+                    <m:r>
+                      <a:rPr lang="en-US" altLang="zh-CN" i="1">
+                        <a:latin typeface="Cambria Math" charset="0"/>
+                      </a:rPr>
+                      <m:t> </m:t>
+                    </m:r>
+                    <m:sSub>
+                      <m:sSubPr>
+                        <m:ctrlPr>
+                          <a:rPr lang="en-US" altLang="zh-CN" b="0" i="1" smtClean="0">
+                            <a:latin typeface="Cambria Math" charset="0"/>
+                          </a:rPr>
+                        </m:ctrlPr>
+                      </m:sSubPr>
+                      <m:e>
+                        <m:r>
+                          <a:rPr lang="en-US" altLang="zh-CN" i="1">
+                            <a:latin typeface="Cambria Math" charset="0"/>
+                          </a:rPr>
+                          <m:t>𝑈</m:t>
+                        </m:r>
+                      </m:e>
+                      <m:sub>
+                        <m:r>
+                          <a:rPr lang="en-US" altLang="zh-CN" i="1">
+                            <a:latin typeface="Cambria Math" charset="0"/>
+                          </a:rPr>
+                          <m:t>𝑏</m:t>
+                        </m:r>
+                      </m:sub>
+                    </m:sSub>
+                  </m:oMath>
+                </a14:m>
+                <a:r>
+                  <a:rPr lang="en-US" altLang="zh-CN" dirty="0" smtClean="0"/>
+                  <a:t>.</a:t>
+                </a:r>
+              </a:p>
+              <a:p>
+                <a:pPr lvl="1"/>
+                <a:r>
+                  <a:rPr kumimoji="1" lang="en-US" altLang="zh-CN" dirty="0"/>
+                  <a:t>Our model takes as </a:t>
+                </a:r>
+                <a:r>
+                  <a:rPr kumimoji="1" lang="en-US" altLang="zh-CN" b="1" dirty="0">
+                    <a:solidFill>
+                      <a:srgbClr val="FF0000"/>
+                    </a:solidFill>
+                  </a:rPr>
+                  <a:t>input</a:t>
+                </a:r>
+                <a:r>
+                  <a:rPr kumimoji="1" lang="en-US" altLang="zh-CN" dirty="0"/>
+                  <a:t> an </a:t>
+                </a:r>
+                <a:r>
+                  <a:rPr kumimoji="1" lang="en-US" altLang="zh-CN" b="1" dirty="0" smtClean="0">
+                    <a:solidFill>
+                      <a:srgbClr val="FF0000"/>
+                    </a:solidFill>
+                  </a:rPr>
+                  <a:t>utterance </a:t>
+                </a:r>
+                <a14:m>
+                  <m:oMath xmlns:m="http://schemas.openxmlformats.org/officeDocument/2006/math">
+                    <m:sSub>
+                      <m:sSubPr>
+                        <m:ctrlPr>
+                          <a:rPr lang="en-US" altLang="zh-CN" b="1" i="1">
+                            <a:solidFill>
+                              <a:srgbClr val="FF0000"/>
+                            </a:solidFill>
+                            <a:latin typeface="Cambria Math" charset="0"/>
+                          </a:rPr>
+                        </m:ctrlPr>
+                      </m:sSubPr>
+                      <m:e>
+                        <m:r>
+                          <a:rPr lang="en-US" altLang="zh-CN" b="1" i="1">
+                            <a:solidFill>
+                              <a:srgbClr val="FF0000"/>
+                            </a:solidFill>
+                            <a:latin typeface="Cambria Math" charset="0"/>
+                          </a:rPr>
+                          <m:t>𝒖</m:t>
+                        </m:r>
+                      </m:e>
+                      <m:sub>
+                        <m:r>
+                          <a:rPr lang="en-US" altLang="zh-CN" b="1" i="1" smtClean="0">
+                            <a:solidFill>
+                              <a:srgbClr val="FF0000"/>
+                            </a:solidFill>
+                            <a:latin typeface="Cambria Math" charset="0"/>
+                          </a:rPr>
+                          <m:t>𝒊</m:t>
+                        </m:r>
+                      </m:sub>
+                    </m:sSub>
+                  </m:oMath>
+                </a14:m>
+                <a:r>
+                  <a:rPr kumimoji="1" lang="en-US" altLang="zh-CN" dirty="0"/>
+                  <a:t> </a:t>
+                </a:r>
+                <a:r>
+                  <a:rPr kumimoji="1" lang="en-US" altLang="zh-CN" dirty="0" smtClean="0"/>
+                  <a:t>whose </a:t>
+                </a:r>
+                <a:r>
+                  <a:rPr kumimoji="1" lang="en-US" altLang="zh-CN" b="1" dirty="0" smtClean="0">
+                    <a:solidFill>
+                      <a:srgbClr val="FF0000"/>
+                    </a:solidFill>
+                  </a:rPr>
+                  <a:t>emotion </a:t>
+                </a:r>
+                <a:r>
+                  <a:rPr kumimoji="1" lang="en-US" altLang="zh-CN" b="1" dirty="0">
+                    <a:solidFill>
+                      <a:srgbClr val="FF0000"/>
+                    </a:solidFill>
+                  </a:rPr>
+                  <a:t>category</a:t>
+                </a:r>
+                <a:r>
+                  <a:rPr kumimoji="1" lang="en-US" altLang="zh-CN" dirty="0"/>
+                  <a:t> </a:t>
+                </a:r>
+                <a:r>
+                  <a:rPr kumimoji="1" lang="en-US" altLang="zh-CN" dirty="0" smtClean="0"/>
+                  <a:t>needs </a:t>
+                </a:r>
+                <a:r>
+                  <a:rPr kumimoji="1" lang="en-US" altLang="zh-CN" dirty="0"/>
+                  <a:t>to be classified</a:t>
+                </a:r>
+                <a:r>
+                  <a:rPr kumimoji="1" lang="en-US" altLang="zh-CN" dirty="0" smtClean="0"/>
+                  <a:t>.</a:t>
+                </a:r>
+              </a:p>
+              <a:p>
+                <a:pPr lvl="2"/>
+                <a:r>
+                  <a:rPr kumimoji="1" lang="en-US" altLang="zh-CN" dirty="0" smtClean="0"/>
+                  <a:t>To </a:t>
+                </a:r>
+                <a:r>
+                  <a:rPr kumimoji="1" lang="en-US" altLang="zh-CN" dirty="0"/>
+                  <a:t>get its history, preceding </a:t>
+                </a:r>
+                <a:r>
+                  <a:rPr kumimoji="1" lang="en-US" altLang="zh-CN" i="1" dirty="0" smtClean="0"/>
+                  <a:t>K</a:t>
+                </a:r>
+                <a:r>
+                  <a:rPr kumimoji="1" lang="en-US" altLang="zh-CN" dirty="0" smtClean="0"/>
+                  <a:t> </a:t>
+                </a:r>
+                <a:r>
+                  <a:rPr kumimoji="1" lang="en-US" altLang="zh-CN" dirty="0"/>
+                  <a:t>utterances </a:t>
+                </a:r>
+                <a:r>
+                  <a:rPr kumimoji="1" lang="en-US" altLang="zh-CN" dirty="0" smtClean="0"/>
+                  <a:t>of each </a:t>
+                </a:r>
+                <a:r>
+                  <a:rPr kumimoji="1" lang="en-US" altLang="zh-CN" dirty="0"/>
+                  <a:t>person are separately collected as </a:t>
+                </a:r>
+                <a14:m>
+                  <m:oMath xmlns:m="http://schemas.openxmlformats.org/officeDocument/2006/math">
+                    <m:r>
+                      <a:rPr kumimoji="1" lang="en-US" altLang="zh-CN" i="1" dirty="0" smtClean="0">
+                        <a:latin typeface="Cambria Math" charset="0"/>
+                      </a:rPr>
+                      <m:t>h𝑖𝑠</m:t>
+                    </m:r>
+                    <m:sSub>
+                      <m:sSubPr>
+                        <m:ctrlPr>
+                          <a:rPr kumimoji="1" lang="en-US" altLang="zh-CN" b="0" i="1" dirty="0" smtClean="0">
+                            <a:latin typeface="Cambria Math" charset="0"/>
+                          </a:rPr>
+                        </m:ctrlPr>
+                      </m:sSubPr>
+                      <m:e>
+                        <m:r>
+                          <a:rPr kumimoji="1" lang="en-US" altLang="zh-CN" i="1" dirty="0" smtClean="0">
+                            <a:latin typeface="Cambria Math" charset="0"/>
+                          </a:rPr>
+                          <m:t>𝑡</m:t>
+                        </m:r>
+                      </m:e>
+                      <m:sub>
+                        <m:r>
+                          <a:rPr kumimoji="1" lang="en-US" altLang="zh-CN" i="1" dirty="0" smtClean="0">
+                            <a:latin typeface="Cambria Math" charset="0"/>
+                          </a:rPr>
+                          <m:t>𝑎</m:t>
+                        </m:r>
+                      </m:sub>
+                    </m:sSub>
+                    <m:r>
+                      <a:rPr kumimoji="1" lang="en-US" altLang="zh-CN" i="1" dirty="0">
+                        <a:latin typeface="Cambria Math" charset="0"/>
+                      </a:rPr>
+                      <m:t> </m:t>
+                    </m:r>
+                  </m:oMath>
+                </a14:m>
+                <a:r>
+                  <a:rPr kumimoji="1" lang="en-US" altLang="zh-CN" dirty="0" smtClean="0"/>
+                  <a:t>and </a:t>
+                </a:r>
+                <a14:m>
+                  <m:oMath xmlns:m="http://schemas.openxmlformats.org/officeDocument/2006/math">
+                    <m:r>
+                      <a:rPr kumimoji="1" lang="en-US" altLang="zh-CN" i="1" dirty="0" smtClean="0">
+                        <a:latin typeface="Cambria Math" charset="0"/>
+                      </a:rPr>
+                      <m:t>h𝑖𝑠</m:t>
+                    </m:r>
+                    <m:sSub>
+                      <m:sSubPr>
+                        <m:ctrlPr>
+                          <a:rPr kumimoji="1" lang="en-US" altLang="zh-CN" b="0" i="1" dirty="0" smtClean="0">
+                            <a:latin typeface="Cambria Math" charset="0"/>
+                          </a:rPr>
+                        </m:ctrlPr>
+                      </m:sSubPr>
+                      <m:e>
+                        <m:r>
+                          <a:rPr kumimoji="1" lang="en-US" altLang="zh-CN" i="1" dirty="0" smtClean="0">
+                            <a:latin typeface="Cambria Math" charset="0"/>
+                          </a:rPr>
+                          <m:t>𝑡</m:t>
+                        </m:r>
+                      </m:e>
+                      <m:sub>
+                        <m:r>
+                          <a:rPr kumimoji="1" lang="en-US" altLang="zh-CN" i="1" dirty="0" smtClean="0">
+                            <a:latin typeface="Cambria Math" charset="0"/>
+                          </a:rPr>
+                          <m:t>𝑏</m:t>
+                        </m:r>
+                      </m:sub>
+                    </m:sSub>
+                  </m:oMath>
+                </a14:m>
+                <a:r>
+                  <a:rPr kumimoji="1" lang="en-US" altLang="zh-CN" dirty="0" smtClean="0"/>
+                  <a:t>.</a:t>
+                </a:r>
+              </a:p>
+              <a:p>
+                <a:pPr lvl="2"/>
+                <a:r>
+                  <a:rPr kumimoji="1" lang="en-US" altLang="zh-CN" dirty="0" smtClean="0"/>
+                  <a:t>Here</a:t>
+                </a:r>
+                <a:r>
+                  <a:rPr kumimoji="1" lang="en-US" altLang="zh-CN" dirty="0"/>
+                  <a:t>, </a:t>
+                </a:r>
+                <a:r>
+                  <a:rPr kumimoji="1" lang="en-US" altLang="zh-CN" i="1" dirty="0"/>
+                  <a:t>K</a:t>
+                </a:r>
+                <a:r>
+                  <a:rPr kumimoji="1" lang="en-US" altLang="zh-CN" dirty="0"/>
+                  <a:t> serves as the length of the </a:t>
+                </a:r>
+                <a:r>
+                  <a:rPr kumimoji="1" lang="en-US" altLang="zh-CN" dirty="0" smtClean="0"/>
+                  <a:t>context </a:t>
+                </a:r>
+                <a:r>
+                  <a:rPr lang="en-US" altLang="zh-CN" dirty="0"/>
+                  <a:t>window for history of </a:t>
+                </a:r>
+                <a14:m>
+                  <m:oMath xmlns:m="http://schemas.openxmlformats.org/officeDocument/2006/math">
+                    <m:sSub>
+                      <m:sSubPr>
+                        <m:ctrlPr>
+                          <a:rPr lang="en-US" altLang="zh-CN" i="1">
+                            <a:latin typeface="Cambria Math" charset="0"/>
+                          </a:rPr>
+                        </m:ctrlPr>
+                      </m:sSubPr>
+                      <m:e>
+                        <m:r>
+                          <a:rPr lang="en-US" altLang="zh-CN" i="1">
+                            <a:latin typeface="Cambria Math" charset="0"/>
+                          </a:rPr>
+                          <m:t>𝑢</m:t>
+                        </m:r>
+                      </m:e>
+                      <m:sub>
+                        <m:r>
+                          <a:rPr lang="en-US" altLang="zh-CN" i="1">
+                            <a:latin typeface="Cambria Math" charset="0"/>
+                          </a:rPr>
+                          <m:t>𝑖</m:t>
+                        </m:r>
+                      </m:sub>
+                    </m:sSub>
+                  </m:oMath>
+                </a14:m>
+                <a:r>
+                  <a:rPr lang="en-US" altLang="zh-CN" dirty="0"/>
+                  <a:t>. </a:t>
+                </a:r>
+              </a:p>
+              <a:p>
+                <a:pPr lvl="3"/>
+                <a14:m>
+                  <m:oMath xmlns:m="http://schemas.openxmlformats.org/officeDocument/2006/math">
+                    <m:r>
+                      <a:rPr lang="pl-PL" altLang="zh-CN" i="1" dirty="0" smtClean="0">
+                        <a:latin typeface="Cambria Math" charset="0"/>
+                      </a:rPr>
+                      <m:t>h𝑖𝑠</m:t>
+                    </m:r>
+                    <m:sSub>
+                      <m:sSubPr>
+                        <m:ctrlPr>
+                          <a:rPr lang="en-US" altLang="zh-CN" b="0" i="1" dirty="0" smtClean="0">
+                            <a:latin typeface="Cambria Math" charset="0"/>
+                          </a:rPr>
+                        </m:ctrlPr>
+                      </m:sSubPr>
+                      <m:e>
+                        <m:r>
+                          <a:rPr lang="pl-PL" altLang="zh-CN" i="1" dirty="0" smtClean="0">
+                            <a:latin typeface="Cambria Math" charset="0"/>
+                          </a:rPr>
+                          <m:t>𝑡</m:t>
+                        </m:r>
+                      </m:e>
+                      <m:sub>
+                        <m:r>
+                          <a:rPr lang="en-US" altLang="zh-CN" i="1">
+                            <a:latin typeface="Cambria Math" charset="0"/>
+                            <a:ea typeface="Cambria Math" charset="0"/>
+                            <a:cs typeface="Cambria Math" charset="0"/>
+                          </a:rPr>
+                          <m:t>𝜆</m:t>
+                        </m:r>
+                      </m:sub>
+                    </m:sSub>
+                    <m:r>
+                      <a:rPr lang="pl-PL" altLang="zh-CN" i="1" dirty="0">
+                        <a:latin typeface="Cambria Math" charset="0"/>
+                      </a:rPr>
+                      <m:t>= </m:t>
+                    </m:r>
+                    <m:d>
+                      <m:dPr>
+                        <m:begChr m:val="{"/>
+                        <m:endChr m:val="|"/>
+                        <m:ctrlPr>
+                          <a:rPr lang="pl-PL" altLang="zh-CN" b="0" i="1" dirty="0">
+                            <a:latin typeface="Cambria Math" charset="0"/>
+                          </a:rPr>
+                        </m:ctrlPr>
+                      </m:dPr>
+                      <m:e>
+                        <m:sSub>
+                          <m:sSubPr>
+                            <m:ctrlPr>
+                              <a:rPr lang="en-US" altLang="zh-CN" b="0" i="1" dirty="0" smtClean="0">
+                                <a:latin typeface="Cambria Math" charset="0"/>
+                              </a:rPr>
+                            </m:ctrlPr>
+                          </m:sSubPr>
+                          <m:e>
+                            <m:r>
+                              <a:rPr lang="en-US" altLang="zh-CN" b="0" i="1" dirty="0" smtClean="0">
+                                <a:latin typeface="Cambria Math" charset="0"/>
+                              </a:rPr>
+                              <m:t>𝑢</m:t>
+                            </m:r>
+                          </m:e>
+                          <m:sub>
+                            <m:r>
+                              <a:rPr lang="en-US" altLang="zh-CN" b="0" i="1" dirty="0" smtClean="0">
+                                <a:latin typeface="Cambria Math" charset="0"/>
+                              </a:rPr>
+                              <m:t>𝑗</m:t>
+                            </m:r>
+                          </m:sub>
+                        </m:sSub>
+                      </m:e>
+                    </m:d>
+                    <m:sSub>
+                      <m:sSubPr>
+                        <m:ctrlPr>
+                          <a:rPr lang="en-US" altLang="zh-CN" b="0" i="1" dirty="0" smtClean="0">
+                            <a:latin typeface="Cambria Math" charset="0"/>
+                          </a:rPr>
+                        </m:ctrlPr>
+                      </m:sSubPr>
+                      <m:e>
+                        <m:r>
+                          <a:rPr lang="en-US" altLang="zh-CN" b="0" i="1" dirty="0" smtClean="0">
+                            <a:latin typeface="Cambria Math" charset="0"/>
+                          </a:rPr>
+                          <m:t>𝑢</m:t>
+                        </m:r>
+                      </m:e>
+                      <m:sub>
+                        <m:r>
+                          <a:rPr lang="en-US" altLang="zh-CN" b="0" i="1" dirty="0" smtClean="0">
+                            <a:latin typeface="Cambria Math" charset="0"/>
+                          </a:rPr>
+                          <m:t>𝑗</m:t>
+                        </m:r>
+                      </m:sub>
+                    </m:sSub>
+                    <m:r>
+                      <a:rPr lang="en-US" altLang="zh-CN" i="1" dirty="0" smtClean="0">
+                        <a:latin typeface="Cambria Math" charset="0"/>
+                        <a:ea typeface="Cambria Math" charset="0"/>
+                        <a:cs typeface="Cambria Math" charset="0"/>
+                      </a:rPr>
+                      <m:t>∈</m:t>
+                    </m:r>
+                    <m:sSub>
+                      <m:sSubPr>
+                        <m:ctrlPr>
+                          <a:rPr lang="en-US" altLang="zh-CN" b="0" i="1" dirty="0" smtClean="0">
+                            <a:latin typeface="Cambria Math" charset="0"/>
+                          </a:rPr>
+                        </m:ctrlPr>
+                      </m:sSubPr>
+                      <m:e>
+                        <m:r>
+                          <a:rPr lang="pl-PL" altLang="zh-CN" i="1" dirty="0">
+                            <a:latin typeface="Cambria Math" charset="0"/>
+                          </a:rPr>
+                          <m:t>𝑈</m:t>
+                        </m:r>
+                      </m:e>
+                      <m:sub>
+                        <m:r>
+                          <a:rPr lang="en-US" altLang="zh-CN" i="1">
+                            <a:latin typeface="Cambria Math" charset="0"/>
+                            <a:ea typeface="Cambria Math" charset="0"/>
+                            <a:cs typeface="Cambria Math" charset="0"/>
+                          </a:rPr>
+                          <m:t>𝜆</m:t>
+                        </m:r>
+                      </m:sub>
+                    </m:sSub>
+                    <m:r>
+                      <a:rPr lang="pl-PL" altLang="zh-CN" i="1" dirty="0">
+                        <a:latin typeface="Cambria Math" charset="0"/>
+                      </a:rPr>
+                      <m:t>, </m:t>
+                    </m:r>
+                    <m:r>
+                      <a:rPr lang="en-US" altLang="zh-CN" b="0" i="1" dirty="0" smtClean="0">
+                        <a:latin typeface="Cambria Math" charset="0"/>
+                      </a:rPr>
+                      <m:t>𝑗</m:t>
+                    </m:r>
+                    <m:r>
+                      <a:rPr lang="en-US" altLang="zh-CN" b="0" i="1" dirty="0" smtClean="0">
+                        <a:latin typeface="Cambria Math" charset="0"/>
+                      </a:rPr>
+                      <m:t>&lt;</m:t>
+                    </m:r>
+                    <m:r>
+                      <a:rPr lang="pl-PL" altLang="zh-CN" i="1" dirty="0">
+                        <a:latin typeface="Cambria Math" charset="0"/>
+                      </a:rPr>
+                      <m:t>𝑖</m:t>
+                    </m:r>
+                    <m:r>
+                      <a:rPr lang="pl-PL" altLang="zh-CN" i="1" dirty="0">
+                        <a:latin typeface="Cambria Math" charset="0"/>
+                      </a:rPr>
+                      <m:t>} ,  |</m:t>
+                    </m:r>
+                    <m:sSub>
+                      <m:sSubPr>
+                        <m:ctrlPr>
+                          <a:rPr lang="en-US" altLang="zh-CN" i="1" dirty="0">
+                            <a:latin typeface="Cambria Math" charset="0"/>
+                          </a:rPr>
+                        </m:ctrlPr>
+                      </m:sSubPr>
+                      <m:e>
+                        <m:r>
+                          <a:rPr lang="en-US" altLang="zh-CN" i="1" dirty="0">
+                            <a:latin typeface="Cambria Math" charset="0"/>
+                          </a:rPr>
+                          <m:t>h𝑖𝑠𝑡</m:t>
+                        </m:r>
+                      </m:e>
+                      <m:sub>
+                        <m:r>
+                          <a:rPr lang="en-US" altLang="zh-CN" i="1">
+                            <a:latin typeface="Cambria Math" charset="0"/>
+                            <a:ea typeface="Cambria Math" charset="0"/>
+                            <a:cs typeface="Cambria Math" charset="0"/>
+                          </a:rPr>
+                          <m:t>𝜆</m:t>
+                        </m:r>
+                      </m:sub>
+                    </m:sSub>
+                    <m:r>
+                      <a:rPr lang="en-US" altLang="zh-CN" b="0" i="1" dirty="0" smtClean="0">
+                        <a:latin typeface="Cambria Math" charset="0"/>
+                      </a:rPr>
+                      <m:t>|</m:t>
+                    </m:r>
+                    <m:r>
+                      <a:rPr lang="en-US" altLang="zh-CN" b="0" i="1" dirty="0" smtClean="0">
+                        <a:latin typeface="Cambria Math" charset="0"/>
+                        <a:ea typeface="Cambria Math" charset="0"/>
+                        <a:cs typeface="Cambria Math" charset="0"/>
+                      </a:rPr>
+                      <m:t>≤</m:t>
+                    </m:r>
+                    <m:r>
+                      <a:rPr lang="pl-PL" altLang="zh-CN" i="1" dirty="0">
+                        <a:latin typeface="Cambria Math" charset="0"/>
+                      </a:rPr>
+                      <m:t>𝐾</m:t>
+                    </m:r>
+                  </m:oMath>
+                </a14:m>
+                <a:endParaRPr lang="pl-PL" altLang="zh-CN" dirty="0" smtClean="0"/>
+              </a:p>
+            </p:txBody>
+          </p:sp>
+        </mc:Choice>
+        <mc:Fallback xmlns="">
+          <p:sp>
+            <p:nvSpPr>
+              <p:cNvPr id="3" name="内容占位符 2"/>
+              <p:cNvSpPr>
+                <a:spLocks noGrp="1" noRot="1" noChangeAspect="1" noMove="1" noResize="1" noEditPoints="1" noAdjustHandles="1" noChangeArrowheads="1" noChangeShapeType="1" noTextEdit="1"/>
+              </p:cNvSpPr>
+              <p:nvPr>
+                <p:ph idx="1"/>
+              </p:nvPr>
+            </p:nvSpPr>
+            <p:spPr>
+              <a:blipFill rotWithShape="0">
+                <a:blip r:embed="rId3"/>
+                <a:stretch>
+                  <a:fillRect l="-606" t="-1667" b="-1667"/>
+                </a:stretch>
+              </a:blipFill>
+            </p:spPr>
+            <p:txBody>
+              <a:bodyPr/>
+              <a:lstStyle/>
+              <a:p>
+                <a:r>
+                  <a:rPr lang="zh-CN" altLang="en-US">
+                    <a:noFill/>
+                  </a:rPr>
+                  <a:t> </a:t>
+                </a:r>
+              </a:p>
+            </p:txBody>
+          </p:sp>
+        </mc:Fallback>
+      </mc:AlternateContent>
     </p:spTree>
     <p:extLst>
       <p:ext uri="{BB962C8B-B14F-4D97-AF65-F5344CB8AC3E}">
-        <p14:creationId xmlns:p14="http://schemas.microsoft.com/office/powerpoint/2010/main" val="1269598243"/>
+        <p14:creationId xmlns:p14="http://schemas.microsoft.com/office/powerpoint/2010/main" val="970526173"/>
       </p:ext>
     </p:extLst>
   </p:cSld>
   <p:clrMapOvr>
     <a:masterClrMapping/>
   </p:clrMapOvr>
-  <p:timing>
-    <p:tnLst>
-      <p:par>
-        <p:cTn id="1" dur="indefinite" restart="never" nodeType="tmRoot"/>
-      </p:par>
-    </p:tnLst>
-  </p:timing>
 </p:sld>
 </file>
 

--- a/[报告] Text Emotion Detection.pptx
+++ b/[报告] Text Emotion Detection.pptx
@@ -5,7 +5,7 @@
     <p:sldMasterId id="2147483660" r:id="rId1"/>
   </p:sldMasterIdLst>
   <p:notesMasterIdLst>
-    <p:notesMasterId r:id="rId18"/>
+    <p:notesMasterId r:id="rId20"/>
   </p:notesMasterIdLst>
   <p:sldIdLst>
     <p:sldId id="256" r:id="rId2"/>
@@ -15,15 +15,17 @@
     <p:sldId id="260" r:id="rId6"/>
     <p:sldId id="261" r:id="rId7"/>
     <p:sldId id="262" r:id="rId8"/>
-    <p:sldId id="263" r:id="rId9"/>
-    <p:sldId id="271" r:id="rId10"/>
-    <p:sldId id="264" r:id="rId11"/>
-    <p:sldId id="265" r:id="rId12"/>
-    <p:sldId id="266" r:id="rId13"/>
-    <p:sldId id="267" r:id="rId14"/>
-    <p:sldId id="268" r:id="rId15"/>
-    <p:sldId id="269" r:id="rId16"/>
+    <p:sldId id="264" r:id="rId9"/>
+    <p:sldId id="265" r:id="rId10"/>
+    <p:sldId id="266" r:id="rId11"/>
+    <p:sldId id="267" r:id="rId12"/>
+    <p:sldId id="268" r:id="rId13"/>
+    <p:sldId id="269" r:id="rId14"/>
+    <p:sldId id="271" r:id="rId15"/>
+    <p:sldId id="272" r:id="rId16"/>
     <p:sldId id="270" r:id="rId17"/>
+    <p:sldId id="273" r:id="rId18"/>
+    <p:sldId id="274" r:id="rId19"/>
   </p:sldIdLst>
   <p:sldSz cx="12192000" cy="6858000"/>
   <p:notesSz cx="6858000" cy="9144000"/>
@@ -797,7 +799,7 @@
           <a:p>
             <a:fld id="{CF7B931C-FECA-CD4F-B96B-EBB6545EB884}" type="slidenum">
               <a:rPr kumimoji="1" lang="zh-CN" altLang="en-US" smtClean="0"/>
-              <a:t>9</a:t>
+              <a:t>10</a:t>
             </a:fld>
             <a:endParaRPr kumimoji="1" lang="zh-CN" altLang="en-US"/>
           </a:p>
@@ -806,7 +808,7 @@
     </p:spTree>
     <p:extLst>
       <p:ext uri="{BB962C8B-B14F-4D97-AF65-F5344CB8AC3E}">
-        <p14:creationId xmlns:p14="http://schemas.microsoft.com/office/powerpoint/2010/main" val="1505337187"/>
+        <p14:creationId xmlns:p14="http://schemas.microsoft.com/office/powerpoint/2010/main" val="1887217652"/>
       </p:ext>
     </p:extLst>
   </p:cSld>
@@ -881,7 +883,7 @@
           <a:p>
             <a:fld id="{CF7B931C-FECA-CD4F-B96B-EBB6545EB884}" type="slidenum">
               <a:rPr kumimoji="1" lang="zh-CN" altLang="en-US" smtClean="0"/>
-              <a:t>12</a:t>
+              <a:t>15</a:t>
             </a:fld>
             <a:endParaRPr kumimoji="1" lang="zh-CN" altLang="en-US"/>
           </a:p>
@@ -890,7 +892,7 @@
     </p:spTree>
     <p:extLst>
       <p:ext uri="{BB962C8B-B14F-4D97-AF65-F5344CB8AC3E}">
-        <p14:creationId xmlns:p14="http://schemas.microsoft.com/office/powerpoint/2010/main" val="1887217652"/>
+        <p14:creationId xmlns:p14="http://schemas.microsoft.com/office/powerpoint/2010/main" val="920778850"/>
       </p:ext>
     </p:extLst>
   </p:cSld>
@@ -4701,724 +4703,6 @@
         <p:spPr/>
         <p:txBody>
           <a:bodyPr>
-            <a:noAutofit/>
-          </a:bodyPr>
-          <a:lstStyle/>
-          <a:p>
-            <a:r>
-              <a:rPr kumimoji="1" lang="en-US" altLang="zh-CN" sz="3600" dirty="0"/>
-              <a:t>Emotion Detection on TV Show Transcripts </a:t>
-            </a:r>
-            <a:r>
-              <a:rPr kumimoji="1" lang="en-US" altLang="zh-CN" sz="3600" dirty="0" smtClean="0"/>
-              <a:t>with Sequence-based </a:t>
-            </a:r>
-            <a:r>
-              <a:rPr kumimoji="1" lang="en-US" altLang="zh-CN" sz="3600" dirty="0"/>
-              <a:t>Convolutional Neural </a:t>
-            </a:r>
-            <a:r>
-              <a:rPr kumimoji="1" lang="en-US" altLang="zh-CN" sz="3600" dirty="0" smtClean="0"/>
-              <a:t>Networks (2017)</a:t>
-            </a:r>
-            <a:endParaRPr kumimoji="1" lang="zh-CN" altLang="en-US" sz="3600" dirty="0"/>
-          </a:p>
-        </p:txBody>
-      </p:sp>
-      <p:sp>
-        <p:nvSpPr>
-          <p:cNvPr id="3" name="内容占位符 2"/>
-          <p:cNvSpPr>
-            <a:spLocks noGrp="1"/>
-          </p:cNvSpPr>
-          <p:nvPr>
-            <p:ph idx="1"/>
-          </p:nvPr>
-        </p:nvSpPr>
-        <p:spPr>
-          <a:xfrm>
-            <a:off x="1097280" y="1845734"/>
-            <a:ext cx="5431536" cy="4023360"/>
-          </a:xfrm>
-        </p:spPr>
-        <p:txBody>
-          <a:bodyPr>
-            <a:normAutofit/>
-          </a:bodyPr>
-          <a:lstStyle/>
-          <a:p>
-            <a:r>
-              <a:rPr kumimoji="1" lang="en-US" altLang="zh-CN" sz="1800" dirty="0" smtClean="0"/>
-              <a:t>Abstract</a:t>
-            </a:r>
-          </a:p>
-          <a:p>
-            <a:pPr lvl="1"/>
-            <a:r>
-              <a:rPr kumimoji="1" lang="en-US" altLang="zh-CN" sz="1600" dirty="0" smtClean="0"/>
-              <a:t>This </a:t>
-            </a:r>
-            <a:r>
-              <a:rPr kumimoji="1" lang="en-US" altLang="zh-CN" sz="1600" dirty="0"/>
-              <a:t>paper introduces a corpus for </a:t>
-            </a:r>
-            <a:r>
-              <a:rPr kumimoji="1" lang="en-US" altLang="zh-CN" sz="1600" b="1" dirty="0">
-                <a:solidFill>
-                  <a:srgbClr val="FF0000"/>
-                </a:solidFill>
-              </a:rPr>
-              <a:t>text-based</a:t>
-            </a:r>
-            <a:r>
-              <a:rPr kumimoji="1" lang="en-US" altLang="zh-CN" sz="1600" dirty="0"/>
-              <a:t> </a:t>
-            </a:r>
-            <a:r>
-              <a:rPr kumimoji="1" lang="en-US" altLang="zh-CN" sz="1600" b="1" dirty="0">
-                <a:solidFill>
-                  <a:srgbClr val="FF0000"/>
-                </a:solidFill>
-              </a:rPr>
-              <a:t>emotion detection </a:t>
-            </a:r>
-            <a:r>
-              <a:rPr kumimoji="1" lang="en-US" altLang="zh-CN" sz="1600" dirty="0"/>
-              <a:t>on </a:t>
-            </a:r>
-            <a:r>
-              <a:rPr kumimoji="1" lang="en-US" altLang="zh-CN" sz="1600" b="1" dirty="0">
-                <a:solidFill>
-                  <a:srgbClr val="FF0000"/>
-                </a:solidFill>
-              </a:rPr>
-              <a:t>multiparty dialogue </a:t>
-            </a:r>
-            <a:r>
-              <a:rPr kumimoji="1" lang="en-US" altLang="zh-CN" sz="1600" dirty="0"/>
-              <a:t>as well as deep neural models that outperform the existing approaches for document classification</a:t>
-            </a:r>
-            <a:r>
-              <a:rPr kumimoji="1" lang="en-US" altLang="zh-CN" sz="1600" dirty="0" smtClean="0"/>
-              <a:t>.</a:t>
-            </a:r>
-          </a:p>
-          <a:p>
-            <a:pPr lvl="1"/>
-            <a:r>
-              <a:rPr kumimoji="1" lang="en-US" altLang="zh-CN" sz="1600" dirty="0" smtClean="0"/>
-              <a:t>We </a:t>
-            </a:r>
-            <a:r>
-              <a:rPr kumimoji="1" lang="en-US" altLang="zh-CN" sz="1600" dirty="0"/>
-              <a:t>then suggest four types of </a:t>
-            </a:r>
-            <a:r>
-              <a:rPr kumimoji="1" lang="en-US" altLang="zh-CN" sz="1600" b="1" dirty="0">
-                <a:solidFill>
-                  <a:srgbClr val="FF0000"/>
-                </a:solidFill>
-              </a:rPr>
-              <a:t>sequence-based convolutional neural network </a:t>
-            </a:r>
-            <a:r>
-              <a:rPr kumimoji="1" lang="en-US" altLang="zh-CN" sz="1600" dirty="0"/>
-              <a:t>models with </a:t>
-            </a:r>
-            <a:r>
-              <a:rPr kumimoji="1" lang="en-US" altLang="zh-CN" sz="1600" b="1" dirty="0">
-                <a:solidFill>
-                  <a:srgbClr val="FF0000"/>
-                </a:solidFill>
-              </a:rPr>
-              <a:t>attention</a:t>
-            </a:r>
-            <a:r>
-              <a:rPr kumimoji="1" lang="en-US" altLang="zh-CN" sz="1600" dirty="0"/>
-              <a:t> that leverage the sequence information encapsulated in dialogue</a:t>
-            </a:r>
-            <a:r>
-              <a:rPr kumimoji="1" lang="en-US" altLang="zh-CN" sz="1600" dirty="0" smtClean="0"/>
-              <a:t>.</a:t>
-            </a:r>
-            <a:endParaRPr kumimoji="1" lang="zh-CN" altLang="en-US" sz="1600" dirty="0"/>
-          </a:p>
-        </p:txBody>
-      </p:sp>
-      <p:sp>
-        <p:nvSpPr>
-          <p:cNvPr id="4" name="矩形 3"/>
-          <p:cNvSpPr/>
-          <p:nvPr/>
-        </p:nvSpPr>
-        <p:spPr>
-          <a:xfrm>
-            <a:off x="1097280" y="6425627"/>
-            <a:ext cx="2685800" cy="461665"/>
-          </a:xfrm>
-          <a:prstGeom prst="rect">
-            <a:avLst/>
-          </a:prstGeom>
-        </p:spPr>
-        <p:txBody>
-          <a:bodyPr wrap="none">
-            <a:spAutoFit/>
-          </a:bodyPr>
-          <a:lstStyle/>
-          <a:p>
-            <a:r>
-              <a:rPr lang="zh-CN" altLang="en-US" sz="1200" dirty="0">
-                <a:solidFill>
-                  <a:schemeClr val="bg1"/>
-                </a:solidFill>
-              </a:rPr>
-              <a:t>Sayyed M. Zahiri, Jinho D. </a:t>
-            </a:r>
-            <a:r>
-              <a:rPr lang="zh-CN" altLang="en-US" sz="1200" dirty="0" smtClean="0">
-                <a:solidFill>
-                  <a:schemeClr val="bg1"/>
-                </a:solidFill>
-              </a:rPr>
-              <a:t>Choi</a:t>
-            </a:r>
-            <a:endParaRPr lang="en-US" altLang="zh-CN" sz="1200" dirty="0" smtClean="0">
-              <a:solidFill>
-                <a:schemeClr val="bg1"/>
-              </a:solidFill>
-            </a:endParaRPr>
-          </a:p>
-          <a:p>
-            <a:r>
-              <a:rPr lang="pt-BR" altLang="zh-CN" sz="1200" dirty="0">
-                <a:solidFill>
-                  <a:schemeClr val="bg1"/>
-                </a:solidFill>
-              </a:rPr>
-              <a:t>arXiv:1708.04299v1 [</a:t>
-            </a:r>
-            <a:r>
-              <a:rPr lang="pt-BR" altLang="zh-CN" sz="1200" dirty="0" err="1">
-                <a:solidFill>
-                  <a:schemeClr val="bg1"/>
-                </a:solidFill>
-              </a:rPr>
-              <a:t>cs.CL</a:t>
-            </a:r>
-            <a:r>
-              <a:rPr lang="pt-BR" altLang="zh-CN" sz="1200" dirty="0">
-                <a:solidFill>
-                  <a:schemeClr val="bg1"/>
-                </a:solidFill>
-              </a:rPr>
-              <a:t>] 14 </a:t>
-            </a:r>
-            <a:r>
-              <a:rPr lang="pt-BR" altLang="zh-CN" sz="1200" dirty="0" err="1">
-                <a:solidFill>
-                  <a:schemeClr val="bg1"/>
-                </a:solidFill>
-              </a:rPr>
-              <a:t>Aug</a:t>
-            </a:r>
-            <a:r>
-              <a:rPr lang="pt-BR" altLang="zh-CN" sz="1200" dirty="0">
-                <a:solidFill>
-                  <a:schemeClr val="bg1"/>
-                </a:solidFill>
-              </a:rPr>
-              <a:t> 2017</a:t>
-            </a:r>
-            <a:endParaRPr lang="zh-CN" altLang="en-US" sz="1200" dirty="0">
-              <a:solidFill>
-                <a:schemeClr val="bg1"/>
-              </a:solidFill>
-            </a:endParaRPr>
-          </a:p>
-        </p:txBody>
-      </p:sp>
-      <p:pic>
-        <p:nvPicPr>
-          <p:cNvPr id="5" name="图片 4"/>
-          <p:cNvPicPr>
-            <a:picLocks noChangeAspect="1"/>
-          </p:cNvPicPr>
-          <p:nvPr/>
-        </p:nvPicPr>
-        <p:blipFill>
-          <a:blip r:embed="rId2">
-            <a:extLst>
-              <a:ext uri="{28A0092B-C50C-407E-A947-70E740481C1C}">
-                <a14:useLocalDpi xmlns:a14="http://schemas.microsoft.com/office/drawing/2010/main" val="0"/>
-              </a:ext>
-            </a:extLst>
-          </a:blip>
-          <a:stretch>
-            <a:fillRect/>
-          </a:stretch>
-        </p:blipFill>
-        <p:spPr>
-          <a:xfrm>
-            <a:off x="7199523" y="1950284"/>
-            <a:ext cx="3956157" cy="1836787"/>
-          </a:xfrm>
-          <a:prstGeom prst="rect">
-            <a:avLst/>
-          </a:prstGeom>
-        </p:spPr>
-      </p:pic>
-      <p:pic>
-        <p:nvPicPr>
-          <p:cNvPr id="6" name="图片 5"/>
-          <p:cNvPicPr>
-            <a:picLocks noChangeAspect="1"/>
-          </p:cNvPicPr>
-          <p:nvPr/>
-        </p:nvPicPr>
-        <p:blipFill>
-          <a:blip r:embed="rId3">
-            <a:extLst>
-              <a:ext uri="{28A0092B-C50C-407E-A947-70E740481C1C}">
-                <a14:useLocalDpi xmlns:a14="http://schemas.microsoft.com/office/drawing/2010/main" val="0"/>
-              </a:ext>
-            </a:extLst>
-          </a:blip>
-          <a:stretch>
-            <a:fillRect/>
-          </a:stretch>
-        </p:blipFill>
-        <p:spPr>
-          <a:xfrm>
-            <a:off x="2880106" y="4423491"/>
-            <a:ext cx="5888050" cy="1861073"/>
-          </a:xfrm>
-          <a:prstGeom prst="rect">
-            <a:avLst/>
-          </a:prstGeom>
-        </p:spPr>
-      </p:pic>
-      <p:pic>
-        <p:nvPicPr>
-          <p:cNvPr id="7" name="图片 6"/>
-          <p:cNvPicPr>
-            <a:picLocks noChangeAspect="1"/>
-          </p:cNvPicPr>
-          <p:nvPr/>
-        </p:nvPicPr>
-        <p:blipFill>
-          <a:blip r:embed="rId4">
-            <a:extLst>
-              <a:ext uri="{28A0092B-C50C-407E-A947-70E740481C1C}">
-                <a14:useLocalDpi xmlns:a14="http://schemas.microsoft.com/office/drawing/2010/main" val="0"/>
-              </a:ext>
-            </a:extLst>
-          </a:blip>
-          <a:stretch>
-            <a:fillRect/>
-          </a:stretch>
-        </p:blipFill>
-        <p:spPr>
-          <a:xfrm>
-            <a:off x="8964997" y="3999995"/>
-            <a:ext cx="2190683" cy="2284569"/>
-          </a:xfrm>
-          <a:prstGeom prst="rect">
-            <a:avLst/>
-          </a:prstGeom>
-        </p:spPr>
-      </p:pic>
-    </p:spTree>
-    <p:extLst>
-      <p:ext uri="{BB962C8B-B14F-4D97-AF65-F5344CB8AC3E}">
-        <p14:creationId xmlns:p14="http://schemas.microsoft.com/office/powerpoint/2010/main" val="1269598243"/>
-      </p:ext>
-    </p:extLst>
-  </p:cSld>
-  <p:clrMapOvr>
-    <a:masterClrMapping/>
-  </p:clrMapOvr>
-  <p:timing>
-    <p:tnLst>
-      <p:par>
-        <p:cTn id="1" dur="indefinite" restart="never" nodeType="tmRoot"/>
-      </p:par>
-    </p:tnLst>
-  </p:timing>
-</p:sld>
-</file>
-
-<file path=ppt/slides/slide11.xml><?xml version="1.0" encoding="utf-8"?>
-<p:sld xmlns:a="http://schemas.openxmlformats.org/drawingml/2006/main" xmlns:r="http://schemas.openxmlformats.org/officeDocument/2006/relationships" xmlns:p="http://schemas.openxmlformats.org/presentationml/2006/main">
-  <p:cSld>
-    <p:spTree>
-      <p:nvGrpSpPr>
-        <p:cNvPr id="1" name=""/>
-        <p:cNvGrpSpPr/>
-        <p:nvPr/>
-      </p:nvGrpSpPr>
-      <p:grpSpPr>
-        <a:xfrm>
-          <a:off x="0" y="0"/>
-          <a:ext cx="0" cy="0"/>
-          <a:chOff x="0" y="0"/>
-          <a:chExt cx="0" cy="0"/>
-        </a:xfrm>
-      </p:grpSpPr>
-      <p:sp>
-        <p:nvSpPr>
-          <p:cNvPr id="2" name="标题 1"/>
-          <p:cNvSpPr>
-            <a:spLocks noGrp="1"/>
-          </p:cNvSpPr>
-          <p:nvPr>
-            <p:ph type="title"/>
-          </p:nvPr>
-        </p:nvSpPr>
-        <p:spPr/>
-        <p:txBody>
-          <a:bodyPr>
-            <a:normAutofit/>
-          </a:bodyPr>
-          <a:lstStyle/>
-          <a:p>
-            <a:r>
-              <a:rPr kumimoji="1" lang="en-US" altLang="zh-CN" sz="3600" dirty="0"/>
-              <a:t>Text Sentiment Polarity Classification Method Based on Word Embedding (2018)</a:t>
-            </a:r>
-            <a:endParaRPr kumimoji="1" lang="zh-CN" altLang="en-US" sz="3600" dirty="0"/>
-          </a:p>
-        </p:txBody>
-      </p:sp>
-      <p:sp>
-        <p:nvSpPr>
-          <p:cNvPr id="3" name="内容占位符 2"/>
-          <p:cNvSpPr>
-            <a:spLocks noGrp="1"/>
-          </p:cNvSpPr>
-          <p:nvPr>
-            <p:ph idx="1"/>
-          </p:nvPr>
-        </p:nvSpPr>
-        <p:spPr>
-          <a:xfrm>
-            <a:off x="1097280" y="1845734"/>
-            <a:ext cx="3346704" cy="4023360"/>
-          </a:xfrm>
-        </p:spPr>
-        <p:txBody>
-          <a:bodyPr>
-            <a:normAutofit fontScale="70000" lnSpcReduction="20000"/>
-          </a:bodyPr>
-          <a:lstStyle/>
-          <a:p>
-            <a:r>
-              <a:rPr kumimoji="1" lang="en-US" altLang="zh-CN" dirty="0" smtClean="0"/>
-              <a:t>Abstract</a:t>
-            </a:r>
-          </a:p>
-          <a:p>
-            <a:pPr lvl="1"/>
-            <a:r>
-              <a:rPr kumimoji="1" lang="en-US" altLang="zh-CN" dirty="0" smtClean="0"/>
-              <a:t>Word </a:t>
-            </a:r>
-            <a:r>
-              <a:rPr kumimoji="1" lang="en-US" altLang="zh-CN" dirty="0"/>
-              <a:t>embedding of </a:t>
-            </a:r>
-            <a:r>
-              <a:rPr kumimoji="1" lang="en-US" altLang="zh-CN" b="1" dirty="0">
-                <a:solidFill>
-                  <a:srgbClr val="FF0000"/>
-                </a:solidFill>
-              </a:rPr>
-              <a:t>word2vec</a:t>
-            </a:r>
-            <a:r>
-              <a:rPr kumimoji="1" lang="en-US" altLang="zh-CN" dirty="0"/>
-              <a:t> training contains </a:t>
-            </a:r>
-            <a:r>
-              <a:rPr kumimoji="1" lang="en-US" altLang="zh-CN" b="1" dirty="0">
-                <a:solidFill>
-                  <a:srgbClr val="FF0000"/>
-                </a:solidFill>
-              </a:rPr>
-              <a:t>only semantic information</a:t>
-            </a:r>
-            <a:r>
-              <a:rPr kumimoji="1" lang="en-US" altLang="zh-CN" dirty="0" smtClean="0"/>
-              <a:t>.</a:t>
-            </a:r>
-          </a:p>
-          <a:p>
-            <a:pPr lvl="1"/>
-            <a:r>
-              <a:rPr kumimoji="1" lang="en-US" altLang="zh-CN" dirty="0" smtClean="0"/>
-              <a:t>An </a:t>
-            </a:r>
-            <a:r>
-              <a:rPr kumimoji="1" lang="en-US" altLang="zh-CN" dirty="0"/>
-              <a:t>algorithm for text sentiment analysis is proposed solve the problem of text containing </a:t>
-            </a:r>
-            <a:r>
-              <a:rPr kumimoji="1" lang="en-US" altLang="zh-CN" b="1" dirty="0">
-                <a:solidFill>
-                  <a:srgbClr val="FF0000"/>
-                </a:solidFill>
-              </a:rPr>
-              <a:t>semantics</a:t>
-            </a:r>
-            <a:r>
-              <a:rPr kumimoji="1" lang="en-US" altLang="zh-CN" dirty="0"/>
-              <a:t>, </a:t>
-            </a:r>
-            <a:r>
-              <a:rPr kumimoji="1" lang="en-US" altLang="zh-CN" b="1" dirty="0">
-                <a:solidFill>
-                  <a:srgbClr val="FF0000"/>
-                </a:solidFill>
-              </a:rPr>
-              <a:t>syntax, sentiment and other information</a:t>
-            </a:r>
-            <a:r>
-              <a:rPr kumimoji="1" lang="en-US" altLang="zh-CN" dirty="0" smtClean="0"/>
-              <a:t>.</a:t>
-            </a:r>
-          </a:p>
-          <a:p>
-            <a:pPr lvl="1"/>
-            <a:r>
-              <a:rPr kumimoji="1" lang="en-US" altLang="zh-CN" dirty="0" smtClean="0"/>
-              <a:t>It </a:t>
-            </a:r>
-            <a:r>
-              <a:rPr kumimoji="1" lang="en-US" altLang="zh-CN" dirty="0"/>
-              <a:t>begins with the learning of </a:t>
-            </a:r>
-            <a:r>
-              <a:rPr kumimoji="1" lang="en-US" altLang="zh-CN" dirty="0" smtClean="0"/>
-              <a:t>original text-multi word embedding in the semantic, syntactic, and sentiment </a:t>
-            </a:r>
-            <a:r>
-              <a:rPr kumimoji="1" lang="en-US" altLang="zh-CN" dirty="0"/>
-              <a:t>information, followed by </a:t>
-            </a:r>
-            <a:r>
-              <a:rPr kumimoji="1" lang="en-US" altLang="zh-CN" dirty="0" smtClean="0"/>
-              <a:t>proceeding </a:t>
-            </a:r>
-            <a:r>
-              <a:rPr kumimoji="1" lang="en-US" altLang="zh-CN" dirty="0"/>
-              <a:t>the word embedding fusion</a:t>
-            </a:r>
-            <a:r>
-              <a:rPr kumimoji="1" lang="en-US" altLang="zh-CN" dirty="0" smtClean="0"/>
-              <a:t>.</a:t>
-            </a:r>
-          </a:p>
-          <a:p>
-            <a:pPr lvl="1"/>
-            <a:r>
-              <a:rPr kumimoji="1" lang="en-US" altLang="zh-CN" dirty="0" smtClean="0"/>
-              <a:t>The </a:t>
-            </a:r>
-            <a:r>
-              <a:rPr kumimoji="1" lang="en-US" altLang="zh-CN" dirty="0"/>
-              <a:t>improved convolution neural network is applied for sentiment analysis</a:t>
-            </a:r>
-            <a:r>
-              <a:rPr kumimoji="1" lang="en-US" altLang="zh-CN" dirty="0" smtClean="0"/>
-              <a:t>.</a:t>
-            </a:r>
-          </a:p>
-          <a:p>
-            <a:pPr lvl="1"/>
-            <a:r>
-              <a:rPr kumimoji="1" lang="en-US" altLang="zh-CN" dirty="0" smtClean="0"/>
-              <a:t>K-means text clustering is applied by dividing similar text into the same cluster, thus improving the classification accuracy.</a:t>
-            </a:r>
-          </a:p>
-          <a:p>
-            <a:pPr lvl="1"/>
-            <a:r>
-              <a:rPr kumimoji="1" lang="en-US" altLang="zh-CN" dirty="0" smtClean="0"/>
-              <a:t>The application of the Principal Component Analysis (PCA) dimensionality not only extracts the principal component information, but also solves the problem of redundancy embedding and improves the computational performance of classification model.</a:t>
-            </a:r>
-            <a:endParaRPr kumimoji="1" lang="zh-CN" altLang="en-US" dirty="0"/>
-          </a:p>
-        </p:txBody>
-      </p:sp>
-      <p:sp>
-        <p:nvSpPr>
-          <p:cNvPr id="4" name="矩形 3"/>
-          <p:cNvSpPr/>
-          <p:nvPr/>
-        </p:nvSpPr>
-        <p:spPr>
-          <a:xfrm>
-            <a:off x="1097280" y="6417302"/>
-            <a:ext cx="3405997" cy="461665"/>
-          </a:xfrm>
-          <a:prstGeom prst="rect">
-            <a:avLst/>
-          </a:prstGeom>
-        </p:spPr>
-        <p:txBody>
-          <a:bodyPr wrap="none">
-            <a:spAutoFit/>
-          </a:bodyPr>
-          <a:lstStyle/>
-          <a:p>
-            <a:r>
-              <a:rPr lang="zh-CN" altLang="en-US" sz="1200" dirty="0">
-                <a:solidFill>
-                  <a:schemeClr val="bg1"/>
-                </a:solidFill>
-              </a:rPr>
-              <a:t>Xiaojie Sun, Menghao Du, Hua Shi, Wenming </a:t>
-            </a:r>
-            <a:r>
-              <a:rPr lang="zh-CN" altLang="en-US" sz="1200" dirty="0" smtClean="0">
-                <a:solidFill>
-                  <a:schemeClr val="bg1"/>
-                </a:solidFill>
-              </a:rPr>
-              <a:t>Huang</a:t>
-            </a:r>
-            <a:endParaRPr lang="en-US" altLang="zh-CN" sz="1200" dirty="0" smtClean="0">
-              <a:solidFill>
-                <a:schemeClr val="bg1"/>
-              </a:solidFill>
-            </a:endParaRPr>
-          </a:p>
-          <a:p>
-            <a:r>
-              <a:rPr lang="en-US" altLang="zh-CN" sz="1200" dirty="0">
-                <a:solidFill>
-                  <a:schemeClr val="bg1"/>
-                </a:solidFill>
-              </a:rPr>
-              <a:t>ICACS '18, July 27–29, 2018, Beijing, China</a:t>
-            </a:r>
-            <a:endParaRPr lang="zh-CN" altLang="en-US" sz="1200" dirty="0">
-              <a:solidFill>
-                <a:schemeClr val="bg1"/>
-              </a:solidFill>
-            </a:endParaRPr>
-          </a:p>
-        </p:txBody>
-      </p:sp>
-      <p:pic>
-        <p:nvPicPr>
-          <p:cNvPr id="6" name="图片 5"/>
-          <p:cNvPicPr>
-            <a:picLocks noChangeAspect="1"/>
-          </p:cNvPicPr>
-          <p:nvPr/>
-        </p:nvPicPr>
-        <p:blipFill>
-          <a:blip r:embed="rId2">
-            <a:extLst>
-              <a:ext uri="{28A0092B-C50C-407E-A947-70E740481C1C}">
-                <a14:useLocalDpi xmlns:a14="http://schemas.microsoft.com/office/drawing/2010/main" val="0"/>
-              </a:ext>
-            </a:extLst>
-          </a:blip>
-          <a:stretch>
-            <a:fillRect/>
-          </a:stretch>
-        </p:blipFill>
-        <p:spPr>
-          <a:xfrm>
-            <a:off x="8059610" y="2834746"/>
-            <a:ext cx="3540140" cy="2728673"/>
-          </a:xfrm>
-          <a:prstGeom prst="rect">
-            <a:avLst/>
-          </a:prstGeom>
-        </p:spPr>
-      </p:pic>
-      <p:pic>
-        <p:nvPicPr>
-          <p:cNvPr id="7" name="图片 6"/>
-          <p:cNvPicPr>
-            <a:picLocks noChangeAspect="1"/>
-          </p:cNvPicPr>
-          <p:nvPr/>
-        </p:nvPicPr>
-        <p:blipFill>
-          <a:blip r:embed="rId3">
-            <a:extLst>
-              <a:ext uri="{28A0092B-C50C-407E-A947-70E740481C1C}">
-                <a14:useLocalDpi xmlns:a14="http://schemas.microsoft.com/office/drawing/2010/main" val="0"/>
-              </a:ext>
-            </a:extLst>
-          </a:blip>
-          <a:stretch>
-            <a:fillRect/>
-          </a:stretch>
-        </p:blipFill>
-        <p:spPr>
-          <a:xfrm>
-            <a:off x="4561029" y="2299349"/>
-            <a:ext cx="3604268" cy="3264070"/>
-          </a:xfrm>
-          <a:prstGeom prst="rect">
-            <a:avLst/>
-          </a:prstGeom>
-        </p:spPr>
-      </p:pic>
-    </p:spTree>
-    <p:extLst>
-      <p:ext uri="{BB962C8B-B14F-4D97-AF65-F5344CB8AC3E}">
-        <p14:creationId xmlns:p14="http://schemas.microsoft.com/office/powerpoint/2010/main" val="1516367863"/>
-      </p:ext>
-    </p:extLst>
-  </p:cSld>
-  <p:clrMapOvr>
-    <a:masterClrMapping/>
-  </p:clrMapOvr>
-  <p:timing>
-    <p:tnLst>
-      <p:par>
-        <p:cTn id="1" dur="indefinite" restart="never" nodeType="tmRoot"/>
-      </p:par>
-    </p:tnLst>
-  </p:timing>
-</p:sld>
-</file>
-
-<file path=ppt/slides/slide12.xml><?xml version="1.0" encoding="utf-8"?>
-<p:sld xmlns:a="http://schemas.openxmlformats.org/drawingml/2006/main" xmlns:r="http://schemas.openxmlformats.org/officeDocument/2006/relationships" xmlns:p="http://schemas.openxmlformats.org/presentationml/2006/main">
-  <p:cSld>
-    <p:spTree>
-      <p:nvGrpSpPr>
-        <p:cNvPr id="1" name=""/>
-        <p:cNvGrpSpPr/>
-        <p:nvPr/>
-      </p:nvGrpSpPr>
-      <p:grpSpPr>
-        <a:xfrm>
-          <a:off x="0" y="0"/>
-          <a:ext cx="0" cy="0"/>
-          <a:chOff x="0" y="0"/>
-          <a:chExt cx="0" cy="0"/>
-        </a:xfrm>
-      </p:grpSpPr>
-      <p:sp>
-        <p:nvSpPr>
-          <p:cNvPr id="2" name="标题 1"/>
-          <p:cNvSpPr>
-            <a:spLocks noGrp="1"/>
-          </p:cNvSpPr>
-          <p:nvPr>
-            <p:ph type="title"/>
-          </p:nvPr>
-        </p:nvSpPr>
-        <p:spPr/>
-        <p:txBody>
-          <a:bodyPr>
             <a:normAutofit/>
           </a:bodyPr>
           <a:lstStyle/>
@@ -5704,7 +4988,7 @@
 </p:sld>
 </file>
 
-<file path=ppt/slides/slide13.xml><?xml version="1.0" encoding="utf-8"?>
+<file path=ppt/slides/slide11.xml><?xml version="1.0" encoding="utf-8"?>
 <p:sld xmlns:a="http://schemas.openxmlformats.org/drawingml/2006/main" xmlns:r="http://schemas.openxmlformats.org/officeDocument/2006/relationships" xmlns:p="http://schemas.openxmlformats.org/presentationml/2006/main">
   <p:cSld>
     <p:spTree>
@@ -6047,7 +5331,7 @@
 </p:sld>
 </file>
 
-<file path=ppt/slides/slide14.xml><?xml version="1.0" encoding="utf-8"?>
+<file path=ppt/slides/slide12.xml><?xml version="1.0" encoding="utf-8"?>
 <p:sld xmlns:a="http://schemas.openxmlformats.org/drawingml/2006/main" xmlns:r="http://schemas.openxmlformats.org/officeDocument/2006/relationships" xmlns:p="http://schemas.openxmlformats.org/presentationml/2006/main">
   <p:cSld>
     <p:spTree>
@@ -6364,7 +5648,7 @@
 </p:sld>
 </file>
 
-<file path=ppt/slides/slide15.xml><?xml version="1.0" encoding="utf-8"?>
+<file path=ppt/slides/slide13.xml><?xml version="1.0" encoding="utf-8"?>
 <p:sld xmlns:a="http://schemas.openxmlformats.org/drawingml/2006/main" xmlns:r="http://schemas.openxmlformats.org/officeDocument/2006/relationships" xmlns:p="http://schemas.openxmlformats.org/presentationml/2006/main">
   <p:cSld>
     <p:spTree>
@@ -6600,6 +5884,2034 @@
     <p:extLst>
       <p:ext uri="{BB962C8B-B14F-4D97-AF65-F5344CB8AC3E}">
         <p14:creationId xmlns:p14="http://schemas.microsoft.com/office/powerpoint/2010/main" val="1386374316"/>
+      </p:ext>
+    </p:extLst>
+  </p:cSld>
+  <p:clrMapOvr>
+    <a:masterClrMapping/>
+  </p:clrMapOvr>
+</p:sld>
+</file>
+
+<file path=ppt/slides/slide14.xml><?xml version="1.0" encoding="utf-8"?>
+<p:sld xmlns:a="http://schemas.openxmlformats.org/drawingml/2006/main" xmlns:r="http://schemas.openxmlformats.org/officeDocument/2006/relationships" xmlns:p="http://schemas.openxmlformats.org/presentationml/2006/main">
+  <p:cSld>
+    <p:spTree>
+      <p:nvGrpSpPr>
+        <p:cNvPr id="1" name=""/>
+        <p:cNvGrpSpPr/>
+        <p:nvPr/>
+      </p:nvGrpSpPr>
+      <p:grpSpPr>
+        <a:xfrm>
+          <a:off x="0" y="0"/>
+          <a:ext cx="0" cy="0"/>
+          <a:chOff x="0" y="0"/>
+          <a:chExt cx="0" cy="0"/>
+        </a:xfrm>
+      </p:grpSpPr>
+      <p:sp>
+        <p:nvSpPr>
+          <p:cNvPr id="2" name="标题 1"/>
+          <p:cNvSpPr>
+            <a:spLocks noGrp="1"/>
+          </p:cNvSpPr>
+          <p:nvPr>
+            <p:ph type="title"/>
+          </p:nvPr>
+        </p:nvSpPr>
+        <p:spPr/>
+        <p:txBody>
+          <a:bodyPr>
+            <a:normAutofit/>
+          </a:bodyPr>
+          <a:lstStyle/>
+          <a:p>
+            <a:r>
+              <a:rPr kumimoji="1" lang="en-US" altLang="zh-CN" sz="3600" dirty="0"/>
+              <a:t>Conversational Memory Network for Emotion Recognition in Dyadic Dialogue </a:t>
+            </a:r>
+            <a:r>
+              <a:rPr kumimoji="1" lang="en-US" altLang="zh-CN" sz="3600" dirty="0" smtClean="0"/>
+              <a:t>Videos (2018)</a:t>
+            </a:r>
+            <a:endParaRPr kumimoji="1" lang="zh-CN" altLang="en-US" sz="3600" dirty="0"/>
+          </a:p>
+        </p:txBody>
+      </p:sp>
+      <p:sp>
+        <p:nvSpPr>
+          <p:cNvPr id="3" name="内容占位符 2"/>
+          <p:cNvSpPr>
+            <a:spLocks noGrp="1"/>
+          </p:cNvSpPr>
+          <p:nvPr>
+            <p:ph idx="1"/>
+          </p:nvPr>
+        </p:nvSpPr>
+        <p:spPr>
+          <a:xfrm>
+            <a:off x="1097279" y="1845734"/>
+            <a:ext cx="5576421" cy="4023360"/>
+          </a:xfrm>
+        </p:spPr>
+        <p:txBody>
+          <a:bodyPr>
+            <a:noAutofit/>
+          </a:bodyPr>
+          <a:lstStyle/>
+          <a:p>
+            <a:r>
+              <a:rPr kumimoji="1" lang="en-US" altLang="zh-CN" sz="1600" dirty="0" smtClean="0"/>
+              <a:t>Abstract</a:t>
+            </a:r>
+          </a:p>
+          <a:p>
+            <a:pPr lvl="1"/>
+            <a:r>
+              <a:rPr kumimoji="1" lang="en-US" altLang="zh-CN" sz="1400" dirty="0" smtClean="0"/>
+              <a:t>Present </a:t>
+            </a:r>
+            <a:r>
+              <a:rPr kumimoji="1" lang="en-US" altLang="zh-CN" sz="1400" dirty="0"/>
+              <a:t>methods mostly </a:t>
+            </a:r>
+            <a:r>
+              <a:rPr kumimoji="1" lang="en-US" altLang="zh-CN" sz="1400" b="1" dirty="0">
+                <a:solidFill>
+                  <a:srgbClr val="FF0000"/>
+                </a:solidFill>
+              </a:rPr>
+              <a:t>ignore</a:t>
+            </a:r>
+            <a:r>
+              <a:rPr kumimoji="1" lang="en-US" altLang="zh-CN" sz="1400" dirty="0"/>
+              <a:t> the role of </a:t>
+            </a:r>
+            <a:r>
+              <a:rPr kumimoji="1" lang="en-US" altLang="zh-CN" sz="1400" b="1" dirty="0">
+                <a:solidFill>
+                  <a:srgbClr val="FF0000"/>
+                </a:solidFill>
+              </a:rPr>
+              <a:t>inter-speaker dependency </a:t>
+            </a:r>
+            <a:r>
+              <a:rPr kumimoji="1" lang="en-US" altLang="zh-CN" sz="1400" dirty="0"/>
+              <a:t>relations while classifying emotions in conversations</a:t>
+            </a:r>
+            <a:r>
+              <a:rPr kumimoji="1" lang="en-US" altLang="zh-CN" sz="1400" dirty="0" smtClean="0"/>
+              <a:t>.</a:t>
+            </a:r>
+          </a:p>
+          <a:p>
+            <a:pPr lvl="1"/>
+            <a:r>
+              <a:rPr kumimoji="1" lang="en-US" altLang="zh-CN" sz="1400" dirty="0" smtClean="0"/>
+              <a:t>In </a:t>
+            </a:r>
+            <a:r>
+              <a:rPr kumimoji="1" lang="en-US" altLang="zh-CN" sz="1400" dirty="0"/>
+              <a:t>this paper, we address recognizing </a:t>
+            </a:r>
+            <a:r>
+              <a:rPr kumimoji="1" lang="en-US" altLang="zh-CN" sz="1400" b="1" dirty="0">
+                <a:solidFill>
+                  <a:srgbClr val="FF0000"/>
+                </a:solidFill>
+              </a:rPr>
+              <a:t>utterance-level emotions </a:t>
+            </a:r>
+            <a:r>
+              <a:rPr kumimoji="1" lang="en-US" altLang="zh-CN" sz="1400" dirty="0"/>
+              <a:t>in dyadic conversational </a:t>
+            </a:r>
+            <a:r>
+              <a:rPr kumimoji="1" lang="en-US" altLang="zh-CN" sz="1400" b="1" dirty="0">
+                <a:solidFill>
+                  <a:srgbClr val="FF0000"/>
+                </a:solidFill>
+              </a:rPr>
+              <a:t>videos</a:t>
+            </a:r>
+            <a:r>
+              <a:rPr kumimoji="1" lang="en-US" altLang="zh-CN" sz="1400" dirty="0" smtClean="0"/>
+              <a:t>.</a:t>
+            </a:r>
+          </a:p>
+          <a:p>
+            <a:pPr lvl="1"/>
+            <a:r>
+              <a:rPr kumimoji="1" lang="en-US" altLang="zh-CN" sz="1400" dirty="0" smtClean="0"/>
+              <a:t>We </a:t>
+            </a:r>
+            <a:r>
+              <a:rPr kumimoji="1" lang="en-US" altLang="zh-CN" sz="1400" dirty="0"/>
+              <a:t>propose a deep neural framework, termed conversational memory network, which leverages </a:t>
+            </a:r>
+            <a:r>
+              <a:rPr kumimoji="1" lang="en-US" altLang="zh-CN" sz="1400" b="1" dirty="0">
+                <a:solidFill>
+                  <a:srgbClr val="FF0000"/>
+                </a:solidFill>
+              </a:rPr>
+              <a:t>contextual information</a:t>
+            </a:r>
+            <a:r>
+              <a:rPr kumimoji="1" lang="en-US" altLang="zh-CN" sz="1400" dirty="0"/>
+              <a:t> from the </a:t>
+            </a:r>
+            <a:r>
+              <a:rPr kumimoji="1" lang="en-US" altLang="zh-CN" sz="1400" b="1" dirty="0">
+                <a:solidFill>
+                  <a:srgbClr val="FF0000"/>
+                </a:solidFill>
+              </a:rPr>
+              <a:t>conversation history</a:t>
+            </a:r>
+            <a:r>
+              <a:rPr kumimoji="1" lang="en-US" altLang="zh-CN" sz="1400" dirty="0" smtClean="0"/>
+              <a:t>.</a:t>
+            </a:r>
+          </a:p>
+          <a:p>
+            <a:pPr lvl="1"/>
+            <a:r>
+              <a:rPr kumimoji="1" lang="en-US" altLang="zh-CN" sz="1400" dirty="0" smtClean="0"/>
+              <a:t>The </a:t>
+            </a:r>
+            <a:r>
+              <a:rPr kumimoji="1" lang="en-US" altLang="zh-CN" sz="1400" dirty="0"/>
+              <a:t>framework takes a </a:t>
+            </a:r>
+            <a:r>
+              <a:rPr kumimoji="1" lang="en-US" altLang="zh-CN" sz="1400" b="1" dirty="0">
+                <a:solidFill>
+                  <a:srgbClr val="FF0000"/>
+                </a:solidFill>
+              </a:rPr>
+              <a:t>multimodal approach </a:t>
+            </a:r>
+            <a:r>
+              <a:rPr kumimoji="1" lang="en-US" altLang="zh-CN" sz="1400" dirty="0"/>
+              <a:t>comprising audio, visual and textual features with gated recurrent units to model past utterances of each speaker into memories</a:t>
+            </a:r>
+            <a:r>
+              <a:rPr kumimoji="1" lang="en-US" altLang="zh-CN" sz="1400" dirty="0" smtClean="0"/>
+              <a:t>.</a:t>
+            </a:r>
+          </a:p>
+          <a:p>
+            <a:r>
+              <a:rPr kumimoji="1" lang="en-US" altLang="zh-CN" sz="1600" dirty="0" smtClean="0"/>
+              <a:t>Textual Feature</a:t>
+            </a:r>
+          </a:p>
+          <a:p>
+            <a:pPr lvl="1"/>
+            <a:r>
+              <a:rPr kumimoji="1" lang="en-US" altLang="zh-CN" sz="1400" dirty="0"/>
+              <a:t>To get our sentence representation, we use a simple </a:t>
+            </a:r>
+            <a:r>
+              <a:rPr kumimoji="1" lang="en-US" altLang="zh-CN" sz="1400" b="1" dirty="0">
+                <a:solidFill>
+                  <a:srgbClr val="FF0000"/>
+                </a:solidFill>
+              </a:rPr>
+              <a:t>CNN</a:t>
+            </a:r>
+            <a:r>
+              <a:rPr kumimoji="1" lang="en-US" altLang="zh-CN" sz="1400" dirty="0"/>
+              <a:t> with one convolutional layer followed by </a:t>
+            </a:r>
+            <a:r>
+              <a:rPr kumimoji="1" lang="en-US" altLang="zh-CN" sz="1400" b="1" dirty="0">
+                <a:solidFill>
+                  <a:srgbClr val="FF0000"/>
+                </a:solidFill>
+              </a:rPr>
+              <a:t>max-pooling</a:t>
+            </a:r>
+            <a:r>
+              <a:rPr kumimoji="1" lang="en-US" altLang="zh-CN" sz="1400" dirty="0"/>
+              <a:t> (Kim, 2014; </a:t>
+            </a:r>
+            <a:r>
+              <a:rPr kumimoji="1" lang="en-US" altLang="zh-CN" sz="1400" dirty="0" err="1"/>
+              <a:t>Poria</a:t>
+            </a:r>
+            <a:r>
+              <a:rPr kumimoji="1" lang="en-US" altLang="zh-CN" sz="1400" dirty="0"/>
+              <a:t> et al., 2016</a:t>
+            </a:r>
+            <a:r>
+              <a:rPr kumimoji="1" lang="en-US" altLang="zh-CN" sz="1400" dirty="0" smtClean="0"/>
+              <a:t>).</a:t>
+            </a:r>
+          </a:p>
+          <a:p>
+            <a:endParaRPr kumimoji="1" lang="zh-CN" altLang="en-US" sz="1600" dirty="0"/>
+          </a:p>
+        </p:txBody>
+      </p:sp>
+      <p:sp>
+        <p:nvSpPr>
+          <p:cNvPr id="5" name="矩形 4"/>
+          <p:cNvSpPr/>
+          <p:nvPr/>
+        </p:nvSpPr>
+        <p:spPr>
+          <a:xfrm>
+            <a:off x="1097280" y="6396335"/>
+            <a:ext cx="10345420" cy="461665"/>
+          </a:xfrm>
+          <a:prstGeom prst="rect">
+            <a:avLst/>
+          </a:prstGeom>
+        </p:spPr>
+        <p:txBody>
+          <a:bodyPr wrap="square">
+            <a:spAutoFit/>
+          </a:bodyPr>
+          <a:lstStyle/>
+          <a:p>
+            <a:r>
+              <a:rPr lang="zh-CN" altLang="en-US" sz="1200" dirty="0">
+                <a:solidFill>
+                  <a:schemeClr val="bg1"/>
+                </a:solidFill>
+              </a:rPr>
+              <a:t>Devamanyu Hazarika, Soujanya Poria, Amir Zadeh, Erik Cambria, Louis-Philippe Morency, Roger </a:t>
+            </a:r>
+            <a:r>
+              <a:rPr lang="zh-CN" altLang="en-US" sz="1200" dirty="0" smtClean="0">
+                <a:solidFill>
+                  <a:schemeClr val="bg1"/>
+                </a:solidFill>
+              </a:rPr>
+              <a:t>Zimmermann</a:t>
+            </a:r>
+            <a:endParaRPr lang="en-US" altLang="zh-CN" sz="1200" dirty="0" smtClean="0">
+              <a:solidFill>
+                <a:schemeClr val="bg1"/>
+              </a:solidFill>
+            </a:endParaRPr>
+          </a:p>
+          <a:p>
+            <a:r>
+              <a:rPr lang="en-US" altLang="zh-CN" sz="1200" dirty="0">
+                <a:solidFill>
+                  <a:schemeClr val="bg1"/>
+                </a:solidFill>
+              </a:rPr>
+              <a:t>Proceedings of NAACL-HLT 2018, pages 2122–2132</a:t>
+            </a:r>
+            <a:endParaRPr lang="zh-CN" altLang="en-US" sz="1200" dirty="0">
+              <a:solidFill>
+                <a:schemeClr val="bg1"/>
+              </a:solidFill>
+            </a:endParaRPr>
+          </a:p>
+        </p:txBody>
+      </p:sp>
+      <p:pic>
+        <p:nvPicPr>
+          <p:cNvPr id="7" name="图片 6"/>
+          <p:cNvPicPr>
+            <a:picLocks noChangeAspect="1"/>
+          </p:cNvPicPr>
+          <p:nvPr/>
+        </p:nvPicPr>
+        <p:blipFill>
+          <a:blip r:embed="rId2">
+            <a:extLst>
+              <a:ext uri="{28A0092B-C50C-407E-A947-70E740481C1C}">
+                <a14:useLocalDpi xmlns:a14="http://schemas.microsoft.com/office/drawing/2010/main" val="0"/>
+              </a:ext>
+            </a:extLst>
+          </a:blip>
+          <a:stretch>
+            <a:fillRect/>
+          </a:stretch>
+        </p:blipFill>
+        <p:spPr>
+          <a:xfrm>
+            <a:off x="8579299" y="1745788"/>
+            <a:ext cx="2863401" cy="2068012"/>
+          </a:xfrm>
+          <a:prstGeom prst="rect">
+            <a:avLst/>
+          </a:prstGeom>
+        </p:spPr>
+      </p:pic>
+      <p:pic>
+        <p:nvPicPr>
+          <p:cNvPr id="6" name="图片 5"/>
+          <p:cNvPicPr>
+            <a:picLocks noChangeAspect="1"/>
+          </p:cNvPicPr>
+          <p:nvPr/>
+        </p:nvPicPr>
+        <p:blipFill>
+          <a:blip r:embed="rId3">
+            <a:extLst>
+              <a:ext uri="{28A0092B-C50C-407E-A947-70E740481C1C}">
+                <a14:useLocalDpi xmlns:a14="http://schemas.microsoft.com/office/drawing/2010/main" val="0"/>
+              </a:ext>
+            </a:extLst>
+          </a:blip>
+          <a:stretch>
+            <a:fillRect/>
+          </a:stretch>
+        </p:blipFill>
+        <p:spPr>
+          <a:xfrm>
+            <a:off x="6673701" y="3722360"/>
+            <a:ext cx="4768999" cy="2551176"/>
+          </a:xfrm>
+          <a:prstGeom prst="rect">
+            <a:avLst/>
+          </a:prstGeom>
+        </p:spPr>
+      </p:pic>
+    </p:spTree>
+    <p:extLst>
+      <p:ext uri="{BB962C8B-B14F-4D97-AF65-F5344CB8AC3E}">
+        <p14:creationId xmlns:p14="http://schemas.microsoft.com/office/powerpoint/2010/main" val="1015950985"/>
+      </p:ext>
+    </p:extLst>
+  </p:cSld>
+  <p:clrMapOvr>
+    <a:masterClrMapping/>
+  </p:clrMapOvr>
+  <p:timing>
+    <p:tnLst>
+      <p:par>
+        <p:cTn id="1" dur="indefinite" restart="never" nodeType="tmRoot"/>
+      </p:par>
+    </p:tnLst>
+  </p:timing>
+</p:sld>
+</file>
+
+<file path=ppt/slides/slide15.xml><?xml version="1.0" encoding="utf-8"?>
+<p:sld xmlns:a="http://schemas.openxmlformats.org/drawingml/2006/main" xmlns:r="http://schemas.openxmlformats.org/officeDocument/2006/relationships" xmlns:p="http://schemas.openxmlformats.org/presentationml/2006/main">
+  <p:cSld>
+    <p:spTree>
+      <p:nvGrpSpPr>
+        <p:cNvPr id="1" name=""/>
+        <p:cNvGrpSpPr/>
+        <p:nvPr/>
+      </p:nvGrpSpPr>
+      <p:grpSpPr>
+        <a:xfrm>
+          <a:off x="0" y="0"/>
+          <a:ext cx="0" cy="0"/>
+          <a:chOff x="0" y="0"/>
+          <a:chExt cx="0" cy="0"/>
+        </a:xfrm>
+      </p:grpSpPr>
+      <p:sp>
+        <p:nvSpPr>
+          <p:cNvPr id="2" name="标题 1"/>
+          <p:cNvSpPr>
+            <a:spLocks noGrp="1"/>
+          </p:cNvSpPr>
+          <p:nvPr>
+            <p:ph type="title"/>
+          </p:nvPr>
+        </p:nvSpPr>
+        <p:spPr/>
+        <p:txBody>
+          <a:bodyPr>
+            <a:normAutofit/>
+          </a:bodyPr>
+          <a:lstStyle/>
+          <a:p>
+            <a:r>
+              <a:rPr kumimoji="1" lang="en-US" altLang="zh-CN" sz="3600" dirty="0"/>
+              <a:t>Conversational Memory Network for Emotion Recognition in Dyadic Dialogue Videos (2018)</a:t>
+            </a:r>
+            <a:endParaRPr kumimoji="1" lang="zh-CN" altLang="en-US" sz="3600" dirty="0"/>
+          </a:p>
+        </p:txBody>
+      </p:sp>
+      <mc:AlternateContent xmlns:mc="http://schemas.openxmlformats.org/markup-compatibility/2006" xmlns:a14="http://schemas.microsoft.com/office/drawing/2010/main">
+        <mc:Choice Requires="a14">
+          <p:sp>
+            <p:nvSpPr>
+              <p:cNvPr id="3" name="内容占位符 2"/>
+              <p:cNvSpPr>
+                <a:spLocks noGrp="1"/>
+              </p:cNvSpPr>
+              <p:nvPr>
+                <p:ph idx="1"/>
+              </p:nvPr>
+            </p:nvSpPr>
+            <p:spPr/>
+            <p:txBody>
+              <a:bodyPr>
+                <a:normAutofit/>
+              </a:bodyPr>
+              <a:lstStyle/>
+              <a:p>
+                <a:r>
+                  <a:rPr lang="en-US" altLang="zh-CN" dirty="0" smtClean="0"/>
+                  <a:t>Task Definition</a:t>
+                </a:r>
+              </a:p>
+              <a:p>
+                <a:pPr lvl="1"/>
+                <a:r>
+                  <a:rPr lang="en-US" altLang="zh-CN" dirty="0" smtClean="0"/>
+                  <a:t>Let us define</a:t>
+                </a:r>
+                <a:r>
+                  <a:rPr lang="en-US" altLang="zh-TW" dirty="0" smtClean="0"/>
+                  <a:t> </a:t>
+                </a:r>
+                <a:r>
+                  <a:rPr lang="en-US" altLang="zh-CN" dirty="0" smtClean="0"/>
+                  <a:t>a </a:t>
+                </a:r>
+                <a:r>
+                  <a:rPr lang="en-US" altLang="zh-CN" dirty="0"/>
+                  <a:t>dyadic conversation to be an </a:t>
+                </a:r>
+                <a:r>
+                  <a:rPr lang="en-US" altLang="zh-CN" b="1" dirty="0">
+                    <a:solidFill>
+                      <a:srgbClr val="FF0000"/>
+                    </a:solidFill>
+                  </a:rPr>
+                  <a:t>asynchronous </a:t>
+                </a:r>
+                <a:r>
+                  <a:rPr lang="en-US" altLang="zh-CN" b="1" dirty="0" smtClean="0">
+                    <a:solidFill>
+                      <a:srgbClr val="FF0000"/>
+                    </a:solidFill>
+                  </a:rPr>
+                  <a:t>exchange of </a:t>
+                </a:r>
+                <a:r>
+                  <a:rPr lang="en-US" altLang="zh-CN" b="1" dirty="0">
+                    <a:solidFill>
+                      <a:srgbClr val="FF0000"/>
+                    </a:solidFill>
+                  </a:rPr>
+                  <a:t>utterances </a:t>
+                </a:r>
+                <a:r>
+                  <a:rPr lang="en-US" altLang="zh-CN" dirty="0"/>
+                  <a:t>between two persons </a:t>
+                </a:r>
+                <a14:m>
+                  <m:oMath xmlns:m="http://schemas.openxmlformats.org/officeDocument/2006/math">
+                    <m:sSub>
+                      <m:sSubPr>
+                        <m:ctrlPr>
+                          <a:rPr lang="en-US" altLang="zh-CN" b="0" i="1" smtClean="0">
+                            <a:latin typeface="Cambria Math" charset="0"/>
+                          </a:rPr>
+                        </m:ctrlPr>
+                      </m:sSubPr>
+                      <m:e>
+                        <m:r>
+                          <a:rPr lang="en-US" altLang="zh-CN" i="1" smtClean="0">
+                            <a:latin typeface="Cambria Math" charset="0"/>
+                          </a:rPr>
+                          <m:t>𝑃</m:t>
+                        </m:r>
+                      </m:e>
+                      <m:sub>
+                        <m:r>
+                          <a:rPr lang="en-US" altLang="zh-CN" i="1" smtClean="0">
+                            <a:latin typeface="Cambria Math" charset="0"/>
+                          </a:rPr>
+                          <m:t>𝑎</m:t>
+                        </m:r>
+                      </m:sub>
+                    </m:sSub>
+                  </m:oMath>
+                </a14:m>
+                <a:r>
+                  <a:rPr lang="en-US" altLang="zh-CN" dirty="0" smtClean="0"/>
+                  <a:t> and</a:t>
+                </a:r>
+                <a:r>
+                  <a:rPr lang="en-US" altLang="zh-TW" dirty="0" smtClean="0"/>
+                  <a:t> </a:t>
+                </a:r>
+                <a14:m>
+                  <m:oMath xmlns:m="http://schemas.openxmlformats.org/officeDocument/2006/math">
+                    <m:sSub>
+                      <m:sSubPr>
+                        <m:ctrlPr>
+                          <a:rPr lang="en-US" altLang="zh-CN" b="0" i="1" smtClean="0">
+                            <a:latin typeface="Cambria Math" charset="0"/>
+                          </a:rPr>
+                        </m:ctrlPr>
+                      </m:sSubPr>
+                      <m:e>
+                        <m:r>
+                          <a:rPr lang="en-US" altLang="zh-CN" i="1" smtClean="0">
+                            <a:latin typeface="Cambria Math" charset="0"/>
+                          </a:rPr>
+                          <m:t>𝑃</m:t>
+                        </m:r>
+                      </m:e>
+                      <m:sub>
+                        <m:r>
+                          <a:rPr lang="en-US" altLang="zh-CN" i="1" smtClean="0">
+                            <a:latin typeface="Cambria Math" charset="0"/>
+                          </a:rPr>
+                          <m:t>𝑏</m:t>
+                        </m:r>
+                      </m:sub>
+                    </m:sSub>
+                  </m:oMath>
+                </a14:m>
+                <a:r>
+                  <a:rPr lang="en-US" altLang="zh-CN" dirty="0" smtClean="0"/>
+                  <a:t>.</a:t>
+                </a:r>
+              </a:p>
+              <a:p>
+                <a:pPr lvl="2"/>
+                <a:r>
+                  <a:rPr lang="en-US" altLang="zh-CN" dirty="0" smtClean="0"/>
+                  <a:t>Both </a:t>
+                </a:r>
+                <a:r>
+                  <a:rPr lang="en-US" altLang="zh-CN" dirty="0"/>
+                  <a:t>the speakers speak a </a:t>
+                </a:r>
+                <a:r>
+                  <a:rPr lang="en-US" altLang="zh-CN" b="1" dirty="0">
+                    <a:solidFill>
+                      <a:srgbClr val="FF0000"/>
+                    </a:solidFill>
+                  </a:rPr>
+                  <a:t>sequence of </a:t>
+                </a:r>
+                <a:r>
+                  <a:rPr lang="en-US" altLang="zh-CN" b="1" dirty="0" smtClean="0">
+                    <a:solidFill>
+                      <a:srgbClr val="FF0000"/>
+                    </a:solidFill>
+                  </a:rPr>
+                  <a:t>utterances </a:t>
+                </a:r>
+                <a14:m>
+                  <m:oMath xmlns:m="http://schemas.openxmlformats.org/officeDocument/2006/math">
+                    <m:sSub>
+                      <m:sSubPr>
+                        <m:ctrlPr>
+                          <a:rPr lang="en-US" altLang="zh-CN" b="0" i="1" smtClean="0">
+                            <a:latin typeface="Cambria Math" charset="0"/>
+                          </a:rPr>
+                        </m:ctrlPr>
+                      </m:sSubPr>
+                      <m:e>
+                        <m:r>
+                          <a:rPr lang="en-US" altLang="zh-CN" i="1" smtClean="0">
+                            <a:latin typeface="Cambria Math" charset="0"/>
+                          </a:rPr>
+                          <m:t>𝑈</m:t>
+                        </m:r>
+                      </m:e>
+                      <m:sub>
+                        <m:r>
+                          <a:rPr lang="en-US" altLang="zh-CN" i="1" smtClean="0">
+                            <a:latin typeface="Cambria Math" charset="0"/>
+                          </a:rPr>
+                          <m:t>𝑎</m:t>
+                        </m:r>
+                      </m:sub>
+                    </m:sSub>
+                  </m:oMath>
+                </a14:m>
+                <a:r>
+                  <a:rPr lang="en-US" altLang="zh-CN" dirty="0"/>
+                  <a:t> and </a:t>
+                </a:r>
+                <a14:m>
+                  <m:oMath xmlns:m="http://schemas.openxmlformats.org/officeDocument/2006/math">
+                    <m:sSub>
+                      <m:sSubPr>
+                        <m:ctrlPr>
+                          <a:rPr lang="en-US" altLang="zh-CN" b="0" i="1" smtClean="0">
+                            <a:latin typeface="Cambria Math" charset="0"/>
+                          </a:rPr>
+                        </m:ctrlPr>
+                      </m:sSubPr>
+                      <m:e>
+                        <m:r>
+                          <a:rPr lang="en-US" altLang="zh-CN" i="1" smtClean="0">
+                            <a:latin typeface="Cambria Math" charset="0"/>
+                          </a:rPr>
+                          <m:t>𝑈</m:t>
+                        </m:r>
+                      </m:e>
+                      <m:sub>
+                        <m:r>
+                          <a:rPr lang="en-US" altLang="zh-CN" i="1" smtClean="0">
+                            <a:latin typeface="Cambria Math" charset="0"/>
+                          </a:rPr>
+                          <m:t>𝑏</m:t>
+                        </m:r>
+                      </m:sub>
+                    </m:sSub>
+                  </m:oMath>
+                </a14:m>
+                <a:r>
+                  <a:rPr lang="en-US" altLang="zh-CN" dirty="0"/>
+                  <a:t>, respectively</a:t>
+                </a:r>
+                <a:r>
+                  <a:rPr lang="en-US" altLang="zh-CN" dirty="0" smtClean="0"/>
+                  <a:t>.</a:t>
+                </a:r>
+              </a:p>
+              <a:p>
+                <a:pPr lvl="2"/>
+                <a14:m>
+                  <m:oMath xmlns:m="http://schemas.openxmlformats.org/officeDocument/2006/math">
+                    <m:sSub>
+                      <m:sSubPr>
+                        <m:ctrlPr>
+                          <a:rPr lang="en-US" altLang="zh-CN" b="0" i="1" smtClean="0">
+                            <a:latin typeface="Cambria Math" charset="0"/>
+                          </a:rPr>
+                        </m:ctrlPr>
+                      </m:sSubPr>
+                      <m:e>
+                        <m:r>
+                          <a:rPr lang="en-US" altLang="zh-CN" i="1" smtClean="0">
+                            <a:latin typeface="Cambria Math" charset="0"/>
+                          </a:rPr>
+                          <m:t>𝑈</m:t>
+                        </m:r>
+                      </m:e>
+                      <m:sub>
+                        <m:r>
+                          <a:rPr lang="en-US" altLang="zh-CN" i="1" smtClean="0">
+                            <a:latin typeface="Cambria Math" charset="0"/>
+                            <a:ea typeface="Cambria Math" charset="0"/>
+                            <a:cs typeface="Cambria Math" charset="0"/>
+                          </a:rPr>
+                          <m:t>𝜆</m:t>
+                        </m:r>
+                      </m:sub>
+                    </m:sSub>
+                    <m:r>
+                      <a:rPr lang="en-US" altLang="zh-CN" i="1" smtClean="0">
+                        <a:latin typeface="Cambria Math" charset="0"/>
+                      </a:rPr>
+                      <m:t>=</m:t>
+                    </m:r>
+                    <m:r>
+                      <a:rPr lang="en-US" altLang="zh-TW" i="1" smtClean="0">
+                        <a:latin typeface="Cambria Math" charset="0"/>
+                      </a:rPr>
+                      <m:t> </m:t>
+                    </m:r>
+                    <m:r>
+                      <a:rPr lang="en-US" altLang="zh-CN" i="1" smtClean="0">
+                        <a:latin typeface="Cambria Math" charset="0"/>
+                      </a:rPr>
+                      <m:t>(</m:t>
+                    </m:r>
+                    <m:sSubSup>
+                      <m:sSubSupPr>
+                        <m:ctrlPr>
+                          <a:rPr lang="en-US" altLang="zh-CN" b="0" i="1" smtClean="0">
+                            <a:latin typeface="Cambria Math" charset="0"/>
+                          </a:rPr>
+                        </m:ctrlPr>
+                      </m:sSubSupPr>
+                      <m:e>
+                        <m:r>
+                          <a:rPr lang="en-US" altLang="zh-CN" i="1" smtClean="0">
+                            <a:latin typeface="Cambria Math" charset="0"/>
+                          </a:rPr>
+                          <m:t>𝑠</m:t>
+                        </m:r>
+                      </m:e>
+                      <m:sub>
+                        <m:r>
+                          <a:rPr lang="en-US" altLang="zh-CN" i="1">
+                            <a:latin typeface="Cambria Math" charset="0"/>
+                            <a:ea typeface="Cambria Math" charset="0"/>
+                            <a:cs typeface="Cambria Math" charset="0"/>
+                          </a:rPr>
+                          <m:t>𝜆</m:t>
+                        </m:r>
+                      </m:sub>
+                      <m:sup>
+                        <m:r>
+                          <a:rPr lang="en-US" altLang="zh-CN" i="1" smtClean="0">
+                            <a:latin typeface="Cambria Math" charset="0"/>
+                          </a:rPr>
+                          <m:t>1</m:t>
+                        </m:r>
+                      </m:sup>
+                    </m:sSubSup>
+                    <m:r>
+                      <a:rPr lang="en-US" altLang="zh-CN" i="1" smtClean="0">
+                        <a:latin typeface="Cambria Math" charset="0"/>
+                      </a:rPr>
+                      <m:t>, </m:t>
+                    </m:r>
+                    <m:sSubSup>
+                      <m:sSubSupPr>
+                        <m:ctrlPr>
+                          <a:rPr lang="en-US" altLang="zh-CN" b="0" i="1" smtClean="0">
+                            <a:latin typeface="Cambria Math" charset="0"/>
+                          </a:rPr>
+                        </m:ctrlPr>
+                      </m:sSubSupPr>
+                      <m:e>
+                        <m:r>
+                          <a:rPr lang="en-US" altLang="zh-CN" i="1" smtClean="0">
+                            <a:latin typeface="Cambria Math" charset="0"/>
+                          </a:rPr>
+                          <m:t>𝑠</m:t>
+                        </m:r>
+                      </m:e>
+                      <m:sub>
+                        <m:r>
+                          <a:rPr lang="en-US" altLang="zh-CN" i="1">
+                            <a:latin typeface="Cambria Math" charset="0"/>
+                            <a:ea typeface="Cambria Math" charset="0"/>
+                            <a:cs typeface="Cambria Math" charset="0"/>
+                          </a:rPr>
+                          <m:t>𝜆</m:t>
+                        </m:r>
+                      </m:sub>
+                      <m:sup>
+                        <m:r>
+                          <a:rPr lang="en-US" altLang="zh-CN" i="1" smtClean="0">
+                            <a:latin typeface="Cambria Math" charset="0"/>
+                          </a:rPr>
+                          <m:t>2</m:t>
+                        </m:r>
+                      </m:sup>
+                    </m:sSubSup>
+                    <m:r>
+                      <a:rPr lang="en-US" altLang="zh-CN" i="1" smtClean="0">
+                        <a:latin typeface="Cambria Math" charset="0"/>
+                      </a:rPr>
+                      <m:t>, </m:t>
+                    </m:r>
+                    <m:r>
+                      <a:rPr lang="en-US" altLang="zh-CN" i="1">
+                        <a:latin typeface="Cambria Math" charset="0"/>
+                      </a:rPr>
+                      <m:t>…, </m:t>
+                    </m:r>
+                    <m:sSubSup>
+                      <m:sSubSupPr>
+                        <m:ctrlPr>
+                          <a:rPr lang="en-US" altLang="zh-CN" b="0" i="1" smtClean="0">
+                            <a:latin typeface="Cambria Math" charset="0"/>
+                          </a:rPr>
+                        </m:ctrlPr>
+                      </m:sSubSupPr>
+                      <m:e>
+                        <m:r>
+                          <a:rPr lang="en-US" altLang="zh-CN" i="1" smtClean="0">
+                            <a:latin typeface="Cambria Math" charset="0"/>
+                          </a:rPr>
+                          <m:t>𝑠</m:t>
+                        </m:r>
+                      </m:e>
+                      <m:sub>
+                        <m:r>
+                          <a:rPr lang="en-US" altLang="zh-CN" i="1">
+                            <a:latin typeface="Cambria Math" charset="0"/>
+                            <a:ea typeface="Cambria Math" charset="0"/>
+                            <a:cs typeface="Cambria Math" charset="0"/>
+                          </a:rPr>
+                          <m:t>𝜆</m:t>
+                        </m:r>
+                      </m:sub>
+                      <m:sup>
+                        <m:sSub>
+                          <m:sSubPr>
+                            <m:ctrlPr>
+                              <a:rPr lang="en-US" altLang="zh-CN" b="0" i="1" smtClean="0">
+                                <a:latin typeface="Cambria Math" charset="0"/>
+                              </a:rPr>
+                            </m:ctrlPr>
+                          </m:sSubPr>
+                          <m:e>
+                            <m:r>
+                              <a:rPr lang="en-US" altLang="zh-CN" i="1" smtClean="0">
+                                <a:latin typeface="Cambria Math" charset="0"/>
+                              </a:rPr>
+                              <m:t>𝑙</m:t>
+                            </m:r>
+                          </m:e>
+                          <m:sub>
+                            <m:r>
+                              <a:rPr lang="en-US" altLang="zh-CN" i="1">
+                                <a:latin typeface="Cambria Math" charset="0"/>
+                                <a:ea typeface="Cambria Math" charset="0"/>
+                                <a:cs typeface="Cambria Math" charset="0"/>
+                              </a:rPr>
+                              <m:t>𝜆</m:t>
+                            </m:r>
+                          </m:sub>
+                        </m:sSub>
+                      </m:sup>
+                    </m:sSubSup>
+                    <m:r>
+                      <a:rPr lang="en-US" altLang="zh-CN" i="1" smtClean="0">
+                        <a:latin typeface="Cambria Math" charset="0"/>
+                      </a:rPr>
+                      <m:t>)</m:t>
+                    </m:r>
+                  </m:oMath>
+                </a14:m>
+                <a:r>
+                  <a:rPr lang="en-US" altLang="zh-CN" dirty="0" smtClean="0"/>
+                  <a:t> </a:t>
+                </a:r>
+                <a:r>
+                  <a:rPr lang="en-US" altLang="zh-CN" dirty="0"/>
+                  <a:t>is ordered </a:t>
+                </a:r>
+                <a:r>
+                  <a:rPr lang="en-US" altLang="zh-CN" dirty="0" smtClean="0"/>
+                  <a:t>temporally</a:t>
+                </a:r>
+              </a:p>
+              <a:p>
+                <a:pPr lvl="3"/>
+                <a14:m>
+                  <m:oMath xmlns:m="http://schemas.openxmlformats.org/officeDocument/2006/math">
+                    <m:sSubSup>
+                      <m:sSubSupPr>
+                        <m:ctrlPr>
+                          <a:rPr lang="en-US" altLang="zh-CN" b="0" i="1" smtClean="0">
+                            <a:latin typeface="Cambria Math" charset="0"/>
+                          </a:rPr>
+                        </m:ctrlPr>
+                      </m:sSubSupPr>
+                      <m:e>
+                        <m:r>
+                          <a:rPr lang="en-US" altLang="zh-CN" i="1" smtClean="0">
+                            <a:latin typeface="Cambria Math" charset="0"/>
+                          </a:rPr>
+                          <m:t>𝑠</m:t>
+                        </m:r>
+                      </m:e>
+                      <m:sub>
+                        <m:r>
+                          <a:rPr lang="en-US" altLang="zh-CN" i="1">
+                            <a:latin typeface="Cambria Math" charset="0"/>
+                            <a:ea typeface="Cambria Math" charset="0"/>
+                            <a:cs typeface="Cambria Math" charset="0"/>
+                          </a:rPr>
+                          <m:t>𝜆</m:t>
+                        </m:r>
+                      </m:sub>
+                      <m:sup>
+                        <m:r>
+                          <a:rPr lang="en-US" altLang="zh-CN" i="1" smtClean="0">
+                            <a:latin typeface="Cambria Math" charset="0"/>
+                          </a:rPr>
+                          <m:t>𝑖</m:t>
+                        </m:r>
+                      </m:sup>
+                    </m:sSubSup>
+                  </m:oMath>
+                </a14:m>
+                <a:r>
+                  <a:rPr lang="en-US" altLang="zh-CN" dirty="0" smtClean="0"/>
+                  <a:t> is </a:t>
+                </a:r>
+                <a:r>
+                  <a:rPr lang="en-US" altLang="zh-CN" dirty="0"/>
+                  <a:t>the </a:t>
+                </a:r>
+                <a14:m>
+                  <m:oMath xmlns:m="http://schemas.openxmlformats.org/officeDocument/2006/math">
+                    <m:sSup>
+                      <m:sSupPr>
+                        <m:ctrlPr>
+                          <a:rPr lang="en-US" altLang="zh-TW" b="0" i="1" dirty="0" smtClean="0">
+                            <a:latin typeface="Cambria Math" charset="0"/>
+                          </a:rPr>
+                        </m:ctrlPr>
+                      </m:sSupPr>
+                      <m:e>
+                        <m:r>
+                          <a:rPr lang="en-US" altLang="zh-CN" i="1" dirty="0" smtClean="0">
+                            <a:latin typeface="Cambria Math" charset="0"/>
+                          </a:rPr>
+                          <m:t>𝑖</m:t>
+                        </m:r>
+                      </m:e>
+                      <m:sup>
+                        <m:r>
+                          <a:rPr lang="en-US" altLang="zh-CN" b="0" i="1" dirty="0" smtClean="0">
+                            <a:latin typeface="Cambria Math" charset="0"/>
+                          </a:rPr>
+                          <m:t>𝑡h</m:t>
+                        </m:r>
+                      </m:sup>
+                    </m:sSup>
+                  </m:oMath>
+                </a14:m>
+                <a:r>
+                  <a:rPr lang="en-US" altLang="zh-CN" dirty="0" smtClean="0"/>
+                  <a:t> </a:t>
+                </a:r>
+                <a:r>
+                  <a:rPr lang="en-US" altLang="zh-CN" dirty="0"/>
+                  <a:t>utterance by </a:t>
+                </a:r>
+                <a14:m>
+                  <m:oMath xmlns:m="http://schemas.openxmlformats.org/officeDocument/2006/math">
+                    <m:sSub>
+                      <m:sSubPr>
+                        <m:ctrlPr>
+                          <a:rPr lang="en-US" altLang="zh-CN" b="0" i="1" smtClean="0">
+                            <a:latin typeface="Cambria Math" charset="0"/>
+                          </a:rPr>
+                        </m:ctrlPr>
+                      </m:sSubPr>
+                      <m:e>
+                        <m:r>
+                          <a:rPr lang="en-US" altLang="zh-CN" i="1" smtClean="0">
+                            <a:latin typeface="Cambria Math" charset="0"/>
+                          </a:rPr>
+                          <m:t>𝑃</m:t>
+                        </m:r>
+                      </m:e>
+                      <m:sub>
+                        <m:r>
+                          <a:rPr lang="en-US" altLang="zh-CN" i="1">
+                            <a:latin typeface="Cambria Math" charset="0"/>
+                            <a:ea typeface="Cambria Math" charset="0"/>
+                            <a:cs typeface="Cambria Math" charset="0"/>
+                          </a:rPr>
+                          <m:t>𝜆</m:t>
+                        </m:r>
+                      </m:sub>
+                    </m:sSub>
+                  </m:oMath>
+                </a14:m>
+                <a:endParaRPr lang="en-US" altLang="zh-CN" dirty="0" smtClean="0"/>
+              </a:p>
+              <a:p>
+                <a:pPr lvl="3"/>
+                <a14:m>
+                  <m:oMath xmlns:m="http://schemas.openxmlformats.org/officeDocument/2006/math">
+                    <m:sSub>
+                      <m:sSubPr>
+                        <m:ctrlPr>
+                          <a:rPr lang="en-US" altLang="zh-CN" b="0" i="1" smtClean="0">
+                            <a:latin typeface="Cambria Math" charset="0"/>
+                          </a:rPr>
+                        </m:ctrlPr>
+                      </m:sSubPr>
+                      <m:e>
+                        <m:r>
+                          <a:rPr lang="en-US" altLang="zh-CN" i="1" smtClean="0">
+                            <a:latin typeface="Cambria Math" charset="0"/>
+                          </a:rPr>
+                          <m:t>𝑙</m:t>
+                        </m:r>
+                      </m:e>
+                      <m:sub>
+                        <m:r>
+                          <a:rPr lang="en-US" altLang="zh-CN" i="1">
+                            <a:latin typeface="Cambria Math" charset="0"/>
+                            <a:ea typeface="Cambria Math" charset="0"/>
+                            <a:cs typeface="Cambria Math" charset="0"/>
+                          </a:rPr>
+                          <m:t>𝜆</m:t>
+                        </m:r>
+                      </m:sub>
+                    </m:sSub>
+                    <m:r>
+                      <a:rPr lang="en-US" altLang="zh-CN" b="0" i="1" smtClean="0">
+                        <a:latin typeface="Cambria Math" charset="0"/>
+                        <a:ea typeface="Cambria Math" charset="0"/>
+                        <a:cs typeface="Cambria Math" charset="0"/>
+                      </a:rPr>
+                      <m:t> </m:t>
+                    </m:r>
+                  </m:oMath>
+                </a14:m>
+                <a:r>
+                  <a:rPr lang="en-US" altLang="zh-CN" dirty="0"/>
+                  <a:t>is the total </a:t>
+                </a:r>
+                <a:r>
+                  <a:rPr lang="en-US" altLang="zh-CN" dirty="0" smtClean="0"/>
+                  <a:t>number</a:t>
+                </a:r>
+                <a:r>
+                  <a:rPr lang="en-US" altLang="zh-CN" dirty="0"/>
+                  <a:t> </a:t>
+                </a:r>
+                <a:r>
+                  <a:rPr lang="en-US" altLang="zh-CN" dirty="0" smtClean="0"/>
+                  <a:t>of </a:t>
+                </a:r>
+                <a:r>
+                  <a:rPr lang="en-US" altLang="zh-CN" dirty="0"/>
+                  <a:t>utterances spoken by person </a:t>
+                </a:r>
+                <a14:m>
+                  <m:oMath xmlns:m="http://schemas.openxmlformats.org/officeDocument/2006/math">
+                    <m:sSub>
+                      <m:sSubPr>
+                        <m:ctrlPr>
+                          <a:rPr lang="en-US" altLang="zh-CN" b="0" i="1" smtClean="0">
+                            <a:latin typeface="Cambria Math" charset="0"/>
+                          </a:rPr>
+                        </m:ctrlPr>
+                      </m:sSubPr>
+                      <m:e>
+                        <m:r>
+                          <a:rPr lang="en-US" altLang="zh-CN" i="1" smtClean="0">
+                            <a:latin typeface="Cambria Math" charset="0"/>
+                          </a:rPr>
+                          <m:t>𝑃</m:t>
+                        </m:r>
+                      </m:e>
+                      <m:sub>
+                        <m:r>
+                          <a:rPr lang="en-US" altLang="zh-CN" i="1">
+                            <a:latin typeface="Cambria Math" charset="0"/>
+                            <a:ea typeface="Cambria Math" charset="0"/>
+                            <a:cs typeface="Cambria Math" charset="0"/>
+                          </a:rPr>
+                          <m:t>𝜆</m:t>
+                        </m:r>
+                      </m:sub>
+                    </m:sSub>
+                  </m:oMath>
+                </a14:m>
+                <a:r>
+                  <a:rPr lang="en-US" altLang="zh-CN" dirty="0" smtClean="0"/>
+                  <a:t>, </a:t>
+                </a:r>
+                <a14:m>
+                  <m:oMath xmlns:m="http://schemas.openxmlformats.org/officeDocument/2006/math">
+                    <m:r>
+                      <a:rPr lang="en-US" altLang="zh-CN" i="1">
+                        <a:latin typeface="Cambria Math" charset="0"/>
+                        <a:ea typeface="Cambria Math" charset="0"/>
+                        <a:cs typeface="Cambria Math" charset="0"/>
+                      </a:rPr>
+                      <m:t>𝜆</m:t>
+                    </m:r>
+                    <m:r>
+                      <a:rPr lang="en-US" altLang="zh-CN" i="1">
+                        <a:latin typeface="Cambria Math" charset="0"/>
+                        <a:ea typeface="Cambria Math" charset="0"/>
+                        <a:cs typeface="Cambria Math" charset="0"/>
+                      </a:rPr>
+                      <m:t>∈{</m:t>
+                    </m:r>
+                    <m:r>
+                      <a:rPr lang="en-US" altLang="zh-CN" i="1">
+                        <a:latin typeface="Cambria Math" charset="0"/>
+                      </a:rPr>
+                      <m:t>𝑎</m:t>
+                    </m:r>
+                    <m:r>
+                      <a:rPr lang="en-US" altLang="zh-CN" i="1">
+                        <a:latin typeface="Cambria Math" charset="0"/>
+                      </a:rPr>
+                      <m:t>, </m:t>
+                    </m:r>
+                    <m:r>
+                      <a:rPr lang="en-US" altLang="zh-CN" i="1">
+                        <a:latin typeface="Cambria Math" charset="0"/>
+                      </a:rPr>
+                      <m:t>𝑏</m:t>
+                    </m:r>
+                    <m:r>
+                      <a:rPr lang="en-US" altLang="zh-CN" i="1">
+                        <a:latin typeface="Cambria Math" charset="0"/>
+                      </a:rPr>
+                      <m:t>}</m:t>
+                    </m:r>
+                  </m:oMath>
+                </a14:m>
+                <a:r>
+                  <a:rPr lang="en-US" altLang="zh-CN" dirty="0" smtClean="0"/>
+                  <a:t>.</a:t>
+                </a:r>
+                <a:endParaRPr lang="en-US" altLang="zh-CN" dirty="0"/>
+              </a:p>
+              <a:p>
+                <a:pPr lvl="2"/>
+                <a:r>
+                  <a:rPr lang="en-US" altLang="zh-CN" dirty="0" smtClean="0"/>
+                  <a:t>The utterances </a:t>
+                </a:r>
+                <a:r>
+                  <a:rPr lang="en-US" altLang="zh-CN" dirty="0"/>
+                  <a:t>by both speakers can </a:t>
+                </a:r>
+                <a:r>
+                  <a:rPr lang="en-US" altLang="zh-CN" dirty="0" smtClean="0"/>
+                  <a:t>be</a:t>
+                </a:r>
+                <a:r>
+                  <a:rPr lang="en-US" altLang="zh-CN" dirty="0"/>
+                  <a:t> </a:t>
+                </a:r>
+                <a:r>
+                  <a:rPr lang="en-US" altLang="zh-CN" dirty="0" smtClean="0"/>
+                  <a:t>linearly </a:t>
+                </a:r>
+                <a:r>
+                  <a:rPr lang="en-US" altLang="zh-CN" dirty="0"/>
+                  <a:t>ordered based on temporal </a:t>
+                </a:r>
+                <a:r>
+                  <a:rPr lang="en-US" altLang="zh-CN" dirty="0" smtClean="0"/>
+                  <a:t>occurrence</a:t>
+                </a:r>
+              </a:p>
+              <a:p>
+                <a:pPr lvl="3"/>
+                <a:r>
+                  <a:rPr lang="en-US" altLang="zh-CN" dirty="0" smtClean="0"/>
+                  <a:t>as </a:t>
+                </a:r>
+                <a14:m>
+                  <m:oMath xmlns:m="http://schemas.openxmlformats.org/officeDocument/2006/math">
+                    <m:r>
+                      <a:rPr lang="en-US" altLang="zh-CN" i="1" smtClean="0">
+                        <a:latin typeface="Cambria Math" charset="0"/>
+                      </a:rPr>
+                      <m:t>(</m:t>
+                    </m:r>
+                    <m:sSub>
+                      <m:sSubPr>
+                        <m:ctrlPr>
+                          <a:rPr lang="en-US" altLang="zh-CN" b="0" i="1" smtClean="0">
+                            <a:latin typeface="Cambria Math" charset="0"/>
+                          </a:rPr>
+                        </m:ctrlPr>
+                      </m:sSubPr>
+                      <m:e>
+                        <m:r>
+                          <a:rPr lang="en-US" altLang="zh-CN" i="1" smtClean="0">
+                            <a:latin typeface="Cambria Math" charset="0"/>
+                          </a:rPr>
+                          <m:t>𝑢</m:t>
+                        </m:r>
+                      </m:e>
+                      <m:sub>
+                        <m:r>
+                          <a:rPr lang="en-US" altLang="zh-CN" i="1" smtClean="0">
+                            <a:latin typeface="Cambria Math" charset="0"/>
+                          </a:rPr>
+                          <m:t>1</m:t>
+                        </m:r>
+                      </m:sub>
+                    </m:sSub>
+                    <m:r>
+                      <a:rPr lang="en-US" altLang="zh-CN" i="1" smtClean="0">
+                        <a:latin typeface="Cambria Math" charset="0"/>
+                      </a:rPr>
+                      <m:t>, </m:t>
+                    </m:r>
+                    <m:sSub>
+                      <m:sSubPr>
+                        <m:ctrlPr>
+                          <a:rPr lang="en-US" altLang="zh-CN" b="0" i="1" smtClean="0">
+                            <a:latin typeface="Cambria Math" charset="0"/>
+                          </a:rPr>
+                        </m:ctrlPr>
+                      </m:sSubPr>
+                      <m:e>
+                        <m:r>
+                          <a:rPr lang="en-US" altLang="zh-CN" i="1" smtClean="0">
+                            <a:latin typeface="Cambria Math" charset="0"/>
+                          </a:rPr>
+                          <m:t>𝑢</m:t>
+                        </m:r>
+                      </m:e>
+                      <m:sub>
+                        <m:r>
+                          <a:rPr lang="en-US" altLang="zh-CN" i="1" smtClean="0">
+                            <a:latin typeface="Cambria Math" charset="0"/>
+                          </a:rPr>
+                          <m:t>2</m:t>
+                        </m:r>
+                      </m:sub>
+                    </m:sSub>
+                    <m:r>
+                      <a:rPr lang="en-US" altLang="zh-CN" i="1" smtClean="0">
+                        <a:latin typeface="Cambria Math" charset="0"/>
+                      </a:rPr>
+                      <m:t>, …</m:t>
+                    </m:r>
+                    <m:sSub>
+                      <m:sSubPr>
+                        <m:ctrlPr>
+                          <a:rPr lang="en-US" altLang="zh-CN" b="0" i="1" smtClean="0">
+                            <a:latin typeface="Cambria Math" charset="0"/>
+                          </a:rPr>
+                        </m:ctrlPr>
+                      </m:sSubPr>
+                      <m:e>
+                        <m:r>
+                          <a:rPr lang="en-US" altLang="zh-CN" i="1">
+                            <a:latin typeface="Cambria Math" charset="0"/>
+                          </a:rPr>
+                          <m:t>𝑢</m:t>
+                        </m:r>
+                      </m:e>
+                      <m:sub>
+                        <m:sSub>
+                          <m:sSubPr>
+                            <m:ctrlPr>
+                              <a:rPr lang="en-US" altLang="zh-CN" b="0" i="1" smtClean="0">
+                                <a:latin typeface="Cambria Math" charset="0"/>
+                              </a:rPr>
+                            </m:ctrlPr>
+                          </m:sSubPr>
+                          <m:e>
+                            <m:r>
+                              <a:rPr lang="en-US" altLang="zh-CN" i="1">
+                                <a:latin typeface="Cambria Math" charset="0"/>
+                              </a:rPr>
+                              <m:t>𝑙</m:t>
+                            </m:r>
+                          </m:e>
+                          <m:sub>
+                            <m:r>
+                              <a:rPr lang="en-US" altLang="zh-CN" i="1">
+                                <a:latin typeface="Cambria Math" charset="0"/>
+                              </a:rPr>
+                              <m:t>𝑎</m:t>
+                            </m:r>
+                          </m:sub>
+                        </m:sSub>
+                        <m:r>
+                          <a:rPr lang="en-US" altLang="zh-CN" i="1">
+                            <a:latin typeface="Cambria Math" charset="0"/>
+                          </a:rPr>
+                          <m:t>+</m:t>
+                        </m:r>
+                        <m:sSub>
+                          <m:sSubPr>
+                            <m:ctrlPr>
+                              <a:rPr lang="en-US" altLang="zh-CN" b="0" i="1" smtClean="0">
+                                <a:latin typeface="Cambria Math" charset="0"/>
+                              </a:rPr>
+                            </m:ctrlPr>
+                          </m:sSubPr>
+                          <m:e>
+                            <m:r>
+                              <a:rPr lang="en-US" altLang="zh-CN" i="1">
+                                <a:latin typeface="Cambria Math" charset="0"/>
+                              </a:rPr>
+                              <m:t>𝑙</m:t>
+                            </m:r>
+                          </m:e>
+                          <m:sub>
+                            <m:r>
+                              <a:rPr lang="en-US" altLang="zh-CN" i="1">
+                                <a:latin typeface="Cambria Math" charset="0"/>
+                              </a:rPr>
+                              <m:t>𝑏</m:t>
+                            </m:r>
+                          </m:sub>
+                        </m:sSub>
+                      </m:sub>
+                    </m:sSub>
+                    <m:r>
+                      <a:rPr lang="en-US" altLang="zh-CN" i="1">
+                        <a:latin typeface="Cambria Math" charset="0"/>
+                      </a:rPr>
+                      <m:t>)</m:t>
+                    </m:r>
+                  </m:oMath>
+                </a14:m>
+                <a:r>
+                  <a:rPr lang="en-US" altLang="zh-CN" dirty="0"/>
+                  <a:t> , </a:t>
+                </a:r>
+                <a:r>
+                  <a:rPr lang="en-US" altLang="zh-CN" dirty="0" smtClean="0"/>
+                  <a:t>where, </a:t>
+                </a:r>
+                <a14:m>
+                  <m:oMath xmlns:m="http://schemas.openxmlformats.org/officeDocument/2006/math">
+                    <m:sSub>
+                      <m:sSubPr>
+                        <m:ctrlPr>
+                          <a:rPr lang="en-US" altLang="zh-CN" b="0" i="1" smtClean="0">
+                            <a:latin typeface="Cambria Math" charset="0"/>
+                          </a:rPr>
+                        </m:ctrlPr>
+                      </m:sSubPr>
+                      <m:e>
+                        <m:r>
+                          <a:rPr lang="en-US" altLang="zh-CN" i="1" smtClean="0">
+                            <a:latin typeface="Cambria Math" charset="0"/>
+                          </a:rPr>
+                          <m:t>𝑢</m:t>
+                        </m:r>
+                      </m:e>
+                      <m:sub>
+                        <m:r>
+                          <a:rPr lang="en-US" altLang="zh-CN" i="1" smtClean="0">
+                            <a:latin typeface="Cambria Math" charset="0"/>
+                          </a:rPr>
+                          <m:t>𝑗</m:t>
+                        </m:r>
+                      </m:sub>
+                    </m:sSub>
+                    <m:r>
+                      <a:rPr lang="en-US" altLang="zh-CN" i="1" smtClean="0">
+                        <a:latin typeface="Cambria Math" charset="0"/>
+                        <a:ea typeface="Cambria Math" charset="0"/>
+                        <a:cs typeface="Cambria Math" charset="0"/>
+                      </a:rPr>
+                      <m:t>∈</m:t>
+                    </m:r>
+                    <m:r>
+                      <a:rPr lang="en-US" altLang="zh-CN" i="1">
+                        <a:latin typeface="Cambria Math" charset="0"/>
+                      </a:rPr>
+                      <m:t> </m:t>
+                    </m:r>
+                    <m:sSub>
+                      <m:sSubPr>
+                        <m:ctrlPr>
+                          <a:rPr lang="en-US" altLang="zh-CN" b="0" i="1" smtClean="0">
+                            <a:latin typeface="Cambria Math" charset="0"/>
+                          </a:rPr>
+                        </m:ctrlPr>
+                      </m:sSubPr>
+                      <m:e>
+                        <m:r>
+                          <a:rPr lang="en-US" altLang="zh-CN" i="1">
+                            <a:latin typeface="Cambria Math" charset="0"/>
+                          </a:rPr>
+                          <m:t>𝑈</m:t>
+                        </m:r>
+                      </m:e>
+                      <m:sub>
+                        <m:r>
+                          <a:rPr lang="en-US" altLang="zh-CN" i="1">
+                            <a:latin typeface="Cambria Math" charset="0"/>
+                          </a:rPr>
+                          <m:t>𝑎</m:t>
+                        </m:r>
+                      </m:sub>
+                    </m:sSub>
+                    <m:r>
+                      <a:rPr lang="en-US" altLang="zh-CN" i="1">
+                        <a:latin typeface="Cambria Math" charset="0"/>
+                      </a:rPr>
+                      <m:t> </m:t>
+                    </m:r>
+                    <m:r>
+                      <a:rPr lang="en-US" altLang="zh-CN" i="1">
+                        <a:latin typeface="Cambria Math" charset="0"/>
+                      </a:rPr>
+                      <m:t>𝑜𝑟</m:t>
+                    </m:r>
+                    <m:r>
+                      <a:rPr lang="en-US" altLang="zh-CN" i="1">
+                        <a:latin typeface="Cambria Math" charset="0"/>
+                      </a:rPr>
+                      <m:t> </m:t>
+                    </m:r>
+                    <m:sSub>
+                      <m:sSubPr>
+                        <m:ctrlPr>
+                          <a:rPr lang="en-US" altLang="zh-CN" b="0" i="1" smtClean="0">
+                            <a:latin typeface="Cambria Math" charset="0"/>
+                          </a:rPr>
+                        </m:ctrlPr>
+                      </m:sSubPr>
+                      <m:e>
+                        <m:r>
+                          <a:rPr lang="en-US" altLang="zh-CN" i="1">
+                            <a:latin typeface="Cambria Math" charset="0"/>
+                          </a:rPr>
+                          <m:t>𝑈</m:t>
+                        </m:r>
+                      </m:e>
+                      <m:sub>
+                        <m:r>
+                          <a:rPr lang="en-US" altLang="zh-CN" i="1">
+                            <a:latin typeface="Cambria Math" charset="0"/>
+                          </a:rPr>
+                          <m:t>𝑏</m:t>
+                        </m:r>
+                      </m:sub>
+                    </m:sSub>
+                  </m:oMath>
+                </a14:m>
+                <a:r>
+                  <a:rPr lang="en-US" altLang="zh-CN" dirty="0" smtClean="0"/>
+                  <a:t>.</a:t>
+                </a:r>
+              </a:p>
+              <a:p>
+                <a:pPr lvl="1"/>
+                <a:r>
+                  <a:rPr kumimoji="1" lang="en-US" altLang="zh-CN" dirty="0"/>
+                  <a:t>Our model takes as </a:t>
+                </a:r>
+                <a:r>
+                  <a:rPr kumimoji="1" lang="en-US" altLang="zh-CN" b="1" dirty="0">
+                    <a:solidFill>
+                      <a:srgbClr val="FF0000"/>
+                    </a:solidFill>
+                  </a:rPr>
+                  <a:t>input</a:t>
+                </a:r>
+                <a:r>
+                  <a:rPr kumimoji="1" lang="en-US" altLang="zh-CN" dirty="0"/>
+                  <a:t> an </a:t>
+                </a:r>
+                <a:r>
+                  <a:rPr kumimoji="1" lang="en-US" altLang="zh-CN" b="1" dirty="0" smtClean="0">
+                    <a:solidFill>
+                      <a:srgbClr val="FF0000"/>
+                    </a:solidFill>
+                  </a:rPr>
+                  <a:t>utterance </a:t>
+                </a:r>
+                <a14:m>
+                  <m:oMath xmlns:m="http://schemas.openxmlformats.org/officeDocument/2006/math">
+                    <m:sSub>
+                      <m:sSubPr>
+                        <m:ctrlPr>
+                          <a:rPr lang="en-US" altLang="zh-CN" b="1" i="1">
+                            <a:solidFill>
+                              <a:srgbClr val="FF0000"/>
+                            </a:solidFill>
+                            <a:latin typeface="Cambria Math" charset="0"/>
+                          </a:rPr>
+                        </m:ctrlPr>
+                      </m:sSubPr>
+                      <m:e>
+                        <m:r>
+                          <a:rPr lang="en-US" altLang="zh-CN" b="1" i="1">
+                            <a:solidFill>
+                              <a:srgbClr val="FF0000"/>
+                            </a:solidFill>
+                            <a:latin typeface="Cambria Math" charset="0"/>
+                          </a:rPr>
+                          <m:t>𝒖</m:t>
+                        </m:r>
+                      </m:e>
+                      <m:sub>
+                        <m:r>
+                          <a:rPr lang="en-US" altLang="zh-CN" b="1" i="1" smtClean="0">
+                            <a:solidFill>
+                              <a:srgbClr val="FF0000"/>
+                            </a:solidFill>
+                            <a:latin typeface="Cambria Math" charset="0"/>
+                          </a:rPr>
+                          <m:t>𝒊</m:t>
+                        </m:r>
+                      </m:sub>
+                    </m:sSub>
+                  </m:oMath>
+                </a14:m>
+                <a:r>
+                  <a:rPr kumimoji="1" lang="en-US" altLang="zh-CN" dirty="0"/>
+                  <a:t> </a:t>
+                </a:r>
+                <a:r>
+                  <a:rPr kumimoji="1" lang="en-US" altLang="zh-CN" dirty="0" smtClean="0"/>
+                  <a:t>whose </a:t>
+                </a:r>
+                <a:r>
+                  <a:rPr kumimoji="1" lang="en-US" altLang="zh-CN" b="1" dirty="0" smtClean="0">
+                    <a:solidFill>
+                      <a:srgbClr val="FF0000"/>
+                    </a:solidFill>
+                  </a:rPr>
+                  <a:t>emotion </a:t>
+                </a:r>
+                <a:r>
+                  <a:rPr kumimoji="1" lang="en-US" altLang="zh-CN" b="1" dirty="0">
+                    <a:solidFill>
+                      <a:srgbClr val="FF0000"/>
+                    </a:solidFill>
+                  </a:rPr>
+                  <a:t>category</a:t>
+                </a:r>
+                <a:r>
+                  <a:rPr kumimoji="1" lang="en-US" altLang="zh-CN" dirty="0"/>
+                  <a:t> </a:t>
+                </a:r>
+                <a:r>
+                  <a:rPr kumimoji="1" lang="en-US" altLang="zh-CN" dirty="0" smtClean="0"/>
+                  <a:t>needs </a:t>
+                </a:r>
+                <a:r>
+                  <a:rPr kumimoji="1" lang="en-US" altLang="zh-CN" dirty="0"/>
+                  <a:t>to be classified</a:t>
+                </a:r>
+                <a:r>
+                  <a:rPr kumimoji="1" lang="en-US" altLang="zh-CN" dirty="0" smtClean="0"/>
+                  <a:t>.</a:t>
+                </a:r>
+              </a:p>
+              <a:p>
+                <a:pPr lvl="2"/>
+                <a:r>
+                  <a:rPr kumimoji="1" lang="en-US" altLang="zh-CN" dirty="0" smtClean="0"/>
+                  <a:t>To </a:t>
+                </a:r>
+                <a:r>
+                  <a:rPr kumimoji="1" lang="en-US" altLang="zh-CN" dirty="0"/>
+                  <a:t>get its history, preceding </a:t>
+                </a:r>
+                <a:r>
+                  <a:rPr kumimoji="1" lang="en-US" altLang="zh-CN" i="1" dirty="0" smtClean="0"/>
+                  <a:t>K</a:t>
+                </a:r>
+                <a:r>
+                  <a:rPr kumimoji="1" lang="en-US" altLang="zh-CN" dirty="0" smtClean="0"/>
+                  <a:t> </a:t>
+                </a:r>
+                <a:r>
+                  <a:rPr kumimoji="1" lang="en-US" altLang="zh-CN" dirty="0"/>
+                  <a:t>utterances </a:t>
+                </a:r>
+                <a:r>
+                  <a:rPr kumimoji="1" lang="en-US" altLang="zh-CN" dirty="0" smtClean="0"/>
+                  <a:t>of each </a:t>
+                </a:r>
+                <a:r>
+                  <a:rPr kumimoji="1" lang="en-US" altLang="zh-CN" dirty="0"/>
+                  <a:t>person are separately collected as </a:t>
+                </a:r>
+                <a14:m>
+                  <m:oMath xmlns:m="http://schemas.openxmlformats.org/officeDocument/2006/math">
+                    <m:r>
+                      <a:rPr kumimoji="1" lang="en-US" altLang="zh-CN" i="1" dirty="0" smtClean="0">
+                        <a:latin typeface="Cambria Math" charset="0"/>
+                      </a:rPr>
+                      <m:t>h𝑖𝑠</m:t>
+                    </m:r>
+                    <m:sSub>
+                      <m:sSubPr>
+                        <m:ctrlPr>
+                          <a:rPr kumimoji="1" lang="en-US" altLang="zh-CN" b="0" i="1" dirty="0" smtClean="0">
+                            <a:latin typeface="Cambria Math" charset="0"/>
+                          </a:rPr>
+                        </m:ctrlPr>
+                      </m:sSubPr>
+                      <m:e>
+                        <m:r>
+                          <a:rPr kumimoji="1" lang="en-US" altLang="zh-CN" i="1" dirty="0" smtClean="0">
+                            <a:latin typeface="Cambria Math" charset="0"/>
+                          </a:rPr>
+                          <m:t>𝑡</m:t>
+                        </m:r>
+                      </m:e>
+                      <m:sub>
+                        <m:r>
+                          <a:rPr kumimoji="1" lang="en-US" altLang="zh-CN" i="1" dirty="0" smtClean="0">
+                            <a:latin typeface="Cambria Math" charset="0"/>
+                          </a:rPr>
+                          <m:t>𝑎</m:t>
+                        </m:r>
+                      </m:sub>
+                    </m:sSub>
+                    <m:r>
+                      <a:rPr kumimoji="1" lang="en-US" altLang="zh-CN" i="1" dirty="0">
+                        <a:latin typeface="Cambria Math" charset="0"/>
+                      </a:rPr>
+                      <m:t> </m:t>
+                    </m:r>
+                  </m:oMath>
+                </a14:m>
+                <a:r>
+                  <a:rPr kumimoji="1" lang="en-US" altLang="zh-CN" dirty="0" smtClean="0"/>
+                  <a:t>and </a:t>
+                </a:r>
+                <a14:m>
+                  <m:oMath xmlns:m="http://schemas.openxmlformats.org/officeDocument/2006/math">
+                    <m:r>
+                      <a:rPr kumimoji="1" lang="en-US" altLang="zh-CN" i="1" dirty="0" smtClean="0">
+                        <a:latin typeface="Cambria Math" charset="0"/>
+                      </a:rPr>
+                      <m:t>h𝑖𝑠</m:t>
+                    </m:r>
+                    <m:sSub>
+                      <m:sSubPr>
+                        <m:ctrlPr>
+                          <a:rPr kumimoji="1" lang="en-US" altLang="zh-CN" b="0" i="1" dirty="0" smtClean="0">
+                            <a:latin typeface="Cambria Math" charset="0"/>
+                          </a:rPr>
+                        </m:ctrlPr>
+                      </m:sSubPr>
+                      <m:e>
+                        <m:r>
+                          <a:rPr kumimoji="1" lang="en-US" altLang="zh-CN" i="1" dirty="0" smtClean="0">
+                            <a:latin typeface="Cambria Math" charset="0"/>
+                          </a:rPr>
+                          <m:t>𝑡</m:t>
+                        </m:r>
+                      </m:e>
+                      <m:sub>
+                        <m:r>
+                          <a:rPr kumimoji="1" lang="en-US" altLang="zh-CN" i="1" dirty="0" smtClean="0">
+                            <a:latin typeface="Cambria Math" charset="0"/>
+                          </a:rPr>
+                          <m:t>𝑏</m:t>
+                        </m:r>
+                      </m:sub>
+                    </m:sSub>
+                  </m:oMath>
+                </a14:m>
+                <a:r>
+                  <a:rPr kumimoji="1" lang="en-US" altLang="zh-CN" dirty="0" smtClean="0"/>
+                  <a:t>.</a:t>
+                </a:r>
+              </a:p>
+              <a:p>
+                <a:pPr lvl="2"/>
+                <a:r>
+                  <a:rPr kumimoji="1" lang="en-US" altLang="zh-CN" dirty="0" smtClean="0"/>
+                  <a:t>Here</a:t>
+                </a:r>
+                <a:r>
+                  <a:rPr kumimoji="1" lang="en-US" altLang="zh-CN" dirty="0"/>
+                  <a:t>, </a:t>
+                </a:r>
+                <a:r>
+                  <a:rPr kumimoji="1" lang="en-US" altLang="zh-CN" i="1" dirty="0"/>
+                  <a:t>K</a:t>
+                </a:r>
+                <a:r>
+                  <a:rPr kumimoji="1" lang="en-US" altLang="zh-CN" dirty="0"/>
+                  <a:t> serves as the length of the </a:t>
+                </a:r>
+                <a:r>
+                  <a:rPr kumimoji="1" lang="en-US" altLang="zh-CN" dirty="0" smtClean="0"/>
+                  <a:t>context </a:t>
+                </a:r>
+                <a:r>
+                  <a:rPr lang="en-US" altLang="zh-CN" dirty="0"/>
+                  <a:t>window for history of </a:t>
+                </a:r>
+                <a14:m>
+                  <m:oMath xmlns:m="http://schemas.openxmlformats.org/officeDocument/2006/math">
+                    <m:sSub>
+                      <m:sSubPr>
+                        <m:ctrlPr>
+                          <a:rPr lang="en-US" altLang="zh-CN" i="1">
+                            <a:latin typeface="Cambria Math" charset="0"/>
+                          </a:rPr>
+                        </m:ctrlPr>
+                      </m:sSubPr>
+                      <m:e>
+                        <m:r>
+                          <a:rPr lang="en-US" altLang="zh-CN" i="1">
+                            <a:latin typeface="Cambria Math" charset="0"/>
+                          </a:rPr>
+                          <m:t>𝑢</m:t>
+                        </m:r>
+                      </m:e>
+                      <m:sub>
+                        <m:r>
+                          <a:rPr lang="en-US" altLang="zh-CN" i="1">
+                            <a:latin typeface="Cambria Math" charset="0"/>
+                          </a:rPr>
+                          <m:t>𝑖</m:t>
+                        </m:r>
+                      </m:sub>
+                    </m:sSub>
+                  </m:oMath>
+                </a14:m>
+                <a:r>
+                  <a:rPr lang="en-US" altLang="zh-CN" dirty="0"/>
+                  <a:t>. </a:t>
+                </a:r>
+              </a:p>
+              <a:p>
+                <a:pPr lvl="3"/>
+                <a14:m>
+                  <m:oMath xmlns:m="http://schemas.openxmlformats.org/officeDocument/2006/math">
+                    <m:r>
+                      <a:rPr lang="pl-PL" altLang="zh-CN" i="1" dirty="0" smtClean="0">
+                        <a:latin typeface="Cambria Math" charset="0"/>
+                      </a:rPr>
+                      <m:t>h𝑖𝑠</m:t>
+                    </m:r>
+                    <m:sSub>
+                      <m:sSubPr>
+                        <m:ctrlPr>
+                          <a:rPr lang="en-US" altLang="zh-CN" b="0" i="1" dirty="0" smtClean="0">
+                            <a:latin typeface="Cambria Math" charset="0"/>
+                          </a:rPr>
+                        </m:ctrlPr>
+                      </m:sSubPr>
+                      <m:e>
+                        <m:r>
+                          <a:rPr lang="pl-PL" altLang="zh-CN" i="1" dirty="0" smtClean="0">
+                            <a:latin typeface="Cambria Math" charset="0"/>
+                          </a:rPr>
+                          <m:t>𝑡</m:t>
+                        </m:r>
+                      </m:e>
+                      <m:sub>
+                        <m:r>
+                          <a:rPr lang="en-US" altLang="zh-CN" i="1">
+                            <a:latin typeface="Cambria Math" charset="0"/>
+                            <a:ea typeface="Cambria Math" charset="0"/>
+                            <a:cs typeface="Cambria Math" charset="0"/>
+                          </a:rPr>
+                          <m:t>𝜆</m:t>
+                        </m:r>
+                      </m:sub>
+                    </m:sSub>
+                    <m:r>
+                      <a:rPr lang="pl-PL" altLang="zh-CN" i="1" dirty="0">
+                        <a:latin typeface="Cambria Math" charset="0"/>
+                      </a:rPr>
+                      <m:t>= </m:t>
+                    </m:r>
+                    <m:d>
+                      <m:dPr>
+                        <m:begChr m:val="{"/>
+                        <m:endChr m:val="|"/>
+                        <m:ctrlPr>
+                          <a:rPr lang="pl-PL" altLang="zh-CN" b="0" i="1" dirty="0">
+                            <a:latin typeface="Cambria Math" charset="0"/>
+                          </a:rPr>
+                        </m:ctrlPr>
+                      </m:dPr>
+                      <m:e>
+                        <m:sSub>
+                          <m:sSubPr>
+                            <m:ctrlPr>
+                              <a:rPr lang="en-US" altLang="zh-CN" b="0" i="1" dirty="0" smtClean="0">
+                                <a:latin typeface="Cambria Math" charset="0"/>
+                              </a:rPr>
+                            </m:ctrlPr>
+                          </m:sSubPr>
+                          <m:e>
+                            <m:r>
+                              <a:rPr lang="en-US" altLang="zh-CN" b="0" i="1" dirty="0" smtClean="0">
+                                <a:latin typeface="Cambria Math" charset="0"/>
+                              </a:rPr>
+                              <m:t>𝑢</m:t>
+                            </m:r>
+                          </m:e>
+                          <m:sub>
+                            <m:r>
+                              <a:rPr lang="en-US" altLang="zh-CN" b="0" i="1" dirty="0" smtClean="0">
+                                <a:latin typeface="Cambria Math" charset="0"/>
+                              </a:rPr>
+                              <m:t>𝑗</m:t>
+                            </m:r>
+                          </m:sub>
+                        </m:sSub>
+                      </m:e>
+                    </m:d>
+                    <m:sSub>
+                      <m:sSubPr>
+                        <m:ctrlPr>
+                          <a:rPr lang="en-US" altLang="zh-CN" b="0" i="1" dirty="0" smtClean="0">
+                            <a:latin typeface="Cambria Math" charset="0"/>
+                          </a:rPr>
+                        </m:ctrlPr>
+                      </m:sSubPr>
+                      <m:e>
+                        <m:r>
+                          <a:rPr lang="en-US" altLang="zh-CN" b="0" i="1" dirty="0" smtClean="0">
+                            <a:latin typeface="Cambria Math" charset="0"/>
+                          </a:rPr>
+                          <m:t>𝑢</m:t>
+                        </m:r>
+                      </m:e>
+                      <m:sub>
+                        <m:r>
+                          <a:rPr lang="en-US" altLang="zh-CN" b="0" i="1" dirty="0" smtClean="0">
+                            <a:latin typeface="Cambria Math" charset="0"/>
+                          </a:rPr>
+                          <m:t>𝑗</m:t>
+                        </m:r>
+                      </m:sub>
+                    </m:sSub>
+                    <m:r>
+                      <a:rPr lang="en-US" altLang="zh-CN" i="1" dirty="0" smtClean="0">
+                        <a:latin typeface="Cambria Math" charset="0"/>
+                        <a:ea typeface="Cambria Math" charset="0"/>
+                        <a:cs typeface="Cambria Math" charset="0"/>
+                      </a:rPr>
+                      <m:t>∈</m:t>
+                    </m:r>
+                    <m:sSub>
+                      <m:sSubPr>
+                        <m:ctrlPr>
+                          <a:rPr lang="en-US" altLang="zh-CN" b="0" i="1" dirty="0" smtClean="0">
+                            <a:latin typeface="Cambria Math" charset="0"/>
+                          </a:rPr>
+                        </m:ctrlPr>
+                      </m:sSubPr>
+                      <m:e>
+                        <m:r>
+                          <a:rPr lang="pl-PL" altLang="zh-CN" i="1" dirty="0">
+                            <a:latin typeface="Cambria Math" charset="0"/>
+                          </a:rPr>
+                          <m:t>𝑈</m:t>
+                        </m:r>
+                      </m:e>
+                      <m:sub>
+                        <m:r>
+                          <a:rPr lang="en-US" altLang="zh-CN" i="1">
+                            <a:latin typeface="Cambria Math" charset="0"/>
+                            <a:ea typeface="Cambria Math" charset="0"/>
+                            <a:cs typeface="Cambria Math" charset="0"/>
+                          </a:rPr>
+                          <m:t>𝜆</m:t>
+                        </m:r>
+                      </m:sub>
+                    </m:sSub>
+                    <m:r>
+                      <a:rPr lang="pl-PL" altLang="zh-CN" i="1" dirty="0">
+                        <a:latin typeface="Cambria Math" charset="0"/>
+                      </a:rPr>
+                      <m:t>, </m:t>
+                    </m:r>
+                    <m:r>
+                      <a:rPr lang="en-US" altLang="zh-CN" b="0" i="1" dirty="0" smtClean="0">
+                        <a:latin typeface="Cambria Math" charset="0"/>
+                      </a:rPr>
+                      <m:t>𝑗</m:t>
+                    </m:r>
+                    <m:r>
+                      <a:rPr lang="en-US" altLang="zh-CN" b="0" i="1" dirty="0" smtClean="0">
+                        <a:latin typeface="Cambria Math" charset="0"/>
+                      </a:rPr>
+                      <m:t>&lt;</m:t>
+                    </m:r>
+                    <m:r>
+                      <a:rPr lang="pl-PL" altLang="zh-CN" i="1" dirty="0">
+                        <a:latin typeface="Cambria Math" charset="0"/>
+                      </a:rPr>
+                      <m:t>𝑖</m:t>
+                    </m:r>
+                    <m:r>
+                      <a:rPr lang="pl-PL" altLang="zh-CN" i="1" dirty="0">
+                        <a:latin typeface="Cambria Math" charset="0"/>
+                      </a:rPr>
+                      <m:t>} ,  |</m:t>
+                    </m:r>
+                    <m:sSub>
+                      <m:sSubPr>
+                        <m:ctrlPr>
+                          <a:rPr lang="en-US" altLang="zh-CN" i="1" dirty="0">
+                            <a:latin typeface="Cambria Math" charset="0"/>
+                          </a:rPr>
+                        </m:ctrlPr>
+                      </m:sSubPr>
+                      <m:e>
+                        <m:r>
+                          <a:rPr lang="en-US" altLang="zh-CN" i="1" dirty="0">
+                            <a:latin typeface="Cambria Math" charset="0"/>
+                          </a:rPr>
+                          <m:t>h𝑖𝑠𝑡</m:t>
+                        </m:r>
+                      </m:e>
+                      <m:sub>
+                        <m:r>
+                          <a:rPr lang="en-US" altLang="zh-CN" i="1">
+                            <a:latin typeface="Cambria Math" charset="0"/>
+                            <a:ea typeface="Cambria Math" charset="0"/>
+                            <a:cs typeface="Cambria Math" charset="0"/>
+                          </a:rPr>
+                          <m:t>𝜆</m:t>
+                        </m:r>
+                      </m:sub>
+                    </m:sSub>
+                    <m:r>
+                      <a:rPr lang="en-US" altLang="zh-CN" b="0" i="1" dirty="0" smtClean="0">
+                        <a:latin typeface="Cambria Math" charset="0"/>
+                      </a:rPr>
+                      <m:t>|</m:t>
+                    </m:r>
+                    <m:r>
+                      <a:rPr lang="en-US" altLang="zh-CN" b="0" i="1" dirty="0" smtClean="0">
+                        <a:latin typeface="Cambria Math" charset="0"/>
+                        <a:ea typeface="Cambria Math" charset="0"/>
+                        <a:cs typeface="Cambria Math" charset="0"/>
+                      </a:rPr>
+                      <m:t>≤</m:t>
+                    </m:r>
+                    <m:r>
+                      <a:rPr lang="pl-PL" altLang="zh-CN" i="1" dirty="0">
+                        <a:latin typeface="Cambria Math" charset="0"/>
+                      </a:rPr>
+                      <m:t>𝐾</m:t>
+                    </m:r>
+                  </m:oMath>
+                </a14:m>
+                <a:endParaRPr lang="pl-PL" altLang="zh-CN" dirty="0" smtClean="0"/>
+              </a:p>
+            </p:txBody>
+          </p:sp>
+        </mc:Choice>
+        <mc:Fallback xmlns="">
+          <p:sp>
+            <p:nvSpPr>
+              <p:cNvPr id="3" name="内容占位符 2"/>
+              <p:cNvSpPr>
+                <a:spLocks noGrp="1" noRot="1" noChangeAspect="1" noMove="1" noResize="1" noEditPoints="1" noAdjustHandles="1" noChangeArrowheads="1" noChangeShapeType="1" noTextEdit="1"/>
+              </p:cNvSpPr>
+              <p:nvPr>
+                <p:ph idx="1"/>
+              </p:nvPr>
+            </p:nvSpPr>
+            <p:spPr>
+              <a:blipFill rotWithShape="0">
+                <a:blip r:embed="rId3"/>
+                <a:stretch>
+                  <a:fillRect l="-606" t="-1667" b="-1667"/>
+                </a:stretch>
+              </a:blipFill>
+            </p:spPr>
+            <p:txBody>
+              <a:bodyPr/>
+              <a:lstStyle/>
+              <a:p>
+                <a:r>
+                  <a:rPr lang="zh-CN" altLang="en-US">
+                    <a:noFill/>
+                  </a:rPr>
+                  <a:t> </a:t>
+                </a:r>
+              </a:p>
+            </p:txBody>
+          </p:sp>
+        </mc:Fallback>
+      </mc:AlternateContent>
+    </p:spTree>
+    <p:extLst>
+      <p:ext uri="{BB962C8B-B14F-4D97-AF65-F5344CB8AC3E}">
+        <p14:creationId xmlns:p14="http://schemas.microsoft.com/office/powerpoint/2010/main" val="445727598"/>
       </p:ext>
     </p:extLst>
   </p:cSld>
@@ -7330,6 +8642,973 @@
 </p:sld>
 </file>
 
+<file path=ppt/slides/slide17.xml><?xml version="1.0" encoding="utf-8"?>
+<p:sld xmlns:a="http://schemas.openxmlformats.org/drawingml/2006/main" xmlns:r="http://schemas.openxmlformats.org/officeDocument/2006/relationships" xmlns:p="http://schemas.openxmlformats.org/presentationml/2006/main">
+  <p:cSld>
+    <p:spTree>
+      <p:nvGrpSpPr>
+        <p:cNvPr id="1" name=""/>
+        <p:cNvGrpSpPr/>
+        <p:nvPr/>
+      </p:nvGrpSpPr>
+      <p:grpSpPr>
+        <a:xfrm>
+          <a:off x="0" y="0"/>
+          <a:ext cx="0" cy="0"/>
+          <a:chOff x="0" y="0"/>
+          <a:chExt cx="0" cy="0"/>
+        </a:xfrm>
+      </p:grpSpPr>
+      <p:sp>
+        <p:nvSpPr>
+          <p:cNvPr id="2" name="标题 1"/>
+          <p:cNvSpPr>
+            <a:spLocks noGrp="1"/>
+          </p:cNvSpPr>
+          <p:nvPr>
+            <p:ph type="title"/>
+          </p:nvPr>
+        </p:nvSpPr>
+        <p:spPr/>
+        <p:txBody>
+          <a:bodyPr>
+            <a:normAutofit/>
+          </a:bodyPr>
+          <a:lstStyle/>
+          <a:p>
+            <a:r>
+              <a:rPr kumimoji="1" lang="en-US" altLang="zh-CN" sz="3600" dirty="0"/>
+              <a:t>Modeling Multi-turn Conversation with Deep Utterance </a:t>
+            </a:r>
+            <a:r>
+              <a:rPr kumimoji="1" lang="en-US" altLang="zh-CN" sz="3600" dirty="0" smtClean="0"/>
+              <a:t>Aggregation (2018)</a:t>
+            </a:r>
+            <a:endParaRPr kumimoji="1" lang="zh-CN" altLang="en-US" sz="3600" dirty="0"/>
+          </a:p>
+        </p:txBody>
+      </p:sp>
+      <mc:AlternateContent xmlns:mc="http://schemas.openxmlformats.org/markup-compatibility/2006">
+        <mc:Choice xmlns:a14="http://schemas.microsoft.com/office/drawing/2010/main" Requires="a14">
+          <p:sp>
+            <p:nvSpPr>
+              <p:cNvPr id="3" name="内容占位符 2"/>
+              <p:cNvSpPr>
+                <a:spLocks noGrp="1"/>
+              </p:cNvSpPr>
+              <p:nvPr>
+                <p:ph idx="1"/>
+              </p:nvPr>
+            </p:nvSpPr>
+            <p:spPr>
+              <a:xfrm>
+                <a:off x="1097280" y="1845734"/>
+                <a:ext cx="4453128" cy="4399618"/>
+              </a:xfrm>
+            </p:spPr>
+            <p:txBody>
+              <a:bodyPr>
+                <a:normAutofit fontScale="62500" lnSpcReduction="20000"/>
+              </a:bodyPr>
+              <a:lstStyle/>
+              <a:p>
+                <a:r>
+                  <a:rPr kumimoji="1" lang="en-US" altLang="zh-CN" dirty="0" smtClean="0"/>
+                  <a:t>Abstract</a:t>
+                </a:r>
+              </a:p>
+              <a:p>
+                <a:pPr lvl="1"/>
+                <a:r>
+                  <a:rPr kumimoji="1" lang="en-US" altLang="zh-CN" dirty="0" smtClean="0"/>
+                  <a:t>This </a:t>
+                </a:r>
+                <a:r>
+                  <a:rPr kumimoji="1" lang="en-US" altLang="zh-CN" dirty="0"/>
+                  <a:t>work focuses on retrieval-based response matching for multi-turn conversation </a:t>
+                </a:r>
+                <a:r>
+                  <a:rPr kumimoji="1" lang="en-US" altLang="zh-CN" dirty="0" smtClean="0"/>
+                  <a:t>whose </a:t>
+                </a:r>
+                <a:r>
+                  <a:rPr kumimoji="1" lang="en-US" altLang="zh-CN" b="1" dirty="0" smtClean="0">
+                    <a:solidFill>
+                      <a:srgbClr val="FF0000"/>
+                    </a:solidFill>
+                  </a:rPr>
+                  <a:t>related </a:t>
+                </a:r>
+                <a:r>
+                  <a:rPr kumimoji="1" lang="en-US" altLang="zh-CN" b="1" dirty="0">
+                    <a:solidFill>
+                      <a:srgbClr val="FF0000"/>
+                    </a:solidFill>
+                  </a:rPr>
+                  <a:t>work </a:t>
+                </a:r>
+                <a:r>
+                  <a:rPr kumimoji="1" lang="en-US" altLang="zh-CN" dirty="0"/>
+                  <a:t>simply </a:t>
+                </a:r>
+                <a:r>
+                  <a:rPr kumimoji="1" lang="en-US" altLang="zh-CN" b="1" dirty="0">
+                    <a:solidFill>
+                      <a:srgbClr val="FF0000"/>
+                    </a:solidFill>
+                  </a:rPr>
+                  <a:t>concatenates the conversation utterances</a:t>
+                </a:r>
+                <a:r>
+                  <a:rPr kumimoji="1" lang="en-US" altLang="zh-CN" dirty="0"/>
+                  <a:t>, ignoring the </a:t>
+                </a:r>
+                <a:r>
+                  <a:rPr kumimoji="1" lang="en-US" altLang="zh-CN" b="1" dirty="0">
+                    <a:solidFill>
+                      <a:srgbClr val="FF0000"/>
+                    </a:solidFill>
+                  </a:rPr>
+                  <a:t>interactions </a:t>
+                </a:r>
+                <a:r>
+                  <a:rPr kumimoji="1" lang="en-US" altLang="zh-CN" b="1" dirty="0" smtClean="0">
+                    <a:solidFill>
+                      <a:srgbClr val="FF0000"/>
+                    </a:solidFill>
+                  </a:rPr>
+                  <a:t>among previous </a:t>
+                </a:r>
+                <a:r>
+                  <a:rPr kumimoji="1" lang="en-US" altLang="zh-CN" b="1" dirty="0">
+                    <a:solidFill>
+                      <a:srgbClr val="FF0000"/>
+                    </a:solidFill>
+                  </a:rPr>
+                  <a:t>utterances </a:t>
+                </a:r>
+                <a:r>
+                  <a:rPr kumimoji="1" lang="en-US" altLang="zh-CN" dirty="0"/>
+                  <a:t>for context modeling</a:t>
+                </a:r>
+                <a:r>
+                  <a:rPr kumimoji="1" lang="en-US" altLang="zh-CN" dirty="0" smtClean="0"/>
+                  <a:t>.</a:t>
+                </a:r>
+              </a:p>
+              <a:p>
+                <a:pPr lvl="1"/>
+                <a:r>
+                  <a:rPr kumimoji="1" lang="en-US" altLang="zh-CN" dirty="0" smtClean="0"/>
+                  <a:t>In </a:t>
+                </a:r>
+                <a:r>
+                  <a:rPr kumimoji="1" lang="en-US" altLang="zh-CN" dirty="0"/>
+                  <a:t>this paper, we </a:t>
+                </a:r>
+                <a:r>
+                  <a:rPr kumimoji="1" lang="en-US" altLang="zh-CN" b="1" dirty="0">
+                    <a:solidFill>
+                      <a:srgbClr val="FF0000"/>
+                    </a:solidFill>
+                  </a:rPr>
+                  <a:t>formulate previous utterances </a:t>
+                </a:r>
+                <a:r>
+                  <a:rPr kumimoji="1" lang="en-US" altLang="zh-CN" b="1" dirty="0" smtClean="0">
+                    <a:solidFill>
+                      <a:srgbClr val="FF0000"/>
+                    </a:solidFill>
+                  </a:rPr>
+                  <a:t>into context</a:t>
+                </a:r>
+                <a:r>
+                  <a:rPr kumimoji="1" lang="en-US" altLang="zh-CN" dirty="0" smtClean="0"/>
+                  <a:t> </a:t>
+                </a:r>
+                <a:r>
+                  <a:rPr kumimoji="1" lang="en-US" altLang="zh-CN" dirty="0"/>
+                  <a:t>using a proposed deep utterance aggregation model to form a fine-grained context </a:t>
+                </a:r>
+                <a:r>
+                  <a:rPr kumimoji="1" lang="en-US" altLang="zh-CN" dirty="0" smtClean="0"/>
+                  <a:t>representation.</a:t>
+                </a:r>
+              </a:p>
+              <a:p>
+                <a:pPr lvl="1"/>
+                <a:r>
+                  <a:rPr kumimoji="1" lang="en-US" altLang="zh-CN" dirty="0" smtClean="0"/>
+                  <a:t>In </a:t>
+                </a:r>
+                <a:r>
+                  <a:rPr kumimoji="1" lang="en-US" altLang="zh-CN" dirty="0"/>
+                  <a:t>detail, a </a:t>
+                </a:r>
+                <a:r>
+                  <a:rPr kumimoji="1" lang="en-US" altLang="zh-CN" b="1" dirty="0">
+                    <a:solidFill>
+                      <a:srgbClr val="FF0000"/>
+                    </a:solidFill>
+                  </a:rPr>
+                  <a:t>self-matching attention </a:t>
+                </a:r>
+                <a:r>
+                  <a:rPr kumimoji="1" lang="en-US" altLang="zh-CN" dirty="0"/>
+                  <a:t>is first introduced to route the vital </a:t>
+                </a:r>
+                <a:r>
+                  <a:rPr kumimoji="1" lang="en-US" altLang="zh-CN" dirty="0" smtClean="0"/>
+                  <a:t>information in </a:t>
+                </a:r>
+                <a:r>
+                  <a:rPr kumimoji="1" lang="en-US" altLang="zh-CN" dirty="0"/>
+                  <a:t>each utterance. Then the model matches a response with each refined utterance and the </a:t>
+                </a:r>
+                <a:r>
+                  <a:rPr kumimoji="1" lang="en-US" altLang="zh-CN" dirty="0" smtClean="0"/>
+                  <a:t>final matching </a:t>
+                </a:r>
+                <a:r>
+                  <a:rPr kumimoji="1" lang="en-US" altLang="zh-CN" dirty="0"/>
+                  <a:t>score is obtained after attentive turns aggregation</a:t>
+                </a:r>
+                <a:r>
+                  <a:rPr kumimoji="1" lang="en-US" altLang="zh-CN" dirty="0" smtClean="0"/>
+                  <a:t>.</a:t>
+                </a:r>
+              </a:p>
+              <a:p>
+                <a:r>
+                  <a:rPr lang="en-US" altLang="zh-CN" dirty="0" smtClean="0"/>
+                  <a:t>Definition</a:t>
+                </a:r>
+              </a:p>
+              <a:p>
+                <a:pPr lvl="1"/>
+                <a:r>
+                  <a:rPr lang="en-US" altLang="zh-CN" dirty="0" smtClean="0"/>
+                  <a:t>Each </a:t>
+                </a:r>
+                <a:r>
+                  <a:rPr lang="en-US" altLang="zh-CN" dirty="0"/>
+                  <a:t>conversation in the concerned multi-turn response retrieval task can be described as a triple </a:t>
+                </a:r>
+                <a14:m>
+                  <m:oMath xmlns:m="http://schemas.openxmlformats.org/officeDocument/2006/math">
+                    <m:r>
+                      <a:rPr lang="en-US" altLang="zh-CN" i="1" dirty="0" smtClean="0">
+                        <a:latin typeface="Cambria Math" charset="0"/>
+                      </a:rPr>
+                      <m:t>&lt;</m:t>
+                    </m:r>
+                    <m:r>
+                      <a:rPr lang="en-US" altLang="zh-CN" i="1" dirty="0" smtClean="0">
+                        <a:latin typeface="Cambria Math" charset="0"/>
+                      </a:rPr>
+                      <m:t>𝐶</m:t>
+                    </m:r>
+                    <m:r>
+                      <a:rPr lang="en-US" altLang="zh-CN" i="1" dirty="0" smtClean="0">
+                        <a:latin typeface="Cambria Math" charset="0"/>
+                      </a:rPr>
+                      <m:t>, </m:t>
+                    </m:r>
+                    <m:r>
+                      <a:rPr lang="en-US" altLang="zh-CN" i="1" dirty="0" smtClean="0">
+                        <a:latin typeface="Cambria Math" charset="0"/>
+                      </a:rPr>
+                      <m:t>𝑅</m:t>
+                    </m:r>
+                    <m:r>
+                      <a:rPr lang="en-US" altLang="zh-CN" i="1" dirty="0" smtClean="0">
+                        <a:latin typeface="Cambria Math" charset="0"/>
+                      </a:rPr>
+                      <m:t>, </m:t>
+                    </m:r>
+                    <m:r>
+                      <a:rPr lang="en-US" altLang="zh-CN" i="1" dirty="0" smtClean="0">
+                        <a:latin typeface="Cambria Math" charset="0"/>
+                      </a:rPr>
+                      <m:t>𝑌</m:t>
+                    </m:r>
+                    <m:r>
+                      <a:rPr lang="en-US" altLang="zh-CN" i="1" dirty="0" smtClean="0">
+                        <a:latin typeface="Cambria Math" charset="0"/>
+                      </a:rPr>
+                      <m:t>&gt;</m:t>
+                    </m:r>
+                  </m:oMath>
+                </a14:m>
+                <a:endParaRPr lang="en-US" altLang="zh-CN" dirty="0" smtClean="0"/>
+              </a:p>
+              <a:p>
+                <a:pPr lvl="2"/>
+                <a14:m>
+                  <m:oMath xmlns:m="http://schemas.openxmlformats.org/officeDocument/2006/math">
+                    <m:r>
+                      <a:rPr lang="en-US" altLang="zh-CN" i="1" dirty="0" smtClean="0">
+                        <a:latin typeface="Cambria Math" charset="0"/>
+                      </a:rPr>
+                      <m:t>𝐶</m:t>
+                    </m:r>
+                    <m:r>
+                      <a:rPr lang="en-US" altLang="zh-CN" i="1" dirty="0">
+                        <a:latin typeface="Cambria Math" charset="0"/>
+                      </a:rPr>
+                      <m:t>={</m:t>
+                    </m:r>
+                    <m:sSub>
+                      <m:sSubPr>
+                        <m:ctrlPr>
+                          <a:rPr lang="en-US" altLang="zh-CN" b="0" i="1" dirty="0" smtClean="0">
+                            <a:latin typeface="Cambria Math" charset="0"/>
+                          </a:rPr>
+                        </m:ctrlPr>
+                      </m:sSubPr>
+                      <m:e>
+                        <m:r>
+                          <a:rPr lang="en-US" altLang="zh-CN" i="1" dirty="0">
+                            <a:latin typeface="Cambria Math" charset="0"/>
+                          </a:rPr>
+                          <m:t>𝑈</m:t>
+                        </m:r>
+                      </m:e>
+                      <m:sub>
+                        <m:r>
+                          <a:rPr lang="en-US" altLang="zh-CN" i="1" dirty="0">
+                            <a:latin typeface="Cambria Math" charset="0"/>
+                          </a:rPr>
+                          <m:t>1</m:t>
+                        </m:r>
+                      </m:sub>
+                    </m:sSub>
+                    <m:r>
+                      <a:rPr lang="en-US" altLang="zh-CN" i="1" dirty="0">
+                        <a:latin typeface="Cambria Math" charset="0"/>
+                      </a:rPr>
+                      <m:t>, …, </m:t>
+                    </m:r>
+                    <m:sSub>
+                      <m:sSubPr>
+                        <m:ctrlPr>
+                          <a:rPr lang="en-US" altLang="zh-CN" b="0" i="1" dirty="0" smtClean="0">
+                            <a:latin typeface="Cambria Math" charset="0"/>
+                          </a:rPr>
+                        </m:ctrlPr>
+                      </m:sSubPr>
+                      <m:e>
+                        <m:r>
+                          <a:rPr lang="en-US" altLang="zh-CN" i="1" dirty="0" err="1">
+                            <a:latin typeface="Cambria Math" charset="0"/>
+                          </a:rPr>
+                          <m:t>𝑈</m:t>
+                        </m:r>
+                      </m:e>
+                      <m:sub>
+                        <m:r>
+                          <a:rPr lang="en-US" altLang="zh-CN" i="1" dirty="0" err="1">
+                            <a:latin typeface="Cambria Math" charset="0"/>
+                          </a:rPr>
+                          <m:t>𝑡</m:t>
+                        </m:r>
+                      </m:sub>
+                    </m:sSub>
+                    <m:r>
+                      <a:rPr lang="en-US" altLang="zh-CN" i="1" dirty="0">
+                        <a:latin typeface="Cambria Math" charset="0"/>
+                      </a:rPr>
+                      <m:t>}</m:t>
+                    </m:r>
+                  </m:oMath>
+                </a14:m>
+                <a:r>
+                  <a:rPr lang="en-US" altLang="zh-CN" dirty="0"/>
+                  <a:t> is the conversation context </a:t>
+                </a:r>
+                <a:endParaRPr lang="en-US" altLang="zh-CN" dirty="0" smtClean="0"/>
+              </a:p>
+              <a:p>
+                <a:pPr lvl="3"/>
+                <a14:m>
+                  <m:oMath xmlns:m="http://schemas.openxmlformats.org/officeDocument/2006/math">
+                    <m:r>
+                      <a:rPr lang="en-US" altLang="zh-CN" i="1" dirty="0" smtClean="0">
+                        <a:latin typeface="Cambria Math" charset="0"/>
+                      </a:rPr>
+                      <m:t>{</m:t>
+                    </m:r>
+                    <m:sSub>
+                      <m:sSubPr>
+                        <m:ctrlPr>
+                          <a:rPr lang="en-US" altLang="zh-CN" b="0" i="1" dirty="0" smtClean="0">
+                            <a:latin typeface="Cambria Math" charset="0"/>
+                          </a:rPr>
+                        </m:ctrlPr>
+                      </m:sSubPr>
+                      <m:e>
+                        <m:r>
+                          <a:rPr lang="en-US" altLang="zh-CN" i="1" dirty="0" err="1">
+                            <a:latin typeface="Cambria Math" charset="0"/>
+                          </a:rPr>
+                          <m:t>𝑈</m:t>
+                        </m:r>
+                      </m:e>
+                      <m:sub>
+                        <m:r>
+                          <a:rPr lang="en-US" altLang="zh-CN" i="1" dirty="0" err="1">
+                            <a:latin typeface="Cambria Math" charset="0"/>
+                          </a:rPr>
+                          <m:t>𝑘</m:t>
+                        </m:r>
+                      </m:sub>
+                    </m:sSub>
+                    <m:r>
+                      <a:rPr lang="en-US" altLang="zh-CN" i="1" dirty="0">
+                        <a:latin typeface="Cambria Math" charset="0"/>
+                      </a:rPr>
+                      <m:t>}</m:t>
+                    </m:r>
+                  </m:oMath>
+                </a14:m>
+                <a:r>
+                  <a:rPr lang="en-US" altLang="zh-CN" dirty="0"/>
+                  <a:t> denotes the </a:t>
+                </a:r>
+                <a:r>
+                  <a:rPr lang="en-US" altLang="zh-CN" i="1" dirty="0"/>
+                  <a:t>k-</a:t>
+                </a:r>
+                <a:r>
+                  <a:rPr lang="en-US" altLang="zh-CN" i="1" dirty="0" err="1"/>
+                  <a:t>th</a:t>
+                </a:r>
+                <a:r>
+                  <a:rPr lang="en-US" altLang="zh-CN" dirty="0"/>
+                  <a:t> </a:t>
+                </a:r>
+                <a:r>
+                  <a:rPr lang="en-US" altLang="zh-CN" dirty="0" smtClean="0"/>
+                  <a:t>utterance</a:t>
+                </a:r>
+              </a:p>
+              <a:p>
+                <a:pPr lvl="2"/>
+                <a:r>
+                  <a:rPr lang="en-US" altLang="zh-CN" i="1" dirty="0" smtClean="0"/>
+                  <a:t>R</a:t>
+                </a:r>
+                <a:r>
+                  <a:rPr lang="en-US" altLang="zh-CN" dirty="0" smtClean="0"/>
+                  <a:t> </a:t>
+                </a:r>
+                <a:r>
+                  <a:rPr lang="en-US" altLang="zh-CN" dirty="0"/>
+                  <a:t>is a response of the </a:t>
+                </a:r>
+                <a:r>
+                  <a:rPr lang="en-US" altLang="zh-CN" dirty="0" smtClean="0"/>
+                  <a:t>conversation</a:t>
+                </a:r>
+              </a:p>
+              <a:p>
+                <a:pPr lvl="2"/>
+                <a:r>
+                  <a:rPr lang="en-US" altLang="zh-CN" dirty="0" smtClean="0"/>
+                  <a:t>Y = </a:t>
+                </a:r>
+                <a:r>
+                  <a:rPr lang="en-US" altLang="zh-CN" dirty="0"/>
+                  <a:t>1 means the response is proper, otherwise </a:t>
+                </a:r>
+                <a:r>
+                  <a:rPr lang="en-US" altLang="zh-CN" dirty="0" smtClean="0"/>
+                  <a:t>Y </a:t>
+                </a:r>
+                <a:r>
+                  <a:rPr lang="en-US" altLang="zh-CN" dirty="0"/>
+                  <a:t>= </a:t>
+                </a:r>
+                <a:r>
+                  <a:rPr lang="en-US" altLang="zh-CN" dirty="0" smtClean="0"/>
+                  <a:t>0</a:t>
+                </a:r>
+              </a:p>
+              <a:p>
+                <a:pPr lvl="1"/>
+                <a:r>
+                  <a:rPr lang="en-US" altLang="zh-CN" dirty="0" smtClean="0"/>
+                  <a:t>The </a:t>
+                </a:r>
+                <a:r>
+                  <a:rPr lang="en-US" altLang="zh-CN" dirty="0"/>
+                  <a:t>aim is to build a discriminator </a:t>
+                </a:r>
+                <a14:m>
+                  <m:oMath xmlns:m="http://schemas.openxmlformats.org/officeDocument/2006/math">
+                    <m:r>
+                      <a:rPr lang="en-US" altLang="zh-CN" i="1" dirty="0" smtClean="0">
+                        <a:latin typeface="Cambria Math" charset="0"/>
+                      </a:rPr>
+                      <m:t>𝐹</m:t>
+                    </m:r>
+                    <m:r>
+                      <a:rPr lang="en-US" altLang="zh-CN" i="1" dirty="0" smtClean="0">
+                        <a:latin typeface="Cambria Math" charset="0"/>
+                      </a:rPr>
+                      <m:t>(·, ·)</m:t>
+                    </m:r>
+                  </m:oMath>
+                </a14:m>
+                <a:r>
+                  <a:rPr lang="en-US" altLang="zh-CN" dirty="0"/>
+                  <a:t> on </a:t>
+                </a:r>
+                <a14:m>
+                  <m:oMath xmlns:m="http://schemas.openxmlformats.org/officeDocument/2006/math">
+                    <m:r>
+                      <a:rPr lang="en-US" altLang="zh-CN" i="1" dirty="0" smtClean="0">
+                        <a:latin typeface="Cambria Math" charset="0"/>
+                      </a:rPr>
+                      <m:t>&lt;</m:t>
+                    </m:r>
+                    <m:r>
+                      <a:rPr lang="en-US" altLang="zh-CN" i="1" dirty="0" smtClean="0">
+                        <a:latin typeface="Cambria Math" charset="0"/>
+                      </a:rPr>
+                      <m:t>𝐶</m:t>
+                    </m:r>
+                    <m:r>
+                      <a:rPr lang="en-US" altLang="zh-CN" i="1" dirty="0" smtClean="0">
+                        <a:latin typeface="Cambria Math" charset="0"/>
+                      </a:rPr>
+                      <m:t>,</m:t>
+                    </m:r>
+                    <m:r>
+                      <a:rPr lang="en-US" altLang="zh-CN" i="1" dirty="0" smtClean="0">
+                        <a:latin typeface="Cambria Math" charset="0"/>
+                      </a:rPr>
+                      <m:t>𝑅</m:t>
+                    </m:r>
+                    <m:r>
+                      <a:rPr lang="en-US" altLang="zh-CN" i="1" dirty="0" smtClean="0">
+                        <a:latin typeface="Cambria Math" charset="0"/>
+                      </a:rPr>
+                      <m:t>,</m:t>
+                    </m:r>
+                    <m:r>
+                      <a:rPr lang="en-US" altLang="zh-CN" i="1" dirty="0" smtClean="0">
+                        <a:latin typeface="Cambria Math" charset="0"/>
+                      </a:rPr>
+                      <m:t>𝑌</m:t>
+                    </m:r>
+                    <m:r>
+                      <a:rPr lang="en-US" altLang="zh-CN" i="1" dirty="0" smtClean="0">
+                        <a:latin typeface="Cambria Math" charset="0"/>
+                      </a:rPr>
+                      <m:t>&gt;</m:t>
+                    </m:r>
+                  </m:oMath>
+                </a14:m>
+                <a:endParaRPr lang="en-US" altLang="zh-CN" dirty="0" smtClean="0"/>
+              </a:p>
+              <a:p>
+                <a:pPr lvl="2"/>
+                <a:r>
+                  <a:rPr lang="en-US" altLang="zh-CN" dirty="0"/>
+                  <a:t>For each context-response pair </a:t>
+                </a:r>
+                <a:r>
+                  <a:rPr lang="en-US" altLang="zh-CN" i="1" dirty="0"/>
+                  <a:t>{C, R}</a:t>
+                </a:r>
+                <a:r>
+                  <a:rPr lang="en-US" altLang="zh-CN" dirty="0"/>
+                  <a:t>, </a:t>
+                </a:r>
+                <a:r>
+                  <a:rPr lang="en-US" altLang="zh-CN" i="1" dirty="0"/>
+                  <a:t>F(C, R)</a:t>
+                </a:r>
+                <a:r>
+                  <a:rPr lang="en-US" altLang="zh-CN" dirty="0"/>
+                  <a:t> measures the matching score of the pair</a:t>
+                </a:r>
+                <a:r>
+                  <a:rPr lang="en-US" altLang="zh-CN" dirty="0" smtClean="0"/>
+                  <a:t>.</a:t>
+                </a:r>
+              </a:p>
+              <a:p>
+                <a:r>
+                  <a:rPr lang="en-US" altLang="zh-TW" dirty="0" smtClean="0">
+                    <a:solidFill>
+                      <a:srgbClr val="00B0F0"/>
+                    </a:solidFill>
+                  </a:rPr>
+                  <a:t>My Highlight</a:t>
+                </a:r>
+                <a:endParaRPr lang="en-US" altLang="zh-CN" dirty="0">
+                  <a:solidFill>
+                    <a:srgbClr val="00B0F0"/>
+                  </a:solidFill>
+                </a:endParaRPr>
+              </a:p>
+              <a:p>
+                <a:pPr lvl="1"/>
+                <a:r>
+                  <a:rPr lang="en-US" altLang="zh-CN" dirty="0" smtClean="0"/>
+                  <a:t>The </a:t>
+                </a:r>
+                <a:r>
+                  <a:rPr lang="en-US" altLang="zh-CN" dirty="0"/>
+                  <a:t>second module combines the </a:t>
+                </a:r>
+                <a:r>
+                  <a:rPr lang="en-US" altLang="zh-CN" b="1" dirty="0">
+                    <a:solidFill>
+                      <a:srgbClr val="FF0000"/>
+                    </a:solidFill>
+                  </a:rPr>
+                  <a:t>last utterance </a:t>
+                </a:r>
+                <a:r>
+                  <a:rPr lang="en-US" altLang="zh-CN" dirty="0"/>
+                  <a:t>with the </a:t>
+                </a:r>
+                <a:r>
+                  <a:rPr lang="en-US" altLang="zh-CN" b="1" dirty="0">
+                    <a:solidFill>
+                      <a:srgbClr val="FF0000"/>
+                    </a:solidFill>
+                  </a:rPr>
+                  <a:t>preceding utterances</a:t>
+                </a:r>
+                <a:endParaRPr kumimoji="1" lang="zh-CN" altLang="en-US" b="1" dirty="0">
+                  <a:solidFill>
+                    <a:srgbClr val="FF0000"/>
+                  </a:solidFill>
+                </a:endParaRPr>
+              </a:p>
+            </p:txBody>
+          </p:sp>
+        </mc:Choice>
+        <mc:Fallback>
+          <p:sp>
+            <p:nvSpPr>
+              <p:cNvPr id="3" name="内容占位符 2"/>
+              <p:cNvSpPr>
+                <a:spLocks noGrp="1" noRot="1" noChangeAspect="1" noMove="1" noResize="1" noEditPoints="1" noAdjustHandles="1" noChangeArrowheads="1" noChangeShapeType="1" noTextEdit="1"/>
+              </p:cNvSpPr>
+              <p:nvPr>
+                <p:ph idx="1"/>
+              </p:nvPr>
+            </p:nvSpPr>
+            <p:spPr>
+              <a:xfrm>
+                <a:off x="1097280" y="1845734"/>
+                <a:ext cx="4453128" cy="4399618"/>
+              </a:xfrm>
+              <a:blipFill rotWithShape="0">
+                <a:blip r:embed="rId2"/>
+                <a:stretch>
+                  <a:fillRect l="-137" t="-1247" r="-958"/>
+                </a:stretch>
+              </a:blipFill>
+            </p:spPr>
+            <p:txBody>
+              <a:bodyPr/>
+              <a:lstStyle/>
+              <a:p>
+                <a:r>
+                  <a:rPr lang="zh-CN" altLang="en-US">
+                    <a:noFill/>
+                  </a:rPr>
+                  <a:t> </a:t>
+                </a:r>
+              </a:p>
+            </p:txBody>
+          </p:sp>
+        </mc:Fallback>
+      </mc:AlternateContent>
+      <p:sp>
+        <p:nvSpPr>
+          <p:cNvPr id="4" name="矩形 3"/>
+          <p:cNvSpPr/>
+          <p:nvPr/>
+        </p:nvSpPr>
+        <p:spPr>
+          <a:xfrm>
+            <a:off x="1097280" y="6396335"/>
+            <a:ext cx="9634728" cy="461665"/>
+          </a:xfrm>
+          <a:prstGeom prst="rect">
+            <a:avLst/>
+          </a:prstGeom>
+        </p:spPr>
+        <p:txBody>
+          <a:bodyPr wrap="square">
+            <a:spAutoFit/>
+          </a:bodyPr>
+          <a:lstStyle/>
+          <a:p>
+            <a:r>
+              <a:rPr lang="en-US" altLang="zh-CN" sz="1200" dirty="0" err="1">
+                <a:solidFill>
+                  <a:schemeClr val="bg1"/>
+                </a:solidFill>
+              </a:rPr>
+              <a:t>Zhuosheng</a:t>
+            </a:r>
+            <a:r>
+              <a:rPr lang="en-US" altLang="zh-CN" sz="1200" dirty="0">
+                <a:solidFill>
+                  <a:schemeClr val="bg1"/>
+                </a:solidFill>
+              </a:rPr>
+              <a:t> Zhang, </a:t>
+            </a:r>
+            <a:r>
+              <a:rPr lang="en-US" altLang="zh-CN" sz="1200" dirty="0" err="1">
+                <a:solidFill>
+                  <a:schemeClr val="bg1"/>
+                </a:solidFill>
+              </a:rPr>
+              <a:t>Jiangtong</a:t>
+            </a:r>
+            <a:r>
+              <a:rPr lang="en-US" altLang="zh-CN" sz="1200" dirty="0">
+                <a:solidFill>
+                  <a:schemeClr val="bg1"/>
+                </a:solidFill>
+              </a:rPr>
+              <a:t> Li, </a:t>
+            </a:r>
+            <a:r>
+              <a:rPr lang="en-US" altLang="zh-CN" sz="1200" dirty="0" err="1">
+                <a:solidFill>
+                  <a:schemeClr val="bg1"/>
+                </a:solidFill>
+              </a:rPr>
+              <a:t>Pengfei</a:t>
+            </a:r>
+            <a:r>
+              <a:rPr lang="en-US" altLang="zh-CN" sz="1200" dirty="0">
+                <a:solidFill>
+                  <a:schemeClr val="bg1"/>
+                </a:solidFill>
+              </a:rPr>
+              <a:t> Zhu, Hai Zhao, </a:t>
+            </a:r>
+            <a:r>
+              <a:rPr lang="en-US" altLang="zh-CN" sz="1200" dirty="0" err="1">
+                <a:solidFill>
+                  <a:schemeClr val="bg1"/>
+                </a:solidFill>
+              </a:rPr>
+              <a:t>Gongshen</a:t>
+            </a:r>
+            <a:r>
+              <a:rPr lang="en-US" altLang="zh-CN" sz="1200" dirty="0">
+                <a:solidFill>
+                  <a:schemeClr val="bg1"/>
+                </a:solidFill>
+              </a:rPr>
+              <a:t> Liu </a:t>
+            </a:r>
+            <a:endParaRPr lang="en-US" altLang="zh-CN" sz="1200" dirty="0" smtClean="0">
+              <a:solidFill>
+                <a:schemeClr val="bg1"/>
+              </a:solidFill>
+            </a:endParaRPr>
+          </a:p>
+          <a:p>
+            <a:r>
+              <a:rPr lang="en-US" altLang="zh-CN" sz="1200" dirty="0" smtClean="0">
+                <a:solidFill>
+                  <a:schemeClr val="bg1"/>
+                </a:solidFill>
+              </a:rPr>
+              <a:t>Proceedings </a:t>
+            </a:r>
+            <a:r>
+              <a:rPr lang="en-US" altLang="zh-CN" sz="1200" dirty="0">
+                <a:solidFill>
+                  <a:schemeClr val="bg1"/>
+                </a:solidFill>
+              </a:rPr>
+              <a:t>of the 27th International Conference on Computational Linguistics, pages 3740–3752</a:t>
+            </a:r>
+            <a:endParaRPr lang="zh-CN" altLang="en-US" sz="1200" dirty="0">
+              <a:solidFill>
+                <a:schemeClr val="bg1"/>
+              </a:solidFill>
+            </a:endParaRPr>
+          </a:p>
+        </p:txBody>
+      </p:sp>
+      <p:pic>
+        <p:nvPicPr>
+          <p:cNvPr id="5" name="图片 4"/>
+          <p:cNvPicPr>
+            <a:picLocks noChangeAspect="1"/>
+          </p:cNvPicPr>
+          <p:nvPr/>
+        </p:nvPicPr>
+        <p:blipFill>
+          <a:blip r:embed="rId3">
+            <a:extLst>
+              <a:ext uri="{28A0092B-C50C-407E-A947-70E740481C1C}">
+                <a14:useLocalDpi xmlns:a14="http://schemas.microsoft.com/office/drawing/2010/main" val="0"/>
+              </a:ext>
+            </a:extLst>
+          </a:blip>
+          <a:stretch>
+            <a:fillRect/>
+          </a:stretch>
+        </p:blipFill>
+        <p:spPr>
+          <a:xfrm>
+            <a:off x="5550408" y="2129860"/>
+            <a:ext cx="6412028" cy="4024052"/>
+          </a:xfrm>
+          <a:prstGeom prst="rect">
+            <a:avLst/>
+          </a:prstGeom>
+        </p:spPr>
+      </p:pic>
+      <p:sp>
+        <p:nvSpPr>
+          <p:cNvPr id="6" name="矩形 5"/>
+          <p:cNvSpPr/>
+          <p:nvPr/>
+        </p:nvSpPr>
+        <p:spPr>
+          <a:xfrm>
+            <a:off x="7004304" y="4773168"/>
+            <a:ext cx="4608576" cy="201168"/>
+          </a:xfrm>
+          <a:prstGeom prst="rect">
+            <a:avLst/>
+          </a:prstGeom>
+          <a:noFill/>
+          <a:ln>
+            <a:prstDash val="dash"/>
+          </a:ln>
+        </p:spPr>
+        <p:style>
+          <a:lnRef idx="2">
+            <a:schemeClr val="accent1">
+              <a:shade val="50000"/>
+            </a:schemeClr>
+          </a:lnRef>
+          <a:fillRef idx="1">
+            <a:schemeClr val="accent1"/>
+          </a:fillRef>
+          <a:effectRef idx="0">
+            <a:schemeClr val="accent1"/>
+          </a:effectRef>
+          <a:fontRef idx="minor">
+            <a:schemeClr val="lt1"/>
+          </a:fontRef>
+        </p:style>
+        <p:txBody>
+          <a:bodyPr rtlCol="0" anchor="ctr"/>
+          <a:lstStyle/>
+          <a:p>
+            <a:pPr algn="ctr"/>
+            <a:endParaRPr kumimoji="1" lang="zh-CN" altLang="en-US"/>
+          </a:p>
+        </p:txBody>
+      </p:sp>
+    </p:spTree>
+    <p:extLst>
+      <p:ext uri="{BB962C8B-B14F-4D97-AF65-F5344CB8AC3E}">
+        <p14:creationId xmlns:p14="http://schemas.microsoft.com/office/powerpoint/2010/main" val="752821328"/>
+      </p:ext>
+    </p:extLst>
+  </p:cSld>
+  <p:clrMapOvr>
+    <a:masterClrMapping/>
+  </p:clrMapOvr>
+  <p:timing>
+    <p:tnLst>
+      <p:par>
+        <p:cTn id="1" dur="indefinite" restart="never" nodeType="tmRoot"/>
+      </p:par>
+    </p:tnLst>
+  </p:timing>
+</p:sld>
+</file>
+
+<file path=ppt/slides/slide18.xml><?xml version="1.0" encoding="utf-8"?>
+<p:sld xmlns:a="http://schemas.openxmlformats.org/drawingml/2006/main" xmlns:r="http://schemas.openxmlformats.org/officeDocument/2006/relationships" xmlns:p="http://schemas.openxmlformats.org/presentationml/2006/main">
+  <p:cSld>
+    <p:spTree>
+      <p:nvGrpSpPr>
+        <p:cNvPr id="1" name=""/>
+        <p:cNvGrpSpPr/>
+        <p:nvPr/>
+      </p:nvGrpSpPr>
+      <p:grpSpPr>
+        <a:xfrm>
+          <a:off x="0" y="0"/>
+          <a:ext cx="0" cy="0"/>
+          <a:chOff x="0" y="0"/>
+          <a:chExt cx="0" cy="0"/>
+        </a:xfrm>
+      </p:grpSpPr>
+      <p:sp>
+        <p:nvSpPr>
+          <p:cNvPr id="2" name="标题 1"/>
+          <p:cNvSpPr>
+            <a:spLocks noGrp="1"/>
+          </p:cNvSpPr>
+          <p:nvPr>
+            <p:ph type="title"/>
+          </p:nvPr>
+        </p:nvSpPr>
+        <p:spPr/>
+        <p:txBody>
+          <a:bodyPr/>
+          <a:lstStyle/>
+          <a:p>
+            <a:endParaRPr kumimoji="1" lang="zh-CN" altLang="en-US"/>
+          </a:p>
+        </p:txBody>
+      </p:sp>
+      <p:sp>
+        <p:nvSpPr>
+          <p:cNvPr id="5" name="内容占位符 4"/>
+          <p:cNvSpPr>
+            <a:spLocks noGrp="1"/>
+          </p:cNvSpPr>
+          <p:nvPr>
+            <p:ph idx="1"/>
+          </p:nvPr>
+        </p:nvSpPr>
+        <p:spPr/>
+        <p:txBody>
+          <a:bodyPr/>
+          <a:lstStyle/>
+          <a:p>
+            <a:endParaRPr kumimoji="1" lang="zh-CN" altLang="en-US"/>
+          </a:p>
+        </p:txBody>
+      </p:sp>
+    </p:spTree>
+    <p:extLst>
+      <p:ext uri="{BB962C8B-B14F-4D97-AF65-F5344CB8AC3E}">
+        <p14:creationId xmlns:p14="http://schemas.microsoft.com/office/powerpoint/2010/main" val="316393972"/>
+      </p:ext>
+    </p:extLst>
+  </p:cSld>
+  <p:clrMapOvr>
+    <a:masterClrMapping/>
+  </p:clrMapOvr>
+</p:sld>
+</file>
+
 <file path=ppt/slides/slide2.xml><?xml version="1.0" encoding="utf-8"?>
 <p:sld xmlns:a="http://schemas.openxmlformats.org/drawingml/2006/main" xmlns:r="http://schemas.openxmlformats.org/officeDocument/2006/relationships" xmlns:p="http://schemas.openxmlformats.org/presentationml/2006/main">
   <p:cSld>
@@ -9885,17 +12164,25 @@
         <p:spPr/>
         <p:txBody>
           <a:bodyPr>
-            <a:normAutofit/>
+            <a:noAutofit/>
           </a:bodyPr>
           <a:lstStyle/>
           <a:p>
             <a:r>
               <a:rPr kumimoji="1" lang="en-US" altLang="zh-CN" sz="3600" dirty="0"/>
-              <a:t>Conversational Memory Network for Emotion Recognition in Dyadic Dialogue </a:t>
+              <a:t>Emotion Detection on TV Show Transcripts </a:t>
             </a:r>
             <a:r>
               <a:rPr kumimoji="1" lang="en-US" altLang="zh-CN" sz="3600" dirty="0" smtClean="0"/>
-              <a:t>Videos (2018)</a:t>
+              <a:t>with Sequence-based </a:t>
+            </a:r>
+            <a:r>
+              <a:rPr kumimoji="1" lang="en-US" altLang="zh-CN" sz="3600" dirty="0"/>
+              <a:t>Convolutional Neural </a:t>
+            </a:r>
+            <a:r>
+              <a:rPr kumimoji="1" lang="en-US" altLang="zh-CN" sz="3600" dirty="0" smtClean="0"/>
+              <a:t>Networks (2017)</a:t>
             </a:r>
             <a:endParaRPr kumimoji="1" lang="zh-CN" altLang="en-US" sz="3600" dirty="0"/>
           </a:p>
@@ -9913,228 +12200,131 @@
         </p:nvSpPr>
         <p:spPr>
           <a:xfrm>
-            <a:off x="1097279" y="1845734"/>
-            <a:ext cx="5576421" cy="4023360"/>
+            <a:off x="1097280" y="1845734"/>
+            <a:ext cx="5431536" cy="4023360"/>
           </a:xfrm>
         </p:spPr>
         <p:txBody>
           <a:bodyPr>
-            <a:noAutofit/>
+            <a:normAutofit/>
           </a:bodyPr>
           <a:lstStyle/>
           <a:p>
             <a:r>
+              <a:rPr kumimoji="1" lang="en-US" altLang="zh-CN" sz="1800" dirty="0" smtClean="0"/>
+              <a:t>Abstract</a:t>
+            </a:r>
+          </a:p>
+          <a:p>
+            <a:pPr lvl="1"/>
+            <a:r>
               <a:rPr kumimoji="1" lang="en-US" altLang="zh-CN" sz="1600" dirty="0" smtClean="0"/>
-              <a:t>Abstract</a:t>
+              <a:t>This </a:t>
+            </a:r>
+            <a:r>
+              <a:rPr kumimoji="1" lang="en-US" altLang="zh-CN" sz="1600" dirty="0"/>
+              <a:t>paper introduces a corpus for </a:t>
+            </a:r>
+            <a:r>
+              <a:rPr kumimoji="1" lang="en-US" altLang="zh-CN" sz="1600" b="1" dirty="0">
+                <a:solidFill>
+                  <a:srgbClr val="FF0000"/>
+                </a:solidFill>
+              </a:rPr>
+              <a:t>text-based</a:t>
+            </a:r>
+            <a:r>
+              <a:rPr kumimoji="1" lang="en-US" altLang="zh-CN" sz="1600" dirty="0"/>
+              <a:t> </a:t>
+            </a:r>
+            <a:r>
+              <a:rPr kumimoji="1" lang="en-US" altLang="zh-CN" sz="1600" b="1" dirty="0">
+                <a:solidFill>
+                  <a:srgbClr val="FF0000"/>
+                </a:solidFill>
+              </a:rPr>
+              <a:t>emotion detection </a:t>
+            </a:r>
+            <a:r>
+              <a:rPr kumimoji="1" lang="en-US" altLang="zh-CN" sz="1600" dirty="0"/>
+              <a:t>on </a:t>
+            </a:r>
+            <a:r>
+              <a:rPr kumimoji="1" lang="en-US" altLang="zh-CN" sz="1600" b="1" dirty="0">
+                <a:solidFill>
+                  <a:srgbClr val="FF0000"/>
+                </a:solidFill>
+              </a:rPr>
+              <a:t>multiparty dialogue </a:t>
+            </a:r>
+            <a:r>
+              <a:rPr kumimoji="1" lang="en-US" altLang="zh-CN" sz="1600" dirty="0"/>
+              <a:t>as well as deep neural models that outperform the existing approaches for document classification</a:t>
+            </a:r>
+            <a:r>
+              <a:rPr kumimoji="1" lang="en-US" altLang="zh-CN" sz="1600" dirty="0" smtClean="0"/>
+              <a:t>.</a:t>
             </a:r>
           </a:p>
           <a:p>
             <a:pPr lvl="1"/>
             <a:r>
-              <a:rPr kumimoji="1" lang="en-US" altLang="zh-CN" sz="1400" dirty="0" smtClean="0"/>
-              <a:t>Present </a:t>
-            </a:r>
-            <a:r>
-              <a:rPr kumimoji="1" lang="en-US" altLang="zh-CN" sz="1400" dirty="0"/>
-              <a:t>methods mostly </a:t>
-            </a:r>
-            <a:r>
-              <a:rPr kumimoji="1" lang="en-US" altLang="zh-CN" sz="1400" b="1" dirty="0">
+              <a:rPr kumimoji="1" lang="en-US" altLang="zh-CN" sz="1600" dirty="0" smtClean="0"/>
+              <a:t>We </a:t>
+            </a:r>
+            <a:r>
+              <a:rPr kumimoji="1" lang="en-US" altLang="zh-CN" sz="1600" dirty="0"/>
+              <a:t>then suggest four types of </a:t>
+            </a:r>
+            <a:r>
+              <a:rPr kumimoji="1" lang="en-US" altLang="zh-CN" sz="1600" b="1" dirty="0">
                 <a:solidFill>
                   <a:srgbClr val="FF0000"/>
                 </a:solidFill>
               </a:rPr>
-              <a:t>ignore</a:t>
-            </a:r>
-            <a:r>
-              <a:rPr kumimoji="1" lang="en-US" altLang="zh-CN" sz="1400" dirty="0"/>
-              <a:t> the role of </a:t>
-            </a:r>
-            <a:r>
-              <a:rPr kumimoji="1" lang="en-US" altLang="zh-CN" sz="1400" b="1" dirty="0">
+              <a:t>sequence-based convolutional neural network </a:t>
+            </a:r>
+            <a:r>
+              <a:rPr kumimoji="1" lang="en-US" altLang="zh-CN" sz="1600" dirty="0"/>
+              <a:t>models with </a:t>
+            </a:r>
+            <a:r>
+              <a:rPr kumimoji="1" lang="en-US" altLang="zh-CN" sz="1600" b="1" dirty="0">
                 <a:solidFill>
                   <a:srgbClr val="FF0000"/>
                 </a:solidFill>
               </a:rPr>
-              <a:t>inter-speaker dependency </a:t>
-            </a:r>
-            <a:r>
-              <a:rPr kumimoji="1" lang="en-US" altLang="zh-CN" sz="1400" dirty="0"/>
-              <a:t>relations while classifying emotions in conversations</a:t>
-            </a:r>
-            <a:r>
-              <a:rPr kumimoji="1" lang="en-US" altLang="zh-CN" sz="1400" dirty="0" smtClean="0"/>
+              <a:t>attention</a:t>
+            </a:r>
+            <a:r>
+              <a:rPr kumimoji="1" lang="en-US" altLang="zh-CN" sz="1600" dirty="0"/>
+              <a:t> that leverage the sequence information encapsulated in dialogue</a:t>
+            </a:r>
+            <a:r>
+              <a:rPr kumimoji="1" lang="en-US" altLang="zh-CN" sz="1600" dirty="0" smtClean="0"/>
               <a:t>.</a:t>
             </a:r>
-          </a:p>
-          <a:p>
-            <a:pPr lvl="1"/>
-            <a:r>
-              <a:rPr kumimoji="1" lang="en-US" altLang="zh-CN" sz="1400" dirty="0" smtClean="0"/>
-              <a:t>In </a:t>
-            </a:r>
-            <a:r>
-              <a:rPr kumimoji="1" lang="en-US" altLang="zh-CN" sz="1400" dirty="0"/>
-              <a:t>this paper, we address recognizing </a:t>
-            </a:r>
-            <a:r>
-              <a:rPr kumimoji="1" lang="en-US" altLang="zh-CN" sz="1400" b="1" dirty="0">
-                <a:solidFill>
-                  <a:srgbClr val="FF0000"/>
-                </a:solidFill>
-              </a:rPr>
-              <a:t>utterance-level emotions </a:t>
-            </a:r>
-            <a:r>
-              <a:rPr kumimoji="1" lang="en-US" altLang="zh-CN" sz="1400" dirty="0"/>
-              <a:t>in dyadic conversational </a:t>
-            </a:r>
-            <a:r>
-              <a:rPr kumimoji="1" lang="en-US" altLang="zh-CN" sz="1400" b="1" dirty="0">
-                <a:solidFill>
-                  <a:srgbClr val="FF0000"/>
-                </a:solidFill>
-              </a:rPr>
-              <a:t>videos</a:t>
-            </a:r>
-            <a:r>
-              <a:rPr kumimoji="1" lang="en-US" altLang="zh-CN" sz="1400" dirty="0" smtClean="0"/>
-              <a:t>.</a:t>
-            </a:r>
-          </a:p>
-          <a:p>
-            <a:pPr lvl="1"/>
-            <a:r>
-              <a:rPr kumimoji="1" lang="en-US" altLang="zh-CN" sz="1400" dirty="0" smtClean="0"/>
-              <a:t>We </a:t>
-            </a:r>
-            <a:r>
-              <a:rPr kumimoji="1" lang="en-US" altLang="zh-CN" sz="1400" dirty="0"/>
-              <a:t>propose a deep neural framework, termed conversational memory network, which leverages </a:t>
-            </a:r>
-            <a:r>
-              <a:rPr kumimoji="1" lang="en-US" altLang="zh-CN" sz="1400" b="1" dirty="0">
-                <a:solidFill>
-                  <a:srgbClr val="FF0000"/>
-                </a:solidFill>
-              </a:rPr>
-              <a:t>contextual information</a:t>
-            </a:r>
-            <a:r>
-              <a:rPr kumimoji="1" lang="en-US" altLang="zh-CN" sz="1400" dirty="0"/>
-              <a:t> from the </a:t>
-            </a:r>
-            <a:r>
-              <a:rPr kumimoji="1" lang="en-US" altLang="zh-CN" sz="1400" b="1" dirty="0">
-                <a:solidFill>
-                  <a:srgbClr val="FF0000"/>
-                </a:solidFill>
-              </a:rPr>
-              <a:t>conversation history</a:t>
-            </a:r>
-            <a:r>
-              <a:rPr kumimoji="1" lang="en-US" altLang="zh-CN" sz="1400" dirty="0" smtClean="0"/>
-              <a:t>.</a:t>
-            </a:r>
-          </a:p>
-          <a:p>
-            <a:pPr lvl="1"/>
-            <a:r>
-              <a:rPr kumimoji="1" lang="en-US" altLang="zh-CN" sz="1400" dirty="0" smtClean="0"/>
-              <a:t>The </a:t>
-            </a:r>
-            <a:r>
-              <a:rPr kumimoji="1" lang="en-US" altLang="zh-CN" sz="1400" dirty="0"/>
-              <a:t>framework takes a </a:t>
-            </a:r>
-            <a:r>
-              <a:rPr kumimoji="1" lang="en-US" altLang="zh-CN" sz="1400" b="1" dirty="0">
-                <a:solidFill>
-                  <a:srgbClr val="FF0000"/>
-                </a:solidFill>
-              </a:rPr>
-              <a:t>multimodal approach </a:t>
-            </a:r>
-            <a:r>
-              <a:rPr kumimoji="1" lang="en-US" altLang="zh-CN" sz="1400" dirty="0"/>
-              <a:t>comprising audio, visual and textual features with gated recurrent units to model past utterances of each speaker into memories</a:t>
-            </a:r>
-            <a:r>
-              <a:rPr kumimoji="1" lang="en-US" altLang="zh-CN" sz="1400" dirty="0" smtClean="0"/>
-              <a:t>.</a:t>
-            </a:r>
-          </a:p>
-          <a:p>
-            <a:r>
-              <a:rPr kumimoji="1" lang="en-US" altLang="zh-CN" sz="1600" dirty="0" smtClean="0"/>
-              <a:t>Textual Feature</a:t>
-            </a:r>
-          </a:p>
-          <a:p>
-            <a:pPr lvl="1"/>
-            <a:r>
-              <a:rPr kumimoji="1" lang="en-US" altLang="zh-CN" sz="1400" dirty="0"/>
-              <a:t>To get our sentence representation, we use a simple </a:t>
-            </a:r>
-            <a:r>
-              <a:rPr kumimoji="1" lang="en-US" altLang="zh-CN" sz="1400" b="1" dirty="0">
-                <a:solidFill>
-                  <a:srgbClr val="FF0000"/>
-                </a:solidFill>
-              </a:rPr>
-              <a:t>CNN</a:t>
-            </a:r>
-            <a:r>
-              <a:rPr kumimoji="1" lang="en-US" altLang="zh-CN" sz="1400" dirty="0"/>
-              <a:t> with one convolutional layer followed by </a:t>
-            </a:r>
-            <a:r>
-              <a:rPr kumimoji="1" lang="en-US" altLang="zh-CN" sz="1400" b="1" dirty="0">
-                <a:solidFill>
-                  <a:srgbClr val="FF0000"/>
-                </a:solidFill>
-              </a:rPr>
-              <a:t>max-pooling</a:t>
-            </a:r>
-            <a:r>
-              <a:rPr kumimoji="1" lang="en-US" altLang="zh-CN" sz="1400" dirty="0"/>
-              <a:t> (Kim, 2014; </a:t>
-            </a:r>
-            <a:r>
-              <a:rPr kumimoji="1" lang="en-US" altLang="zh-CN" sz="1400" dirty="0" err="1"/>
-              <a:t>Poria</a:t>
-            </a:r>
-            <a:r>
-              <a:rPr kumimoji="1" lang="en-US" altLang="zh-CN" sz="1400" dirty="0"/>
-              <a:t> et al., 2016</a:t>
-            </a:r>
-            <a:r>
-              <a:rPr kumimoji="1" lang="en-US" altLang="zh-CN" sz="1400" dirty="0" smtClean="0"/>
-              <a:t>).</a:t>
-            </a:r>
-          </a:p>
-          <a:p>
             <a:endParaRPr kumimoji="1" lang="zh-CN" altLang="en-US" sz="1600" dirty="0"/>
           </a:p>
         </p:txBody>
       </p:sp>
       <p:sp>
         <p:nvSpPr>
-          <p:cNvPr id="5" name="矩形 4"/>
+          <p:cNvPr id="4" name="矩形 3"/>
           <p:cNvSpPr/>
           <p:nvPr/>
         </p:nvSpPr>
         <p:spPr>
           <a:xfrm>
-            <a:off x="1097280" y="6396335"/>
-            <a:ext cx="10345420" cy="461665"/>
+            <a:off x="1097280" y="6425627"/>
+            <a:ext cx="2685800" cy="461665"/>
           </a:xfrm>
           <a:prstGeom prst="rect">
             <a:avLst/>
           </a:prstGeom>
         </p:spPr>
         <p:txBody>
-          <a:bodyPr wrap="square">
+          <a:bodyPr wrap="none">
             <a:spAutoFit/>
           </a:bodyPr>
           <a:lstStyle/>
@@ -10145,7 +12335,7 @@
                   <a:schemeClr val="bg1"/>
                 </a:solidFill>
               </a:rPr>
-              <a:t>Devamanyu Hazarika, Soujanya Poria, Amir Zadeh, Erik Cambria, Louis-Philippe Morency, Roger </a:t>
+              <a:t>Sayyed M. Zahiri, Jinho D. </a:t>
             </a:r>
             <a:r>
               <a:rPr lang="zh-CN" altLang="en-US" sz="1200" dirty="0" smtClean="0">
@@ -10153,7 +12343,7 @@
                   <a:schemeClr val="bg1"/>
                 </a:solidFill>
               </a:rPr>
-              <a:t>Zimmermann</a:t>
+              <a:t>Choi</a:t>
             </a:r>
             <a:endParaRPr lang="en-US" altLang="zh-CN" sz="1200" dirty="0" smtClean="0">
               <a:solidFill>
@@ -10163,12 +12353,44 @@
           </a:p>
           <a:p>
             <a:r>
-              <a:rPr lang="en-US" altLang="zh-CN" sz="1200" dirty="0">
+              <a:rPr lang="pt-BR" altLang="zh-CN" sz="1200" dirty="0">
                 <a:solidFill>
                   <a:schemeClr val="bg1"/>
                 </a:solidFill>
               </a:rPr>
-              <a:t>Proceedings of NAACL-HLT 2018, pages 2122–2132</a:t>
+              <a:t>arXiv:1708.04299v1 [</a:t>
+            </a:r>
+            <a:r>
+              <a:rPr lang="pt-BR" altLang="zh-CN" sz="1200" dirty="0" err="1">
+                <a:solidFill>
+                  <a:schemeClr val="bg1"/>
+                </a:solidFill>
+              </a:rPr>
+              <a:t>cs.CL</a:t>
+            </a:r>
+            <a:r>
+              <a:rPr lang="pt-BR" altLang="zh-CN" sz="1200" dirty="0">
+                <a:solidFill>
+                  <a:schemeClr val="bg1"/>
+                </a:solidFill>
+              </a:rPr>
+              <a:t>] 14 </a:t>
+            </a:r>
+            <a:r>
+              <a:rPr lang="pt-BR" altLang="zh-CN" sz="1200" dirty="0" err="1">
+                <a:solidFill>
+                  <a:schemeClr val="bg1"/>
+                </a:solidFill>
+              </a:rPr>
+              <a:t>Aug</a:t>
+            </a:r>
+            <a:r>
+              <a:rPr lang="pt-BR" altLang="zh-CN" sz="1200" dirty="0">
+                <a:solidFill>
+                  <a:schemeClr val="bg1"/>
+                </a:solidFill>
+              </a:rPr>
+              <a:t> 2017</a:t>
             </a:r>
             <a:endParaRPr lang="zh-CN" altLang="en-US" sz="1200" dirty="0">
               <a:solidFill>
@@ -10180,7 +12402,7 @@
       </p:sp>
       <p:pic>
         <p:nvPicPr>
-          <p:cNvPr id="7" name="图片 6"/>
+          <p:cNvPr id="5" name="图片 4"/>
           <p:cNvPicPr>
             <a:picLocks noChangeAspect="1"/>
           </p:cNvPicPr>
@@ -10200,8 +12422,8 @@
         </p:blipFill>
         <p:spPr>
           <a:xfrm>
-            <a:off x="8579299" y="1745788"/>
-            <a:ext cx="2863401" cy="2068012"/>
+            <a:off x="7199523" y="1950284"/>
+            <a:ext cx="3956157" cy="1836787"/>
           </a:xfrm>
           <a:prstGeom prst="rect">
             <a:avLst/>
@@ -10230,8 +12452,38 @@
         </p:blipFill>
         <p:spPr>
           <a:xfrm>
-            <a:off x="6673701" y="3722360"/>
-            <a:ext cx="4768999" cy="2551176"/>
+            <a:off x="2880106" y="4423491"/>
+            <a:ext cx="5888050" cy="1861073"/>
+          </a:xfrm>
+          <a:prstGeom prst="rect">
+            <a:avLst/>
+          </a:prstGeom>
+        </p:spPr>
+      </p:pic>
+      <p:pic>
+        <p:nvPicPr>
+          <p:cNvPr id="7" name="图片 6"/>
+          <p:cNvPicPr>
+            <a:picLocks noChangeAspect="1"/>
+          </p:cNvPicPr>
+          <p:nvPr/>
+        </p:nvPicPr>
+        <p:blipFill>
+          <a:blip r:embed="rId4">
+            <a:extLst>
+              <a:ext uri="{28A0092B-C50C-407E-A947-70E740481C1C}">
+                <a14:useLocalDpi xmlns:a14="http://schemas.microsoft.com/office/drawing/2010/main" val="0"/>
+              </a:ext>
+            </a:extLst>
+          </a:blip>
+          <a:stretch>
+            <a:fillRect/>
+          </a:stretch>
+        </p:blipFill>
+        <p:spPr>
+          <a:xfrm>
+            <a:off x="8964997" y="3999995"/>
+            <a:ext cx="2190683" cy="2284569"/>
           </a:xfrm>
           <a:prstGeom prst="rect">
             <a:avLst/>
@@ -10241,7 +12493,7 @@
     </p:spTree>
     <p:extLst>
       <p:ext uri="{BB962C8B-B14F-4D97-AF65-F5344CB8AC3E}">
-        <p14:creationId xmlns:p14="http://schemas.microsoft.com/office/powerpoint/2010/main" val="312914372"/>
+        <p14:creationId xmlns:p14="http://schemas.microsoft.com/office/powerpoint/2010/main" val="1269598243"/>
       </p:ext>
     </p:extLst>
   </p:cSld>
@@ -10294,1592 +12546,309 @@
           <a:p>
             <a:r>
               <a:rPr kumimoji="1" lang="en-US" altLang="zh-CN" sz="3600" dirty="0"/>
-              <a:t>Conversational Memory Network for Emotion Recognition in Dyadic Dialogue Videos (2018)</a:t>
+              <a:t>Text Sentiment Polarity Classification Method Based on Word Embedding (2018)</a:t>
             </a:r>
             <a:endParaRPr kumimoji="1" lang="zh-CN" altLang="en-US" sz="3600" dirty="0"/>
           </a:p>
         </p:txBody>
       </p:sp>
-      <mc:AlternateContent xmlns:mc="http://schemas.openxmlformats.org/markup-compatibility/2006" xmlns:a14="http://schemas.microsoft.com/office/drawing/2010/main">
-        <mc:Choice Requires="a14">
-          <p:sp>
-            <p:nvSpPr>
-              <p:cNvPr id="3" name="内容占位符 2"/>
-              <p:cNvSpPr>
-                <a:spLocks noGrp="1"/>
-              </p:cNvSpPr>
-              <p:nvPr>
-                <p:ph idx="1"/>
-              </p:nvPr>
-            </p:nvSpPr>
-            <p:spPr/>
-            <p:txBody>
-              <a:bodyPr>
-                <a:normAutofit/>
-              </a:bodyPr>
-              <a:lstStyle/>
-              <a:p>
-                <a:r>
-                  <a:rPr lang="en-US" altLang="zh-CN" dirty="0" smtClean="0"/>
-                  <a:t>Task Definition</a:t>
-                </a:r>
-              </a:p>
-              <a:p>
-                <a:pPr lvl="1"/>
-                <a:r>
-                  <a:rPr lang="en-US" altLang="zh-CN" dirty="0" smtClean="0"/>
-                  <a:t>Let us define</a:t>
-                </a:r>
-                <a:r>
-                  <a:rPr lang="en-US" altLang="zh-TW" dirty="0" smtClean="0"/>
-                  <a:t> </a:t>
-                </a:r>
-                <a:r>
-                  <a:rPr lang="en-US" altLang="zh-CN" dirty="0" smtClean="0"/>
-                  <a:t>a </a:t>
-                </a:r>
-                <a:r>
-                  <a:rPr lang="en-US" altLang="zh-CN" dirty="0"/>
-                  <a:t>dyadic conversation to be an </a:t>
-                </a:r>
-                <a:r>
-                  <a:rPr lang="en-US" altLang="zh-CN" b="1" dirty="0">
-                    <a:solidFill>
-                      <a:srgbClr val="FF0000"/>
-                    </a:solidFill>
-                  </a:rPr>
-                  <a:t>asynchronous </a:t>
-                </a:r>
-                <a:r>
-                  <a:rPr lang="en-US" altLang="zh-CN" b="1" dirty="0" smtClean="0">
-                    <a:solidFill>
-                      <a:srgbClr val="FF0000"/>
-                    </a:solidFill>
-                  </a:rPr>
-                  <a:t>exchange of </a:t>
-                </a:r>
-                <a:r>
-                  <a:rPr lang="en-US" altLang="zh-CN" b="1" dirty="0">
-                    <a:solidFill>
-                      <a:srgbClr val="FF0000"/>
-                    </a:solidFill>
-                  </a:rPr>
-                  <a:t>utterances </a:t>
-                </a:r>
-                <a:r>
-                  <a:rPr lang="en-US" altLang="zh-CN" dirty="0"/>
-                  <a:t>between two persons </a:t>
-                </a:r>
-                <a14:m>
-                  <m:oMath xmlns:m="http://schemas.openxmlformats.org/officeDocument/2006/math">
-                    <m:sSub>
-                      <m:sSubPr>
-                        <m:ctrlPr>
-                          <a:rPr lang="en-US" altLang="zh-CN" b="0" i="1" smtClean="0">
-                            <a:latin typeface="Cambria Math" charset="0"/>
-                          </a:rPr>
-                        </m:ctrlPr>
-                      </m:sSubPr>
-                      <m:e>
-                        <m:r>
-                          <a:rPr lang="en-US" altLang="zh-CN" i="1" smtClean="0">
-                            <a:latin typeface="Cambria Math" charset="0"/>
-                          </a:rPr>
-                          <m:t>𝑃</m:t>
-                        </m:r>
-                      </m:e>
-                      <m:sub>
-                        <m:r>
-                          <a:rPr lang="en-US" altLang="zh-CN" i="1" smtClean="0">
-                            <a:latin typeface="Cambria Math" charset="0"/>
-                          </a:rPr>
-                          <m:t>𝑎</m:t>
-                        </m:r>
-                      </m:sub>
-                    </m:sSub>
-                  </m:oMath>
-                </a14:m>
-                <a:r>
-                  <a:rPr lang="en-US" altLang="zh-CN" dirty="0" smtClean="0"/>
-                  <a:t> and</a:t>
-                </a:r>
-                <a:r>
-                  <a:rPr lang="en-US" altLang="zh-TW" dirty="0" smtClean="0"/>
-                  <a:t> </a:t>
-                </a:r>
-                <a14:m>
-                  <m:oMath xmlns:m="http://schemas.openxmlformats.org/officeDocument/2006/math">
-                    <m:sSub>
-                      <m:sSubPr>
-                        <m:ctrlPr>
-                          <a:rPr lang="en-US" altLang="zh-CN" b="0" i="1" smtClean="0">
-                            <a:latin typeface="Cambria Math" charset="0"/>
-                          </a:rPr>
-                        </m:ctrlPr>
-                      </m:sSubPr>
-                      <m:e>
-                        <m:r>
-                          <a:rPr lang="en-US" altLang="zh-CN" i="1" smtClean="0">
-                            <a:latin typeface="Cambria Math" charset="0"/>
-                          </a:rPr>
-                          <m:t>𝑃</m:t>
-                        </m:r>
-                      </m:e>
-                      <m:sub>
-                        <m:r>
-                          <a:rPr lang="en-US" altLang="zh-CN" i="1" smtClean="0">
-                            <a:latin typeface="Cambria Math" charset="0"/>
-                          </a:rPr>
-                          <m:t>𝑏</m:t>
-                        </m:r>
-                      </m:sub>
-                    </m:sSub>
-                  </m:oMath>
-                </a14:m>
-                <a:r>
-                  <a:rPr lang="en-US" altLang="zh-CN" dirty="0" smtClean="0"/>
-                  <a:t>.</a:t>
-                </a:r>
-              </a:p>
-              <a:p>
-                <a:pPr lvl="2"/>
-                <a:r>
-                  <a:rPr lang="en-US" altLang="zh-CN" dirty="0" smtClean="0"/>
-                  <a:t>Both </a:t>
-                </a:r>
-                <a:r>
-                  <a:rPr lang="en-US" altLang="zh-CN" dirty="0"/>
-                  <a:t>the speakers speak a </a:t>
-                </a:r>
-                <a:r>
-                  <a:rPr lang="en-US" altLang="zh-CN" b="1" dirty="0">
-                    <a:solidFill>
-                      <a:srgbClr val="FF0000"/>
-                    </a:solidFill>
-                  </a:rPr>
-                  <a:t>sequence of </a:t>
-                </a:r>
-                <a:r>
-                  <a:rPr lang="en-US" altLang="zh-CN" b="1" dirty="0" smtClean="0">
-                    <a:solidFill>
-                      <a:srgbClr val="FF0000"/>
-                    </a:solidFill>
-                  </a:rPr>
-                  <a:t>utterances </a:t>
-                </a:r>
-                <a14:m>
-                  <m:oMath xmlns:m="http://schemas.openxmlformats.org/officeDocument/2006/math">
-                    <m:sSub>
-                      <m:sSubPr>
-                        <m:ctrlPr>
-                          <a:rPr lang="en-US" altLang="zh-CN" b="0" i="1" smtClean="0">
-                            <a:latin typeface="Cambria Math" charset="0"/>
-                          </a:rPr>
-                        </m:ctrlPr>
-                      </m:sSubPr>
-                      <m:e>
-                        <m:r>
-                          <a:rPr lang="en-US" altLang="zh-CN" i="1" smtClean="0">
-                            <a:latin typeface="Cambria Math" charset="0"/>
-                          </a:rPr>
-                          <m:t>𝑈</m:t>
-                        </m:r>
-                      </m:e>
-                      <m:sub>
-                        <m:r>
-                          <a:rPr lang="en-US" altLang="zh-CN" i="1" smtClean="0">
-                            <a:latin typeface="Cambria Math" charset="0"/>
-                          </a:rPr>
-                          <m:t>𝑎</m:t>
-                        </m:r>
-                      </m:sub>
-                    </m:sSub>
-                  </m:oMath>
-                </a14:m>
-                <a:r>
-                  <a:rPr lang="en-US" altLang="zh-CN" dirty="0"/>
-                  <a:t> and </a:t>
-                </a:r>
-                <a14:m>
-                  <m:oMath xmlns:m="http://schemas.openxmlformats.org/officeDocument/2006/math">
-                    <m:sSub>
-                      <m:sSubPr>
-                        <m:ctrlPr>
-                          <a:rPr lang="en-US" altLang="zh-CN" b="0" i="1" smtClean="0">
-                            <a:latin typeface="Cambria Math" charset="0"/>
-                          </a:rPr>
-                        </m:ctrlPr>
-                      </m:sSubPr>
-                      <m:e>
-                        <m:r>
-                          <a:rPr lang="en-US" altLang="zh-CN" i="1" smtClean="0">
-                            <a:latin typeface="Cambria Math" charset="0"/>
-                          </a:rPr>
-                          <m:t>𝑈</m:t>
-                        </m:r>
-                      </m:e>
-                      <m:sub>
-                        <m:r>
-                          <a:rPr lang="en-US" altLang="zh-CN" i="1" smtClean="0">
-                            <a:latin typeface="Cambria Math" charset="0"/>
-                          </a:rPr>
-                          <m:t>𝑏</m:t>
-                        </m:r>
-                      </m:sub>
-                    </m:sSub>
-                  </m:oMath>
-                </a14:m>
-                <a:r>
-                  <a:rPr lang="en-US" altLang="zh-CN" dirty="0"/>
-                  <a:t>, respectively</a:t>
-                </a:r>
-                <a:r>
-                  <a:rPr lang="en-US" altLang="zh-CN" dirty="0" smtClean="0"/>
-                  <a:t>.</a:t>
-                </a:r>
-              </a:p>
-              <a:p>
-                <a:pPr lvl="2"/>
-                <a14:m>
-                  <m:oMath xmlns:m="http://schemas.openxmlformats.org/officeDocument/2006/math">
-                    <m:sSub>
-                      <m:sSubPr>
-                        <m:ctrlPr>
-                          <a:rPr lang="en-US" altLang="zh-CN" b="0" i="1" smtClean="0">
-                            <a:latin typeface="Cambria Math" charset="0"/>
-                          </a:rPr>
-                        </m:ctrlPr>
-                      </m:sSubPr>
-                      <m:e>
-                        <m:r>
-                          <a:rPr lang="en-US" altLang="zh-CN" i="1" smtClean="0">
-                            <a:latin typeface="Cambria Math" charset="0"/>
-                          </a:rPr>
-                          <m:t>𝑈</m:t>
-                        </m:r>
-                      </m:e>
-                      <m:sub>
-                        <m:r>
-                          <a:rPr lang="en-US" altLang="zh-CN" i="1" smtClean="0">
-                            <a:latin typeface="Cambria Math" charset="0"/>
-                            <a:ea typeface="Cambria Math" charset="0"/>
-                            <a:cs typeface="Cambria Math" charset="0"/>
-                          </a:rPr>
-                          <m:t>𝜆</m:t>
-                        </m:r>
-                      </m:sub>
-                    </m:sSub>
-                    <m:r>
-                      <a:rPr lang="en-US" altLang="zh-CN" i="1" smtClean="0">
-                        <a:latin typeface="Cambria Math" charset="0"/>
-                      </a:rPr>
-                      <m:t>=</m:t>
-                    </m:r>
-                    <m:r>
-                      <a:rPr lang="en-US" altLang="zh-TW" i="1" smtClean="0">
-                        <a:latin typeface="Cambria Math" charset="0"/>
-                      </a:rPr>
-                      <m:t> </m:t>
-                    </m:r>
-                    <m:r>
-                      <a:rPr lang="en-US" altLang="zh-CN" i="1" smtClean="0">
-                        <a:latin typeface="Cambria Math" charset="0"/>
-                      </a:rPr>
-                      <m:t>(</m:t>
-                    </m:r>
-                    <m:sSubSup>
-                      <m:sSubSupPr>
-                        <m:ctrlPr>
-                          <a:rPr lang="en-US" altLang="zh-CN" b="0" i="1" smtClean="0">
-                            <a:latin typeface="Cambria Math" charset="0"/>
-                          </a:rPr>
-                        </m:ctrlPr>
-                      </m:sSubSupPr>
-                      <m:e>
-                        <m:r>
-                          <a:rPr lang="en-US" altLang="zh-CN" i="1" smtClean="0">
-                            <a:latin typeface="Cambria Math" charset="0"/>
-                          </a:rPr>
-                          <m:t>𝑠</m:t>
-                        </m:r>
-                      </m:e>
-                      <m:sub>
-                        <m:r>
-                          <a:rPr lang="en-US" altLang="zh-CN" i="1">
-                            <a:latin typeface="Cambria Math" charset="0"/>
-                            <a:ea typeface="Cambria Math" charset="0"/>
-                            <a:cs typeface="Cambria Math" charset="0"/>
-                          </a:rPr>
-                          <m:t>𝜆</m:t>
-                        </m:r>
-                      </m:sub>
-                      <m:sup>
-                        <m:r>
-                          <a:rPr lang="en-US" altLang="zh-CN" i="1" smtClean="0">
-                            <a:latin typeface="Cambria Math" charset="0"/>
-                          </a:rPr>
-                          <m:t>1</m:t>
-                        </m:r>
-                      </m:sup>
-                    </m:sSubSup>
-                    <m:r>
-                      <a:rPr lang="en-US" altLang="zh-CN" i="1" smtClean="0">
-                        <a:latin typeface="Cambria Math" charset="0"/>
-                      </a:rPr>
-                      <m:t>, </m:t>
-                    </m:r>
-                    <m:sSubSup>
-                      <m:sSubSupPr>
-                        <m:ctrlPr>
-                          <a:rPr lang="en-US" altLang="zh-CN" b="0" i="1" smtClean="0">
-                            <a:latin typeface="Cambria Math" charset="0"/>
-                          </a:rPr>
-                        </m:ctrlPr>
-                      </m:sSubSupPr>
-                      <m:e>
-                        <m:r>
-                          <a:rPr lang="en-US" altLang="zh-CN" i="1" smtClean="0">
-                            <a:latin typeface="Cambria Math" charset="0"/>
-                          </a:rPr>
-                          <m:t>𝑠</m:t>
-                        </m:r>
-                      </m:e>
-                      <m:sub>
-                        <m:r>
-                          <a:rPr lang="en-US" altLang="zh-CN" i="1">
-                            <a:latin typeface="Cambria Math" charset="0"/>
-                            <a:ea typeface="Cambria Math" charset="0"/>
-                            <a:cs typeface="Cambria Math" charset="0"/>
-                          </a:rPr>
-                          <m:t>𝜆</m:t>
-                        </m:r>
-                      </m:sub>
-                      <m:sup>
-                        <m:r>
-                          <a:rPr lang="en-US" altLang="zh-CN" i="1" smtClean="0">
-                            <a:latin typeface="Cambria Math" charset="0"/>
-                          </a:rPr>
-                          <m:t>2</m:t>
-                        </m:r>
-                      </m:sup>
-                    </m:sSubSup>
-                    <m:r>
-                      <a:rPr lang="en-US" altLang="zh-CN" i="1" smtClean="0">
-                        <a:latin typeface="Cambria Math" charset="0"/>
-                      </a:rPr>
-                      <m:t>, </m:t>
-                    </m:r>
-                    <m:r>
-                      <a:rPr lang="en-US" altLang="zh-CN" i="1">
-                        <a:latin typeface="Cambria Math" charset="0"/>
-                      </a:rPr>
-                      <m:t>…, </m:t>
-                    </m:r>
-                    <m:sSubSup>
-                      <m:sSubSupPr>
-                        <m:ctrlPr>
-                          <a:rPr lang="en-US" altLang="zh-CN" b="0" i="1" smtClean="0">
-                            <a:latin typeface="Cambria Math" charset="0"/>
-                          </a:rPr>
-                        </m:ctrlPr>
-                      </m:sSubSupPr>
-                      <m:e>
-                        <m:r>
-                          <a:rPr lang="en-US" altLang="zh-CN" i="1" smtClean="0">
-                            <a:latin typeface="Cambria Math" charset="0"/>
-                          </a:rPr>
-                          <m:t>𝑠</m:t>
-                        </m:r>
-                      </m:e>
-                      <m:sub>
-                        <m:r>
-                          <a:rPr lang="en-US" altLang="zh-CN" i="1">
-                            <a:latin typeface="Cambria Math" charset="0"/>
-                            <a:ea typeface="Cambria Math" charset="0"/>
-                            <a:cs typeface="Cambria Math" charset="0"/>
-                          </a:rPr>
-                          <m:t>𝜆</m:t>
-                        </m:r>
-                      </m:sub>
-                      <m:sup>
-                        <m:sSub>
-                          <m:sSubPr>
-                            <m:ctrlPr>
-                              <a:rPr lang="en-US" altLang="zh-CN" b="0" i="1" smtClean="0">
-                                <a:latin typeface="Cambria Math" charset="0"/>
-                              </a:rPr>
-                            </m:ctrlPr>
-                          </m:sSubPr>
-                          <m:e>
-                            <m:r>
-                              <a:rPr lang="en-US" altLang="zh-CN" i="1" smtClean="0">
-                                <a:latin typeface="Cambria Math" charset="0"/>
-                              </a:rPr>
-                              <m:t>𝑙</m:t>
-                            </m:r>
-                          </m:e>
-                          <m:sub>
-                            <m:r>
-                              <a:rPr lang="en-US" altLang="zh-CN" i="1">
-                                <a:latin typeface="Cambria Math" charset="0"/>
-                                <a:ea typeface="Cambria Math" charset="0"/>
-                                <a:cs typeface="Cambria Math" charset="0"/>
-                              </a:rPr>
-                              <m:t>𝜆</m:t>
-                            </m:r>
-                          </m:sub>
-                        </m:sSub>
-                      </m:sup>
-                    </m:sSubSup>
-                    <m:r>
-                      <a:rPr lang="en-US" altLang="zh-CN" i="1" smtClean="0">
-                        <a:latin typeface="Cambria Math" charset="0"/>
-                      </a:rPr>
-                      <m:t>)</m:t>
-                    </m:r>
-                  </m:oMath>
-                </a14:m>
-                <a:r>
-                  <a:rPr lang="en-US" altLang="zh-CN" dirty="0" smtClean="0"/>
-                  <a:t> </a:t>
-                </a:r>
-                <a:r>
-                  <a:rPr lang="en-US" altLang="zh-CN" dirty="0"/>
-                  <a:t>is ordered </a:t>
-                </a:r>
-                <a:r>
-                  <a:rPr lang="en-US" altLang="zh-CN" dirty="0" smtClean="0"/>
-                  <a:t>temporally</a:t>
-                </a:r>
-              </a:p>
-              <a:p>
-                <a:pPr lvl="3"/>
-                <a14:m>
-                  <m:oMath xmlns:m="http://schemas.openxmlformats.org/officeDocument/2006/math">
-                    <m:sSubSup>
-                      <m:sSubSupPr>
-                        <m:ctrlPr>
-                          <a:rPr lang="en-US" altLang="zh-CN" b="0" i="1" smtClean="0">
-                            <a:latin typeface="Cambria Math" charset="0"/>
-                          </a:rPr>
-                        </m:ctrlPr>
-                      </m:sSubSupPr>
-                      <m:e>
-                        <m:r>
-                          <a:rPr lang="en-US" altLang="zh-CN" i="1" smtClean="0">
-                            <a:latin typeface="Cambria Math" charset="0"/>
-                          </a:rPr>
-                          <m:t>𝑠</m:t>
-                        </m:r>
-                      </m:e>
-                      <m:sub>
-                        <m:r>
-                          <a:rPr lang="en-US" altLang="zh-CN" i="1">
-                            <a:latin typeface="Cambria Math" charset="0"/>
-                            <a:ea typeface="Cambria Math" charset="0"/>
-                            <a:cs typeface="Cambria Math" charset="0"/>
-                          </a:rPr>
-                          <m:t>𝜆</m:t>
-                        </m:r>
-                      </m:sub>
-                      <m:sup>
-                        <m:r>
-                          <a:rPr lang="en-US" altLang="zh-CN" i="1" smtClean="0">
-                            <a:latin typeface="Cambria Math" charset="0"/>
-                          </a:rPr>
-                          <m:t>𝑖</m:t>
-                        </m:r>
-                      </m:sup>
-                    </m:sSubSup>
-                  </m:oMath>
-                </a14:m>
-                <a:r>
-                  <a:rPr lang="en-US" altLang="zh-CN" dirty="0" smtClean="0"/>
-                  <a:t> is </a:t>
-                </a:r>
-                <a:r>
-                  <a:rPr lang="en-US" altLang="zh-CN" dirty="0"/>
-                  <a:t>the </a:t>
-                </a:r>
-                <a14:m>
-                  <m:oMath xmlns:m="http://schemas.openxmlformats.org/officeDocument/2006/math">
-                    <m:sSup>
-                      <m:sSupPr>
-                        <m:ctrlPr>
-                          <a:rPr lang="en-US" altLang="zh-TW" b="0" i="1" dirty="0" smtClean="0">
-                            <a:latin typeface="Cambria Math" charset="0"/>
-                          </a:rPr>
-                        </m:ctrlPr>
-                      </m:sSupPr>
-                      <m:e>
-                        <m:r>
-                          <a:rPr lang="en-US" altLang="zh-CN" i="1" dirty="0" smtClean="0">
-                            <a:latin typeface="Cambria Math" charset="0"/>
-                          </a:rPr>
-                          <m:t>𝑖</m:t>
-                        </m:r>
-                      </m:e>
-                      <m:sup>
-                        <m:r>
-                          <a:rPr lang="en-US" altLang="zh-CN" b="0" i="1" dirty="0" smtClean="0">
-                            <a:latin typeface="Cambria Math" charset="0"/>
-                          </a:rPr>
-                          <m:t>𝑡h</m:t>
-                        </m:r>
-                      </m:sup>
-                    </m:sSup>
-                  </m:oMath>
-                </a14:m>
-                <a:r>
-                  <a:rPr lang="en-US" altLang="zh-CN" dirty="0" smtClean="0"/>
-                  <a:t> </a:t>
-                </a:r>
-                <a:r>
-                  <a:rPr lang="en-US" altLang="zh-CN" dirty="0"/>
-                  <a:t>utterance by </a:t>
-                </a:r>
-                <a14:m>
-                  <m:oMath xmlns:m="http://schemas.openxmlformats.org/officeDocument/2006/math">
-                    <m:sSub>
-                      <m:sSubPr>
-                        <m:ctrlPr>
-                          <a:rPr lang="en-US" altLang="zh-CN" b="0" i="1" smtClean="0">
-                            <a:latin typeface="Cambria Math" charset="0"/>
-                          </a:rPr>
-                        </m:ctrlPr>
-                      </m:sSubPr>
-                      <m:e>
-                        <m:r>
-                          <a:rPr lang="en-US" altLang="zh-CN" i="1" smtClean="0">
-                            <a:latin typeface="Cambria Math" charset="0"/>
-                          </a:rPr>
-                          <m:t>𝑃</m:t>
-                        </m:r>
-                      </m:e>
-                      <m:sub>
-                        <m:r>
-                          <a:rPr lang="en-US" altLang="zh-CN" i="1">
-                            <a:latin typeface="Cambria Math" charset="0"/>
-                            <a:ea typeface="Cambria Math" charset="0"/>
-                            <a:cs typeface="Cambria Math" charset="0"/>
-                          </a:rPr>
-                          <m:t>𝜆</m:t>
-                        </m:r>
-                      </m:sub>
-                    </m:sSub>
-                  </m:oMath>
-                </a14:m>
-                <a:endParaRPr lang="en-US" altLang="zh-CN" dirty="0" smtClean="0"/>
-              </a:p>
-              <a:p>
-                <a:pPr lvl="3"/>
-                <a14:m>
-                  <m:oMath xmlns:m="http://schemas.openxmlformats.org/officeDocument/2006/math">
-                    <m:sSub>
-                      <m:sSubPr>
-                        <m:ctrlPr>
-                          <a:rPr lang="en-US" altLang="zh-CN" b="0" i="1" smtClean="0">
-                            <a:latin typeface="Cambria Math" charset="0"/>
-                          </a:rPr>
-                        </m:ctrlPr>
-                      </m:sSubPr>
-                      <m:e>
-                        <m:r>
-                          <a:rPr lang="en-US" altLang="zh-CN" i="1" smtClean="0">
-                            <a:latin typeface="Cambria Math" charset="0"/>
-                          </a:rPr>
-                          <m:t>𝑙</m:t>
-                        </m:r>
-                      </m:e>
-                      <m:sub>
-                        <m:r>
-                          <a:rPr lang="en-US" altLang="zh-CN" i="1">
-                            <a:latin typeface="Cambria Math" charset="0"/>
-                            <a:ea typeface="Cambria Math" charset="0"/>
-                            <a:cs typeface="Cambria Math" charset="0"/>
-                          </a:rPr>
-                          <m:t>𝜆</m:t>
-                        </m:r>
-                      </m:sub>
-                    </m:sSub>
-                    <m:r>
-                      <a:rPr lang="en-US" altLang="zh-CN" b="0" i="1" smtClean="0">
-                        <a:latin typeface="Cambria Math" charset="0"/>
-                        <a:ea typeface="Cambria Math" charset="0"/>
-                        <a:cs typeface="Cambria Math" charset="0"/>
-                      </a:rPr>
-                      <m:t> </m:t>
-                    </m:r>
-                  </m:oMath>
-                </a14:m>
-                <a:r>
-                  <a:rPr lang="en-US" altLang="zh-CN" dirty="0"/>
-                  <a:t>is the total </a:t>
-                </a:r>
-                <a:r>
-                  <a:rPr lang="en-US" altLang="zh-CN" dirty="0" smtClean="0"/>
-                  <a:t>number</a:t>
-                </a:r>
-                <a:r>
-                  <a:rPr lang="en-US" altLang="zh-CN" dirty="0"/>
-                  <a:t> </a:t>
-                </a:r>
-                <a:r>
-                  <a:rPr lang="en-US" altLang="zh-CN" dirty="0" smtClean="0"/>
-                  <a:t>of </a:t>
-                </a:r>
-                <a:r>
-                  <a:rPr lang="en-US" altLang="zh-CN" dirty="0"/>
-                  <a:t>utterances spoken by person </a:t>
-                </a:r>
-                <a14:m>
-                  <m:oMath xmlns:m="http://schemas.openxmlformats.org/officeDocument/2006/math">
-                    <m:sSub>
-                      <m:sSubPr>
-                        <m:ctrlPr>
-                          <a:rPr lang="en-US" altLang="zh-CN" b="0" i="1" smtClean="0">
-                            <a:latin typeface="Cambria Math" charset="0"/>
-                          </a:rPr>
-                        </m:ctrlPr>
-                      </m:sSubPr>
-                      <m:e>
-                        <m:r>
-                          <a:rPr lang="en-US" altLang="zh-CN" i="1" smtClean="0">
-                            <a:latin typeface="Cambria Math" charset="0"/>
-                          </a:rPr>
-                          <m:t>𝑃</m:t>
-                        </m:r>
-                      </m:e>
-                      <m:sub>
-                        <m:r>
-                          <a:rPr lang="en-US" altLang="zh-CN" i="1">
-                            <a:latin typeface="Cambria Math" charset="0"/>
-                            <a:ea typeface="Cambria Math" charset="0"/>
-                            <a:cs typeface="Cambria Math" charset="0"/>
-                          </a:rPr>
-                          <m:t>𝜆</m:t>
-                        </m:r>
-                      </m:sub>
-                    </m:sSub>
-                  </m:oMath>
-                </a14:m>
-                <a:r>
-                  <a:rPr lang="en-US" altLang="zh-CN" dirty="0" smtClean="0"/>
-                  <a:t>, </a:t>
-                </a:r>
-                <a14:m>
-                  <m:oMath xmlns:m="http://schemas.openxmlformats.org/officeDocument/2006/math">
-                    <m:r>
-                      <a:rPr lang="en-US" altLang="zh-CN" i="1">
-                        <a:latin typeface="Cambria Math" charset="0"/>
-                        <a:ea typeface="Cambria Math" charset="0"/>
-                        <a:cs typeface="Cambria Math" charset="0"/>
-                      </a:rPr>
-                      <m:t>𝜆</m:t>
-                    </m:r>
-                    <m:r>
-                      <a:rPr lang="en-US" altLang="zh-CN" i="1">
-                        <a:latin typeface="Cambria Math" charset="0"/>
-                        <a:ea typeface="Cambria Math" charset="0"/>
-                        <a:cs typeface="Cambria Math" charset="0"/>
-                      </a:rPr>
-                      <m:t>∈{</m:t>
-                    </m:r>
-                    <m:r>
-                      <a:rPr lang="en-US" altLang="zh-CN" i="1">
-                        <a:latin typeface="Cambria Math" charset="0"/>
-                      </a:rPr>
-                      <m:t>𝑎</m:t>
-                    </m:r>
-                    <m:r>
-                      <a:rPr lang="en-US" altLang="zh-CN" i="1">
-                        <a:latin typeface="Cambria Math" charset="0"/>
-                      </a:rPr>
-                      <m:t>, </m:t>
-                    </m:r>
-                    <m:r>
-                      <a:rPr lang="en-US" altLang="zh-CN" i="1">
-                        <a:latin typeface="Cambria Math" charset="0"/>
-                      </a:rPr>
-                      <m:t>𝑏</m:t>
-                    </m:r>
-                    <m:r>
-                      <a:rPr lang="en-US" altLang="zh-CN" i="1">
-                        <a:latin typeface="Cambria Math" charset="0"/>
-                      </a:rPr>
-                      <m:t>}</m:t>
-                    </m:r>
-                  </m:oMath>
-                </a14:m>
-                <a:r>
-                  <a:rPr lang="en-US" altLang="zh-CN" dirty="0" smtClean="0"/>
-                  <a:t>.</a:t>
-                </a:r>
-                <a:endParaRPr lang="en-US" altLang="zh-CN" dirty="0"/>
-              </a:p>
-              <a:p>
-                <a:pPr lvl="2"/>
-                <a:r>
-                  <a:rPr lang="en-US" altLang="zh-CN" dirty="0" smtClean="0"/>
-                  <a:t>The utterances </a:t>
-                </a:r>
-                <a:r>
-                  <a:rPr lang="en-US" altLang="zh-CN" dirty="0"/>
-                  <a:t>by both speakers can </a:t>
-                </a:r>
-                <a:r>
-                  <a:rPr lang="en-US" altLang="zh-CN" dirty="0" smtClean="0"/>
-                  <a:t>be</a:t>
-                </a:r>
-                <a:r>
-                  <a:rPr lang="en-US" altLang="zh-CN" dirty="0"/>
-                  <a:t> </a:t>
-                </a:r>
-                <a:r>
-                  <a:rPr lang="en-US" altLang="zh-CN" dirty="0" smtClean="0"/>
-                  <a:t>linearly </a:t>
-                </a:r>
-                <a:r>
-                  <a:rPr lang="en-US" altLang="zh-CN" dirty="0"/>
-                  <a:t>ordered based on temporal </a:t>
-                </a:r>
-                <a:r>
-                  <a:rPr lang="en-US" altLang="zh-CN" dirty="0" smtClean="0"/>
-                  <a:t>occurrence</a:t>
-                </a:r>
-              </a:p>
-              <a:p>
-                <a:pPr lvl="3"/>
-                <a:r>
-                  <a:rPr lang="en-US" altLang="zh-CN" dirty="0" smtClean="0"/>
-                  <a:t>as </a:t>
-                </a:r>
-                <a14:m>
-                  <m:oMath xmlns:m="http://schemas.openxmlformats.org/officeDocument/2006/math">
-                    <m:r>
-                      <a:rPr lang="en-US" altLang="zh-CN" i="1" smtClean="0">
-                        <a:latin typeface="Cambria Math" charset="0"/>
-                      </a:rPr>
-                      <m:t>(</m:t>
-                    </m:r>
-                    <m:sSub>
-                      <m:sSubPr>
-                        <m:ctrlPr>
-                          <a:rPr lang="en-US" altLang="zh-CN" b="0" i="1" smtClean="0">
-                            <a:latin typeface="Cambria Math" charset="0"/>
-                          </a:rPr>
-                        </m:ctrlPr>
-                      </m:sSubPr>
-                      <m:e>
-                        <m:r>
-                          <a:rPr lang="en-US" altLang="zh-CN" i="1" smtClean="0">
-                            <a:latin typeface="Cambria Math" charset="0"/>
-                          </a:rPr>
-                          <m:t>𝑢</m:t>
-                        </m:r>
-                      </m:e>
-                      <m:sub>
-                        <m:r>
-                          <a:rPr lang="en-US" altLang="zh-CN" i="1" smtClean="0">
-                            <a:latin typeface="Cambria Math" charset="0"/>
-                          </a:rPr>
-                          <m:t>1</m:t>
-                        </m:r>
-                      </m:sub>
-                    </m:sSub>
-                    <m:r>
-                      <a:rPr lang="en-US" altLang="zh-CN" i="1" smtClean="0">
-                        <a:latin typeface="Cambria Math" charset="0"/>
-                      </a:rPr>
-                      <m:t>, </m:t>
-                    </m:r>
-                    <m:sSub>
-                      <m:sSubPr>
-                        <m:ctrlPr>
-                          <a:rPr lang="en-US" altLang="zh-CN" b="0" i="1" smtClean="0">
-                            <a:latin typeface="Cambria Math" charset="0"/>
-                          </a:rPr>
-                        </m:ctrlPr>
-                      </m:sSubPr>
-                      <m:e>
-                        <m:r>
-                          <a:rPr lang="en-US" altLang="zh-CN" i="1" smtClean="0">
-                            <a:latin typeface="Cambria Math" charset="0"/>
-                          </a:rPr>
-                          <m:t>𝑢</m:t>
-                        </m:r>
-                      </m:e>
-                      <m:sub>
-                        <m:r>
-                          <a:rPr lang="en-US" altLang="zh-CN" i="1" smtClean="0">
-                            <a:latin typeface="Cambria Math" charset="0"/>
-                          </a:rPr>
-                          <m:t>2</m:t>
-                        </m:r>
-                      </m:sub>
-                    </m:sSub>
-                    <m:r>
-                      <a:rPr lang="en-US" altLang="zh-CN" i="1" smtClean="0">
-                        <a:latin typeface="Cambria Math" charset="0"/>
-                      </a:rPr>
-                      <m:t>, …</m:t>
-                    </m:r>
-                    <m:sSub>
-                      <m:sSubPr>
-                        <m:ctrlPr>
-                          <a:rPr lang="en-US" altLang="zh-CN" b="0" i="1" smtClean="0">
-                            <a:latin typeface="Cambria Math" charset="0"/>
-                          </a:rPr>
-                        </m:ctrlPr>
-                      </m:sSubPr>
-                      <m:e>
-                        <m:r>
-                          <a:rPr lang="en-US" altLang="zh-CN" i="1">
-                            <a:latin typeface="Cambria Math" charset="0"/>
-                          </a:rPr>
-                          <m:t>𝑢</m:t>
-                        </m:r>
-                      </m:e>
-                      <m:sub>
-                        <m:sSub>
-                          <m:sSubPr>
-                            <m:ctrlPr>
-                              <a:rPr lang="en-US" altLang="zh-CN" b="0" i="1" smtClean="0">
-                                <a:latin typeface="Cambria Math" charset="0"/>
-                              </a:rPr>
-                            </m:ctrlPr>
-                          </m:sSubPr>
-                          <m:e>
-                            <m:r>
-                              <a:rPr lang="en-US" altLang="zh-CN" i="1">
-                                <a:latin typeface="Cambria Math" charset="0"/>
-                              </a:rPr>
-                              <m:t>𝑙</m:t>
-                            </m:r>
-                          </m:e>
-                          <m:sub>
-                            <m:r>
-                              <a:rPr lang="en-US" altLang="zh-CN" i="1">
-                                <a:latin typeface="Cambria Math" charset="0"/>
-                              </a:rPr>
-                              <m:t>𝑎</m:t>
-                            </m:r>
-                          </m:sub>
-                        </m:sSub>
-                        <m:r>
-                          <a:rPr lang="en-US" altLang="zh-CN" i="1">
-                            <a:latin typeface="Cambria Math" charset="0"/>
-                          </a:rPr>
-                          <m:t>+</m:t>
-                        </m:r>
-                        <m:sSub>
-                          <m:sSubPr>
-                            <m:ctrlPr>
-                              <a:rPr lang="en-US" altLang="zh-CN" b="0" i="1" smtClean="0">
-                                <a:latin typeface="Cambria Math" charset="0"/>
-                              </a:rPr>
-                            </m:ctrlPr>
-                          </m:sSubPr>
-                          <m:e>
-                            <m:r>
-                              <a:rPr lang="en-US" altLang="zh-CN" i="1">
-                                <a:latin typeface="Cambria Math" charset="0"/>
-                              </a:rPr>
-                              <m:t>𝑙</m:t>
-                            </m:r>
-                          </m:e>
-                          <m:sub>
-                            <m:r>
-                              <a:rPr lang="en-US" altLang="zh-CN" i="1">
-                                <a:latin typeface="Cambria Math" charset="0"/>
-                              </a:rPr>
-                              <m:t>𝑏</m:t>
-                            </m:r>
-                          </m:sub>
-                        </m:sSub>
-                      </m:sub>
-                    </m:sSub>
-                    <m:r>
-                      <a:rPr lang="en-US" altLang="zh-CN" i="1">
-                        <a:latin typeface="Cambria Math" charset="0"/>
-                      </a:rPr>
-                      <m:t>)</m:t>
-                    </m:r>
-                  </m:oMath>
-                </a14:m>
-                <a:r>
-                  <a:rPr lang="en-US" altLang="zh-CN" dirty="0"/>
-                  <a:t> , </a:t>
-                </a:r>
-                <a:r>
-                  <a:rPr lang="en-US" altLang="zh-CN" dirty="0" smtClean="0"/>
-                  <a:t>where, </a:t>
-                </a:r>
-                <a14:m>
-                  <m:oMath xmlns:m="http://schemas.openxmlformats.org/officeDocument/2006/math">
-                    <m:sSub>
-                      <m:sSubPr>
-                        <m:ctrlPr>
-                          <a:rPr lang="en-US" altLang="zh-CN" b="0" i="1" smtClean="0">
-                            <a:latin typeface="Cambria Math" charset="0"/>
-                          </a:rPr>
-                        </m:ctrlPr>
-                      </m:sSubPr>
-                      <m:e>
-                        <m:r>
-                          <a:rPr lang="en-US" altLang="zh-CN" i="1" smtClean="0">
-                            <a:latin typeface="Cambria Math" charset="0"/>
-                          </a:rPr>
-                          <m:t>𝑢</m:t>
-                        </m:r>
-                      </m:e>
-                      <m:sub>
-                        <m:r>
-                          <a:rPr lang="en-US" altLang="zh-CN" i="1" smtClean="0">
-                            <a:latin typeface="Cambria Math" charset="0"/>
-                          </a:rPr>
-                          <m:t>𝑗</m:t>
-                        </m:r>
-                      </m:sub>
-                    </m:sSub>
-                    <m:r>
-                      <a:rPr lang="en-US" altLang="zh-CN" i="1" smtClean="0">
-                        <a:latin typeface="Cambria Math" charset="0"/>
-                        <a:ea typeface="Cambria Math" charset="0"/>
-                        <a:cs typeface="Cambria Math" charset="0"/>
-                      </a:rPr>
-                      <m:t>∈</m:t>
-                    </m:r>
-                    <m:r>
-                      <a:rPr lang="en-US" altLang="zh-CN" i="1">
-                        <a:latin typeface="Cambria Math" charset="0"/>
-                      </a:rPr>
-                      <m:t> </m:t>
-                    </m:r>
-                    <m:sSub>
-                      <m:sSubPr>
-                        <m:ctrlPr>
-                          <a:rPr lang="en-US" altLang="zh-CN" b="0" i="1" smtClean="0">
-                            <a:latin typeface="Cambria Math" charset="0"/>
-                          </a:rPr>
-                        </m:ctrlPr>
-                      </m:sSubPr>
-                      <m:e>
-                        <m:r>
-                          <a:rPr lang="en-US" altLang="zh-CN" i="1">
-                            <a:latin typeface="Cambria Math" charset="0"/>
-                          </a:rPr>
-                          <m:t>𝑈</m:t>
-                        </m:r>
-                      </m:e>
-                      <m:sub>
-                        <m:r>
-                          <a:rPr lang="en-US" altLang="zh-CN" i="1">
-                            <a:latin typeface="Cambria Math" charset="0"/>
-                          </a:rPr>
-                          <m:t>𝑎</m:t>
-                        </m:r>
-                      </m:sub>
-                    </m:sSub>
-                    <m:r>
-                      <a:rPr lang="en-US" altLang="zh-CN" i="1">
-                        <a:latin typeface="Cambria Math" charset="0"/>
-                      </a:rPr>
-                      <m:t> </m:t>
-                    </m:r>
-                    <m:r>
-                      <a:rPr lang="en-US" altLang="zh-CN" i="1">
-                        <a:latin typeface="Cambria Math" charset="0"/>
-                      </a:rPr>
-                      <m:t>𝑜𝑟</m:t>
-                    </m:r>
-                    <m:r>
-                      <a:rPr lang="en-US" altLang="zh-CN" i="1">
-                        <a:latin typeface="Cambria Math" charset="0"/>
-                      </a:rPr>
-                      <m:t> </m:t>
-                    </m:r>
-                    <m:sSub>
-                      <m:sSubPr>
-                        <m:ctrlPr>
-                          <a:rPr lang="en-US" altLang="zh-CN" b="0" i="1" smtClean="0">
-                            <a:latin typeface="Cambria Math" charset="0"/>
-                          </a:rPr>
-                        </m:ctrlPr>
-                      </m:sSubPr>
-                      <m:e>
-                        <m:r>
-                          <a:rPr lang="en-US" altLang="zh-CN" i="1">
-                            <a:latin typeface="Cambria Math" charset="0"/>
-                          </a:rPr>
-                          <m:t>𝑈</m:t>
-                        </m:r>
-                      </m:e>
-                      <m:sub>
-                        <m:r>
-                          <a:rPr lang="en-US" altLang="zh-CN" i="1">
-                            <a:latin typeface="Cambria Math" charset="0"/>
-                          </a:rPr>
-                          <m:t>𝑏</m:t>
-                        </m:r>
-                      </m:sub>
-                    </m:sSub>
-                  </m:oMath>
-                </a14:m>
-                <a:r>
-                  <a:rPr lang="en-US" altLang="zh-CN" dirty="0" smtClean="0"/>
-                  <a:t>.</a:t>
-                </a:r>
-              </a:p>
-              <a:p>
-                <a:pPr lvl="1"/>
-                <a:r>
-                  <a:rPr kumimoji="1" lang="en-US" altLang="zh-CN" dirty="0"/>
-                  <a:t>Our model takes as </a:t>
-                </a:r>
-                <a:r>
-                  <a:rPr kumimoji="1" lang="en-US" altLang="zh-CN" b="1" dirty="0">
-                    <a:solidFill>
-                      <a:srgbClr val="FF0000"/>
-                    </a:solidFill>
-                  </a:rPr>
-                  <a:t>input</a:t>
-                </a:r>
-                <a:r>
-                  <a:rPr kumimoji="1" lang="en-US" altLang="zh-CN" dirty="0"/>
-                  <a:t> an </a:t>
-                </a:r>
-                <a:r>
-                  <a:rPr kumimoji="1" lang="en-US" altLang="zh-CN" b="1" dirty="0" smtClean="0">
-                    <a:solidFill>
-                      <a:srgbClr val="FF0000"/>
-                    </a:solidFill>
-                  </a:rPr>
-                  <a:t>utterance </a:t>
-                </a:r>
-                <a14:m>
-                  <m:oMath xmlns:m="http://schemas.openxmlformats.org/officeDocument/2006/math">
-                    <m:sSub>
-                      <m:sSubPr>
-                        <m:ctrlPr>
-                          <a:rPr lang="en-US" altLang="zh-CN" b="1" i="1">
-                            <a:solidFill>
-                              <a:srgbClr val="FF0000"/>
-                            </a:solidFill>
-                            <a:latin typeface="Cambria Math" charset="0"/>
-                          </a:rPr>
-                        </m:ctrlPr>
-                      </m:sSubPr>
-                      <m:e>
-                        <m:r>
-                          <a:rPr lang="en-US" altLang="zh-CN" b="1" i="1">
-                            <a:solidFill>
-                              <a:srgbClr val="FF0000"/>
-                            </a:solidFill>
-                            <a:latin typeface="Cambria Math" charset="0"/>
-                          </a:rPr>
-                          <m:t>𝒖</m:t>
-                        </m:r>
-                      </m:e>
-                      <m:sub>
-                        <m:r>
-                          <a:rPr lang="en-US" altLang="zh-CN" b="1" i="1" smtClean="0">
-                            <a:solidFill>
-                              <a:srgbClr val="FF0000"/>
-                            </a:solidFill>
-                            <a:latin typeface="Cambria Math" charset="0"/>
-                          </a:rPr>
-                          <m:t>𝒊</m:t>
-                        </m:r>
-                      </m:sub>
-                    </m:sSub>
-                  </m:oMath>
-                </a14:m>
-                <a:r>
-                  <a:rPr kumimoji="1" lang="en-US" altLang="zh-CN" dirty="0"/>
-                  <a:t> </a:t>
-                </a:r>
-                <a:r>
-                  <a:rPr kumimoji="1" lang="en-US" altLang="zh-CN" dirty="0" smtClean="0"/>
-                  <a:t>whose </a:t>
-                </a:r>
-                <a:r>
-                  <a:rPr kumimoji="1" lang="en-US" altLang="zh-CN" b="1" dirty="0" smtClean="0">
-                    <a:solidFill>
-                      <a:srgbClr val="FF0000"/>
-                    </a:solidFill>
-                  </a:rPr>
-                  <a:t>emotion </a:t>
-                </a:r>
-                <a:r>
-                  <a:rPr kumimoji="1" lang="en-US" altLang="zh-CN" b="1" dirty="0">
-                    <a:solidFill>
-                      <a:srgbClr val="FF0000"/>
-                    </a:solidFill>
-                  </a:rPr>
-                  <a:t>category</a:t>
-                </a:r>
-                <a:r>
-                  <a:rPr kumimoji="1" lang="en-US" altLang="zh-CN" dirty="0"/>
-                  <a:t> </a:t>
-                </a:r>
-                <a:r>
-                  <a:rPr kumimoji="1" lang="en-US" altLang="zh-CN" dirty="0" smtClean="0"/>
-                  <a:t>needs </a:t>
-                </a:r>
-                <a:r>
-                  <a:rPr kumimoji="1" lang="en-US" altLang="zh-CN" dirty="0"/>
-                  <a:t>to be classified</a:t>
-                </a:r>
-                <a:r>
-                  <a:rPr kumimoji="1" lang="en-US" altLang="zh-CN" dirty="0" smtClean="0"/>
-                  <a:t>.</a:t>
-                </a:r>
-              </a:p>
-              <a:p>
-                <a:pPr lvl="2"/>
-                <a:r>
-                  <a:rPr kumimoji="1" lang="en-US" altLang="zh-CN" dirty="0" smtClean="0"/>
-                  <a:t>To </a:t>
-                </a:r>
-                <a:r>
-                  <a:rPr kumimoji="1" lang="en-US" altLang="zh-CN" dirty="0"/>
-                  <a:t>get its history, preceding </a:t>
-                </a:r>
-                <a:r>
-                  <a:rPr kumimoji="1" lang="en-US" altLang="zh-CN" i="1" dirty="0" smtClean="0"/>
-                  <a:t>K</a:t>
-                </a:r>
-                <a:r>
-                  <a:rPr kumimoji="1" lang="en-US" altLang="zh-CN" dirty="0" smtClean="0"/>
-                  <a:t> </a:t>
-                </a:r>
-                <a:r>
-                  <a:rPr kumimoji="1" lang="en-US" altLang="zh-CN" dirty="0"/>
-                  <a:t>utterances </a:t>
-                </a:r>
-                <a:r>
-                  <a:rPr kumimoji="1" lang="en-US" altLang="zh-CN" dirty="0" smtClean="0"/>
-                  <a:t>of each </a:t>
-                </a:r>
-                <a:r>
-                  <a:rPr kumimoji="1" lang="en-US" altLang="zh-CN" dirty="0"/>
-                  <a:t>person are separately collected as </a:t>
-                </a:r>
-                <a14:m>
-                  <m:oMath xmlns:m="http://schemas.openxmlformats.org/officeDocument/2006/math">
-                    <m:r>
-                      <a:rPr kumimoji="1" lang="en-US" altLang="zh-CN" i="1" dirty="0" smtClean="0">
-                        <a:latin typeface="Cambria Math" charset="0"/>
-                      </a:rPr>
-                      <m:t>h𝑖𝑠</m:t>
-                    </m:r>
-                    <m:sSub>
-                      <m:sSubPr>
-                        <m:ctrlPr>
-                          <a:rPr kumimoji="1" lang="en-US" altLang="zh-CN" b="0" i="1" dirty="0" smtClean="0">
-                            <a:latin typeface="Cambria Math" charset="0"/>
-                          </a:rPr>
-                        </m:ctrlPr>
-                      </m:sSubPr>
-                      <m:e>
-                        <m:r>
-                          <a:rPr kumimoji="1" lang="en-US" altLang="zh-CN" i="1" dirty="0" smtClean="0">
-                            <a:latin typeface="Cambria Math" charset="0"/>
-                          </a:rPr>
-                          <m:t>𝑡</m:t>
-                        </m:r>
-                      </m:e>
-                      <m:sub>
-                        <m:r>
-                          <a:rPr kumimoji="1" lang="en-US" altLang="zh-CN" i="1" dirty="0" smtClean="0">
-                            <a:latin typeface="Cambria Math" charset="0"/>
-                          </a:rPr>
-                          <m:t>𝑎</m:t>
-                        </m:r>
-                      </m:sub>
-                    </m:sSub>
-                    <m:r>
-                      <a:rPr kumimoji="1" lang="en-US" altLang="zh-CN" i="1" dirty="0">
-                        <a:latin typeface="Cambria Math" charset="0"/>
-                      </a:rPr>
-                      <m:t> </m:t>
-                    </m:r>
-                  </m:oMath>
-                </a14:m>
-                <a:r>
-                  <a:rPr kumimoji="1" lang="en-US" altLang="zh-CN" dirty="0" smtClean="0"/>
-                  <a:t>and </a:t>
-                </a:r>
-                <a14:m>
-                  <m:oMath xmlns:m="http://schemas.openxmlformats.org/officeDocument/2006/math">
-                    <m:r>
-                      <a:rPr kumimoji="1" lang="en-US" altLang="zh-CN" i="1" dirty="0" smtClean="0">
-                        <a:latin typeface="Cambria Math" charset="0"/>
-                      </a:rPr>
-                      <m:t>h𝑖𝑠</m:t>
-                    </m:r>
-                    <m:sSub>
-                      <m:sSubPr>
-                        <m:ctrlPr>
-                          <a:rPr kumimoji="1" lang="en-US" altLang="zh-CN" b="0" i="1" dirty="0" smtClean="0">
-                            <a:latin typeface="Cambria Math" charset="0"/>
-                          </a:rPr>
-                        </m:ctrlPr>
-                      </m:sSubPr>
-                      <m:e>
-                        <m:r>
-                          <a:rPr kumimoji="1" lang="en-US" altLang="zh-CN" i="1" dirty="0" smtClean="0">
-                            <a:latin typeface="Cambria Math" charset="0"/>
-                          </a:rPr>
-                          <m:t>𝑡</m:t>
-                        </m:r>
-                      </m:e>
-                      <m:sub>
-                        <m:r>
-                          <a:rPr kumimoji="1" lang="en-US" altLang="zh-CN" i="1" dirty="0" smtClean="0">
-                            <a:latin typeface="Cambria Math" charset="0"/>
-                          </a:rPr>
-                          <m:t>𝑏</m:t>
-                        </m:r>
-                      </m:sub>
-                    </m:sSub>
-                  </m:oMath>
-                </a14:m>
-                <a:r>
-                  <a:rPr kumimoji="1" lang="en-US" altLang="zh-CN" dirty="0" smtClean="0"/>
-                  <a:t>.</a:t>
-                </a:r>
-              </a:p>
-              <a:p>
-                <a:pPr lvl="2"/>
-                <a:r>
-                  <a:rPr kumimoji="1" lang="en-US" altLang="zh-CN" dirty="0" smtClean="0"/>
-                  <a:t>Here</a:t>
-                </a:r>
-                <a:r>
-                  <a:rPr kumimoji="1" lang="en-US" altLang="zh-CN" dirty="0"/>
-                  <a:t>, </a:t>
-                </a:r>
-                <a:r>
-                  <a:rPr kumimoji="1" lang="en-US" altLang="zh-CN" i="1" dirty="0"/>
-                  <a:t>K</a:t>
-                </a:r>
-                <a:r>
-                  <a:rPr kumimoji="1" lang="en-US" altLang="zh-CN" dirty="0"/>
-                  <a:t> serves as the length of the </a:t>
-                </a:r>
-                <a:r>
-                  <a:rPr kumimoji="1" lang="en-US" altLang="zh-CN" dirty="0" smtClean="0"/>
-                  <a:t>context </a:t>
-                </a:r>
-                <a:r>
-                  <a:rPr lang="en-US" altLang="zh-CN" dirty="0"/>
-                  <a:t>window for history of </a:t>
-                </a:r>
-                <a14:m>
-                  <m:oMath xmlns:m="http://schemas.openxmlformats.org/officeDocument/2006/math">
-                    <m:sSub>
-                      <m:sSubPr>
-                        <m:ctrlPr>
-                          <a:rPr lang="en-US" altLang="zh-CN" i="1">
-                            <a:latin typeface="Cambria Math" charset="0"/>
-                          </a:rPr>
-                        </m:ctrlPr>
-                      </m:sSubPr>
-                      <m:e>
-                        <m:r>
-                          <a:rPr lang="en-US" altLang="zh-CN" i="1">
-                            <a:latin typeface="Cambria Math" charset="0"/>
-                          </a:rPr>
-                          <m:t>𝑢</m:t>
-                        </m:r>
-                      </m:e>
-                      <m:sub>
-                        <m:r>
-                          <a:rPr lang="en-US" altLang="zh-CN" i="1">
-                            <a:latin typeface="Cambria Math" charset="0"/>
-                          </a:rPr>
-                          <m:t>𝑖</m:t>
-                        </m:r>
-                      </m:sub>
-                    </m:sSub>
-                  </m:oMath>
-                </a14:m>
-                <a:r>
-                  <a:rPr lang="en-US" altLang="zh-CN" dirty="0"/>
-                  <a:t>. </a:t>
-                </a:r>
-              </a:p>
-              <a:p>
-                <a:pPr lvl="3"/>
-                <a14:m>
-                  <m:oMath xmlns:m="http://schemas.openxmlformats.org/officeDocument/2006/math">
-                    <m:r>
-                      <a:rPr lang="pl-PL" altLang="zh-CN" i="1" dirty="0" smtClean="0">
-                        <a:latin typeface="Cambria Math" charset="0"/>
-                      </a:rPr>
-                      <m:t>h𝑖𝑠</m:t>
-                    </m:r>
-                    <m:sSub>
-                      <m:sSubPr>
-                        <m:ctrlPr>
-                          <a:rPr lang="en-US" altLang="zh-CN" b="0" i="1" dirty="0" smtClean="0">
-                            <a:latin typeface="Cambria Math" charset="0"/>
-                          </a:rPr>
-                        </m:ctrlPr>
-                      </m:sSubPr>
-                      <m:e>
-                        <m:r>
-                          <a:rPr lang="pl-PL" altLang="zh-CN" i="1" dirty="0" smtClean="0">
-                            <a:latin typeface="Cambria Math" charset="0"/>
-                          </a:rPr>
-                          <m:t>𝑡</m:t>
-                        </m:r>
-                      </m:e>
-                      <m:sub>
-                        <m:r>
-                          <a:rPr lang="en-US" altLang="zh-CN" i="1">
-                            <a:latin typeface="Cambria Math" charset="0"/>
-                            <a:ea typeface="Cambria Math" charset="0"/>
-                            <a:cs typeface="Cambria Math" charset="0"/>
-                          </a:rPr>
-                          <m:t>𝜆</m:t>
-                        </m:r>
-                      </m:sub>
-                    </m:sSub>
-                    <m:r>
-                      <a:rPr lang="pl-PL" altLang="zh-CN" i="1" dirty="0">
-                        <a:latin typeface="Cambria Math" charset="0"/>
-                      </a:rPr>
-                      <m:t>= </m:t>
-                    </m:r>
-                    <m:d>
-                      <m:dPr>
-                        <m:begChr m:val="{"/>
-                        <m:endChr m:val="|"/>
-                        <m:ctrlPr>
-                          <a:rPr lang="pl-PL" altLang="zh-CN" b="0" i="1" dirty="0">
-                            <a:latin typeface="Cambria Math" charset="0"/>
-                          </a:rPr>
-                        </m:ctrlPr>
-                      </m:dPr>
-                      <m:e>
-                        <m:sSub>
-                          <m:sSubPr>
-                            <m:ctrlPr>
-                              <a:rPr lang="en-US" altLang="zh-CN" b="0" i="1" dirty="0" smtClean="0">
-                                <a:latin typeface="Cambria Math" charset="0"/>
-                              </a:rPr>
-                            </m:ctrlPr>
-                          </m:sSubPr>
-                          <m:e>
-                            <m:r>
-                              <a:rPr lang="en-US" altLang="zh-CN" b="0" i="1" dirty="0" smtClean="0">
-                                <a:latin typeface="Cambria Math" charset="0"/>
-                              </a:rPr>
-                              <m:t>𝑢</m:t>
-                            </m:r>
-                          </m:e>
-                          <m:sub>
-                            <m:r>
-                              <a:rPr lang="en-US" altLang="zh-CN" b="0" i="1" dirty="0" smtClean="0">
-                                <a:latin typeface="Cambria Math" charset="0"/>
-                              </a:rPr>
-                              <m:t>𝑗</m:t>
-                            </m:r>
-                          </m:sub>
-                        </m:sSub>
-                      </m:e>
-                    </m:d>
-                    <m:sSub>
-                      <m:sSubPr>
-                        <m:ctrlPr>
-                          <a:rPr lang="en-US" altLang="zh-CN" b="0" i="1" dirty="0" smtClean="0">
-                            <a:latin typeface="Cambria Math" charset="0"/>
-                          </a:rPr>
-                        </m:ctrlPr>
-                      </m:sSubPr>
-                      <m:e>
-                        <m:r>
-                          <a:rPr lang="en-US" altLang="zh-CN" b="0" i="1" dirty="0" smtClean="0">
-                            <a:latin typeface="Cambria Math" charset="0"/>
-                          </a:rPr>
-                          <m:t>𝑢</m:t>
-                        </m:r>
-                      </m:e>
-                      <m:sub>
-                        <m:r>
-                          <a:rPr lang="en-US" altLang="zh-CN" b="0" i="1" dirty="0" smtClean="0">
-                            <a:latin typeface="Cambria Math" charset="0"/>
-                          </a:rPr>
-                          <m:t>𝑗</m:t>
-                        </m:r>
-                      </m:sub>
-                    </m:sSub>
-                    <m:r>
-                      <a:rPr lang="en-US" altLang="zh-CN" i="1" dirty="0" smtClean="0">
-                        <a:latin typeface="Cambria Math" charset="0"/>
-                        <a:ea typeface="Cambria Math" charset="0"/>
-                        <a:cs typeface="Cambria Math" charset="0"/>
-                      </a:rPr>
-                      <m:t>∈</m:t>
-                    </m:r>
-                    <m:sSub>
-                      <m:sSubPr>
-                        <m:ctrlPr>
-                          <a:rPr lang="en-US" altLang="zh-CN" b="0" i="1" dirty="0" smtClean="0">
-                            <a:latin typeface="Cambria Math" charset="0"/>
-                          </a:rPr>
-                        </m:ctrlPr>
-                      </m:sSubPr>
-                      <m:e>
-                        <m:r>
-                          <a:rPr lang="pl-PL" altLang="zh-CN" i="1" dirty="0">
-                            <a:latin typeface="Cambria Math" charset="0"/>
-                          </a:rPr>
-                          <m:t>𝑈</m:t>
-                        </m:r>
-                      </m:e>
-                      <m:sub>
-                        <m:r>
-                          <a:rPr lang="en-US" altLang="zh-CN" i="1">
-                            <a:latin typeface="Cambria Math" charset="0"/>
-                            <a:ea typeface="Cambria Math" charset="0"/>
-                            <a:cs typeface="Cambria Math" charset="0"/>
-                          </a:rPr>
-                          <m:t>𝜆</m:t>
-                        </m:r>
-                      </m:sub>
-                    </m:sSub>
-                    <m:r>
-                      <a:rPr lang="pl-PL" altLang="zh-CN" i="1" dirty="0">
-                        <a:latin typeface="Cambria Math" charset="0"/>
-                      </a:rPr>
-                      <m:t>, </m:t>
-                    </m:r>
-                    <m:r>
-                      <a:rPr lang="en-US" altLang="zh-CN" b="0" i="1" dirty="0" smtClean="0">
-                        <a:latin typeface="Cambria Math" charset="0"/>
-                      </a:rPr>
-                      <m:t>𝑗</m:t>
-                    </m:r>
-                    <m:r>
-                      <a:rPr lang="en-US" altLang="zh-CN" b="0" i="1" dirty="0" smtClean="0">
-                        <a:latin typeface="Cambria Math" charset="0"/>
-                      </a:rPr>
-                      <m:t>&lt;</m:t>
-                    </m:r>
-                    <m:r>
-                      <a:rPr lang="pl-PL" altLang="zh-CN" i="1" dirty="0">
-                        <a:latin typeface="Cambria Math" charset="0"/>
-                      </a:rPr>
-                      <m:t>𝑖</m:t>
-                    </m:r>
-                    <m:r>
-                      <a:rPr lang="pl-PL" altLang="zh-CN" i="1" dirty="0">
-                        <a:latin typeface="Cambria Math" charset="0"/>
-                      </a:rPr>
-                      <m:t>} ,  |</m:t>
-                    </m:r>
-                    <m:sSub>
-                      <m:sSubPr>
-                        <m:ctrlPr>
-                          <a:rPr lang="en-US" altLang="zh-CN" i="1" dirty="0">
-                            <a:latin typeface="Cambria Math" charset="0"/>
-                          </a:rPr>
-                        </m:ctrlPr>
-                      </m:sSubPr>
-                      <m:e>
-                        <m:r>
-                          <a:rPr lang="en-US" altLang="zh-CN" i="1" dirty="0">
-                            <a:latin typeface="Cambria Math" charset="0"/>
-                          </a:rPr>
-                          <m:t>h𝑖𝑠𝑡</m:t>
-                        </m:r>
-                      </m:e>
-                      <m:sub>
-                        <m:r>
-                          <a:rPr lang="en-US" altLang="zh-CN" i="1">
-                            <a:latin typeface="Cambria Math" charset="0"/>
-                            <a:ea typeface="Cambria Math" charset="0"/>
-                            <a:cs typeface="Cambria Math" charset="0"/>
-                          </a:rPr>
-                          <m:t>𝜆</m:t>
-                        </m:r>
-                      </m:sub>
-                    </m:sSub>
-                    <m:r>
-                      <a:rPr lang="en-US" altLang="zh-CN" b="0" i="1" dirty="0" smtClean="0">
-                        <a:latin typeface="Cambria Math" charset="0"/>
-                      </a:rPr>
-                      <m:t>|</m:t>
-                    </m:r>
-                    <m:r>
-                      <a:rPr lang="en-US" altLang="zh-CN" b="0" i="1" dirty="0" smtClean="0">
-                        <a:latin typeface="Cambria Math" charset="0"/>
-                        <a:ea typeface="Cambria Math" charset="0"/>
-                        <a:cs typeface="Cambria Math" charset="0"/>
-                      </a:rPr>
-                      <m:t>≤</m:t>
-                    </m:r>
-                    <m:r>
-                      <a:rPr lang="pl-PL" altLang="zh-CN" i="1" dirty="0">
-                        <a:latin typeface="Cambria Math" charset="0"/>
-                      </a:rPr>
-                      <m:t>𝐾</m:t>
-                    </m:r>
-                  </m:oMath>
-                </a14:m>
-                <a:endParaRPr lang="pl-PL" altLang="zh-CN" dirty="0" smtClean="0"/>
-              </a:p>
-            </p:txBody>
-          </p:sp>
-        </mc:Choice>
-        <mc:Fallback xmlns="">
-          <p:sp>
-            <p:nvSpPr>
-              <p:cNvPr id="3" name="内容占位符 2"/>
-              <p:cNvSpPr>
-                <a:spLocks noGrp="1" noRot="1" noChangeAspect="1" noMove="1" noResize="1" noEditPoints="1" noAdjustHandles="1" noChangeArrowheads="1" noChangeShapeType="1" noTextEdit="1"/>
-              </p:cNvSpPr>
-              <p:nvPr>
-                <p:ph idx="1"/>
-              </p:nvPr>
-            </p:nvSpPr>
-            <p:spPr>
-              <a:blipFill rotWithShape="0">
-                <a:blip r:embed="rId3"/>
-                <a:stretch>
-                  <a:fillRect l="-606" t="-1667" b="-1667"/>
-                </a:stretch>
-              </a:blipFill>
-            </p:spPr>
-            <p:txBody>
-              <a:bodyPr/>
-              <a:lstStyle/>
-              <a:p>
-                <a:r>
-                  <a:rPr lang="zh-CN" altLang="en-US">
-                    <a:noFill/>
-                  </a:rPr>
-                  <a:t> </a:t>
-                </a:r>
-              </a:p>
-            </p:txBody>
-          </p:sp>
-        </mc:Fallback>
-      </mc:AlternateContent>
+      <p:sp>
+        <p:nvSpPr>
+          <p:cNvPr id="3" name="内容占位符 2"/>
+          <p:cNvSpPr>
+            <a:spLocks noGrp="1"/>
+          </p:cNvSpPr>
+          <p:nvPr>
+            <p:ph idx="1"/>
+          </p:nvPr>
+        </p:nvSpPr>
+        <p:spPr>
+          <a:xfrm>
+            <a:off x="1097280" y="1845734"/>
+            <a:ext cx="3346704" cy="4023360"/>
+          </a:xfrm>
+        </p:spPr>
+        <p:txBody>
+          <a:bodyPr>
+            <a:normAutofit fontScale="70000" lnSpcReduction="20000"/>
+          </a:bodyPr>
+          <a:lstStyle/>
+          <a:p>
+            <a:r>
+              <a:rPr kumimoji="1" lang="en-US" altLang="zh-CN" dirty="0" smtClean="0"/>
+              <a:t>Abstract</a:t>
+            </a:r>
+          </a:p>
+          <a:p>
+            <a:pPr lvl="1"/>
+            <a:r>
+              <a:rPr kumimoji="1" lang="en-US" altLang="zh-CN" dirty="0" smtClean="0"/>
+              <a:t>Word </a:t>
+            </a:r>
+            <a:r>
+              <a:rPr kumimoji="1" lang="en-US" altLang="zh-CN" dirty="0"/>
+              <a:t>embedding of </a:t>
+            </a:r>
+            <a:r>
+              <a:rPr kumimoji="1" lang="en-US" altLang="zh-CN" b="1" dirty="0">
+                <a:solidFill>
+                  <a:srgbClr val="FF0000"/>
+                </a:solidFill>
+              </a:rPr>
+              <a:t>word2vec</a:t>
+            </a:r>
+            <a:r>
+              <a:rPr kumimoji="1" lang="en-US" altLang="zh-CN" dirty="0"/>
+              <a:t> training contains </a:t>
+            </a:r>
+            <a:r>
+              <a:rPr kumimoji="1" lang="en-US" altLang="zh-CN" b="1" dirty="0">
+                <a:solidFill>
+                  <a:srgbClr val="FF0000"/>
+                </a:solidFill>
+              </a:rPr>
+              <a:t>only semantic information</a:t>
+            </a:r>
+            <a:r>
+              <a:rPr kumimoji="1" lang="en-US" altLang="zh-CN" dirty="0" smtClean="0"/>
+              <a:t>.</a:t>
+            </a:r>
+          </a:p>
+          <a:p>
+            <a:pPr lvl="1"/>
+            <a:r>
+              <a:rPr kumimoji="1" lang="en-US" altLang="zh-CN" dirty="0" smtClean="0"/>
+              <a:t>An </a:t>
+            </a:r>
+            <a:r>
+              <a:rPr kumimoji="1" lang="en-US" altLang="zh-CN" dirty="0"/>
+              <a:t>algorithm for text sentiment analysis is proposed solve the problem of text containing </a:t>
+            </a:r>
+            <a:r>
+              <a:rPr kumimoji="1" lang="en-US" altLang="zh-CN" b="1" dirty="0">
+                <a:solidFill>
+                  <a:srgbClr val="FF0000"/>
+                </a:solidFill>
+              </a:rPr>
+              <a:t>semantics</a:t>
+            </a:r>
+            <a:r>
+              <a:rPr kumimoji="1" lang="en-US" altLang="zh-CN" dirty="0"/>
+              <a:t>, </a:t>
+            </a:r>
+            <a:r>
+              <a:rPr kumimoji="1" lang="en-US" altLang="zh-CN" b="1" dirty="0">
+                <a:solidFill>
+                  <a:srgbClr val="FF0000"/>
+                </a:solidFill>
+              </a:rPr>
+              <a:t>syntax, sentiment and other information</a:t>
+            </a:r>
+            <a:r>
+              <a:rPr kumimoji="1" lang="en-US" altLang="zh-CN" dirty="0" smtClean="0"/>
+              <a:t>.</a:t>
+            </a:r>
+          </a:p>
+          <a:p>
+            <a:pPr lvl="1"/>
+            <a:r>
+              <a:rPr kumimoji="1" lang="en-US" altLang="zh-CN" dirty="0" smtClean="0"/>
+              <a:t>It </a:t>
+            </a:r>
+            <a:r>
+              <a:rPr kumimoji="1" lang="en-US" altLang="zh-CN" dirty="0"/>
+              <a:t>begins with the learning of </a:t>
+            </a:r>
+            <a:r>
+              <a:rPr kumimoji="1" lang="en-US" altLang="zh-CN" dirty="0" smtClean="0"/>
+              <a:t>original text-multi word embedding in the semantic, syntactic, and sentiment </a:t>
+            </a:r>
+            <a:r>
+              <a:rPr kumimoji="1" lang="en-US" altLang="zh-CN" dirty="0"/>
+              <a:t>information, followed by </a:t>
+            </a:r>
+            <a:r>
+              <a:rPr kumimoji="1" lang="en-US" altLang="zh-CN" dirty="0" smtClean="0"/>
+              <a:t>proceeding </a:t>
+            </a:r>
+            <a:r>
+              <a:rPr kumimoji="1" lang="en-US" altLang="zh-CN" dirty="0"/>
+              <a:t>the word embedding fusion</a:t>
+            </a:r>
+            <a:r>
+              <a:rPr kumimoji="1" lang="en-US" altLang="zh-CN" dirty="0" smtClean="0"/>
+              <a:t>.</a:t>
+            </a:r>
+          </a:p>
+          <a:p>
+            <a:pPr lvl="1"/>
+            <a:r>
+              <a:rPr kumimoji="1" lang="en-US" altLang="zh-CN" dirty="0" smtClean="0"/>
+              <a:t>The </a:t>
+            </a:r>
+            <a:r>
+              <a:rPr kumimoji="1" lang="en-US" altLang="zh-CN" dirty="0"/>
+              <a:t>improved convolution neural network is applied for sentiment analysis</a:t>
+            </a:r>
+            <a:r>
+              <a:rPr kumimoji="1" lang="en-US" altLang="zh-CN" dirty="0" smtClean="0"/>
+              <a:t>.</a:t>
+            </a:r>
+          </a:p>
+          <a:p>
+            <a:pPr lvl="1"/>
+            <a:r>
+              <a:rPr kumimoji="1" lang="en-US" altLang="zh-CN" dirty="0" smtClean="0"/>
+              <a:t>K-means text clustering is applied by dividing similar text into the same cluster, thus improving the classification accuracy.</a:t>
+            </a:r>
+          </a:p>
+          <a:p>
+            <a:pPr lvl="1"/>
+            <a:r>
+              <a:rPr kumimoji="1" lang="en-US" altLang="zh-CN" dirty="0" smtClean="0"/>
+              <a:t>The application of the Principal Component Analysis (PCA) dimensionality not only extracts the principal component information, but also solves the problem of redundancy embedding and improves the computational performance of classification model.</a:t>
+            </a:r>
+            <a:endParaRPr kumimoji="1" lang="zh-CN" altLang="en-US" dirty="0"/>
+          </a:p>
+        </p:txBody>
+      </p:sp>
+      <p:sp>
+        <p:nvSpPr>
+          <p:cNvPr id="4" name="矩形 3"/>
+          <p:cNvSpPr/>
+          <p:nvPr/>
+        </p:nvSpPr>
+        <p:spPr>
+          <a:xfrm>
+            <a:off x="1097280" y="6417302"/>
+            <a:ext cx="3405997" cy="461665"/>
+          </a:xfrm>
+          <a:prstGeom prst="rect">
+            <a:avLst/>
+          </a:prstGeom>
+        </p:spPr>
+        <p:txBody>
+          <a:bodyPr wrap="none">
+            <a:spAutoFit/>
+          </a:bodyPr>
+          <a:lstStyle/>
+          <a:p>
+            <a:r>
+              <a:rPr lang="zh-CN" altLang="en-US" sz="1200" dirty="0">
+                <a:solidFill>
+                  <a:schemeClr val="bg1"/>
+                </a:solidFill>
+              </a:rPr>
+              <a:t>Xiaojie Sun, Menghao Du, Hua Shi, Wenming </a:t>
+            </a:r>
+            <a:r>
+              <a:rPr lang="zh-CN" altLang="en-US" sz="1200" dirty="0" smtClean="0">
+                <a:solidFill>
+                  <a:schemeClr val="bg1"/>
+                </a:solidFill>
+              </a:rPr>
+              <a:t>Huang</a:t>
+            </a:r>
+            <a:endParaRPr lang="en-US" altLang="zh-CN" sz="1200" dirty="0" smtClean="0">
+              <a:solidFill>
+                <a:schemeClr val="bg1"/>
+              </a:solidFill>
+            </a:endParaRPr>
+          </a:p>
+          <a:p>
+            <a:r>
+              <a:rPr lang="en-US" altLang="zh-CN" sz="1200" dirty="0">
+                <a:solidFill>
+                  <a:schemeClr val="bg1"/>
+                </a:solidFill>
+              </a:rPr>
+              <a:t>ICACS '18, July 27–29, 2018, Beijing, China</a:t>
+            </a:r>
+            <a:endParaRPr lang="zh-CN" altLang="en-US" sz="1200" dirty="0">
+              <a:solidFill>
+                <a:schemeClr val="bg1"/>
+              </a:solidFill>
+            </a:endParaRPr>
+          </a:p>
+        </p:txBody>
+      </p:sp>
+      <p:pic>
+        <p:nvPicPr>
+          <p:cNvPr id="6" name="图片 5"/>
+          <p:cNvPicPr>
+            <a:picLocks noChangeAspect="1"/>
+          </p:cNvPicPr>
+          <p:nvPr/>
+        </p:nvPicPr>
+        <p:blipFill>
+          <a:blip r:embed="rId2">
+            <a:extLst>
+              <a:ext uri="{28A0092B-C50C-407E-A947-70E740481C1C}">
+                <a14:useLocalDpi xmlns:a14="http://schemas.microsoft.com/office/drawing/2010/main" val="0"/>
+              </a:ext>
+            </a:extLst>
+          </a:blip>
+          <a:stretch>
+            <a:fillRect/>
+          </a:stretch>
+        </p:blipFill>
+        <p:spPr>
+          <a:xfrm>
+            <a:off x="8059610" y="2834746"/>
+            <a:ext cx="3540140" cy="2728673"/>
+          </a:xfrm>
+          <a:prstGeom prst="rect">
+            <a:avLst/>
+          </a:prstGeom>
+        </p:spPr>
+      </p:pic>
+      <p:pic>
+        <p:nvPicPr>
+          <p:cNvPr id="7" name="图片 6"/>
+          <p:cNvPicPr>
+            <a:picLocks noChangeAspect="1"/>
+          </p:cNvPicPr>
+          <p:nvPr/>
+        </p:nvPicPr>
+        <p:blipFill>
+          <a:blip r:embed="rId3">
+            <a:extLst>
+              <a:ext uri="{28A0092B-C50C-407E-A947-70E740481C1C}">
+                <a14:useLocalDpi xmlns:a14="http://schemas.microsoft.com/office/drawing/2010/main" val="0"/>
+              </a:ext>
+            </a:extLst>
+          </a:blip>
+          <a:stretch>
+            <a:fillRect/>
+          </a:stretch>
+        </p:blipFill>
+        <p:spPr>
+          <a:xfrm>
+            <a:off x="4561029" y="2299349"/>
+            <a:ext cx="3604268" cy="3264070"/>
+          </a:xfrm>
+          <a:prstGeom prst="rect">
+            <a:avLst/>
+          </a:prstGeom>
+        </p:spPr>
+      </p:pic>
     </p:spTree>
     <p:extLst>
       <p:ext uri="{BB962C8B-B14F-4D97-AF65-F5344CB8AC3E}">
-        <p14:creationId xmlns:p14="http://schemas.microsoft.com/office/powerpoint/2010/main" val="970526173"/>
+        <p14:creationId xmlns:p14="http://schemas.microsoft.com/office/powerpoint/2010/main" val="1516367863"/>
       </p:ext>
     </p:extLst>
   </p:cSld>
   <p:clrMapOvr>
     <a:masterClrMapping/>
   </p:clrMapOvr>
+  <p:timing>
+    <p:tnLst>
+      <p:par>
+        <p:cTn id="1" dur="indefinite" restart="never" nodeType="tmRoot"/>
+      </p:par>
+    </p:tnLst>
+  </p:timing>
 </p:sld>
 </file>
 

--- a/[报告] Text Emotion Detection.pptx
+++ b/[报告] Text Emotion Detection.pptx
@@ -5,7 +5,7 @@
     <p:sldMasterId id="2147483660" r:id="rId1"/>
   </p:sldMasterIdLst>
   <p:notesMasterIdLst>
-    <p:notesMasterId r:id="rId20"/>
+    <p:notesMasterId r:id="rId21"/>
   </p:notesMasterIdLst>
   <p:sldIdLst>
     <p:sldId id="256" r:id="rId2"/>
@@ -26,6 +26,7 @@
     <p:sldId id="270" r:id="rId17"/>
     <p:sldId id="273" r:id="rId18"/>
     <p:sldId id="274" r:id="rId19"/>
+    <p:sldId id="275" r:id="rId20"/>
   </p:sldIdLst>
   <p:sldSz cx="12192000" cy="6858000"/>
   <p:notesSz cx="6858000" cy="9144000"/>
@@ -214,7 +215,7 @@
           <a:p>
             <a:fld id="{983043E2-39BC-0A48-8C2E-4FD7A4F1E838}" type="datetimeFigureOut">
               <a:rPr kumimoji="1" lang="zh-CN" altLang="en-US" smtClean="0"/>
-              <a:t>2018/12/12</a:t>
+              <a:t>2018/12/14</a:t>
             </a:fld>
             <a:endParaRPr kumimoji="1" lang="zh-CN" altLang="en-US"/>
           </a:p>
@@ -1128,7 +1129,7 @@
           <a:p>
             <a:fld id="{E23D9A72-93E2-EA46-BADF-AE74A1DEC3F4}" type="datetimeFigureOut">
               <a:rPr kumimoji="1" lang="zh-CN" altLang="en-US" smtClean="0"/>
-              <a:t>2018/12/12</a:t>
+              <a:t>2018/12/14</a:t>
             </a:fld>
             <a:endParaRPr kumimoji="1" lang="zh-CN" altLang="en-US"/>
           </a:p>
@@ -1336,7 +1337,7 @@
           <a:p>
             <a:fld id="{E23D9A72-93E2-EA46-BADF-AE74A1DEC3F4}" type="datetimeFigureOut">
               <a:rPr kumimoji="1" lang="zh-CN" altLang="en-US" smtClean="0"/>
-              <a:t>2018/12/12</a:t>
+              <a:t>2018/12/14</a:t>
             </a:fld>
             <a:endParaRPr kumimoji="1" lang="zh-CN" altLang="en-US"/>
           </a:p>
@@ -1592,7 +1593,7 @@
           <a:p>
             <a:fld id="{E23D9A72-93E2-EA46-BADF-AE74A1DEC3F4}" type="datetimeFigureOut">
               <a:rPr kumimoji="1" lang="zh-CN" altLang="en-US" smtClean="0"/>
-              <a:t>2018/12/12</a:t>
+              <a:t>2018/12/14</a:t>
             </a:fld>
             <a:endParaRPr kumimoji="1" lang="zh-CN" altLang="en-US"/>
           </a:p>
@@ -1766,7 +1767,7 @@
           <a:p>
             <a:fld id="{E23D9A72-93E2-EA46-BADF-AE74A1DEC3F4}" type="datetimeFigureOut">
               <a:rPr kumimoji="1" lang="zh-CN" altLang="en-US" smtClean="0"/>
-              <a:t>2018/12/12</a:t>
+              <a:t>2018/12/14</a:t>
             </a:fld>
             <a:endParaRPr kumimoji="1" lang="zh-CN" altLang="en-US"/>
           </a:p>
@@ -2109,7 +2110,7 @@
           <a:p>
             <a:fld id="{E23D9A72-93E2-EA46-BADF-AE74A1DEC3F4}" type="datetimeFigureOut">
               <a:rPr kumimoji="1" lang="zh-CN" altLang="en-US" smtClean="0"/>
-              <a:t>2018/12/12</a:t>
+              <a:t>2018/12/14</a:t>
             </a:fld>
             <a:endParaRPr kumimoji="1" lang="zh-CN" altLang="en-US"/>
           </a:p>
@@ -2384,7 +2385,7 @@
           <a:p>
             <a:fld id="{E23D9A72-93E2-EA46-BADF-AE74A1DEC3F4}" type="datetimeFigureOut">
               <a:rPr kumimoji="1" lang="zh-CN" altLang="en-US" smtClean="0"/>
-              <a:t>2018/12/12</a:t>
+              <a:t>2018/12/14</a:t>
             </a:fld>
             <a:endParaRPr kumimoji="1" lang="zh-CN" altLang="en-US"/>
           </a:p>
@@ -2763,7 +2764,7 @@
           <a:p>
             <a:fld id="{E23D9A72-93E2-EA46-BADF-AE74A1DEC3F4}" type="datetimeFigureOut">
               <a:rPr kumimoji="1" lang="zh-CN" altLang="en-US" smtClean="0"/>
-              <a:t>2018/12/12</a:t>
+              <a:t>2018/12/14</a:t>
             </a:fld>
             <a:endParaRPr kumimoji="1" lang="zh-CN" altLang="en-US"/>
           </a:p>
@@ -2881,7 +2882,7 @@
           <a:p>
             <a:fld id="{E23D9A72-93E2-EA46-BADF-AE74A1DEC3F4}" type="datetimeFigureOut">
               <a:rPr kumimoji="1" lang="zh-CN" altLang="en-US" smtClean="0"/>
-              <a:t>2018/12/12</a:t>
+              <a:t>2018/12/14</a:t>
             </a:fld>
             <a:endParaRPr kumimoji="1" lang="zh-CN" altLang="en-US"/>
           </a:p>
@@ -3052,7 +3053,7 @@
           <a:p>
             <a:fld id="{E23D9A72-93E2-EA46-BADF-AE74A1DEC3F4}" type="datetimeFigureOut">
               <a:rPr kumimoji="1" lang="zh-CN" altLang="en-US" smtClean="0"/>
-              <a:t>2018/12/12</a:t>
+              <a:t>2018/12/14</a:t>
             </a:fld>
             <a:endParaRPr kumimoji="1" lang="zh-CN" altLang="en-US"/>
           </a:p>
@@ -3406,7 +3407,7 @@
           <a:p>
             <a:fld id="{E23D9A72-93E2-EA46-BADF-AE74A1DEC3F4}" type="datetimeFigureOut">
               <a:rPr kumimoji="1" lang="zh-CN" altLang="en-US" smtClean="0"/>
-              <a:t>2018/12/12</a:t>
+              <a:t>2018/12/14</a:t>
             </a:fld>
             <a:endParaRPr kumimoji="1" lang="zh-CN" altLang="en-US"/>
           </a:p>
@@ -3788,7 +3789,7 @@
           <a:p>
             <a:fld id="{E23D9A72-93E2-EA46-BADF-AE74A1DEC3F4}" type="datetimeFigureOut">
               <a:rPr kumimoji="1" lang="zh-CN" altLang="en-US" smtClean="0"/>
-              <a:t>2018/12/12</a:t>
+              <a:t>2018/12/14</a:t>
             </a:fld>
             <a:endParaRPr kumimoji="1" lang="zh-CN" altLang="en-US"/>
           </a:p>
@@ -4075,7 +4076,7 @@
           <a:p>
             <a:fld id="{E23D9A72-93E2-EA46-BADF-AE74A1DEC3F4}" type="datetimeFigureOut">
               <a:rPr kumimoji="1" lang="zh-CN" altLang="en-US" smtClean="0"/>
-              <a:t>2018/12/12</a:t>
+              <a:t>2018/12/14</a:t>
             </a:fld>
             <a:endParaRPr kumimoji="1" lang="zh-CN" altLang="en-US"/>
           </a:p>
@@ -8688,8 +8689,8 @@
           </a:p>
         </p:txBody>
       </p:sp>
-      <mc:AlternateContent xmlns:mc="http://schemas.openxmlformats.org/markup-compatibility/2006">
-        <mc:Choice xmlns:a14="http://schemas.microsoft.com/office/drawing/2010/main" Requires="a14">
+      <mc:AlternateContent xmlns:mc="http://schemas.openxmlformats.org/markup-compatibility/2006" xmlns:a14="http://schemas.microsoft.com/office/drawing/2010/main">
+        <mc:Choice Requires="a14">
           <p:sp>
             <p:nvSpPr>
               <p:cNvPr id="3" name="内容占位符 2"/>
@@ -9293,7 +9294,7 @@
             </p:txBody>
           </p:sp>
         </mc:Choice>
-        <mc:Fallback>
+        <mc:Fallback xmlns="">
           <p:sp>
             <p:nvSpPr>
               <p:cNvPr id="3" name="内容占位符 2"/>
@@ -9573,7 +9574,11 @@
           <a:bodyPr/>
           <a:lstStyle/>
           <a:p>
-            <a:endParaRPr kumimoji="1" lang="zh-CN" altLang="en-US"/>
+            <a:r>
+              <a:rPr kumimoji="1" lang="zh-CN" altLang="en-US" dirty="0" smtClean="0"/>
+              <a:t>方法总结</a:t>
+            </a:r>
+            <a:endParaRPr kumimoji="1" lang="zh-CN" altLang="en-US" dirty="0"/>
           </a:p>
         </p:txBody>
       </p:sp>
@@ -9589,10 +9594,184 @@
         </p:nvSpPr>
         <p:spPr/>
         <p:txBody>
-          <a:bodyPr/>
+          <a:bodyPr>
+            <a:normAutofit/>
+          </a:bodyPr>
           <a:lstStyle/>
           <a:p>
-            <a:endParaRPr kumimoji="1" lang="zh-CN" altLang="en-US"/>
+            <a:r>
+              <a:rPr kumimoji="1" lang="zh-CN" altLang="en-US" dirty="0" smtClean="0"/>
+              <a:t>不</a:t>
+            </a:r>
+            <a:r>
+              <a:rPr kumimoji="1" lang="zh-CN" altLang="en-US" dirty="0"/>
+              <a:t>区分回合的</a:t>
+            </a:r>
+            <a:r>
+              <a:rPr kumimoji="1" lang="zh-CN" altLang="en-US" dirty="0" smtClean="0"/>
+              <a:t>发言</a:t>
+            </a:r>
+            <a:r>
+              <a:rPr kumimoji="1" lang="en-US" altLang="zh-CN" dirty="0" smtClean="0"/>
+              <a:t>	</a:t>
+            </a:r>
+          </a:p>
+          <a:p>
+            <a:pPr lvl="1"/>
+            <a:r>
+              <a:rPr kumimoji="1" lang="zh-CN" altLang="en-US" dirty="0" smtClean="0"/>
+              <a:t>提取</a:t>
+            </a:r>
+            <a:r>
+              <a:rPr kumimoji="1" lang="zh-CN" altLang="en-US" dirty="0"/>
+              <a:t>特征，以简单机器学习算法作为分类</a:t>
+            </a:r>
+            <a:r>
+              <a:rPr kumimoji="1" lang="zh-CN" altLang="en-US" dirty="0" smtClean="0"/>
+              <a:t>器</a:t>
+            </a:r>
+            <a:endParaRPr kumimoji="1" lang="en-US" altLang="zh-CN" dirty="0" smtClean="0"/>
+          </a:p>
+          <a:p>
+            <a:pPr lvl="2"/>
+            <a:r>
+              <a:rPr kumimoji="1" lang="en-US" altLang="zh-CN" dirty="0" smtClean="0"/>
+              <a:t>Emotion </a:t>
+            </a:r>
+            <a:r>
+              <a:rPr kumimoji="1" lang="en-US" altLang="zh-CN" dirty="0"/>
+              <a:t>Analysis of Internet Chat (2008) </a:t>
+            </a:r>
+            <a:endParaRPr kumimoji="1" lang="en-US" altLang="zh-CN" dirty="0" smtClean="0"/>
+          </a:p>
+          <a:p>
+            <a:pPr lvl="2"/>
+            <a:r>
+              <a:rPr kumimoji="1" lang="en-US" altLang="zh-CN" dirty="0" smtClean="0"/>
+              <a:t>A </a:t>
+            </a:r>
+            <a:r>
+              <a:rPr kumimoji="1" lang="en-US" altLang="zh-CN" dirty="0"/>
+              <a:t>Majority Voting Approach for Sentiment Analysis in Short Texts using Topic Models (2017</a:t>
+            </a:r>
+            <a:r>
+              <a:rPr kumimoji="1" lang="en-US" altLang="zh-CN" dirty="0" smtClean="0"/>
+              <a:t>)</a:t>
+            </a:r>
+          </a:p>
+          <a:p>
+            <a:pPr lvl="1"/>
+            <a:r>
+              <a:rPr kumimoji="1" lang="zh-CN" altLang="en-US" dirty="0" smtClean="0"/>
+              <a:t>以</a:t>
+            </a:r>
+            <a:r>
+              <a:rPr kumimoji="1" lang="en-US" altLang="zh-CN" dirty="0"/>
+              <a:t>RNN/CNN</a:t>
+            </a:r>
+            <a:r>
+              <a:rPr kumimoji="1" lang="zh-CN" altLang="en-US" dirty="0"/>
+              <a:t>把整句话映射成隐藏特征分量，再以全连接映射到</a:t>
+            </a:r>
+            <a:r>
+              <a:rPr kumimoji="1" lang="zh-CN" altLang="en-US" dirty="0" smtClean="0"/>
+              <a:t>标签</a:t>
+            </a:r>
+            <a:endParaRPr kumimoji="1" lang="en-US" altLang="zh-CN" dirty="0" smtClean="0"/>
+          </a:p>
+          <a:p>
+            <a:pPr lvl="2"/>
+            <a:r>
+              <a:rPr kumimoji="1" lang="en-US" altLang="zh-CN" dirty="0" smtClean="0"/>
+              <a:t>Semi-supervised </a:t>
+            </a:r>
+            <a:r>
+              <a:rPr kumimoji="1" lang="en-US" altLang="zh-CN" dirty="0"/>
+              <a:t>Sentiment Classification with Dialog Data (2018</a:t>
+            </a:r>
+            <a:r>
+              <a:rPr kumimoji="1" lang="en-US" altLang="zh-CN" dirty="0" smtClean="0"/>
+              <a:t>)</a:t>
+            </a:r>
+          </a:p>
+          <a:p>
+            <a:pPr lvl="2"/>
+            <a:r>
+              <a:rPr kumimoji="1" lang="en-US" altLang="zh-CN" dirty="0" smtClean="0"/>
+              <a:t>Entire </a:t>
+            </a:r>
+            <a:r>
+              <a:rPr kumimoji="1" lang="en-US" altLang="zh-CN" dirty="0"/>
+              <a:t>Information Attentive GRU for Text Representation (2018</a:t>
+            </a:r>
+            <a:r>
+              <a:rPr kumimoji="1" lang="en-US" altLang="zh-CN" dirty="0" smtClean="0"/>
+              <a:t>)</a:t>
+            </a:r>
+          </a:p>
+          <a:p>
+            <a:pPr lvl="2"/>
+            <a:r>
+              <a:rPr kumimoji="1" lang="en-US" altLang="zh-CN" dirty="0" smtClean="0"/>
+              <a:t>A </a:t>
+            </a:r>
+            <a:r>
+              <a:rPr kumimoji="1" lang="en-US" altLang="zh-CN" dirty="0"/>
+              <a:t>Sentiment-and-Semantics-Based Approach for Emotion Detection in Textual Conversations (2018</a:t>
+            </a:r>
+            <a:r>
+              <a:rPr kumimoji="1" lang="en-US" altLang="zh-CN" dirty="0" smtClean="0"/>
+              <a:t>)</a:t>
+            </a:r>
+          </a:p>
+          <a:p>
+            <a:pPr lvl="2"/>
+            <a:r>
+              <a:rPr kumimoji="1" lang="en-US" altLang="zh-CN" dirty="0" smtClean="0"/>
+              <a:t>Text </a:t>
+            </a:r>
+            <a:r>
+              <a:rPr kumimoji="1" lang="en-US" altLang="zh-CN" dirty="0"/>
+              <a:t>Sentiment Polarity Classification Method Based on Word Embedding (2018</a:t>
+            </a:r>
+            <a:r>
+              <a:rPr kumimoji="1" lang="en-US" altLang="zh-CN" dirty="0" smtClean="0"/>
+              <a:t>)</a:t>
+            </a:r>
+          </a:p>
+          <a:p>
+            <a:pPr lvl="2"/>
+            <a:r>
+              <a:rPr kumimoji="1" lang="en-US" altLang="zh-CN" dirty="0" smtClean="0"/>
+              <a:t>Deep </a:t>
+            </a:r>
+            <a:r>
+              <a:rPr kumimoji="1" lang="en-US" altLang="zh-CN" dirty="0"/>
+              <a:t>Learning Approach for Sentiment Analysis of Short Texts (2017</a:t>
+            </a:r>
+            <a:r>
+              <a:rPr kumimoji="1" lang="en-US" altLang="zh-CN" dirty="0" smtClean="0"/>
+              <a:t>)</a:t>
+            </a:r>
+          </a:p>
+          <a:p>
+            <a:pPr lvl="2"/>
+            <a:r>
+              <a:rPr kumimoji="1" lang="en-US" altLang="zh-CN" dirty="0" smtClean="0"/>
+              <a:t>Sentiment </a:t>
+            </a:r>
+            <a:r>
+              <a:rPr kumimoji="1" lang="en-US" altLang="zh-CN" dirty="0"/>
+              <a:t>Classification with Word Attention based on Weakly Supervised Learning with a Convolutional Neural Network (2017</a:t>
+            </a:r>
+            <a:r>
+              <a:rPr kumimoji="1" lang="en-US" altLang="zh-CN" dirty="0" smtClean="0"/>
+              <a:t>)</a:t>
+            </a:r>
+          </a:p>
+          <a:p>
+            <a:pPr lvl="2"/>
+            <a:endParaRPr kumimoji="1" lang="en-US" altLang="zh-CN" dirty="0" smtClean="0"/>
           </a:p>
         </p:txBody>
       </p:sp>
@@ -9600,6 +9779,209 @@
     <p:extLst>
       <p:ext uri="{BB962C8B-B14F-4D97-AF65-F5344CB8AC3E}">
         <p14:creationId xmlns:p14="http://schemas.microsoft.com/office/powerpoint/2010/main" val="316393972"/>
+      </p:ext>
+    </p:extLst>
+  </p:cSld>
+  <p:clrMapOvr>
+    <a:masterClrMapping/>
+  </p:clrMapOvr>
+</p:sld>
+</file>
+
+<file path=ppt/slides/slide19.xml><?xml version="1.0" encoding="utf-8"?>
+<p:sld xmlns:a="http://schemas.openxmlformats.org/drawingml/2006/main" xmlns:r="http://schemas.openxmlformats.org/officeDocument/2006/relationships" xmlns:p="http://schemas.openxmlformats.org/presentationml/2006/main">
+  <p:cSld>
+    <p:spTree>
+      <p:nvGrpSpPr>
+        <p:cNvPr id="1" name=""/>
+        <p:cNvGrpSpPr/>
+        <p:nvPr/>
+      </p:nvGrpSpPr>
+      <p:grpSpPr>
+        <a:xfrm>
+          <a:off x="0" y="0"/>
+          <a:ext cx="0" cy="0"/>
+          <a:chOff x="0" y="0"/>
+          <a:chExt cx="0" cy="0"/>
+        </a:xfrm>
+      </p:grpSpPr>
+      <p:sp>
+        <p:nvSpPr>
+          <p:cNvPr id="2" name="标题 1"/>
+          <p:cNvSpPr>
+            <a:spLocks noGrp="1"/>
+          </p:cNvSpPr>
+          <p:nvPr>
+            <p:ph type="title"/>
+          </p:nvPr>
+        </p:nvSpPr>
+        <p:spPr/>
+        <p:txBody>
+          <a:bodyPr/>
+          <a:lstStyle/>
+          <a:p>
+            <a:r>
+              <a:rPr kumimoji="1" lang="zh-CN" altLang="en-US" dirty="0"/>
+              <a:t>方法总结</a:t>
+            </a:r>
+          </a:p>
+        </p:txBody>
+      </p:sp>
+      <p:sp>
+        <p:nvSpPr>
+          <p:cNvPr id="3" name="内容占位符 2"/>
+          <p:cNvSpPr>
+            <a:spLocks noGrp="1"/>
+          </p:cNvSpPr>
+          <p:nvPr>
+            <p:ph idx="1"/>
+          </p:nvPr>
+        </p:nvSpPr>
+        <p:spPr/>
+        <p:txBody>
+          <a:bodyPr>
+            <a:normAutofit lnSpcReduction="10000"/>
+          </a:bodyPr>
+          <a:lstStyle/>
+          <a:p>
+            <a:r>
+              <a:rPr kumimoji="1" lang="zh-CN" altLang="en-US" dirty="0"/>
+              <a:t>区分回合的发言</a:t>
+            </a:r>
+            <a:endParaRPr kumimoji="1" lang="en-US" altLang="zh-CN" dirty="0"/>
+          </a:p>
+          <a:p>
+            <a:pPr lvl="1"/>
+            <a:r>
+              <a:rPr kumimoji="1" lang="zh-CN" altLang="en-US" dirty="0"/>
+              <a:t>每个发言者的每回合发言先映射到一个固定大小的向量</a:t>
+            </a:r>
+            <a:endParaRPr kumimoji="1" lang="en-US" altLang="zh-CN" dirty="0"/>
+          </a:p>
+          <a:p>
+            <a:pPr lvl="1"/>
+            <a:r>
+              <a:rPr kumimoji="1" lang="zh-CN" altLang="en-US" dirty="0"/>
+              <a:t>两个发言者的每回合发言走同一个通道</a:t>
+            </a:r>
+            <a:endParaRPr kumimoji="1" lang="en-US" altLang="zh-CN" dirty="0"/>
+          </a:p>
+          <a:p>
+            <a:pPr lvl="2"/>
+            <a:r>
+              <a:rPr kumimoji="1" lang="zh-CN" altLang="en-US" dirty="0"/>
+              <a:t>把上下文的特征向量按时间顺序直接拼在一起</a:t>
+            </a:r>
+            <a:endParaRPr kumimoji="1" lang="en-US" altLang="zh-CN" dirty="0"/>
+          </a:p>
+          <a:p>
+            <a:pPr lvl="3"/>
+            <a:r>
+              <a:rPr kumimoji="1" lang="en-US" altLang="zh-CN" dirty="0"/>
+              <a:t>Mining the Minds of Customers from Online Chat Logs (2015)</a:t>
+            </a:r>
+          </a:p>
+          <a:p>
+            <a:pPr lvl="3"/>
+            <a:r>
+              <a:rPr kumimoji="1" lang="en-US" altLang="zh-CN" dirty="0"/>
+              <a:t>Emotion Detection on TV Show Transcripts with Sequence-based Convolutional Neural Networks (2017)</a:t>
+            </a:r>
+          </a:p>
+          <a:p>
+            <a:pPr lvl="2"/>
+            <a:r>
+              <a:rPr kumimoji="1" lang="zh-CN" altLang="en-US" dirty="0"/>
+              <a:t>把上下文的特征以</a:t>
+            </a:r>
+            <a:r>
+              <a:rPr kumimoji="1" lang="en-US" altLang="zh-CN" dirty="0"/>
+              <a:t>CNN/RNN</a:t>
+            </a:r>
+            <a:r>
+              <a:rPr kumimoji="1" lang="zh-CN" altLang="en-US" dirty="0"/>
+              <a:t>结合</a:t>
+            </a:r>
+            <a:endParaRPr kumimoji="1" lang="en-US" altLang="zh-CN" dirty="0"/>
+          </a:p>
+          <a:p>
+            <a:pPr lvl="3"/>
+            <a:r>
+              <a:rPr kumimoji="1" lang="en-US" altLang="zh-CN" dirty="0"/>
+              <a:t>Using Context Information for Dialog Act Classification in DNN Framework (2018)</a:t>
+            </a:r>
+          </a:p>
+          <a:p>
+            <a:pPr lvl="2"/>
+            <a:r>
+              <a:rPr kumimoji="1" lang="zh-CN" altLang="en-US" dirty="0"/>
+              <a:t>把上下文的特征以</a:t>
+            </a:r>
+            <a:r>
+              <a:rPr kumimoji="1" lang="en-US" altLang="zh-CN" dirty="0"/>
+              <a:t>Attention</a:t>
+            </a:r>
+            <a:r>
+              <a:rPr kumimoji="1" lang="zh-CN" altLang="en-US" dirty="0"/>
+              <a:t>结合</a:t>
+            </a:r>
+            <a:endParaRPr kumimoji="1" lang="en-US" altLang="zh-CN" dirty="0"/>
+          </a:p>
+          <a:p>
+            <a:pPr lvl="3"/>
+            <a:r>
+              <a:rPr kumimoji="1" lang="en-US" altLang="zh-CN" dirty="0"/>
+              <a:t>Neural-based Context Representation Learning for Dialog Act Classification (2017)</a:t>
+            </a:r>
+          </a:p>
+          <a:p>
+            <a:pPr lvl="2"/>
+            <a:r>
+              <a:rPr kumimoji="1" lang="zh-CN" altLang="en-US" dirty="0"/>
+              <a:t>其他</a:t>
+            </a:r>
+            <a:endParaRPr kumimoji="1" lang="en-US" altLang="zh-CN" dirty="0"/>
+          </a:p>
+          <a:p>
+            <a:pPr lvl="3"/>
+            <a:r>
+              <a:rPr kumimoji="1" lang="en-US" altLang="zh-CN" dirty="0"/>
+              <a:t>Modeling Multi-turn Conversation with Deep Utterance Aggregation (2018)</a:t>
+            </a:r>
+          </a:p>
+          <a:p>
+            <a:pPr lvl="1"/>
+            <a:r>
+              <a:rPr kumimoji="1" lang="zh-CN" altLang="en-US" dirty="0"/>
+              <a:t>两个发言者的每回合发言分别走不同通道后再融合</a:t>
+            </a:r>
+            <a:endParaRPr kumimoji="1" lang="en-US" altLang="zh-CN" dirty="0"/>
+          </a:p>
+          <a:p>
+            <a:pPr lvl="2"/>
+            <a:r>
+              <a:rPr kumimoji="1" lang="en-US" altLang="zh-CN" dirty="0"/>
+              <a:t>Conversational Memory Network for Emotion Recognition in Dyadic Dialogue Videos (2018)</a:t>
+            </a:r>
+          </a:p>
+          <a:p>
+            <a:pPr lvl="2"/>
+            <a:r>
+              <a:rPr kumimoji="1" lang="en-US" altLang="zh-CN" dirty="0"/>
+              <a:t>ICON: Interactive Conversational Memory Network for Multimodal Emotion Detection (2018</a:t>
+            </a:r>
+            <a:r>
+              <a:rPr kumimoji="1" lang="en-US" altLang="zh-CN" dirty="0" smtClean="0"/>
+              <a:t>)</a:t>
+            </a:r>
+            <a:endParaRPr kumimoji="1" lang="zh-CN" altLang="en-US" dirty="0"/>
+          </a:p>
+        </p:txBody>
+      </p:sp>
+    </p:spTree>
+    <p:extLst>
+      <p:ext uri="{BB962C8B-B14F-4D97-AF65-F5344CB8AC3E}">
+        <p14:creationId xmlns:p14="http://schemas.microsoft.com/office/powerpoint/2010/main" val="1863732632"/>
       </p:ext>
     </p:extLst>
   </p:cSld>

--- a/[报告] Text Emotion Detection.pptx
+++ b/[报告] Text Emotion Detection.pptx
@@ -215,7 +215,7 @@
           <a:p>
             <a:fld id="{983043E2-39BC-0A48-8C2E-4FD7A4F1E838}" type="datetimeFigureOut">
               <a:rPr kumimoji="1" lang="zh-CN" altLang="en-US" smtClean="0"/>
-              <a:t>2018/12/14</a:t>
+              <a:t>2018/12/15</a:t>
             </a:fld>
             <a:endParaRPr kumimoji="1" lang="zh-CN" altLang="en-US"/>
           </a:p>
@@ -1129,7 +1129,7 @@
           <a:p>
             <a:fld id="{E23D9A72-93E2-EA46-BADF-AE74A1DEC3F4}" type="datetimeFigureOut">
               <a:rPr kumimoji="1" lang="zh-CN" altLang="en-US" smtClean="0"/>
-              <a:t>2018/12/14</a:t>
+              <a:t>2018/12/15</a:t>
             </a:fld>
             <a:endParaRPr kumimoji="1" lang="zh-CN" altLang="en-US"/>
           </a:p>
@@ -1337,7 +1337,7 @@
           <a:p>
             <a:fld id="{E23D9A72-93E2-EA46-BADF-AE74A1DEC3F4}" type="datetimeFigureOut">
               <a:rPr kumimoji="1" lang="zh-CN" altLang="en-US" smtClean="0"/>
-              <a:t>2018/12/14</a:t>
+              <a:t>2018/12/15</a:t>
             </a:fld>
             <a:endParaRPr kumimoji="1" lang="zh-CN" altLang="en-US"/>
           </a:p>
@@ -1593,7 +1593,7 @@
           <a:p>
             <a:fld id="{E23D9A72-93E2-EA46-BADF-AE74A1DEC3F4}" type="datetimeFigureOut">
               <a:rPr kumimoji="1" lang="zh-CN" altLang="en-US" smtClean="0"/>
-              <a:t>2018/12/14</a:t>
+              <a:t>2018/12/15</a:t>
             </a:fld>
             <a:endParaRPr kumimoji="1" lang="zh-CN" altLang="en-US"/>
           </a:p>
@@ -1767,7 +1767,7 @@
           <a:p>
             <a:fld id="{E23D9A72-93E2-EA46-BADF-AE74A1DEC3F4}" type="datetimeFigureOut">
               <a:rPr kumimoji="1" lang="zh-CN" altLang="en-US" smtClean="0"/>
-              <a:t>2018/12/14</a:t>
+              <a:t>2018/12/15</a:t>
             </a:fld>
             <a:endParaRPr kumimoji="1" lang="zh-CN" altLang="en-US"/>
           </a:p>
@@ -2110,7 +2110,7 @@
           <a:p>
             <a:fld id="{E23D9A72-93E2-EA46-BADF-AE74A1DEC3F4}" type="datetimeFigureOut">
               <a:rPr kumimoji="1" lang="zh-CN" altLang="en-US" smtClean="0"/>
-              <a:t>2018/12/14</a:t>
+              <a:t>2018/12/15</a:t>
             </a:fld>
             <a:endParaRPr kumimoji="1" lang="zh-CN" altLang="en-US"/>
           </a:p>
@@ -2385,7 +2385,7 @@
           <a:p>
             <a:fld id="{E23D9A72-93E2-EA46-BADF-AE74A1DEC3F4}" type="datetimeFigureOut">
               <a:rPr kumimoji="1" lang="zh-CN" altLang="en-US" smtClean="0"/>
-              <a:t>2018/12/14</a:t>
+              <a:t>2018/12/15</a:t>
             </a:fld>
             <a:endParaRPr kumimoji="1" lang="zh-CN" altLang="en-US"/>
           </a:p>
@@ -2764,7 +2764,7 @@
           <a:p>
             <a:fld id="{E23D9A72-93E2-EA46-BADF-AE74A1DEC3F4}" type="datetimeFigureOut">
               <a:rPr kumimoji="1" lang="zh-CN" altLang="en-US" smtClean="0"/>
-              <a:t>2018/12/14</a:t>
+              <a:t>2018/12/15</a:t>
             </a:fld>
             <a:endParaRPr kumimoji="1" lang="zh-CN" altLang="en-US"/>
           </a:p>
@@ -2882,7 +2882,7 @@
           <a:p>
             <a:fld id="{E23D9A72-93E2-EA46-BADF-AE74A1DEC3F4}" type="datetimeFigureOut">
               <a:rPr kumimoji="1" lang="zh-CN" altLang="en-US" smtClean="0"/>
-              <a:t>2018/12/14</a:t>
+              <a:t>2018/12/15</a:t>
             </a:fld>
             <a:endParaRPr kumimoji="1" lang="zh-CN" altLang="en-US"/>
           </a:p>
@@ -3053,7 +3053,7 @@
           <a:p>
             <a:fld id="{E23D9A72-93E2-EA46-BADF-AE74A1DEC3F4}" type="datetimeFigureOut">
               <a:rPr kumimoji="1" lang="zh-CN" altLang="en-US" smtClean="0"/>
-              <a:t>2018/12/14</a:t>
+              <a:t>2018/12/15</a:t>
             </a:fld>
             <a:endParaRPr kumimoji="1" lang="zh-CN" altLang="en-US"/>
           </a:p>
@@ -3407,7 +3407,7 @@
           <a:p>
             <a:fld id="{E23D9A72-93E2-EA46-BADF-AE74A1DEC3F4}" type="datetimeFigureOut">
               <a:rPr kumimoji="1" lang="zh-CN" altLang="en-US" smtClean="0"/>
-              <a:t>2018/12/14</a:t>
+              <a:t>2018/12/15</a:t>
             </a:fld>
             <a:endParaRPr kumimoji="1" lang="zh-CN" altLang="en-US"/>
           </a:p>
@@ -3789,7 +3789,7 @@
           <a:p>
             <a:fld id="{E23D9A72-93E2-EA46-BADF-AE74A1DEC3F4}" type="datetimeFigureOut">
               <a:rPr kumimoji="1" lang="zh-CN" altLang="en-US" smtClean="0"/>
-              <a:t>2018/12/14</a:t>
+              <a:t>2018/12/15</a:t>
             </a:fld>
             <a:endParaRPr kumimoji="1" lang="zh-CN" altLang="en-US"/>
           </a:p>
@@ -4076,7 +4076,7 @@
           <a:p>
             <a:fld id="{E23D9A72-93E2-EA46-BADF-AE74A1DEC3F4}" type="datetimeFigureOut">
               <a:rPr kumimoji="1" lang="zh-CN" altLang="en-US" smtClean="0"/>
-              <a:t>2018/12/14</a:t>
+              <a:t>2018/12/15</a:t>
             </a:fld>
             <a:endParaRPr kumimoji="1" lang="zh-CN" altLang="en-US"/>
           </a:p>
@@ -5646,6 +5646,13 @@
   <p:clrMapOvr>
     <a:masterClrMapping/>
   </p:clrMapOvr>
+  <p:timing>
+    <p:tnLst>
+      <p:par>
+        <p:cTn id="1" dur="indefinite" restart="never" nodeType="tmRoot"/>
+      </p:par>
+    </p:tnLst>
+  </p:timing>
 </p:sld>
 </file>
 
@@ -5891,6 +5898,13 @@
   <p:clrMapOvr>
     <a:masterClrMapping/>
   </p:clrMapOvr>
+  <p:timing>
+    <p:tnLst>
+      <p:par>
+        <p:cTn id="1" dur="indefinite" restart="never" nodeType="tmRoot"/>
+      </p:par>
+    </p:tnLst>
+  </p:timing>
 </p:sld>
 </file>
 
@@ -7919,6 +7933,13 @@
   <p:clrMapOvr>
     <a:masterClrMapping/>
   </p:clrMapOvr>
+  <p:timing>
+    <p:tnLst>
+      <p:par>
+        <p:cTn id="1" dur="indefinite" restart="never" nodeType="tmRoot"/>
+      </p:par>
+    </p:tnLst>
+  </p:timing>
 </p:sld>
 </file>
 
@@ -8640,6 +8661,13 @@
   <p:clrMapOvr>
     <a:masterClrMapping/>
   </p:clrMapOvr>
+  <p:timing>
+    <p:tnLst>
+      <p:par>
+        <p:cTn id="1" dur="indefinite" restart="never" nodeType="tmRoot"/>
+      </p:par>
+    </p:tnLst>
+  </p:timing>
 </p:sld>
 </file>
 
@@ -9785,6 +9813,13 @@
   <p:clrMapOvr>
     <a:masterClrMapping/>
   </p:clrMapOvr>
+  <p:timing>
+    <p:tnLst>
+      <p:par>
+        <p:cTn id="1" dur="indefinite" restart="never" nodeType="tmRoot"/>
+      </p:par>
+    </p:tnLst>
+  </p:timing>
 </p:sld>
 </file>
 
@@ -9988,6 +10023,13 @@
   <p:clrMapOvr>
     <a:masterClrMapping/>
   </p:clrMapOvr>
+  <p:timing>
+    <p:tnLst>
+      <p:par>
+        <p:cTn id="1" dur="indefinite" restart="never" nodeType="tmRoot"/>
+      </p:par>
+    </p:tnLst>
+  </p:timing>
 </p:sld>
 </file>
 
